--- a/big_presentation.pptx
+++ b/big_presentation.pptx
@@ -5,23 +5,28 @@
     <p:sldMasterId id="2147483648" r:id="rId1"/>
   </p:sldMasterIdLst>
   <p:notesMasterIdLst>
-    <p:notesMasterId r:id="rId13"/>
+    <p:notesMasterId r:id="rId18"/>
   </p:notesMasterIdLst>
   <p:handoutMasterIdLst>
-    <p:handoutMasterId r:id="rId14"/>
+    <p:handoutMasterId r:id="rId19"/>
   </p:handoutMasterIdLst>
   <p:sldIdLst>
     <p:sldId id="256" r:id="rId2"/>
     <p:sldId id="257" r:id="rId3"/>
     <p:sldId id="258" r:id="rId4"/>
-    <p:sldId id="259" r:id="rId5"/>
+    <p:sldId id="271" r:id="rId5"/>
     <p:sldId id="264" r:id="rId6"/>
-    <p:sldId id="262" r:id="rId7"/>
-    <p:sldId id="263" r:id="rId8"/>
-    <p:sldId id="265" r:id="rId9"/>
-    <p:sldId id="266" r:id="rId10"/>
-    <p:sldId id="260" r:id="rId11"/>
-    <p:sldId id="261" r:id="rId12"/>
+    <p:sldId id="259" r:id="rId7"/>
+    <p:sldId id="262" r:id="rId8"/>
+    <p:sldId id="263" r:id="rId9"/>
+    <p:sldId id="265" r:id="rId10"/>
+    <p:sldId id="266" r:id="rId11"/>
+    <p:sldId id="267" r:id="rId12"/>
+    <p:sldId id="268" r:id="rId13"/>
+    <p:sldId id="269" r:id="rId14"/>
+    <p:sldId id="270" r:id="rId15"/>
+    <p:sldId id="260" r:id="rId16"/>
+    <p:sldId id="261" r:id="rId17"/>
   </p:sldIdLst>
   <p:sldSz cx="9144000" cy="6858000" type="screen4x3"/>
   <p:notesSz cx="6858000" cy="9144000"/>
@@ -686,56 +691,26 @@
           <a:p>
             <a:r>
               <a:rPr lang="en-US" dirty="0" smtClean="0"/>
-              <a:t>Main Objective of HSC: understand the correlation between the star formation history and the mass assembly history of Luminous Red Galaxies (LRGs) through studying the logarithmic slope of the luminosity density profiles.</a:t>
-            </a:r>
-          </a:p>
-          <a:p>
+              <a:t>Main Objective of HSC: understand the correlation between a</a:t>
+            </a:r>
+            <a:r>
+              <a:rPr lang="en-US" baseline="0" dirty="0" smtClean="0"/>
+              <a:t> Luminous Red Galaxy’s mass assembly history and the underlying Dark Matter Halo.</a:t>
+            </a:r>
+            <a:r>
+              <a:rPr lang="en-US" baseline="0" dirty="0" smtClean="0"/>
+              <a:t>.</a:t>
+            </a:r>
+          </a:p>
+          <a:p>
+            <a:endParaRPr lang="en-US" baseline="0" dirty="0" smtClean="0"/>
+          </a:p>
+          <a:p>
+            <a:r>
+              <a:rPr lang="en-US" baseline="0" dirty="0" smtClean="0"/>
+              <a:t>We focus on LRGs because they are a well defined, homogenous population: higher mass elliptical galaxies with little to no star formation.</a:t>
+            </a:r>
             <a:endParaRPr lang="en-US" dirty="0" smtClean="0"/>
-          </a:p>
-          <a:p>
-            <a:r>
-              <a:rPr lang="en-US" dirty="0" smtClean="0"/>
-              <a:t>What are LRG’s: LRGs are early-type</a:t>
-            </a:r>
-            <a:r>
-              <a:rPr lang="en-US" baseline="0" dirty="0" smtClean="0"/>
-              <a:t> galaxies. They appear red in color because they have little star formation. We use LRGs because they are a homogeneous population. Since they have a narrow range of color, we can easily identify them. In addition, they have a bright intrinsic luminosity and can be viewed at large distances.</a:t>
-            </a:r>
-            <a:endParaRPr lang="en-US" dirty="0" smtClean="0"/>
-          </a:p>
-          <a:p>
-            <a:endParaRPr lang="en-US" dirty="0" smtClean="0"/>
-          </a:p>
-          <a:p>
-            <a:r>
-              <a:rPr lang="en-US" dirty="0" smtClean="0"/>
-              <a:t>My goal: In order to certify the validity of our results, it is essential that we test the photometric contamination caused by fainter galaxies that are not properly resolved.</a:t>
-            </a:r>
-          </a:p>
-          <a:p>
-            <a:endParaRPr lang="en-US" dirty="0" smtClean="0"/>
-          </a:p>
-          <a:p>
-            <a:r>
-              <a:rPr lang="en-US" dirty="0" smtClean="0"/>
-              <a:t>Why</a:t>
-            </a:r>
-            <a:r>
-              <a:rPr lang="en-US" baseline="0" dirty="0" smtClean="0"/>
-              <a:t> is this important: Galaxies not properly </a:t>
-            </a:r>
-            <a:r>
-              <a:rPr lang="en-US" baseline="0" dirty="0" err="1" smtClean="0"/>
-              <a:t>deblended</a:t>
-            </a:r>
-            <a:r>
-              <a:rPr lang="en-US" baseline="0" dirty="0" smtClean="0"/>
-              <a:t> can saturate the apparent magnitude of the galaxy, most prominently at the outer stellar halo of the galaxy.</a:t>
-            </a:r>
-            <a:endParaRPr lang="en-US" dirty="0" smtClean="0"/>
-          </a:p>
-          <a:p>
-            <a:endParaRPr lang="en-US" dirty="0"/>
           </a:p>
         </p:txBody>
       </p:sp>
@@ -766,6 +741,220 @@
     <p:extLst>
       <p:ext uri="{BB962C8B-B14F-4D97-AF65-F5344CB8AC3E}">
         <p14:creationId xmlns:p14="http://schemas.microsoft.com/office/powerpoint/2010/main" val="140218345"/>
+      </p:ext>
+    </p:extLst>
+  </p:cSld>
+  <p:clrMapOvr>
+    <a:masterClrMapping/>
+  </p:clrMapOvr>
+</p:notes>
+</file>
+
+<file path=ppt/notesSlides/notesSlide10.xml><?xml version="1.0" encoding="utf-8"?>
+<p:notes xmlns:a="http://schemas.openxmlformats.org/drawingml/2006/main" xmlns:r="http://schemas.openxmlformats.org/officeDocument/2006/relationships" xmlns:p="http://schemas.openxmlformats.org/presentationml/2006/main">
+  <p:cSld>
+    <p:spTree>
+      <p:nvGrpSpPr>
+        <p:cNvPr id="1" name=""/>
+        <p:cNvGrpSpPr/>
+        <p:nvPr/>
+      </p:nvGrpSpPr>
+      <p:grpSpPr>
+        <a:xfrm>
+          <a:off x="0" y="0"/>
+          <a:ext cx="0" cy="0"/>
+          <a:chOff x="0" y="0"/>
+          <a:chExt cx="0" cy="0"/>
+        </a:xfrm>
+      </p:grpSpPr>
+      <p:sp>
+        <p:nvSpPr>
+          <p:cNvPr id="2" name="Slide Image Placeholder 1"/>
+          <p:cNvSpPr>
+            <a:spLocks noGrp="1" noRot="1" noChangeAspect="1"/>
+          </p:cNvSpPr>
+          <p:nvPr>
+            <p:ph type="sldImg"/>
+          </p:nvPr>
+        </p:nvSpPr>
+        <p:spPr/>
+      </p:sp>
+      <p:sp>
+        <p:nvSpPr>
+          <p:cNvPr id="3" name="Notes Placeholder 2"/>
+          <p:cNvSpPr>
+            <a:spLocks noGrp="1"/>
+          </p:cNvSpPr>
+          <p:nvPr>
+            <p:ph type="body" idx="1"/>
+          </p:nvPr>
+        </p:nvSpPr>
+        <p:spPr/>
+        <p:txBody>
+          <a:bodyPr/>
+          <a:lstStyle/>
+          <a:p>
+            <a:r>
+              <a:rPr lang="en-US" dirty="0" smtClean="0"/>
+              <a:t>This table compares the </a:t>
+            </a:r>
+            <a:r>
+              <a:rPr lang="en-US" dirty="0" err="1" smtClean="0"/>
+              <a:t>alpha_star</a:t>
+            </a:r>
+            <a:r>
+              <a:rPr lang="en-US" baseline="0" dirty="0" smtClean="0"/>
+              <a:t> slopes of all the stacked galaxies with the medians of the individual galaxies. </a:t>
+            </a:r>
+            <a:r>
+              <a:rPr lang="en-US" baseline="0" dirty="0" err="1" smtClean="0"/>
+              <a:t>Wedon</a:t>
+            </a:r>
+            <a:r>
+              <a:rPr lang="fr-FR" baseline="0" dirty="0" smtClean="0"/>
+              <a:t>’</a:t>
+            </a:r>
+            <a:r>
+              <a:rPr lang="en-US" baseline="0" dirty="0" smtClean="0"/>
+              <a:t>t expect the log stacked slopes to exactly meet up with the median of the distribution. </a:t>
+            </a:r>
+            <a:endParaRPr lang="en-US" dirty="0"/>
+          </a:p>
+        </p:txBody>
+      </p:sp>
+      <p:sp>
+        <p:nvSpPr>
+          <p:cNvPr id="4" name="Slide Number Placeholder 3"/>
+          <p:cNvSpPr>
+            <a:spLocks noGrp="1"/>
+          </p:cNvSpPr>
+          <p:nvPr>
+            <p:ph type="sldNum" sz="quarter" idx="10"/>
+          </p:nvPr>
+        </p:nvSpPr>
+        <p:spPr/>
+        <p:txBody>
+          <a:bodyPr/>
+          <a:lstStyle/>
+          <a:p>
+            <a:fld id="{601C96DA-B53C-B542-A94F-CB2944E40FE5}" type="slidenum">
+              <a:rPr lang="en-US" smtClean="0"/>
+              <a:t>11</a:t>
+            </a:fld>
+            <a:endParaRPr lang="en-US"/>
+          </a:p>
+        </p:txBody>
+      </p:sp>
+    </p:spTree>
+    <p:extLst>
+      <p:ext uri="{BB962C8B-B14F-4D97-AF65-F5344CB8AC3E}">
+        <p14:creationId xmlns:p14="http://schemas.microsoft.com/office/powerpoint/2010/main" val="2243125905"/>
+      </p:ext>
+    </p:extLst>
+  </p:cSld>
+  <p:clrMapOvr>
+    <a:masterClrMapping/>
+  </p:clrMapOvr>
+</p:notes>
+</file>
+
+<file path=ppt/notesSlides/notesSlide11.xml><?xml version="1.0" encoding="utf-8"?>
+<p:notes xmlns:a="http://schemas.openxmlformats.org/drawingml/2006/main" xmlns:r="http://schemas.openxmlformats.org/officeDocument/2006/relationships" xmlns:p="http://schemas.openxmlformats.org/presentationml/2006/main">
+  <p:cSld>
+    <p:spTree>
+      <p:nvGrpSpPr>
+        <p:cNvPr id="1" name=""/>
+        <p:cNvGrpSpPr/>
+        <p:nvPr/>
+      </p:nvGrpSpPr>
+      <p:grpSpPr>
+        <a:xfrm>
+          <a:off x="0" y="0"/>
+          <a:ext cx="0" cy="0"/>
+          <a:chOff x="0" y="0"/>
+          <a:chExt cx="0" cy="0"/>
+        </a:xfrm>
+      </p:grpSpPr>
+      <p:sp>
+        <p:nvSpPr>
+          <p:cNvPr id="2" name="Slide Image Placeholder 1"/>
+          <p:cNvSpPr>
+            <a:spLocks noGrp="1" noRot="1" noChangeAspect="1"/>
+          </p:cNvSpPr>
+          <p:nvPr>
+            <p:ph type="sldImg"/>
+          </p:nvPr>
+        </p:nvSpPr>
+        <p:spPr/>
+      </p:sp>
+      <p:sp>
+        <p:nvSpPr>
+          <p:cNvPr id="3" name="Notes Placeholder 2"/>
+          <p:cNvSpPr>
+            <a:spLocks noGrp="1"/>
+          </p:cNvSpPr>
+          <p:nvPr>
+            <p:ph type="body" idx="1"/>
+          </p:nvPr>
+        </p:nvSpPr>
+        <p:spPr/>
+        <p:txBody>
+          <a:bodyPr/>
+          <a:lstStyle/>
+          <a:p>
+            <a:r>
+              <a:rPr lang="en-US" dirty="0" smtClean="0"/>
+              <a:t>Use Gravitational Lensing to obtain the masses of all these galaxies</a:t>
+            </a:r>
+            <a:r>
+              <a:rPr lang="en-US" baseline="0" dirty="0" smtClean="0"/>
+              <a:t> and ultimately quantify the underlying Dark Matter Halo.</a:t>
+            </a:r>
+            <a:endParaRPr lang="en-US" dirty="0" smtClean="0"/>
+          </a:p>
+          <a:p>
+            <a:endParaRPr lang="en-US" dirty="0" smtClean="0"/>
+          </a:p>
+          <a:p>
+            <a:r>
+              <a:rPr lang="en-US" dirty="0" smtClean="0"/>
+              <a:t>LRGs</a:t>
+            </a:r>
+            <a:r>
+              <a:rPr lang="en-US" baseline="0" dirty="0" smtClean="0"/>
+              <a:t> might contain too narrow of a SFH range. Might want to use younger, more active bright galaxies.</a:t>
+            </a:r>
+            <a:endParaRPr lang="en-US" dirty="0"/>
+          </a:p>
+        </p:txBody>
+      </p:sp>
+      <p:sp>
+        <p:nvSpPr>
+          <p:cNvPr id="4" name="Slide Number Placeholder 3"/>
+          <p:cNvSpPr>
+            <a:spLocks noGrp="1"/>
+          </p:cNvSpPr>
+          <p:nvPr>
+            <p:ph type="sldNum" sz="quarter" idx="10"/>
+          </p:nvPr>
+        </p:nvSpPr>
+        <p:spPr/>
+        <p:txBody>
+          <a:bodyPr/>
+          <a:lstStyle/>
+          <a:p>
+            <a:fld id="{601C96DA-B53C-B542-A94F-CB2944E40FE5}" type="slidenum">
+              <a:rPr lang="en-US" smtClean="0"/>
+              <a:t>13</a:t>
+            </a:fld>
+            <a:endParaRPr lang="en-US"/>
+          </a:p>
+        </p:txBody>
+      </p:sp>
+    </p:spTree>
+    <p:extLst>
+      <p:ext uri="{BB962C8B-B14F-4D97-AF65-F5344CB8AC3E}">
+        <p14:creationId xmlns:p14="http://schemas.microsoft.com/office/powerpoint/2010/main" val="3776754819"/>
       </p:ext>
     </p:extLst>
   </p:cSld>
@@ -820,57 +1009,61 @@
           <a:lstStyle/>
           <a:p>
             <a:r>
-              <a:rPr lang="en-US" dirty="0" smtClean="0"/>
-              <a:t>Our catalogue flags certain galaxies we suspect might contaminate our data. As seen in Table 1, there are a variety of different flags that we determined negatively impact our results, and are therefore</a:t>
-            </a:r>
-            <a:r>
               <a:rPr lang="en-US" baseline="0" dirty="0" smtClean="0"/>
-              <a:t> necessary to </a:t>
+              <a:t>In </a:t>
             </a:r>
             <a:r>
               <a:rPr lang="en-US" baseline="0" dirty="0" err="1" smtClean="0"/>
-              <a:t>disreguard</a:t>
-            </a:r>
-            <a:r>
-              <a:rPr lang="en-US" dirty="0" smtClean="0"/>
-              <a:t>.</a:t>
-            </a:r>
-          </a:p>
-          <a:p>
-            <a:endParaRPr lang="en-US" dirty="0" smtClean="0"/>
-          </a:p>
-          <a:p>
-            <a:r>
-              <a:rPr lang="en-US" dirty="0" smtClean="0"/>
-              <a:t>A</a:t>
+              <a:t>Pillepich</a:t>
             </a:r>
             <a:r>
               <a:rPr lang="en-US" baseline="0" dirty="0" smtClean="0"/>
-              <a:t> galaxy might be flagged for different reasons. For example, if the central pixel of a galaxy is saturated, it might be flagged as </a:t>
+              <a:t> et al, stellar halos are characterized by the logarithmic slope of the luminosity density profiles, which were then related to the properties of the underlying Dark Matter. Stellar Halo slopes (alpha stars) are thought to be direct evidence of the evolution of Cold Dark Matter Halos and their mass assembly histories. Like in the paper, we are interested in the component that extends beyond the main body of the galaxy, the stellar envelope. </a:t>
+            </a:r>
+          </a:p>
+          <a:p>
+            <a:endParaRPr lang="en-US" baseline="0" dirty="0" smtClean="0"/>
+          </a:p>
+          <a:p>
+            <a:r>
+              <a:rPr lang="en-US" baseline="0" dirty="0" smtClean="0"/>
+              <a:t>Figure 1 shows two different projections of dark matter density and stellar light, as well as the corresponding spherically averaged density profile. (elliptical is upper). </a:t>
             </a:r>
             <a:r>
               <a:rPr lang="en-US" baseline="0" dirty="0" err="1" smtClean="0"/>
-              <a:t>flags.pixel.saturated.center</a:t>
+              <a:t>Pillepich</a:t>
             </a:r>
             <a:r>
               <a:rPr lang="en-US" baseline="0" dirty="0" smtClean="0"/>
-              <a:t>.  Or a galaxy located on the edge of our field of view might be cut off, and therefore we </a:t>
+              <a:t> fit the outer averaged density profiles to a single power law. Her boundaries were r1/2 to the </a:t>
             </a:r>
             <a:r>
               <a:rPr lang="en-US" baseline="0" dirty="0" err="1" smtClean="0"/>
-              <a:t>couldn</a:t>
-            </a:r>
-            <a:r>
-              <a:rPr lang="fr-FR" baseline="0" dirty="0" smtClean="0"/>
-              <a:t>’</a:t>
+              <a:t>virial</a:t>
             </a:r>
             <a:r>
               <a:rPr lang="en-US" baseline="0" dirty="0" smtClean="0"/>
-              <a:t>t accurately measure its luminosity. We would label this </a:t>
+              <a:t> radius. We see that the slopes of the mass density profiles for the stars and Dark matter both decrease as our </a:t>
             </a:r>
             <a:r>
               <a:rPr lang="en-US" baseline="0" dirty="0" err="1" smtClean="0"/>
-              <a:t>flags.pixel.edge</a:t>
+              <a:t>comoving</a:t>
+            </a:r>
+            <a:r>
+              <a:rPr lang="en-US" baseline="0" dirty="0" smtClean="0"/>
+              <a:t> distance increases. We eventually want to get our research to be the right-handed figure, plotting the relationship between the slope of the stellar halo and the total mass of the dark matter halo. In that figure, LRGs are the red data points– </a:t>
+            </a:r>
+            <a:r>
+              <a:rPr lang="en-US" baseline="0" dirty="0" err="1" smtClean="0"/>
+              <a:t>highmass</a:t>
+            </a:r>
+            <a:r>
+              <a:rPr lang="en-US" baseline="0" dirty="0" smtClean="0"/>
+              <a:t> </a:t>
+            </a:r>
+            <a:r>
+              <a:rPr lang="en-US" baseline="0" dirty="0" err="1" smtClean="0"/>
+              <a:t>ellipticals</a:t>
             </a:r>
             <a:r>
               <a:rPr lang="en-US" baseline="0" dirty="0" smtClean="0"/>
@@ -878,73 +1071,39 @@
             </a:r>
           </a:p>
           <a:p>
-            <a:endParaRPr lang="en-US" baseline="0" dirty="0" smtClean="0"/>
-          </a:p>
-          <a:p>
+            <a:endParaRPr lang="en-US" dirty="0" smtClean="0"/>
+          </a:p>
+          <a:p>
+            <a:pPr marL="0" marR="0" indent="0" algn="l" defTabSz="457200" rtl="0" eaLnBrk="1" fontAlgn="auto" latinLnBrk="0" hangingPunct="1">
+              <a:lnSpc>
+                <a:spcPct val="100000"/>
+              </a:lnSpc>
+              <a:spcBef>
+                <a:spcPts val="0"/>
+              </a:spcBef>
+              <a:spcAft>
+                <a:spcPts val="0"/>
+              </a:spcAft>
+              <a:buClrTx/>
+              <a:buSzTx/>
+              <a:buFontTx/>
+              <a:buNone/>
+              <a:tabLst/>
+              <a:defRPr/>
+            </a:pPr>
             <a:r>
               <a:rPr lang="en-US" baseline="0" dirty="0" smtClean="0"/>
-              <a:t>My task is to determine whether or not to include the flag: </a:t>
+              <a:t>We want to better understand the coevolution of dark and visible matter throughout the formation of LRGs. Like in </a:t>
             </a:r>
             <a:r>
               <a:rPr lang="en-US" baseline="0" dirty="0" err="1" smtClean="0"/>
-              <a:t>flags.pixel.bright.object</a:t>
+              <a:t>Pillepich</a:t>
             </a:r>
             <a:r>
               <a:rPr lang="en-US" baseline="0" dirty="0" smtClean="0"/>
-              <a:t>. Almost half of the LRGs in our sample are flagged as this. It is very important to determine whether or not these galaxies are safe to use because they make up such a large percentage of our total sample. Automatically assume they are OK to use, and we risk having almost half of our galaxies be contaminated. Assume they are not OK, and our subsample size is too small, and we’ll have to reevaluate our decision to use LRGs.</a:t>
-            </a:r>
-          </a:p>
-          <a:p>
-            <a:endParaRPr lang="en-US" baseline="0" dirty="0" smtClean="0"/>
-          </a:p>
-          <a:p>
-            <a:r>
-              <a:rPr lang="en-US" dirty="0" err="1" smtClean="0"/>
-              <a:t>flags.pixel.interpolated.center</a:t>
-            </a:r>
-            <a:r>
-              <a:rPr lang="en-US" dirty="0" smtClean="0"/>
-              <a:t>:</a:t>
-            </a:r>
-          </a:p>
-          <a:p>
+              <a:t>, we believe this will be accomplished through plotting the luminosity density profile of the LRGs and stacking these profiles. LRGs have little star formation (which causes their red hue). This is important because the luminosity profiles can be homogeneous, and not affected by various rates of star formation. By fitting the slopes of the stacked luminosity profiles, we hope to connect the stellar envelope to the Dark Matter Halo</a:t>
+            </a:r>
             <a:endParaRPr lang="en-US" dirty="0" smtClean="0"/>
-          </a:p>
-          <a:p>
-            <a:r>
-              <a:rPr lang="en-US" dirty="0" err="1" smtClean="0"/>
-              <a:t>flags.pixel.cr.center</a:t>
-            </a:r>
-            <a:r>
-              <a:rPr lang="en-US" dirty="0" smtClean="0"/>
-              <a:t>:</a:t>
-            </a:r>
-          </a:p>
-          <a:p>
-            <a:endParaRPr lang="en-US" dirty="0" smtClean="0"/>
-          </a:p>
-          <a:p>
-            <a:r>
-              <a:rPr lang="en-US" dirty="0" err="1" smtClean="0"/>
-              <a:t>flags.pixel.suspect.center</a:t>
-            </a:r>
-            <a:r>
-              <a:rPr lang="en-US" dirty="0" smtClean="0"/>
-              <a:t>:</a:t>
-            </a:r>
-          </a:p>
-          <a:p>
-            <a:endParaRPr lang="en-US" dirty="0" smtClean="0"/>
-          </a:p>
-          <a:p>
-            <a:r>
-              <a:rPr lang="en-US" dirty="0" err="1" smtClean="0"/>
-              <a:t>flags.pixel.clipped</a:t>
-            </a:r>
-            <a:r>
-              <a:rPr lang="en-US" dirty="0" smtClean="0"/>
-              <a:t> any</a:t>
-            </a:r>
           </a:p>
         </p:txBody>
       </p:sp>
@@ -1030,19 +1189,28 @@
           <a:p>
             <a:r>
               <a:rPr lang="en-US" dirty="0" smtClean="0"/>
-              <a:t>To determine whether</a:t>
+              <a:t>Main Objective of HSC: understand the correlation between a</a:t>
             </a:r>
             <a:r>
               <a:rPr lang="en-US" baseline="0" dirty="0" smtClean="0"/>
-              <a:t> or not bright object centers negatively impact our luminosity profiles, we separate them into two populations, once where </a:t>
+              <a:t> Luminous Red Galaxy’s mass assembly history and the underlying Dark Matter Halo. </a:t>
+            </a:r>
+          </a:p>
+          <a:p>
+            <a:endParaRPr lang="en-US" baseline="0" dirty="0" smtClean="0"/>
+          </a:p>
+          <a:p>
+            <a:r>
+              <a:rPr lang="en-US" baseline="0" dirty="0" smtClean="0"/>
+              <a:t>HSC is a multi-band imaging survey, covering the bands </a:t>
             </a:r>
             <a:r>
               <a:rPr lang="en-US" baseline="0" dirty="0" err="1" smtClean="0"/>
-              <a:t>flags.pixel.bright.object</a:t>
+              <a:t>g,r,i,z,y</a:t>
             </a:r>
             <a:r>
               <a:rPr lang="en-US" baseline="0" dirty="0" smtClean="0"/>
-              <a:t> is TRUE and one where it is FALSE.</a:t>
+              <a:t>. It gets multi-aperture magnitudes for every galaxy. I specifically use the I band throughout my tests.</a:t>
             </a:r>
           </a:p>
           <a:p>
@@ -1051,15 +1219,66 @@
           <a:p>
             <a:r>
               <a:rPr lang="en-US" baseline="0" dirty="0" smtClean="0"/>
-              <a:t>Before we make the luminosity profiles, we want to check that all of our galaxies have a </a:t>
+              <a:t>For our survey, we are using HSC’s Wide field. It is important to note that there has been other observational studies that use stellar profiles as a probe of mass assembly. However, HSC goes to very low surface brightness and can probe the envelope better and for more galaxies. Therefore, it is the best tool for this technique.</a:t>
+            </a:r>
+          </a:p>
+          <a:p>
+            <a:endParaRPr lang="en-US" baseline="0" dirty="0" smtClean="0"/>
+          </a:p>
+          <a:p>
+            <a:pPr marL="0" marR="0" indent="0" algn="l" defTabSz="457200" rtl="0" eaLnBrk="1" fontAlgn="auto" latinLnBrk="0" hangingPunct="1">
+              <a:lnSpc>
+                <a:spcPct val="100000"/>
+              </a:lnSpc>
+              <a:spcBef>
+                <a:spcPts val="0"/>
+              </a:spcBef>
+              <a:spcAft>
+                <a:spcPts val="0"/>
+              </a:spcAft>
+              <a:buClrTx/>
+              <a:buSzTx/>
+              <a:buFontTx/>
+              <a:buNone/>
+              <a:tabLst/>
+              <a:defRPr/>
+            </a:pPr>
+            <a:r>
+              <a:rPr lang="en-US" dirty="0" smtClean="0"/>
+              <a:t>In order to certify the validity of our results, it is essential that we test the photometric contamination caused by fainter galaxies that are not properly resolved. Our catalogue flags certain galaxies we suspect might contaminate our data. As seen in the table, there are a variety of different flags that we determined negatively impact our results, and are therefore</a:t>
+            </a:r>
+            <a:r>
+              <a:rPr lang="en-US" baseline="0" dirty="0" smtClean="0"/>
+              <a:t> necessary to disregard</a:t>
+            </a:r>
+            <a:r>
+              <a:rPr lang="en-US" dirty="0" smtClean="0"/>
+              <a:t>. For example…</a:t>
+            </a:r>
+          </a:p>
+          <a:p>
+            <a:endParaRPr lang="en-US" dirty="0" smtClean="0"/>
+          </a:p>
+          <a:p>
+            <a:r>
+              <a:rPr lang="en-US" baseline="0" dirty="0" smtClean="0"/>
+              <a:t>My first task was to determine whether or not galaxies flagged as bright objects should be </a:t>
             </a:r>
             <a:r>
               <a:rPr lang="en-US" baseline="0" dirty="0" err="1" smtClean="0"/>
-              <a:t>gaussian</a:t>
+              <a:t>disregraded</a:t>
             </a:r>
             <a:r>
               <a:rPr lang="en-US" baseline="0" dirty="0" smtClean="0"/>
-              <a:t> distribution of redshifts and luminosities. I plot the distributions of both.</a:t>
+              <a:t>. Galaxies not properly resolved, or </a:t>
+            </a:r>
+            <a:r>
+              <a:rPr lang="en-US" baseline="0" dirty="0" err="1" smtClean="0"/>
+              <a:t>deblended</a:t>
+            </a:r>
+            <a:r>
+              <a:rPr lang="en-US" baseline="0" dirty="0" smtClean="0"/>
+              <a:t>,  can saturate the apparent magnitude of the galaxy, most prominently at the outer stellar halo of the galaxy. Thus, they appear to be brighter. Since galaxies flagged as this make up almost half of our sample, it is crucial to determine whether or not these should be removed.</a:t>
             </a:r>
             <a:endParaRPr lang="en-US" dirty="0" smtClean="0"/>
           </a:p>
@@ -1067,19 +1286,12 @@
             <a:endParaRPr lang="en-US" dirty="0" smtClean="0"/>
           </a:p>
           <a:p>
-            <a:r>
-              <a:rPr lang="en-US" dirty="0" smtClean="0"/>
-              <a:t>Varying parts of the stacked profile use distinct galaxies at different redshifts. The apparent magnitudes and redshifts for the flagged galaxies aren't normally distributed like the non-flagged galaxies. While the blue bars trail off at m=17, we also notice that they trail off at z=0.2. Since these galaxies were of lower redshift, they appear to be more luminous. Since we are measuring intrinsic brightness, our stacked profile was falsely brighter. </a:t>
-            </a:r>
-          </a:p>
-          <a:p>
             <a:endParaRPr lang="en-US" dirty="0" smtClean="0"/>
           </a:p>
           <a:p>
-            <a:r>
-              <a:rPr lang="en-US" dirty="0" smtClean="0"/>
-              <a:t>This is evidence that those LRGs are flagged as Bright Objects because they offset our stacked profile. Therefore, we set a lower limit of 0.2 to our redshift distribution. </a:t>
-            </a:r>
+            <a:endParaRPr lang="en-US" dirty="0" smtClean="0"/>
+          </a:p>
+          <a:p>
             <a:endParaRPr lang="en-US" dirty="0"/>
           </a:p>
         </p:txBody>
@@ -1110,7 +1322,7 @@
     </p:spTree>
     <p:extLst>
       <p:ext uri="{BB962C8B-B14F-4D97-AF65-F5344CB8AC3E}">
-        <p14:creationId xmlns:p14="http://schemas.microsoft.com/office/powerpoint/2010/main" val="1582717068"/>
+        <p14:creationId xmlns:p14="http://schemas.microsoft.com/office/powerpoint/2010/main" val="3669016472"/>
       </p:ext>
     </p:extLst>
   </p:cSld>
@@ -1163,6 +1375,45 @@
         <p:txBody>
           <a:bodyPr/>
           <a:lstStyle/>
+          <a:p>
+            <a:pPr marL="0" marR="0" indent="0" algn="l" defTabSz="457200" rtl="0" eaLnBrk="1" fontAlgn="auto" latinLnBrk="0" hangingPunct="1">
+              <a:lnSpc>
+                <a:spcPct val="100000"/>
+              </a:lnSpc>
+              <a:spcBef>
+                <a:spcPts val="0"/>
+              </a:spcBef>
+              <a:spcAft>
+                <a:spcPts val="0"/>
+              </a:spcAft>
+              <a:buClrTx/>
+              <a:buSzTx/>
+              <a:buFontTx/>
+              <a:buNone/>
+              <a:tabLst/>
+              <a:defRPr/>
+            </a:pPr>
+            <a:r>
+              <a:rPr lang="en-US" dirty="0" smtClean="0"/>
+              <a:t>To determine whether</a:t>
+            </a:r>
+            <a:r>
+              <a:rPr lang="en-US" baseline="0" dirty="0" smtClean="0"/>
+              <a:t> or not bright object centers negatively impact our luminosity profiles, we separate them into two populations, once where </a:t>
+            </a:r>
+            <a:r>
+              <a:rPr lang="en-US" baseline="0" dirty="0" err="1" smtClean="0"/>
+              <a:t>flags.pixel.bright.object</a:t>
+            </a:r>
+            <a:r>
+              <a:rPr lang="en-US" baseline="0" dirty="0" smtClean="0"/>
+              <a:t> is TRUE and one where it is FALSE.</a:t>
+            </a:r>
+            <a:endParaRPr lang="en-US" dirty="0" smtClean="0"/>
+          </a:p>
+          <a:p>
+            <a:endParaRPr lang="en-US" dirty="0" smtClean="0"/>
+          </a:p>
           <a:p>
             <a:r>
               <a:rPr lang="en-US" dirty="0" smtClean="0"/>
@@ -1329,42 +1580,17 @@
           <a:bodyPr/>
           <a:lstStyle/>
           <a:p>
-            <a:pPr marL="0" marR="0" indent="0" algn="l" defTabSz="457200" rtl="0" eaLnBrk="1" fontAlgn="auto" latinLnBrk="0" hangingPunct="1">
-              <a:lnSpc>
-                <a:spcPct val="100000"/>
-              </a:lnSpc>
-              <a:spcBef>
-                <a:spcPts val="0"/>
-              </a:spcBef>
-              <a:spcAft>
-                <a:spcPts val="0"/>
-              </a:spcAft>
-              <a:buClrTx/>
-              <a:buSzTx/>
-              <a:buFontTx/>
-              <a:buNone/>
-              <a:tabLst/>
-              <a:defRPr/>
-            </a:pPr>
             <a:r>
               <a:rPr lang="en-US" baseline="0" dirty="0" smtClean="0"/>
-              <a:t>Finally, we fit a line of best fit (using linear regression) to the stacked profile and the individual profiles. In order to homogenize our results, so they are all fit to the same physical boundary, we set an inner boundary of r1/2 and an outer boundary of exactly 6r1/2 to both individual luminosity profiles and stacked profiles. The half radii typically marks the inner boundary of the galactic halo. While typically the </a:t>
+              <a:t>Before we make the luminosity profiles, we want to check that all of our galaxies have a </a:t>
             </a:r>
             <a:r>
               <a:rPr lang="en-US" baseline="0" dirty="0" err="1" smtClean="0"/>
-              <a:t>virial</a:t>
+              <a:t>gaussian</a:t>
             </a:r>
             <a:r>
               <a:rPr lang="en-US" baseline="0" dirty="0" smtClean="0"/>
-              <a:t> radius is used for the outer boundary, we found that the </a:t>
-            </a:r>
-            <a:r>
-              <a:rPr lang="en-US" baseline="0" dirty="0" err="1" smtClean="0"/>
-              <a:t>virial</a:t>
-            </a:r>
-            <a:r>
-              <a:rPr lang="en-US" baseline="0" dirty="0" smtClean="0"/>
-              <a:t> radius extended beyond our largest aperture. This helps avoid contamination from un-blended sources at the edge of bright galaxies’ envelopes.</a:t>
+              <a:t> distribution of redshifts and luminosities. I plot the distributions of both.</a:t>
             </a:r>
             <a:endParaRPr lang="en-US" dirty="0" smtClean="0"/>
           </a:p>
@@ -1374,7 +1600,7 @@
           <a:p>
             <a:r>
               <a:rPr lang="en-US" dirty="0" smtClean="0"/>
-              <a:t>Getting the slope is important because…</a:t>
+              <a:t>Varying parts of the stacked profile use distinct galaxies at different redshifts. The apparent magnitudes and redshifts for the flagged galaxies aren't normally distributed like the non-flagged galaxies. While the blue bars trail off at m=17, we also notice that they trail off at z=0.2. Since these galaxies were of lower redshift, they appear to be more luminous. Since we are measuring intrinsic brightness, our stacked profile was falsely brighter. </a:t>
             </a:r>
           </a:p>
           <a:p>
@@ -1383,11 +1609,7 @@
           <a:p>
             <a:r>
               <a:rPr lang="en-US" dirty="0" smtClean="0"/>
-              <a:t>Interestingly, we see that galaxies flagged as bright objects are in agreement with those not flagged. The</a:t>
-            </a:r>
-            <a:r>
-              <a:rPr lang="en-US" baseline="0" dirty="0" smtClean="0"/>
-              <a:t> error is negligent, and the bright objects are barely, if any, more luminous than the galaxies not flagged as bright objects.</a:t>
+              <a:t>This is evidence that those LRGs are flagged as Bright Objects because they offset our stacked profile. Therefore, we set a lower limit of 0.2 to our redshift distribution. </a:t>
             </a:r>
             <a:endParaRPr lang="en-US" dirty="0"/>
           </a:p>
@@ -1419,7 +1641,7 @@
     </p:spTree>
     <p:extLst>
       <p:ext uri="{BB962C8B-B14F-4D97-AF65-F5344CB8AC3E}">
-        <p14:creationId xmlns:p14="http://schemas.microsoft.com/office/powerpoint/2010/main" val="1164197698"/>
+        <p14:creationId xmlns:p14="http://schemas.microsoft.com/office/powerpoint/2010/main" val="1582717068"/>
       </p:ext>
     </p:extLst>
   </p:cSld>
@@ -1473,48 +1695,65 @@
           <a:bodyPr/>
           <a:lstStyle/>
           <a:p>
+            <a:pPr marL="0" marR="0" indent="0" algn="l" defTabSz="457200" rtl="0" eaLnBrk="1" fontAlgn="auto" latinLnBrk="0" hangingPunct="1">
+              <a:lnSpc>
+                <a:spcPct val="100000"/>
+              </a:lnSpc>
+              <a:spcBef>
+                <a:spcPts val="0"/>
+              </a:spcBef>
+              <a:spcAft>
+                <a:spcPts val="0"/>
+              </a:spcAft>
+              <a:buClrTx/>
+              <a:buSzTx/>
+              <a:buFontTx/>
+              <a:buNone/>
+              <a:tabLst/>
+              <a:defRPr/>
+            </a:pPr>
+            <a:r>
+              <a:rPr lang="en-US" baseline="0" dirty="0" smtClean="0"/>
+              <a:t>Finally, we fit a line of best fit (using linear regression) to the stacked profile and the individual profiles. In order to homogenize our results, so they are all fit to the same physical boundary, we set an inner boundary of r1/2 and an outer boundary of exactly 6r1/2 to both individual luminosity profiles and stacked profiles. The half radii typically marks the inner boundary of the galactic halo. While typically the </a:t>
+            </a:r>
+            <a:r>
+              <a:rPr lang="en-US" baseline="0" dirty="0" err="1" smtClean="0"/>
+              <a:t>virial</a:t>
+            </a:r>
+            <a:r>
+              <a:rPr lang="en-US" baseline="0" dirty="0" smtClean="0"/>
+              <a:t> radius is used for the outer boundary, we found that the </a:t>
+            </a:r>
+            <a:r>
+              <a:rPr lang="en-US" baseline="0" dirty="0" err="1" smtClean="0"/>
+              <a:t>virial</a:t>
+            </a:r>
+            <a:r>
+              <a:rPr lang="en-US" baseline="0" dirty="0" smtClean="0"/>
+              <a:t> radius extended beyond our largest aperture. This helps avoid contamination from un-blended sources at the edge of bright galaxies’ envelopes.</a:t>
+            </a:r>
+            <a:endParaRPr lang="en-US" dirty="0" smtClean="0"/>
+          </a:p>
+          <a:p>
+            <a:endParaRPr lang="en-US" dirty="0" smtClean="0"/>
+          </a:p>
+          <a:p>
             <a:r>
               <a:rPr lang="en-US" dirty="0" smtClean="0"/>
-              <a:t>One</a:t>
+              <a:t>Getting the slope is important because…</a:t>
+            </a:r>
+          </a:p>
+          <a:p>
+            <a:endParaRPr lang="en-US" dirty="0" smtClean="0"/>
+          </a:p>
+          <a:p>
+            <a:r>
+              <a:rPr lang="en-US" dirty="0" smtClean="0"/>
+              <a:t>Interestingly, we see that galaxies flagged as bright objects are in agreement with those not flagged. The</a:t>
             </a:r>
             <a:r>
               <a:rPr lang="en-US" baseline="0" dirty="0" smtClean="0"/>
-              <a:t> test we want to accomplish is determining if there is a relationship between the luminosity profile slopes and star formation history. </a:t>
-            </a:r>
-          </a:p>
-          <a:p>
-            <a:endParaRPr lang="en-US" baseline="0" dirty="0" smtClean="0"/>
-          </a:p>
-          <a:p>
-            <a:r>
-              <a:rPr lang="en-US" baseline="0" dirty="0" smtClean="0"/>
-              <a:t>Using a code that fits the spectra of all LRGs, we match those galaxies with the ones in our first catalogue to get their total spectral data. We now have access to each galaxies </a:t>
-            </a:r>
-            <a:r>
-              <a:rPr lang="en-US" baseline="0" dirty="0" err="1" smtClean="0"/>
-              <a:t>metallicity</a:t>
-            </a:r>
-            <a:r>
-              <a:rPr lang="en-US" baseline="0" dirty="0" smtClean="0"/>
-              <a:t>, as well as their mass formation histories.</a:t>
-            </a:r>
-          </a:p>
-          <a:p>
-            <a:endParaRPr lang="en-US" baseline="0" dirty="0" smtClean="0"/>
-          </a:p>
-          <a:p>
-            <a:r>
-              <a:rPr lang="en-US" baseline="0" dirty="0" smtClean="0"/>
-              <a:t>These are all early-type galaxies, but we can still separate them into older and younger galaxies based on when they accumulated the most mass. We choose to label the older galaxies those which had most of their mass formed in the oldest age bin (between 9.06 and 14 billion years ago.) All of the other galaxies we consider “younger.”</a:t>
-            </a:r>
-          </a:p>
-          <a:p>
-            <a:endParaRPr lang="en-US" baseline="0" dirty="0" smtClean="0"/>
-          </a:p>
-          <a:p>
-            <a:r>
-              <a:rPr lang="en-US" baseline="0" dirty="0" smtClean="0"/>
-              <a:t>Above, after separating the LRGs into two separate populations, I find the mass fraction (by dividing the mass of a galaxy in each age bin by the total current mass of the galaxy) for each galaxy and stacking those mass fractions into each age bin. As expected, the majority of the mass is formed in the oldest age bin, remains the same regardless of the age of the LRGs.</a:t>
+              <a:t> error is negligent, and the bright objects are barely, if any, more luminous than the galaxies not flagged as bright objects.</a:t>
             </a:r>
             <a:endParaRPr lang="en-US" dirty="0"/>
           </a:p>
@@ -1546,7 +1785,7 @@
     </p:spTree>
     <p:extLst>
       <p:ext uri="{BB962C8B-B14F-4D97-AF65-F5344CB8AC3E}">
-        <p14:creationId xmlns:p14="http://schemas.microsoft.com/office/powerpoint/2010/main" val="617202494"/>
+        <p14:creationId xmlns:p14="http://schemas.microsoft.com/office/powerpoint/2010/main" val="1164197698"/>
       </p:ext>
     </p:extLst>
   </p:cSld>
@@ -1601,12 +1840,72 @@
           <a:lstStyle/>
           <a:p>
             <a:r>
+              <a:rPr lang="en-US" baseline="0" dirty="0" smtClean="0"/>
+              <a:t>Every time a galaxy goes through a merger, visible aspects of a galaxy’s spectrum is affected, such as the distribution of stars in the stellar envelope. However, the Dark matter in its halo is also tidally disrupted. </a:t>
+            </a:r>
+          </a:p>
+          <a:p>
+            <a:endParaRPr lang="en-US" dirty="0" smtClean="0"/>
+          </a:p>
+          <a:p>
+            <a:r>
               <a:rPr lang="en-US" dirty="0" smtClean="0"/>
-              <a:t>If we were to solely compare slopes of the older and younger galaxies, they would</a:t>
+              <a:t>Because LRGs</a:t>
             </a:r>
             <a:r>
               <a:rPr lang="en-US" baseline="0" dirty="0" smtClean="0"/>
-              <a:t> appear to be in agreement. The stacked slopes coincide with the Gaussian distribution of the individual slopes within one sigma.  While it is easy to automatically conclude that star formation history doesn’t affect mass accretion, it is important to note that about half of the galaxies in each older and younger population are flagged as Bright Objects. Next, individually for each population, we must compare the flagged and not flagged subsamples</a:t>
+              <a:t> are all early-type (old) galaxies, they are more likely to have already undergone mergers and we can more easily uncover the Dark matter distribution. </a:t>
+            </a:r>
+          </a:p>
+          <a:p>
+            <a:endParaRPr lang="en-US" dirty="0" smtClean="0"/>
+          </a:p>
+          <a:p>
+            <a:endParaRPr lang="en-US" dirty="0" smtClean="0"/>
+          </a:p>
+          <a:p>
+            <a:r>
+              <a:rPr lang="en-US" dirty="0" smtClean="0"/>
+              <a:t>One</a:t>
+            </a:r>
+            <a:r>
+              <a:rPr lang="en-US" baseline="0" dirty="0" smtClean="0"/>
+              <a:t> test we want to accomplish is determining if there is a relationship between the luminosity profile slopes and star formation history. </a:t>
+            </a:r>
+          </a:p>
+          <a:p>
+            <a:endParaRPr lang="en-US" baseline="0" dirty="0" smtClean="0"/>
+          </a:p>
+          <a:p>
+            <a:r>
+              <a:rPr lang="en-US" baseline="0" dirty="0" smtClean="0"/>
+              <a:t>Using a code that fits the spectra of all LRGs, we match those galaxies with the ones in our first catalogue to get their total spectral data. We now have access to each galaxies </a:t>
+            </a:r>
+            <a:r>
+              <a:rPr lang="en-US" baseline="0" dirty="0" err="1" smtClean="0"/>
+              <a:t>metallicity</a:t>
+            </a:r>
+            <a:r>
+              <a:rPr lang="en-US" baseline="0" dirty="0" smtClean="0"/>
+              <a:t>, as well as their mass formation histories.</a:t>
+            </a:r>
+          </a:p>
+          <a:p>
+            <a:endParaRPr lang="en-US" baseline="0" dirty="0" smtClean="0"/>
+          </a:p>
+          <a:p>
+            <a:r>
+              <a:rPr lang="en-US" baseline="0" dirty="0" smtClean="0"/>
+              <a:t>These are all early-type galaxies, but we can still distinguish them by SFH based on when they accumulated the most mass. We choose to label the older galaxies those which had most of their mass formed in the oldest age bin (between 9.06 and 14 billion years ago.) All of the other galaxies we consider “younger.”</a:t>
+            </a:r>
+          </a:p>
+          <a:p>
+            <a:endParaRPr lang="en-US" baseline="0" dirty="0" smtClean="0"/>
+          </a:p>
+          <a:p>
+            <a:r>
+              <a:rPr lang="en-US" baseline="0" dirty="0" smtClean="0"/>
+              <a:t>Above, after separating the LRGs into two separate populations, I find the mass fraction (by dividing the mass of a galaxy in each age bin by the total current mass of the galaxy) for each galaxy and stacking those mass fractions into each age bin. As expected, the majority of the mass is formed in the oldest age bin, remains the same regardless of the age of the LRGs.</a:t>
             </a:r>
             <a:endParaRPr lang="en-US" dirty="0"/>
           </a:p>
@@ -1638,7 +1937,7 @@
     </p:spTree>
     <p:extLst>
       <p:ext uri="{BB962C8B-B14F-4D97-AF65-F5344CB8AC3E}">
-        <p14:creationId xmlns:p14="http://schemas.microsoft.com/office/powerpoint/2010/main" val="2826134056"/>
+        <p14:creationId xmlns:p14="http://schemas.microsoft.com/office/powerpoint/2010/main" val="617202494"/>
       </p:ext>
     </p:extLst>
   </p:cSld>
@@ -1692,10 +1991,110 @@
           <a:bodyPr/>
           <a:lstStyle/>
           <a:p>
+            <a:r>
+              <a:rPr lang="en-US" dirty="0" smtClean="0"/>
+              <a:t>If we were to solely compare slopes of the older and younger galaxies, they would</a:t>
+            </a:r>
+            <a:r>
+              <a:rPr lang="en-US" baseline="0" dirty="0" smtClean="0"/>
+              <a:t> appear to be in agreement. The stacked slopes coincide with the Gaussian distribution of the individual slopes within one sigma.  While it is easy to automatically conclude that star formation history doesn’t affect mass accretion, it is important to note that about half of the galaxies in each older and younger population are flagged as Bright Objects. Next, individually for each population, we must compare the flagged and not flagged subsamples</a:t>
+            </a:r>
+            <a:endParaRPr lang="en-US" dirty="0"/>
+          </a:p>
+        </p:txBody>
+      </p:sp>
+      <p:sp>
+        <p:nvSpPr>
+          <p:cNvPr id="4" name="Slide Number Placeholder 3"/>
+          <p:cNvSpPr>
+            <a:spLocks noGrp="1"/>
+          </p:cNvSpPr>
+          <p:nvPr>
+            <p:ph type="sldNum" sz="quarter" idx="10"/>
+          </p:nvPr>
+        </p:nvSpPr>
+        <p:spPr/>
+        <p:txBody>
+          <a:bodyPr/>
+          <a:lstStyle/>
+          <a:p>
+            <a:fld id="{601C96DA-B53C-B542-A94F-CB2944E40FE5}" type="slidenum">
+              <a:rPr lang="en-US" smtClean="0"/>
+              <a:t>9</a:t>
+            </a:fld>
             <a:endParaRPr lang="en-US"/>
           </a:p>
         </p:txBody>
       </p:sp>
+    </p:spTree>
+    <p:extLst>
+      <p:ext uri="{BB962C8B-B14F-4D97-AF65-F5344CB8AC3E}">
+        <p14:creationId xmlns:p14="http://schemas.microsoft.com/office/powerpoint/2010/main" val="2826134056"/>
+      </p:ext>
+    </p:extLst>
+  </p:cSld>
+  <p:clrMapOvr>
+    <a:masterClrMapping/>
+  </p:clrMapOvr>
+</p:notes>
+</file>
+
+<file path=ppt/notesSlides/notesSlide9.xml><?xml version="1.0" encoding="utf-8"?>
+<p:notes xmlns:a="http://schemas.openxmlformats.org/drawingml/2006/main" xmlns:r="http://schemas.openxmlformats.org/officeDocument/2006/relationships" xmlns:p="http://schemas.openxmlformats.org/presentationml/2006/main">
+  <p:cSld>
+    <p:spTree>
+      <p:nvGrpSpPr>
+        <p:cNvPr id="1" name=""/>
+        <p:cNvGrpSpPr/>
+        <p:nvPr/>
+      </p:nvGrpSpPr>
+      <p:grpSpPr>
+        <a:xfrm>
+          <a:off x="0" y="0"/>
+          <a:ext cx="0" cy="0"/>
+          <a:chOff x="0" y="0"/>
+          <a:chExt cx="0" cy="0"/>
+        </a:xfrm>
+      </p:grpSpPr>
+      <p:sp>
+        <p:nvSpPr>
+          <p:cNvPr id="2" name="Slide Image Placeholder 1"/>
+          <p:cNvSpPr>
+            <a:spLocks noGrp="1" noRot="1" noChangeAspect="1"/>
+          </p:cNvSpPr>
+          <p:nvPr>
+            <p:ph type="sldImg"/>
+          </p:nvPr>
+        </p:nvSpPr>
+        <p:spPr/>
+      </p:sp>
+      <p:sp>
+        <p:nvSpPr>
+          <p:cNvPr id="3" name="Notes Placeholder 2"/>
+          <p:cNvSpPr>
+            <a:spLocks noGrp="1"/>
+          </p:cNvSpPr>
+          <p:nvPr>
+            <p:ph type="body" idx="1"/>
+          </p:nvPr>
+        </p:nvSpPr>
+        <p:spPr/>
+        <p:txBody>
+          <a:bodyPr/>
+          <a:lstStyle/>
+          <a:p>
+            <a:r>
+              <a:rPr lang="en-US" dirty="0" smtClean="0"/>
+              <a:t>Just</a:t>
+            </a:r>
+            <a:r>
+              <a:rPr lang="en-US" baseline="0" dirty="0" smtClean="0"/>
+              <a:t> as we saw when we plotted the luminosity profiles of all the flagged and not flagged galaxies, there is no significant difference between the flagged and not flagged stacked profiles for the different SFH. </a:t>
+            </a:r>
+            <a:endParaRPr lang="en-US" dirty="0"/>
+          </a:p>
+        </p:txBody>
+      </p:sp>
       <p:sp>
         <p:nvSpPr>
           <p:cNvPr id="4" name="Slide Number Placeholder 3"/>
@@ -1713,7 +2112,7 @@
           <a:p>
             <a:fld id="{601C96DA-B53C-B542-A94F-CB2944E40FE5}" type="slidenum">
               <a:rPr lang="en-US" smtClean="0"/>
-              <a:t>9</a:t>
+              <a:t>10</a:t>
             </a:fld>
             <a:endParaRPr lang="en-US"/>
           </a:p>
@@ -4781,12 +5180,14 @@
         </p:nvSpPr>
         <p:spPr/>
         <p:txBody>
-          <a:bodyPr/>
+          <a:bodyPr>
+            <a:normAutofit fontScale="90000"/>
+          </a:bodyPr>
           <a:lstStyle/>
           <a:p>
             <a:r>
               <a:rPr lang="en-US" dirty="0" smtClean="0"/>
-              <a:t>Testing Photometric Issues in Luminous Red Galaxies</a:t>
+              <a:t>Understanding Star Formation Histories of Luminous Red Galaxies</a:t>
             </a:r>
             <a:endParaRPr lang="en-US" dirty="0"/>
           </a:p>
@@ -4862,7 +5263,7 @@
           <a:p>
             <a:r>
               <a:rPr lang="en-US" dirty="0" smtClean="0"/>
-              <a:t>Relevant Equations</a:t>
+              <a:t>With and Without Flags</a:t>
             </a:r>
             <a:endParaRPr lang="en-US" dirty="0"/>
           </a:p>
@@ -4870,82 +5271,109 @@
       </p:sp>
       <p:sp>
         <p:nvSpPr>
-          <p:cNvPr id="3" name="Content Placeholder 2"/>
-          <p:cNvSpPr>
-            <a:spLocks noGrp="1"/>
-          </p:cNvSpPr>
+          <p:cNvPr id="4" name="Footer Placeholder 3"/>
+          <p:cNvSpPr>
+            <a:spLocks noGrp="1"/>
+          </p:cNvSpPr>
+          <p:nvPr>
+            <p:ph type="ftr" sz="quarter" idx="11"/>
+          </p:nvPr>
+        </p:nvSpPr>
+        <p:spPr/>
+        <p:txBody>
+          <a:bodyPr/>
+          <a:lstStyle/>
+          <a:p>
+            <a:r>
+              <a:rPr lang="en-US" smtClean="0"/>
+              <a:t>Amanda Newmark</a:t>
+            </a:r>
+            <a:endParaRPr lang="en-US"/>
+          </a:p>
+        </p:txBody>
+      </p:sp>
+      <p:sp>
+        <p:nvSpPr>
+          <p:cNvPr id="10" name="TextBox 9"/>
+          <p:cNvSpPr txBox="1"/>
+          <p:nvPr/>
+        </p:nvSpPr>
+        <p:spPr>
+          <a:xfrm>
+            <a:off x="1613428" y="6319927"/>
+            <a:ext cx="1510772" cy="276999"/>
+          </a:xfrm>
+          <a:prstGeom prst="rect">
+            <a:avLst/>
+          </a:prstGeom>
+          <a:noFill/>
+          <a:ln>
+            <a:solidFill>
+              <a:schemeClr val="tx1"/>
+            </a:solidFill>
+          </a:ln>
+        </p:spPr>
+        <p:txBody>
+          <a:bodyPr wrap="square" rtlCol="0">
+            <a:spAutoFit/>
+          </a:bodyPr>
+          <a:lstStyle/>
+          <a:p>
+            <a:r>
+              <a:rPr lang="en-US" sz="1200" dirty="0" smtClean="0"/>
+              <a:t>Newmark et al 2016</a:t>
+            </a:r>
+            <a:endParaRPr lang="en-US" sz="1200" dirty="0"/>
+          </a:p>
+        </p:txBody>
+      </p:sp>
+      <p:pic>
+        <p:nvPicPr>
+          <p:cNvPr id="14" name="Content Placeholder 13" descr="Screen Shot 2016-07-27 at 11.25.11 AM.png"/>
+          <p:cNvPicPr>
+            <a:picLocks noGrp="1" noChangeAspect="1"/>
+          </p:cNvPicPr>
           <p:nvPr>
             <p:ph idx="1"/>
           </p:nvPr>
-        </p:nvSpPr>
-        <p:spPr/>
-        <p:txBody>
-          <a:bodyPr/>
-          <a:lstStyle/>
-          <a:p>
-            <a:r>
-              <a:rPr lang="en-US" dirty="0" smtClean="0"/>
-              <a:t>K correct</a:t>
-            </a:r>
-          </a:p>
-          <a:p>
-            <a:r>
-              <a:rPr lang="en-US" dirty="0" err="1" smtClean="0"/>
-              <a:t>Comoving</a:t>
-            </a:r>
-            <a:r>
-              <a:rPr lang="en-US" dirty="0" smtClean="0"/>
-              <a:t> Distance</a:t>
-            </a:r>
-          </a:p>
-          <a:p>
-            <a:r>
-              <a:rPr lang="en-US" dirty="0" smtClean="0"/>
-              <a:t>Deriving Luminosity Density</a:t>
-            </a:r>
-          </a:p>
-          <a:p>
-            <a:r>
-              <a:rPr lang="en-US" dirty="0" smtClean="0"/>
-              <a:t>Linear regression/standard error</a:t>
-            </a:r>
-            <a:endParaRPr lang="en-US" dirty="0"/>
-          </a:p>
-        </p:txBody>
-      </p:sp>
-      <p:sp>
-        <p:nvSpPr>
-          <p:cNvPr id="4" name="Footer Placeholder 3"/>
-          <p:cNvSpPr>
-            <a:spLocks noGrp="1"/>
-          </p:cNvSpPr>
-          <p:nvPr>
-            <p:ph type="ftr" sz="quarter" idx="11"/>
-          </p:nvPr>
-        </p:nvSpPr>
-        <p:spPr/>
-        <p:txBody>
-          <a:bodyPr/>
-          <a:lstStyle/>
-          <a:p>
-            <a:r>
-              <a:rPr lang="en-US" smtClean="0"/>
-              <a:t>Amanda Newmark</a:t>
-            </a:r>
-            <a:endParaRPr lang="en-US"/>
-          </a:p>
-        </p:txBody>
-      </p:sp>
+        </p:nvPicPr>
+        <p:blipFill>
+          <a:blip r:embed="rId3">
+            <a:extLst>
+              <a:ext uri="{28A0092B-C50C-407E-A947-70E740481C1C}">
+                <a14:useLocalDpi xmlns:a14="http://schemas.microsoft.com/office/drawing/2010/main" val="0"/>
+              </a:ext>
+            </a:extLst>
+          </a:blip>
+          <a:srcRect l="-19658" r="-19658"/>
+          <a:stretch>
+            <a:fillRect/>
+          </a:stretch>
+        </p:blipFill>
+        <p:spPr>
+          <a:xfrm>
+            <a:off x="175162" y="1417638"/>
+            <a:ext cx="8779992" cy="4828657"/>
+          </a:xfrm>
+        </p:spPr>
+      </p:pic>
     </p:spTree>
     <p:extLst>
       <p:ext uri="{BB962C8B-B14F-4D97-AF65-F5344CB8AC3E}">
-        <p14:creationId xmlns:p14="http://schemas.microsoft.com/office/powerpoint/2010/main" val="2015551666"/>
+        <p14:creationId xmlns:p14="http://schemas.microsoft.com/office/powerpoint/2010/main" val="3123705895"/>
       </p:ext>
     </p:extLst>
   </p:cSld>
   <p:clrMapOvr>
     <a:masterClrMapping/>
   </p:clrMapOvr>
+  <p:timing>
+    <p:tnLst>
+      <p:par>
+        <p:cTn xmlns:p14="http://schemas.microsoft.com/office/powerpoint/2010/main" id="1" dur="indefinite" restart="never" nodeType="tmRoot"/>
+      </p:par>
+    </p:tnLst>
+  </p:timing>
 </p:sld>
 </file>
 
@@ -4983,6 +5411,570 @@
           <a:p>
             <a:r>
               <a:rPr lang="en-US" dirty="0" smtClean="0"/>
+              <a:t>Looking at All the Slopes</a:t>
+            </a:r>
+            <a:endParaRPr lang="en-US" dirty="0"/>
+          </a:p>
+        </p:txBody>
+      </p:sp>
+      <p:sp>
+        <p:nvSpPr>
+          <p:cNvPr id="4" name="Footer Placeholder 3"/>
+          <p:cNvSpPr>
+            <a:spLocks noGrp="1"/>
+          </p:cNvSpPr>
+          <p:nvPr>
+            <p:ph type="ftr" sz="quarter" idx="11"/>
+          </p:nvPr>
+        </p:nvSpPr>
+        <p:spPr/>
+        <p:txBody>
+          <a:bodyPr/>
+          <a:lstStyle/>
+          <a:p>
+            <a:r>
+              <a:rPr lang="en-US" smtClean="0"/>
+              <a:t>Amanda Newmark</a:t>
+            </a:r>
+            <a:endParaRPr lang="en-US"/>
+          </a:p>
+        </p:txBody>
+      </p:sp>
+      <p:pic>
+        <p:nvPicPr>
+          <p:cNvPr id="6" name="Content Placeholder 5" descr="Screen Shot 2016-07-27 at 11.26.17 AM.png"/>
+          <p:cNvPicPr>
+            <a:picLocks noGrp="1" noChangeAspect="1"/>
+          </p:cNvPicPr>
+          <p:nvPr>
+            <p:ph idx="1"/>
+          </p:nvPr>
+        </p:nvPicPr>
+        <p:blipFill rotWithShape="1">
+          <a:blip r:embed="rId3">
+            <a:extLst>
+              <a:ext uri="{28A0092B-C50C-407E-A947-70E740481C1C}">
+                <a14:useLocalDpi xmlns:a14="http://schemas.microsoft.com/office/drawing/2010/main" val="0"/>
+              </a:ext>
+            </a:extLst>
+          </a:blip>
+          <a:srcRect t="-7464" b="1332"/>
+          <a:stretch/>
+        </p:blipFill>
+        <p:spPr>
+          <a:xfrm>
+            <a:off x="457200" y="1600200"/>
+            <a:ext cx="8229600" cy="4179567"/>
+          </a:xfrm>
+        </p:spPr>
+      </p:pic>
+    </p:spTree>
+    <p:extLst>
+      <p:ext uri="{BB962C8B-B14F-4D97-AF65-F5344CB8AC3E}">
+        <p14:creationId xmlns:p14="http://schemas.microsoft.com/office/powerpoint/2010/main" val="3292376822"/>
+      </p:ext>
+    </p:extLst>
+  </p:cSld>
+  <p:clrMapOvr>
+    <a:masterClrMapping/>
+  </p:clrMapOvr>
+  <p:timing>
+    <p:tnLst>
+      <p:par>
+        <p:cTn xmlns:p14="http://schemas.microsoft.com/office/powerpoint/2010/main" id="1" dur="indefinite" restart="never" nodeType="tmRoot"/>
+      </p:par>
+    </p:tnLst>
+  </p:timing>
+</p:sld>
+</file>
+
+<file path=ppt/slides/slide12.xml><?xml version="1.0" encoding="utf-8"?>
+<p:sld xmlns:a="http://schemas.openxmlformats.org/drawingml/2006/main" xmlns:r="http://schemas.openxmlformats.org/officeDocument/2006/relationships" xmlns:p="http://schemas.openxmlformats.org/presentationml/2006/main">
+  <p:cSld>
+    <p:spTree>
+      <p:nvGrpSpPr>
+        <p:cNvPr id="1" name=""/>
+        <p:cNvGrpSpPr/>
+        <p:nvPr/>
+      </p:nvGrpSpPr>
+      <p:grpSpPr>
+        <a:xfrm>
+          <a:off x="0" y="0"/>
+          <a:ext cx="0" cy="0"/>
+          <a:chOff x="0" y="0"/>
+          <a:chExt cx="0" cy="0"/>
+        </a:xfrm>
+      </p:grpSpPr>
+      <p:sp>
+        <p:nvSpPr>
+          <p:cNvPr id="2" name="Title 1"/>
+          <p:cNvSpPr>
+            <a:spLocks noGrp="1"/>
+          </p:cNvSpPr>
+          <p:nvPr>
+            <p:ph type="title"/>
+          </p:nvPr>
+        </p:nvSpPr>
+        <p:spPr/>
+        <p:txBody>
+          <a:bodyPr/>
+          <a:lstStyle/>
+          <a:p>
+            <a:r>
+              <a:rPr lang="en-US" dirty="0" smtClean="0"/>
+              <a:t>Conclusion</a:t>
+            </a:r>
+            <a:endParaRPr lang="en-US" dirty="0"/>
+          </a:p>
+        </p:txBody>
+      </p:sp>
+      <p:sp>
+        <p:nvSpPr>
+          <p:cNvPr id="3" name="Content Placeholder 2"/>
+          <p:cNvSpPr>
+            <a:spLocks noGrp="1"/>
+          </p:cNvSpPr>
+          <p:nvPr>
+            <p:ph idx="1"/>
+          </p:nvPr>
+        </p:nvSpPr>
+        <p:spPr/>
+        <p:txBody>
+          <a:bodyPr/>
+          <a:lstStyle/>
+          <a:p>
+            <a:r>
+              <a:rPr lang="en-US" dirty="0" smtClean="0"/>
+              <a:t>Not necessary to remove these flags</a:t>
+            </a:r>
+          </a:p>
+          <a:p>
+            <a:r>
+              <a:rPr lang="en-US" dirty="0" smtClean="0"/>
+              <a:t>Redshift &gt;0.2  cut is enough</a:t>
+            </a:r>
+          </a:p>
+        </p:txBody>
+      </p:sp>
+      <p:sp>
+        <p:nvSpPr>
+          <p:cNvPr id="4" name="Footer Placeholder 3"/>
+          <p:cNvSpPr>
+            <a:spLocks noGrp="1"/>
+          </p:cNvSpPr>
+          <p:nvPr>
+            <p:ph type="ftr" sz="quarter" idx="11"/>
+          </p:nvPr>
+        </p:nvSpPr>
+        <p:spPr/>
+        <p:txBody>
+          <a:bodyPr/>
+          <a:lstStyle/>
+          <a:p>
+            <a:r>
+              <a:rPr lang="en-US" smtClean="0"/>
+              <a:t>Amanda Newmark</a:t>
+            </a:r>
+            <a:endParaRPr lang="en-US"/>
+          </a:p>
+        </p:txBody>
+      </p:sp>
+    </p:spTree>
+    <p:extLst>
+      <p:ext uri="{BB962C8B-B14F-4D97-AF65-F5344CB8AC3E}">
+        <p14:creationId xmlns:p14="http://schemas.microsoft.com/office/powerpoint/2010/main" val="3311873324"/>
+      </p:ext>
+    </p:extLst>
+  </p:cSld>
+  <p:clrMapOvr>
+    <a:masterClrMapping/>
+  </p:clrMapOvr>
+  <p:timing>
+    <p:tnLst>
+      <p:par>
+        <p:cTn xmlns:p14="http://schemas.microsoft.com/office/powerpoint/2010/main" id="1" dur="indefinite" restart="never" nodeType="tmRoot"/>
+      </p:par>
+    </p:tnLst>
+  </p:timing>
+</p:sld>
+</file>
+
+<file path=ppt/slides/slide13.xml><?xml version="1.0" encoding="utf-8"?>
+<p:sld xmlns:a="http://schemas.openxmlformats.org/drawingml/2006/main" xmlns:r="http://schemas.openxmlformats.org/officeDocument/2006/relationships" xmlns:p="http://schemas.openxmlformats.org/presentationml/2006/main">
+  <p:cSld>
+    <p:spTree>
+      <p:nvGrpSpPr>
+        <p:cNvPr id="1" name=""/>
+        <p:cNvGrpSpPr/>
+        <p:nvPr/>
+      </p:nvGrpSpPr>
+      <p:grpSpPr>
+        <a:xfrm>
+          <a:off x="0" y="0"/>
+          <a:ext cx="0" cy="0"/>
+          <a:chOff x="0" y="0"/>
+          <a:chExt cx="0" cy="0"/>
+        </a:xfrm>
+      </p:grpSpPr>
+      <p:sp>
+        <p:nvSpPr>
+          <p:cNvPr id="2" name="Title 1"/>
+          <p:cNvSpPr>
+            <a:spLocks noGrp="1"/>
+          </p:cNvSpPr>
+          <p:nvPr>
+            <p:ph type="title"/>
+          </p:nvPr>
+        </p:nvSpPr>
+        <p:spPr/>
+        <p:txBody>
+          <a:bodyPr/>
+          <a:lstStyle/>
+          <a:p>
+            <a:r>
+              <a:rPr lang="en-US" dirty="0" smtClean="0"/>
+              <a:t>Future Tests</a:t>
+            </a:r>
+            <a:endParaRPr lang="en-US" dirty="0"/>
+          </a:p>
+        </p:txBody>
+      </p:sp>
+      <p:sp>
+        <p:nvSpPr>
+          <p:cNvPr id="3" name="Content Placeholder 2"/>
+          <p:cNvSpPr>
+            <a:spLocks noGrp="1"/>
+          </p:cNvSpPr>
+          <p:nvPr>
+            <p:ph idx="1"/>
+          </p:nvPr>
+        </p:nvSpPr>
+        <p:spPr/>
+        <p:txBody>
+          <a:bodyPr/>
+          <a:lstStyle/>
+          <a:p>
+            <a:r>
+              <a:rPr lang="en-US" dirty="0" smtClean="0"/>
+              <a:t>Weak Gravitational Lensing</a:t>
+            </a:r>
+          </a:p>
+          <a:p>
+            <a:r>
+              <a:rPr lang="en-US" dirty="0" smtClean="0"/>
+              <a:t>Use different galaxies</a:t>
+            </a:r>
+            <a:endParaRPr lang="en-US" dirty="0"/>
+          </a:p>
+        </p:txBody>
+      </p:sp>
+      <p:sp>
+        <p:nvSpPr>
+          <p:cNvPr id="4" name="Footer Placeholder 3"/>
+          <p:cNvSpPr>
+            <a:spLocks noGrp="1"/>
+          </p:cNvSpPr>
+          <p:nvPr>
+            <p:ph type="ftr" sz="quarter" idx="11"/>
+          </p:nvPr>
+        </p:nvSpPr>
+        <p:spPr/>
+        <p:txBody>
+          <a:bodyPr/>
+          <a:lstStyle/>
+          <a:p>
+            <a:r>
+              <a:rPr lang="en-US" smtClean="0"/>
+              <a:t>Amanda Newmark</a:t>
+            </a:r>
+            <a:endParaRPr lang="en-US"/>
+          </a:p>
+        </p:txBody>
+      </p:sp>
+    </p:spTree>
+    <p:extLst>
+      <p:ext uri="{BB962C8B-B14F-4D97-AF65-F5344CB8AC3E}">
+        <p14:creationId xmlns:p14="http://schemas.microsoft.com/office/powerpoint/2010/main" val="2669350103"/>
+      </p:ext>
+    </p:extLst>
+  </p:cSld>
+  <p:clrMapOvr>
+    <a:masterClrMapping/>
+  </p:clrMapOvr>
+  <p:timing>
+    <p:tnLst>
+      <p:par>
+        <p:cTn xmlns:p14="http://schemas.microsoft.com/office/powerpoint/2010/main" id="1" dur="indefinite" restart="never" nodeType="tmRoot"/>
+      </p:par>
+    </p:tnLst>
+  </p:timing>
+</p:sld>
+</file>
+
+<file path=ppt/slides/slide14.xml><?xml version="1.0" encoding="utf-8"?>
+<p:sld xmlns:a="http://schemas.openxmlformats.org/drawingml/2006/main" xmlns:r="http://schemas.openxmlformats.org/officeDocument/2006/relationships" xmlns:p="http://schemas.openxmlformats.org/presentationml/2006/main">
+  <p:cSld>
+    <p:spTree>
+      <p:nvGrpSpPr>
+        <p:cNvPr id="1" name=""/>
+        <p:cNvGrpSpPr/>
+        <p:nvPr/>
+      </p:nvGrpSpPr>
+      <p:grpSpPr>
+        <a:xfrm>
+          <a:off x="0" y="0"/>
+          <a:ext cx="0" cy="0"/>
+          <a:chOff x="0" y="0"/>
+          <a:chExt cx="0" cy="0"/>
+        </a:xfrm>
+      </p:grpSpPr>
+      <p:sp>
+        <p:nvSpPr>
+          <p:cNvPr id="2" name="Title 1"/>
+          <p:cNvSpPr>
+            <a:spLocks noGrp="1"/>
+          </p:cNvSpPr>
+          <p:nvPr>
+            <p:ph type="title"/>
+          </p:nvPr>
+        </p:nvSpPr>
+        <p:spPr/>
+        <p:txBody>
+          <a:bodyPr/>
+          <a:lstStyle/>
+          <a:p>
+            <a:r>
+              <a:rPr lang="en-US" dirty="0" smtClean="0"/>
+              <a:t>Extra Slides!</a:t>
+            </a:r>
+            <a:endParaRPr lang="en-US" dirty="0"/>
+          </a:p>
+        </p:txBody>
+      </p:sp>
+      <p:sp>
+        <p:nvSpPr>
+          <p:cNvPr id="3" name="Content Placeholder 2"/>
+          <p:cNvSpPr>
+            <a:spLocks noGrp="1"/>
+          </p:cNvSpPr>
+          <p:nvPr>
+            <p:ph idx="1"/>
+          </p:nvPr>
+        </p:nvSpPr>
+        <p:spPr/>
+        <p:txBody>
+          <a:bodyPr/>
+          <a:lstStyle/>
+          <a:p>
+            <a:endParaRPr lang="en-US"/>
+          </a:p>
+        </p:txBody>
+      </p:sp>
+      <p:sp>
+        <p:nvSpPr>
+          <p:cNvPr id="4" name="Footer Placeholder 3"/>
+          <p:cNvSpPr>
+            <a:spLocks noGrp="1"/>
+          </p:cNvSpPr>
+          <p:nvPr>
+            <p:ph type="ftr" sz="quarter" idx="11"/>
+          </p:nvPr>
+        </p:nvSpPr>
+        <p:spPr/>
+        <p:txBody>
+          <a:bodyPr/>
+          <a:lstStyle/>
+          <a:p>
+            <a:r>
+              <a:rPr lang="en-US" smtClean="0"/>
+              <a:t>Amanda Newmark</a:t>
+            </a:r>
+            <a:endParaRPr lang="en-US"/>
+          </a:p>
+        </p:txBody>
+      </p:sp>
+    </p:spTree>
+    <p:extLst>
+      <p:ext uri="{BB962C8B-B14F-4D97-AF65-F5344CB8AC3E}">
+        <p14:creationId xmlns:p14="http://schemas.microsoft.com/office/powerpoint/2010/main" val="3311002496"/>
+      </p:ext>
+    </p:extLst>
+  </p:cSld>
+  <p:clrMapOvr>
+    <a:masterClrMapping/>
+  </p:clrMapOvr>
+  <p:timing>
+    <p:tnLst>
+      <p:par>
+        <p:cTn xmlns:p14="http://schemas.microsoft.com/office/powerpoint/2010/main" id="1" dur="indefinite" restart="never" nodeType="tmRoot"/>
+      </p:par>
+    </p:tnLst>
+  </p:timing>
+</p:sld>
+</file>
+
+<file path=ppt/slides/slide15.xml><?xml version="1.0" encoding="utf-8"?>
+<p:sld xmlns:a="http://schemas.openxmlformats.org/drawingml/2006/main" xmlns:r="http://schemas.openxmlformats.org/officeDocument/2006/relationships" xmlns:p="http://schemas.openxmlformats.org/presentationml/2006/main">
+  <p:cSld>
+    <p:spTree>
+      <p:nvGrpSpPr>
+        <p:cNvPr id="1" name=""/>
+        <p:cNvGrpSpPr/>
+        <p:nvPr/>
+      </p:nvGrpSpPr>
+      <p:grpSpPr>
+        <a:xfrm>
+          <a:off x="0" y="0"/>
+          <a:ext cx="0" cy="0"/>
+          <a:chOff x="0" y="0"/>
+          <a:chExt cx="0" cy="0"/>
+        </a:xfrm>
+      </p:grpSpPr>
+      <p:sp>
+        <p:nvSpPr>
+          <p:cNvPr id="2" name="Title 1"/>
+          <p:cNvSpPr>
+            <a:spLocks noGrp="1"/>
+          </p:cNvSpPr>
+          <p:nvPr>
+            <p:ph type="title"/>
+          </p:nvPr>
+        </p:nvSpPr>
+        <p:spPr/>
+        <p:txBody>
+          <a:bodyPr/>
+          <a:lstStyle/>
+          <a:p>
+            <a:r>
+              <a:rPr lang="en-US" dirty="0" smtClean="0"/>
+              <a:t>Relevant Equations</a:t>
+            </a:r>
+            <a:endParaRPr lang="en-US" dirty="0"/>
+          </a:p>
+        </p:txBody>
+      </p:sp>
+      <p:sp>
+        <p:nvSpPr>
+          <p:cNvPr id="3" name="Content Placeholder 2"/>
+          <p:cNvSpPr>
+            <a:spLocks noGrp="1"/>
+          </p:cNvSpPr>
+          <p:nvPr>
+            <p:ph idx="1"/>
+          </p:nvPr>
+        </p:nvSpPr>
+        <p:spPr/>
+        <p:txBody>
+          <a:bodyPr/>
+          <a:lstStyle/>
+          <a:p>
+            <a:r>
+              <a:rPr lang="en-US" dirty="0" smtClean="0"/>
+              <a:t>K correct</a:t>
+            </a:r>
+          </a:p>
+          <a:p>
+            <a:r>
+              <a:rPr lang="en-US" dirty="0" err="1" smtClean="0"/>
+              <a:t>Comoving</a:t>
+            </a:r>
+            <a:r>
+              <a:rPr lang="en-US" dirty="0" smtClean="0"/>
+              <a:t> Distance</a:t>
+            </a:r>
+          </a:p>
+          <a:p>
+            <a:r>
+              <a:rPr lang="en-US" dirty="0" smtClean="0"/>
+              <a:t>Deriving Luminosity Density</a:t>
+            </a:r>
+          </a:p>
+          <a:p>
+            <a:r>
+              <a:rPr lang="en-US" dirty="0" smtClean="0"/>
+              <a:t>Linear regression/standard error</a:t>
+            </a:r>
+            <a:endParaRPr lang="en-US" dirty="0"/>
+          </a:p>
+        </p:txBody>
+      </p:sp>
+      <p:sp>
+        <p:nvSpPr>
+          <p:cNvPr id="4" name="Footer Placeholder 3"/>
+          <p:cNvSpPr>
+            <a:spLocks noGrp="1"/>
+          </p:cNvSpPr>
+          <p:nvPr>
+            <p:ph type="ftr" sz="quarter" idx="11"/>
+          </p:nvPr>
+        </p:nvSpPr>
+        <p:spPr/>
+        <p:txBody>
+          <a:bodyPr/>
+          <a:lstStyle/>
+          <a:p>
+            <a:r>
+              <a:rPr lang="en-US" smtClean="0"/>
+              <a:t>Amanda Newmark</a:t>
+            </a:r>
+            <a:endParaRPr lang="en-US"/>
+          </a:p>
+        </p:txBody>
+      </p:sp>
+    </p:spTree>
+    <p:extLst>
+      <p:ext uri="{BB962C8B-B14F-4D97-AF65-F5344CB8AC3E}">
+        <p14:creationId xmlns:p14="http://schemas.microsoft.com/office/powerpoint/2010/main" val="2015551666"/>
+      </p:ext>
+    </p:extLst>
+  </p:cSld>
+  <p:clrMapOvr>
+    <a:masterClrMapping/>
+  </p:clrMapOvr>
+  <p:timing>
+    <p:tnLst>
+      <p:par>
+        <p:cTn xmlns:p14="http://schemas.microsoft.com/office/powerpoint/2010/main" id="1" dur="indefinite" restart="never" nodeType="tmRoot"/>
+      </p:par>
+    </p:tnLst>
+  </p:timing>
+</p:sld>
+</file>
+
+<file path=ppt/slides/slide16.xml><?xml version="1.0" encoding="utf-8"?>
+<p:sld xmlns:a="http://schemas.openxmlformats.org/drawingml/2006/main" xmlns:r="http://schemas.openxmlformats.org/officeDocument/2006/relationships" xmlns:p="http://schemas.openxmlformats.org/presentationml/2006/main">
+  <p:cSld>
+    <p:spTree>
+      <p:nvGrpSpPr>
+        <p:cNvPr id="1" name=""/>
+        <p:cNvGrpSpPr/>
+        <p:nvPr/>
+      </p:nvGrpSpPr>
+      <p:grpSpPr>
+        <a:xfrm>
+          <a:off x="0" y="0"/>
+          <a:ext cx="0" cy="0"/>
+          <a:chOff x="0" y="0"/>
+          <a:chExt cx="0" cy="0"/>
+        </a:xfrm>
+      </p:grpSpPr>
+      <p:sp>
+        <p:nvSpPr>
+          <p:cNvPr id="2" name="Title 1"/>
+          <p:cNvSpPr>
+            <a:spLocks noGrp="1"/>
+          </p:cNvSpPr>
+          <p:nvPr>
+            <p:ph type="title"/>
+          </p:nvPr>
+        </p:nvSpPr>
+        <p:spPr/>
+        <p:txBody>
+          <a:bodyPr/>
+          <a:lstStyle/>
+          <a:p>
+            <a:r>
+              <a:rPr lang="en-US" dirty="0" smtClean="0"/>
               <a:t>Bootstrapping for Errors</a:t>
             </a:r>
             <a:endParaRPr lang="en-US" dirty="0"/>
@@ -5041,6 +6033,13 @@
   <p:clrMapOvr>
     <a:masterClrMapping/>
   </p:clrMapOvr>
+  <p:timing>
+    <p:tnLst>
+      <p:par>
+        <p:cTn xmlns:p14="http://schemas.microsoft.com/office/powerpoint/2010/main" id="1" dur="indefinite" restart="never" nodeType="tmRoot"/>
+      </p:par>
+    </p:tnLst>
+  </p:timing>
 </p:sld>
 </file>
 
@@ -5078,7 +6077,7 @@
           <a:p>
             <a:r>
               <a:rPr lang="en-US" dirty="0" smtClean="0"/>
-              <a:t>Introduction</a:t>
+              <a:t>The Big Question</a:t>
             </a:r>
             <a:endParaRPr lang="en-US" dirty="0"/>
           </a:p>
@@ -5086,7 +6085,30 @@
       </p:sp>
       <p:sp>
         <p:nvSpPr>
-          <p:cNvPr id="3" name="Content Placeholder 2"/>
+          <p:cNvPr id="4" name="Footer Placeholder 3"/>
+          <p:cNvSpPr>
+            <a:spLocks noGrp="1"/>
+          </p:cNvSpPr>
+          <p:nvPr>
+            <p:ph type="ftr" sz="quarter" idx="11"/>
+          </p:nvPr>
+        </p:nvSpPr>
+        <p:spPr/>
+        <p:txBody>
+          <a:bodyPr/>
+          <a:lstStyle/>
+          <a:p>
+            <a:r>
+              <a:rPr lang="en-US" smtClean="0"/>
+              <a:t>Amanda Newmark</a:t>
+            </a:r>
+            <a:endParaRPr lang="en-US"/>
+          </a:p>
+        </p:txBody>
+      </p:sp>
+      <p:sp>
+        <p:nvSpPr>
+          <p:cNvPr id="5" name="Content Placeholder 4"/>
           <p:cNvSpPr>
             <a:spLocks noGrp="1"/>
           </p:cNvSpPr>
@@ -5096,55 +6118,17 @@
         </p:nvSpPr>
         <p:spPr/>
         <p:txBody>
-          <a:bodyPr/>
-          <a:lstStyle/>
-          <a:p>
+          <a:bodyPr anchor="t" anchorCtr="1"/>
+          <a:lstStyle/>
+          <a:p>
+            <a:pPr marL="0" indent="0" algn="ctr">
+              <a:buNone/>
+            </a:pPr>
             <a:r>
               <a:rPr lang="en-US" dirty="0" smtClean="0"/>
-              <a:t>Main Objective of Hyper Supreme-Cam Survey</a:t>
-            </a:r>
-          </a:p>
-          <a:p>
-            <a:r>
-              <a:rPr lang="en-US" dirty="0" smtClean="0"/>
-              <a:t>Luminous Red Galaxies (LRGs)</a:t>
-            </a:r>
-          </a:p>
-          <a:p>
-            <a:r>
-              <a:rPr lang="en-US" dirty="0" smtClean="0"/>
-              <a:t>My Goal</a:t>
-            </a:r>
-          </a:p>
-          <a:p>
-            <a:r>
-              <a:rPr lang="en-US" dirty="0" smtClean="0"/>
-              <a:t>Picture from HSC?</a:t>
+              <a:t>Is there any correlation between the Mass Assembly History and the underlying Dark Matter Halo in Luminous Red Galaxies (LRGs)?</a:t>
             </a:r>
             <a:endParaRPr lang="en-US" dirty="0"/>
-          </a:p>
-        </p:txBody>
-      </p:sp>
-      <p:sp>
-        <p:nvSpPr>
-          <p:cNvPr id="4" name="Footer Placeholder 3"/>
-          <p:cNvSpPr>
-            <a:spLocks noGrp="1"/>
-          </p:cNvSpPr>
-          <p:nvPr>
-            <p:ph type="ftr" sz="quarter" idx="11"/>
-          </p:nvPr>
-        </p:nvSpPr>
-        <p:spPr/>
-        <p:txBody>
-          <a:bodyPr/>
-          <a:lstStyle/>
-          <a:p>
-            <a:r>
-              <a:rPr lang="en-US" smtClean="0"/>
-              <a:t>Amanda Newmark</a:t>
-            </a:r>
-            <a:endParaRPr lang="en-US"/>
           </a:p>
         </p:txBody>
       </p:sp>
@@ -5158,6 +6142,13 @@
   <p:clrMapOvr>
     <a:masterClrMapping/>
   </p:clrMapOvr>
+  <p:timing>
+    <p:tnLst>
+      <p:par>
+        <p:cTn xmlns:p14="http://schemas.microsoft.com/office/powerpoint/2010/main" id="1" dur="indefinite" restart="never" nodeType="tmRoot"/>
+      </p:par>
+    </p:tnLst>
+  </p:timing>
 </p:sld>
 </file>
 
@@ -5195,7 +6186,7 @@
           <a:p>
             <a:r>
               <a:rPr lang="en-US" dirty="0" smtClean="0"/>
-              <a:t>Flagged Galaxies</a:t>
+              <a:t>Mass Assembly</a:t>
             </a:r>
             <a:endParaRPr lang="en-US" dirty="0"/>
           </a:p>
@@ -5203,60 +6194,122 @@
       </p:sp>
       <p:sp>
         <p:nvSpPr>
-          <p:cNvPr id="3" name="Content Placeholder 2"/>
-          <p:cNvSpPr>
-            <a:spLocks noGrp="1"/>
-          </p:cNvSpPr>
-          <p:nvPr>
-            <p:ph idx="1"/>
-          </p:nvPr>
-        </p:nvSpPr>
-        <p:spPr/>
-        <p:txBody>
-          <a:bodyPr/>
-          <a:lstStyle/>
-          <a:p>
+          <p:cNvPr id="4" name="Footer Placeholder 3"/>
+          <p:cNvSpPr>
+            <a:spLocks noGrp="1"/>
+          </p:cNvSpPr>
+          <p:nvPr>
+            <p:ph type="ftr" sz="quarter" idx="11"/>
+          </p:nvPr>
+        </p:nvSpPr>
+        <p:spPr/>
+        <p:txBody>
+          <a:bodyPr/>
+          <a:lstStyle/>
+          <a:p>
+            <a:r>
+              <a:rPr lang="en-US" smtClean="0"/>
+              <a:t>Amanda Newmark</a:t>
+            </a:r>
+            <a:endParaRPr lang="en-US"/>
+          </a:p>
+        </p:txBody>
+      </p:sp>
+      <p:pic>
+        <p:nvPicPr>
+          <p:cNvPr id="13" name="Picture 12" descr="Screen Shot 2016-07-27 at 4.23.45 PM.png"/>
+          <p:cNvPicPr>
+            <a:picLocks noChangeAspect="1"/>
+          </p:cNvPicPr>
+          <p:nvPr/>
+        </p:nvPicPr>
+        <p:blipFill>
+          <a:blip r:embed="rId3">
+            <a:extLst>
+              <a:ext uri="{28A0092B-C50C-407E-A947-70E740481C1C}">
+                <a14:useLocalDpi xmlns:a14="http://schemas.microsoft.com/office/drawing/2010/main" val="0"/>
+              </a:ext>
+            </a:extLst>
+          </a:blip>
+          <a:stretch>
+            <a:fillRect/>
+          </a:stretch>
+        </p:blipFill>
+        <p:spPr>
+          <a:xfrm>
+            <a:off x="0" y="1417639"/>
+            <a:ext cx="4657690" cy="3238130"/>
+          </a:xfrm>
+          <a:prstGeom prst="rect">
+            <a:avLst/>
+          </a:prstGeom>
+        </p:spPr>
+      </p:pic>
+      <p:pic>
+        <p:nvPicPr>
+          <p:cNvPr id="14" name="Picture 13" descr="Screen Shot 2016-07-27 at 4.25.01 PM.png"/>
+          <p:cNvPicPr>
+            <a:picLocks noChangeAspect="1"/>
+          </p:cNvPicPr>
+          <p:nvPr/>
+        </p:nvPicPr>
+        <p:blipFill rotWithShape="1">
+          <a:blip r:embed="rId4">
+            <a:extLst>
+              <a:ext uri="{28A0092B-C50C-407E-A947-70E740481C1C}">
+                <a14:useLocalDpi xmlns:a14="http://schemas.microsoft.com/office/drawing/2010/main" val="0"/>
+              </a:ext>
+            </a:extLst>
+          </a:blip>
+          <a:srcRect/>
+          <a:stretch/>
+        </p:blipFill>
+        <p:spPr>
+          <a:xfrm>
+            <a:off x="5041900" y="1417638"/>
+            <a:ext cx="4102100" cy="3848099"/>
+          </a:xfrm>
+          <a:prstGeom prst="rect">
+            <a:avLst/>
+          </a:prstGeom>
+        </p:spPr>
+      </p:pic>
+      <p:sp>
+        <p:nvSpPr>
+          <p:cNvPr id="15" name="TextBox 14"/>
+          <p:cNvSpPr txBox="1"/>
+          <p:nvPr/>
+        </p:nvSpPr>
+        <p:spPr>
+          <a:xfrm>
+            <a:off x="3680499" y="4896406"/>
+            <a:ext cx="1954381" cy="369332"/>
+          </a:xfrm>
+          <a:prstGeom prst="rect">
+            <a:avLst/>
+          </a:prstGeom>
+          <a:noFill/>
+          <a:ln>
+            <a:solidFill>
+              <a:schemeClr val="tx1"/>
+            </a:solidFill>
+          </a:ln>
+        </p:spPr>
+        <p:txBody>
+          <a:bodyPr wrap="none" rtlCol="0">
+            <a:spAutoFit/>
+          </a:bodyPr>
+          <a:lstStyle/>
+          <a:p>
+            <a:r>
+              <a:rPr lang="en-US" dirty="0" err="1" smtClean="0"/>
+              <a:t>Pillepich</a:t>
+            </a:r>
             <a:r>
               <a:rPr lang="en-US" dirty="0" smtClean="0"/>
-              <a:t>Table of different flags</a:t>
-            </a:r>
-          </a:p>
-          <a:p>
+              <a:t> et al 2014</a:t>
+            </a:r>
             <a:endParaRPr lang="en-US" dirty="0"/>
-          </a:p>
-          <a:p>
-            <a:r>
-              <a:rPr lang="en-US" dirty="0" err="1" smtClean="0"/>
-              <a:t>flags.pixel.bright.object</a:t>
-            </a:r>
-            <a:r>
-              <a:rPr lang="en-US" dirty="0" smtClean="0"/>
-              <a:t> </a:t>
-            </a:r>
-            <a:endParaRPr lang="en-US" dirty="0"/>
-          </a:p>
-        </p:txBody>
-      </p:sp>
-      <p:sp>
-        <p:nvSpPr>
-          <p:cNvPr id="4" name="Footer Placeholder 3"/>
-          <p:cNvSpPr>
-            <a:spLocks noGrp="1"/>
-          </p:cNvSpPr>
-          <p:nvPr>
-            <p:ph type="ftr" sz="quarter" idx="11"/>
-          </p:nvPr>
-        </p:nvSpPr>
-        <p:spPr/>
-        <p:txBody>
-          <a:bodyPr/>
-          <a:lstStyle/>
-          <a:p>
-            <a:r>
-              <a:rPr lang="en-US" smtClean="0"/>
-              <a:t>Amanda Newmark</a:t>
-            </a:r>
-            <a:endParaRPr lang="en-US"/>
           </a:p>
         </p:txBody>
       </p:sp>
@@ -5270,6 +6323,13 @@
   <p:clrMapOvr>
     <a:masterClrMapping/>
   </p:clrMapOvr>
+  <p:timing>
+    <p:tnLst>
+      <p:par>
+        <p:cTn xmlns:p14="http://schemas.microsoft.com/office/powerpoint/2010/main" id="1" dur="indefinite" restart="never" nodeType="tmRoot"/>
+      </p:par>
+    </p:tnLst>
+  </p:timing>
 </p:sld>
 </file>
 
@@ -5307,7 +6367,7 @@
           <a:p>
             <a:r>
               <a:rPr lang="en-US" dirty="0" smtClean="0"/>
-              <a:t>Making the Luminosity Profiles</a:t>
+              <a:t>Hyper Supreme-Cam Survey</a:t>
             </a:r>
             <a:endParaRPr lang="en-US" dirty="0"/>
           </a:p>
@@ -5315,35 +6375,6 @@
       </p:sp>
       <p:sp>
         <p:nvSpPr>
-          <p:cNvPr id="3" name="Content Placeholder 2"/>
-          <p:cNvSpPr>
-            <a:spLocks noGrp="1"/>
-          </p:cNvSpPr>
-          <p:nvPr>
-            <p:ph idx="1"/>
-          </p:nvPr>
-        </p:nvSpPr>
-        <p:spPr/>
-        <p:txBody>
-          <a:bodyPr/>
-          <a:lstStyle/>
-          <a:p>
-            <a:r>
-              <a:rPr lang="en-US" dirty="0" smtClean="0"/>
-              <a:t>Show magnitude distribution *smaller is brighter</a:t>
-            </a:r>
-          </a:p>
-          <a:p>
-            <a:r>
-              <a:rPr lang="en-US" dirty="0" smtClean="0"/>
-              <a:t>Show redshift distribution</a:t>
-            </a:r>
-            <a:endParaRPr lang="en-US" dirty="0"/>
-          </a:p>
-        </p:txBody>
-      </p:sp>
-      <p:sp>
-        <p:nvSpPr>
           <p:cNvPr id="4" name="Footer Placeholder 3"/>
           <p:cNvSpPr>
             <a:spLocks noGrp="1"/>
@@ -5365,16 +6396,1486 @@
           </a:p>
         </p:txBody>
       </p:sp>
+      <p:graphicFrame>
+        <p:nvGraphicFramePr>
+          <p:cNvPr id="6" name="Table 5"/>
+          <p:cNvGraphicFramePr>
+            <a:graphicFrameLocks noGrp="1"/>
+          </p:cNvGraphicFramePr>
+          <p:nvPr>
+            <p:extLst>
+              <p:ext uri="{D42A27DB-BD31-4B8C-83A1-F6EECF244321}">
+                <p14:modId xmlns:p14="http://schemas.microsoft.com/office/powerpoint/2010/main" val="2235160414"/>
+              </p:ext>
+            </p:extLst>
+          </p:nvPr>
+        </p:nvGraphicFramePr>
+        <p:xfrm>
+          <a:off x="5130176" y="1397000"/>
+          <a:ext cx="3795923" cy="3072712"/>
+        </p:xfrm>
+        <a:graphic>
+          <a:graphicData uri="http://schemas.openxmlformats.org/drawingml/2006/table">
+            <a:tbl>
+              <a:tblPr firstRow="1" bandRow="1">
+                <a:tableStyleId>{7E9639D4-E3E2-4D34-9284-5A2195B3D0D7}</a:tableStyleId>
+              </a:tblPr>
+              <a:tblGrid>
+                <a:gridCol w="3795923"/>
+              </a:tblGrid>
+              <a:tr h="508215">
+                <a:tc>
+                  <a:txBody>
+                    <a:bodyPr/>
+                    <a:lstStyle/>
+                    <a:p>
+                      <a:r>
+                        <a:rPr lang="en-US" dirty="0" smtClean="0"/>
+                        <a:t>Flags</a:t>
+                      </a:r>
+                      <a:endParaRPr lang="en-US" dirty="0"/>
+                    </a:p>
+                  </a:txBody>
+                  <a:tcPr anchorCtr="1"/>
+                </a:tc>
+              </a:tr>
+              <a:tr h="369937">
+                <a:tc>
+                  <a:txBody>
+                    <a:bodyPr/>
+                    <a:lstStyle/>
+                    <a:p>
+                      <a:r>
+                        <a:rPr lang="en-US" dirty="0" err="1" smtClean="0"/>
+                        <a:t>flags.pixel.interpolated.center</a:t>
+                      </a:r>
+                      <a:r>
+                        <a:rPr lang="en-US" dirty="0" smtClean="0"/>
+                        <a:t> </a:t>
+                      </a:r>
+                      <a:endParaRPr lang="en-US" dirty="0"/>
+                    </a:p>
+                  </a:txBody>
+                  <a:tcPr anchorCtr="1"/>
+                </a:tc>
+              </a:tr>
+              <a:tr h="271976">
+                <a:tc>
+                  <a:txBody>
+                    <a:bodyPr/>
+                    <a:lstStyle/>
+                    <a:p>
+                      <a:r>
+                        <a:rPr lang="en-US" dirty="0" err="1" smtClean="0"/>
+                        <a:t>flags.pixel.edge</a:t>
+                      </a:r>
+                      <a:endParaRPr lang="en-US" dirty="0"/>
+                    </a:p>
+                  </a:txBody>
+                  <a:tcPr anchorCtr="1"/>
+                </a:tc>
+              </a:tr>
+              <a:tr h="271976">
+                <a:tc>
+                  <a:txBody>
+                    <a:bodyPr/>
+                    <a:lstStyle/>
+                    <a:p>
+                      <a:r>
+                        <a:rPr lang="en-US" dirty="0" err="1" smtClean="0"/>
+                        <a:t>flags.pixel.saturated.center</a:t>
+                      </a:r>
+                      <a:endParaRPr lang="en-US" dirty="0"/>
+                    </a:p>
+                  </a:txBody>
+                  <a:tcPr anchorCtr="1"/>
+                </a:tc>
+              </a:tr>
+              <a:tr h="271976">
+                <a:tc>
+                  <a:txBody>
+                    <a:bodyPr/>
+                    <a:lstStyle/>
+                    <a:p>
+                      <a:r>
+                        <a:rPr lang="en-US" dirty="0" err="1" smtClean="0"/>
+                        <a:t>flags.pixel.cr.center</a:t>
+                      </a:r>
+                      <a:endParaRPr lang="en-US" dirty="0"/>
+                    </a:p>
+                  </a:txBody>
+                  <a:tcPr anchorCtr="1"/>
+                </a:tc>
+              </a:tr>
+              <a:tr h="271976">
+                <a:tc>
+                  <a:txBody>
+                    <a:bodyPr/>
+                    <a:lstStyle/>
+                    <a:p>
+                      <a:r>
+                        <a:rPr lang="en-US" dirty="0" err="1" smtClean="0"/>
+                        <a:t>flags.pixel.bad</a:t>
+                      </a:r>
+                      <a:endParaRPr lang="en-US" dirty="0"/>
+                    </a:p>
+                  </a:txBody>
+                  <a:tcPr anchorCtr="1"/>
+                </a:tc>
+              </a:tr>
+              <a:tr h="271976">
+                <a:tc>
+                  <a:txBody>
+                    <a:bodyPr/>
+                    <a:lstStyle/>
+                    <a:p>
+                      <a:r>
+                        <a:rPr lang="en-US" dirty="0" err="1" smtClean="0"/>
+                        <a:t>flags.pixel.suspect.center</a:t>
+                      </a:r>
+                      <a:endParaRPr lang="en-US" dirty="0"/>
+                    </a:p>
+                  </a:txBody>
+                  <a:tcPr anchorCtr="1"/>
+                </a:tc>
+              </a:tr>
+              <a:tr h="271976">
+                <a:tc>
+                  <a:txBody>
+                    <a:bodyPr/>
+                    <a:lstStyle/>
+                    <a:p>
+                      <a:r>
+                        <a:rPr lang="en-US" dirty="0" err="1" smtClean="0"/>
+                        <a:t>flags.pixel.clipped.any</a:t>
+                      </a:r>
+                      <a:endParaRPr lang="en-US" dirty="0"/>
+                    </a:p>
+                  </a:txBody>
+                  <a:tcPr anchorCtr="1"/>
+                </a:tc>
+              </a:tr>
+            </a:tbl>
+          </a:graphicData>
+        </a:graphic>
+      </p:graphicFrame>
+      <p:graphicFrame>
+        <p:nvGraphicFramePr>
+          <p:cNvPr id="7" name="Table 6"/>
+          <p:cNvGraphicFramePr>
+            <a:graphicFrameLocks noGrp="1"/>
+          </p:cNvGraphicFramePr>
+          <p:nvPr>
+            <p:extLst>
+              <p:ext uri="{D42A27DB-BD31-4B8C-83A1-F6EECF244321}">
+                <p14:modId xmlns:p14="http://schemas.microsoft.com/office/powerpoint/2010/main" val="2459339046"/>
+              </p:ext>
+            </p:extLst>
+          </p:nvPr>
+        </p:nvGraphicFramePr>
+        <p:xfrm>
+          <a:off x="133728" y="1397000"/>
+          <a:ext cx="4857052" cy="1630679"/>
+        </p:xfrm>
+        <a:graphic>
+          <a:graphicData uri="http://schemas.openxmlformats.org/drawingml/2006/table">
+            <a:tbl>
+              <a:tblPr firstRow="1" bandRow="1">
+                <a:tableStyleId>{7E9639D4-E3E2-4D34-9284-5A2195B3D0D7}</a:tableStyleId>
+              </a:tblPr>
+              <a:tblGrid>
+                <a:gridCol w="1009851"/>
+                <a:gridCol w="809937"/>
+                <a:gridCol w="1306943"/>
+                <a:gridCol w="1730321"/>
+              </a:tblGrid>
+              <a:tr h="370840">
+                <a:tc>
+                  <a:txBody>
+                    <a:bodyPr/>
+                    <a:lstStyle/>
+                    <a:p>
+                      <a:r>
+                        <a:rPr lang="en-US" sz="1400" dirty="0" smtClean="0"/>
+                        <a:t>Layer</a:t>
+                      </a:r>
+                      <a:endParaRPr lang="en-US" sz="1400" dirty="0"/>
+                    </a:p>
+                  </a:txBody>
+                  <a:tcPr anchorCtr="1"/>
+                </a:tc>
+                <a:tc>
+                  <a:txBody>
+                    <a:bodyPr/>
+                    <a:lstStyle/>
+                    <a:p>
+                      <a:r>
+                        <a:rPr lang="en-US" sz="1400" dirty="0" smtClean="0"/>
+                        <a:t>Area (deg</a:t>
+                      </a:r>
+                      <a:r>
+                        <a:rPr lang="en-US" sz="1400" baseline="30000" dirty="0" smtClean="0"/>
+                        <a:t>2</a:t>
+                      </a:r>
+                      <a:r>
+                        <a:rPr lang="en-US" sz="1400" baseline="0" dirty="0" smtClean="0"/>
+                        <a:t>)</a:t>
+                      </a:r>
+                      <a:endParaRPr lang="en-US" sz="1400" dirty="0"/>
+                    </a:p>
+                  </a:txBody>
+                  <a:tcPr anchorCtr="1"/>
+                </a:tc>
+                <a:tc>
+                  <a:txBody>
+                    <a:bodyPr/>
+                    <a:lstStyle/>
+                    <a:p>
+                      <a:r>
+                        <a:rPr lang="en-US" sz="1400" dirty="0" smtClean="0"/>
+                        <a:t># of 1.8 deg</a:t>
+                      </a:r>
+                      <a:r>
+                        <a:rPr lang="en-US" sz="1400" baseline="30000" dirty="0" smtClean="0"/>
+                        <a:t>2</a:t>
+                      </a:r>
+                      <a:r>
+                        <a:rPr lang="en-US" sz="1400" baseline="0" dirty="0" smtClean="0"/>
+                        <a:t> HSC fields</a:t>
+                      </a:r>
+                      <a:endParaRPr lang="en-US" sz="1400" dirty="0"/>
+                    </a:p>
+                  </a:txBody>
+                  <a:tcPr anchorCtr="1"/>
+                </a:tc>
+                <a:tc>
+                  <a:txBody>
+                    <a:bodyPr/>
+                    <a:lstStyle/>
+                    <a:p>
+                      <a:r>
+                        <a:rPr lang="en-US" sz="1400" dirty="0" smtClean="0"/>
+                        <a:t>Filters&amp; Depths</a:t>
+                      </a:r>
+                      <a:endParaRPr lang="en-US" sz="1400" dirty="0"/>
+                    </a:p>
+                  </a:txBody>
+                  <a:tcPr anchorCtr="1"/>
+                </a:tc>
+              </a:tr>
+              <a:tr h="370840">
+                <a:tc>
+                  <a:txBody>
+                    <a:bodyPr/>
+                    <a:lstStyle/>
+                    <a:p>
+                      <a:r>
+                        <a:rPr lang="en-US" sz="1400" dirty="0" smtClean="0"/>
+                        <a:t>Wide</a:t>
+                      </a:r>
+                      <a:endParaRPr lang="en-US" sz="1400" dirty="0"/>
+                    </a:p>
+                  </a:txBody>
+                  <a:tcPr anchorCtr="1"/>
+                </a:tc>
+                <a:tc>
+                  <a:txBody>
+                    <a:bodyPr/>
+                    <a:lstStyle/>
+                    <a:p>
+                      <a:r>
+                        <a:rPr lang="en-US" sz="1400" dirty="0" smtClean="0"/>
+                        <a:t>1400</a:t>
+                      </a:r>
+                      <a:endParaRPr lang="en-US" sz="1400" dirty="0"/>
+                    </a:p>
+                  </a:txBody>
+                  <a:tcPr anchorCtr="1"/>
+                </a:tc>
+                <a:tc>
+                  <a:txBody>
+                    <a:bodyPr/>
+                    <a:lstStyle/>
+                    <a:p>
+                      <a:r>
+                        <a:rPr lang="en-US" sz="1400" dirty="0" smtClean="0"/>
+                        <a:t>916</a:t>
+                      </a:r>
+                      <a:endParaRPr lang="en-US" sz="1400" dirty="0"/>
+                    </a:p>
+                  </a:txBody>
+                  <a:tcPr anchorCtr="1"/>
+                </a:tc>
+                <a:tc>
+                  <a:txBody>
+                    <a:bodyPr/>
+                    <a:lstStyle/>
+                    <a:p>
+                      <a:r>
+                        <a:rPr lang="en-US" sz="1400" dirty="0" err="1" smtClean="0"/>
+                        <a:t>grizy</a:t>
+                      </a:r>
+                      <a:r>
+                        <a:rPr lang="en-US" sz="1400" dirty="0" smtClean="0"/>
+                        <a:t>(r~26)</a:t>
+                      </a:r>
+                      <a:endParaRPr lang="en-US" sz="1400" dirty="0"/>
+                    </a:p>
+                  </a:txBody>
+                  <a:tcPr anchorCtr="1"/>
+                </a:tc>
+              </a:tr>
+              <a:tr h="370840">
+                <a:tc>
+                  <a:txBody>
+                    <a:bodyPr/>
+                    <a:lstStyle/>
+                    <a:p>
+                      <a:r>
+                        <a:rPr lang="en-US" sz="1400" dirty="0" smtClean="0"/>
+                        <a:t>Deep</a:t>
+                      </a:r>
+                      <a:endParaRPr lang="en-US" sz="1400" dirty="0"/>
+                    </a:p>
+                  </a:txBody>
+                  <a:tcPr anchorCtr="1"/>
+                </a:tc>
+                <a:tc>
+                  <a:txBody>
+                    <a:bodyPr/>
+                    <a:lstStyle/>
+                    <a:p>
+                      <a:r>
+                        <a:rPr lang="en-US" sz="1400" dirty="0" smtClean="0"/>
+                        <a:t>27</a:t>
+                      </a:r>
+                      <a:endParaRPr lang="en-US" sz="1400" dirty="0"/>
+                    </a:p>
+                  </a:txBody>
+                  <a:tcPr anchorCtr="1"/>
+                </a:tc>
+                <a:tc>
+                  <a:txBody>
+                    <a:bodyPr/>
+                    <a:lstStyle/>
+                    <a:p>
+                      <a:r>
+                        <a:rPr lang="en-US" sz="1400" dirty="0" smtClean="0"/>
+                        <a:t>15</a:t>
+                      </a:r>
+                      <a:endParaRPr lang="en-US" sz="1400" dirty="0"/>
+                    </a:p>
+                  </a:txBody>
+                  <a:tcPr anchorCtr="1"/>
+                </a:tc>
+                <a:tc>
+                  <a:txBody>
+                    <a:bodyPr/>
+                    <a:lstStyle/>
+                    <a:p>
+                      <a:r>
+                        <a:rPr lang="en-US" sz="1400" dirty="0" smtClean="0"/>
+                        <a:t>grizy+4NBs(r~27)</a:t>
+                      </a:r>
+                      <a:endParaRPr lang="en-US" sz="1400" dirty="0"/>
+                    </a:p>
+                  </a:txBody>
+                  <a:tcPr anchorCtr="1"/>
+                </a:tc>
+              </a:tr>
+              <a:tr h="370840">
+                <a:tc>
+                  <a:txBody>
+                    <a:bodyPr/>
+                    <a:lstStyle/>
+                    <a:p>
+                      <a:r>
+                        <a:rPr lang="en-US" sz="1400" dirty="0" err="1" smtClean="0"/>
+                        <a:t>Ultradeep</a:t>
+                      </a:r>
+                      <a:endParaRPr lang="en-US" sz="1400" dirty="0"/>
+                    </a:p>
+                  </a:txBody>
+                  <a:tcPr anchorCtr="1"/>
+                </a:tc>
+                <a:tc>
+                  <a:txBody>
+                    <a:bodyPr/>
+                    <a:lstStyle/>
+                    <a:p>
+                      <a:r>
+                        <a:rPr lang="en-US" sz="1400" dirty="0" smtClean="0"/>
+                        <a:t>3.5</a:t>
+                      </a:r>
+                      <a:endParaRPr lang="en-US" sz="1400" dirty="0"/>
+                    </a:p>
+                  </a:txBody>
+                  <a:tcPr anchorCtr="1"/>
+                </a:tc>
+                <a:tc>
+                  <a:txBody>
+                    <a:bodyPr/>
+                    <a:lstStyle/>
+                    <a:p>
+                      <a:r>
+                        <a:rPr lang="en-US" sz="1400" dirty="0" smtClean="0"/>
+                        <a:t>2</a:t>
+                      </a:r>
+                      <a:endParaRPr lang="en-US" sz="1400" dirty="0"/>
+                    </a:p>
+                  </a:txBody>
+                  <a:tcPr anchorCtr="1"/>
+                </a:tc>
+                <a:tc>
+                  <a:txBody>
+                    <a:bodyPr/>
+                    <a:lstStyle/>
+                    <a:p>
+                      <a:pPr marL="0" marR="0" indent="0" algn="l" defTabSz="457200" rtl="0" eaLnBrk="1" fontAlgn="auto" latinLnBrk="0" hangingPunct="1">
+                        <a:lnSpc>
+                          <a:spcPct val="100000"/>
+                        </a:lnSpc>
+                        <a:spcBef>
+                          <a:spcPts val="0"/>
+                        </a:spcBef>
+                        <a:spcAft>
+                          <a:spcPts val="0"/>
+                        </a:spcAft>
+                        <a:buClrTx/>
+                        <a:buSzTx/>
+                        <a:buFontTx/>
+                        <a:buNone/>
+                        <a:tabLst/>
+                        <a:defRPr/>
+                      </a:pPr>
+                      <a:r>
+                        <a:rPr lang="en-US" sz="1400" dirty="0" smtClean="0"/>
+                        <a:t>grizy+4NBs(r~28)</a:t>
+                      </a:r>
+                    </a:p>
+                  </a:txBody>
+                  <a:tcPr anchorCtr="1"/>
+                </a:tc>
+              </a:tr>
+            </a:tbl>
+          </a:graphicData>
+        </a:graphic>
+      </p:graphicFrame>
+      <p:sp>
+        <p:nvSpPr>
+          <p:cNvPr id="13" name="TextBox 12"/>
+          <p:cNvSpPr txBox="1"/>
+          <p:nvPr/>
+        </p:nvSpPr>
+        <p:spPr>
+          <a:xfrm>
+            <a:off x="5130176" y="4668117"/>
+            <a:ext cx="3795923" cy="892552"/>
+          </a:xfrm>
+          <a:prstGeom prst="rect">
+            <a:avLst/>
+          </a:prstGeom>
+          <a:noFill/>
+        </p:spPr>
+        <p:txBody>
+          <a:bodyPr wrap="square" rtlCol="0">
+            <a:spAutoFit/>
+          </a:bodyPr>
+          <a:lstStyle/>
+          <a:p>
+            <a:pPr algn="ctr"/>
+            <a:r>
+              <a:rPr lang="en-US" sz="2600" b="1" dirty="0" err="1" smtClean="0">
+                <a:solidFill>
+                  <a:srgbClr val="FF0000"/>
+                </a:solidFill>
+              </a:rPr>
+              <a:t>flags.pixel.bright.object</a:t>
+            </a:r>
+            <a:r>
+              <a:rPr lang="en-US" sz="2600" b="1" dirty="0" smtClean="0">
+                <a:solidFill>
+                  <a:srgbClr val="FF0000"/>
+                </a:solidFill>
+              </a:rPr>
+              <a:t>? </a:t>
+            </a:r>
+          </a:p>
+          <a:p>
+            <a:endParaRPr lang="en-US" sz="2600" b="1" dirty="0">
+              <a:solidFill>
+                <a:srgbClr val="FF0000"/>
+              </a:solidFill>
+            </a:endParaRPr>
+          </a:p>
+        </p:txBody>
+      </p:sp>
+      <p:graphicFrame>
+        <p:nvGraphicFramePr>
+          <p:cNvPr id="14" name="Table 13"/>
+          <p:cNvGraphicFramePr>
+            <a:graphicFrameLocks noGrp="1"/>
+          </p:cNvGraphicFramePr>
+          <p:nvPr>
+            <p:extLst>
+              <p:ext uri="{D42A27DB-BD31-4B8C-83A1-F6EECF244321}">
+                <p14:modId xmlns:p14="http://schemas.microsoft.com/office/powerpoint/2010/main" val="1471982933"/>
+              </p:ext>
+            </p:extLst>
+          </p:nvPr>
+        </p:nvGraphicFramePr>
+        <p:xfrm>
+          <a:off x="133728" y="3075304"/>
+          <a:ext cx="4857052" cy="2957195"/>
+        </p:xfrm>
+        <a:graphic>
+          <a:graphicData uri="http://schemas.openxmlformats.org/drawingml/2006/table">
+            <a:tbl>
+              <a:tblPr firstRow="1" bandRow="1">
+                <a:tableStyleId>{5202B0CA-FC54-4496-8BCA-5EF66A818D29}</a:tableStyleId>
+              </a:tblPr>
+              <a:tblGrid>
+                <a:gridCol w="1797628"/>
+                <a:gridCol w="1348221"/>
+                <a:gridCol w="1711203"/>
+              </a:tblGrid>
+              <a:tr h="341872">
+                <a:tc>
+                  <a:txBody>
+                    <a:bodyPr/>
+                    <a:lstStyle/>
+                    <a:p>
+                      <a:r>
+                        <a:rPr lang="en-US" sz="1400" dirty="0" smtClean="0"/>
+                        <a:t>Aperture number</a:t>
+                      </a:r>
+                      <a:endParaRPr lang="en-US" sz="1400" dirty="0"/>
+                    </a:p>
+                  </a:txBody>
+                  <a:tcPr marT="0" marB="0" anchorCtr="1">
+                    <a:lnL w="12700" cap="flat" cmpd="sng" algn="ctr">
+                      <a:solidFill>
+                        <a:scrgbClr r="0" g="0" b="0"/>
+                      </a:solidFill>
+                      <a:prstDash val="solid"/>
+                      <a:round/>
+                      <a:headEnd type="none" w="med" len="med"/>
+                      <a:tailEnd type="none" w="med" len="med"/>
+                    </a:lnL>
+                    <a:lnT w="12700" cap="flat" cmpd="sng" algn="ctr">
+                      <a:solidFill>
+                        <a:scrgbClr r="0" g="0" b="0"/>
+                      </a:solidFill>
+                      <a:prstDash val="solid"/>
+                      <a:round/>
+                      <a:headEnd type="none" w="med" len="med"/>
+                      <a:tailEnd type="none" w="med" len="med"/>
+                    </a:lnT>
+                  </a:tcPr>
+                </a:tc>
+                <a:tc>
+                  <a:txBody>
+                    <a:bodyPr/>
+                    <a:lstStyle/>
+                    <a:p>
+                      <a:r>
+                        <a:rPr lang="en-US" sz="1400" dirty="0" smtClean="0"/>
+                        <a:t>Radius</a:t>
+                      </a:r>
+                      <a:r>
+                        <a:rPr lang="en-US" sz="1400" baseline="0" dirty="0" smtClean="0"/>
+                        <a:t> (pix)</a:t>
+                      </a:r>
+                      <a:endParaRPr lang="en-US" sz="1400" dirty="0"/>
+                    </a:p>
+                  </a:txBody>
+                  <a:tcPr marT="0" marB="0" anchorCtr="1">
+                    <a:lnT w="12700" cap="flat" cmpd="sng" algn="ctr">
+                      <a:solidFill>
+                        <a:scrgbClr r="0" g="0" b="0"/>
+                      </a:solidFill>
+                      <a:prstDash val="solid"/>
+                      <a:round/>
+                      <a:headEnd type="none" w="med" len="med"/>
+                      <a:tailEnd type="none" w="med" len="med"/>
+                    </a:lnT>
+                  </a:tcPr>
+                </a:tc>
+                <a:tc>
+                  <a:txBody>
+                    <a:bodyPr/>
+                    <a:lstStyle/>
+                    <a:p>
+                      <a:r>
+                        <a:rPr lang="en-US" sz="1400" dirty="0" smtClean="0"/>
+                        <a:t>Diameter (</a:t>
+                      </a:r>
+                      <a:r>
+                        <a:rPr lang="en-US" sz="1400" dirty="0" err="1" smtClean="0"/>
+                        <a:t>arcsec</a:t>
+                      </a:r>
+                      <a:r>
+                        <a:rPr lang="en-US" sz="1400" dirty="0" smtClean="0"/>
+                        <a:t>)</a:t>
+                      </a:r>
+                      <a:endParaRPr lang="en-US" sz="1400" dirty="0"/>
+                    </a:p>
+                  </a:txBody>
+                  <a:tcPr marT="0" marB="0" anchorCtr="1">
+                    <a:lnR w="12700" cap="flat" cmpd="sng" algn="ctr">
+                      <a:solidFill>
+                        <a:scrgbClr r="0" g="0" b="0"/>
+                      </a:solidFill>
+                      <a:prstDash val="solid"/>
+                      <a:round/>
+                      <a:headEnd type="none" w="med" len="med"/>
+                      <a:tailEnd type="none" w="med" len="med"/>
+                    </a:lnR>
+                    <a:lnT w="12700" cap="flat" cmpd="sng" algn="ctr">
+                      <a:solidFill>
+                        <a:scrgbClr r="0" g="0" b="0"/>
+                      </a:solidFill>
+                      <a:prstDash val="solid"/>
+                      <a:round/>
+                      <a:headEnd type="none" w="med" len="med"/>
+                      <a:tailEnd type="none" w="med" len="med"/>
+                    </a:lnT>
+                  </a:tcPr>
+                </a:tc>
+              </a:tr>
+              <a:tr h="256404">
+                <a:tc>
+                  <a:txBody>
+                    <a:bodyPr/>
+                    <a:lstStyle/>
+                    <a:p>
+                      <a:r>
+                        <a:rPr lang="en-US" sz="1400" dirty="0" smtClean="0"/>
+                        <a:t>aperture00</a:t>
+                      </a:r>
+                      <a:endParaRPr lang="en-US" sz="1400" dirty="0"/>
+                    </a:p>
+                  </a:txBody>
+                  <a:tcPr marT="0" marB="0" anchorCtr="1">
+                    <a:lnL w="12700" cap="flat" cmpd="sng" algn="ctr">
+                      <a:solidFill>
+                        <a:scrgbClr r="0" g="0" b="0"/>
+                      </a:solidFill>
+                      <a:prstDash val="solid"/>
+                      <a:round/>
+                      <a:headEnd type="none" w="med" len="med"/>
+                      <a:tailEnd type="none" w="med" len="med"/>
+                    </a:lnL>
+                  </a:tcPr>
+                </a:tc>
+                <a:tc>
+                  <a:txBody>
+                    <a:bodyPr/>
+                    <a:lstStyle/>
+                    <a:p>
+                      <a:r>
+                        <a:rPr lang="en-US" sz="1400" dirty="0" smtClean="0"/>
+                        <a:t>3.0</a:t>
+                      </a:r>
+                      <a:endParaRPr lang="en-US" sz="1400" dirty="0"/>
+                    </a:p>
+                  </a:txBody>
+                  <a:tcPr marT="0" marB="0" anchorCtr="1"/>
+                </a:tc>
+                <a:tc>
+                  <a:txBody>
+                    <a:bodyPr/>
+                    <a:lstStyle/>
+                    <a:p>
+                      <a:r>
+                        <a:rPr lang="en-US" sz="1400" dirty="0" smtClean="0"/>
+                        <a:t>1.01</a:t>
+                      </a:r>
+                      <a:endParaRPr lang="en-US" sz="1400" dirty="0"/>
+                    </a:p>
+                  </a:txBody>
+                  <a:tcPr marT="0" marB="0" anchorCtr="1">
+                    <a:lnR w="12700" cap="flat" cmpd="sng" algn="ctr">
+                      <a:solidFill>
+                        <a:scrgbClr r="0" g="0" b="0"/>
+                      </a:solidFill>
+                      <a:prstDash val="solid"/>
+                      <a:round/>
+                      <a:headEnd type="none" w="med" len="med"/>
+                      <a:tailEnd type="none" w="med" len="med"/>
+                    </a:lnR>
+                  </a:tcPr>
+                </a:tc>
+              </a:tr>
+              <a:tr h="273498">
+                <a:tc>
+                  <a:txBody>
+                    <a:bodyPr/>
+                    <a:lstStyle/>
+                    <a:p>
+                      <a:pPr marL="0" marR="0" indent="0" algn="l" defTabSz="457200" rtl="0" eaLnBrk="1" fontAlgn="auto" latinLnBrk="0" hangingPunct="1">
+                        <a:lnSpc>
+                          <a:spcPct val="100000"/>
+                        </a:lnSpc>
+                        <a:spcBef>
+                          <a:spcPts val="0"/>
+                        </a:spcBef>
+                        <a:spcAft>
+                          <a:spcPts val="0"/>
+                        </a:spcAft>
+                        <a:buClrTx/>
+                        <a:buSzTx/>
+                        <a:buFontTx/>
+                        <a:buNone/>
+                        <a:tabLst/>
+                        <a:defRPr/>
+                      </a:pPr>
+                      <a:r>
+                        <a:rPr lang="en-US" sz="1400" dirty="0" smtClean="0"/>
+                        <a:t>aperture01</a:t>
+                      </a:r>
+                    </a:p>
+                  </a:txBody>
+                  <a:tcPr marT="0" marB="0" anchorCtr="1">
+                    <a:lnL w="12700" cap="flat" cmpd="sng" algn="ctr">
+                      <a:solidFill>
+                        <a:scrgbClr r="0" g="0" b="0"/>
+                      </a:solidFill>
+                      <a:prstDash val="solid"/>
+                      <a:round/>
+                      <a:headEnd type="none" w="med" len="med"/>
+                      <a:tailEnd type="none" w="med" len="med"/>
+                    </a:lnL>
+                  </a:tcPr>
+                </a:tc>
+                <a:tc>
+                  <a:txBody>
+                    <a:bodyPr/>
+                    <a:lstStyle/>
+                    <a:p>
+                      <a:r>
+                        <a:rPr lang="en-US" sz="1400" dirty="0" smtClean="0"/>
+                        <a:t>4.5</a:t>
+                      </a:r>
+                      <a:endParaRPr lang="en-US" sz="1400" dirty="0"/>
+                    </a:p>
+                  </a:txBody>
+                  <a:tcPr marT="0" marB="0" anchorCtr="1"/>
+                </a:tc>
+                <a:tc>
+                  <a:txBody>
+                    <a:bodyPr/>
+                    <a:lstStyle/>
+                    <a:p>
+                      <a:r>
+                        <a:rPr lang="en-US" sz="1400" dirty="0" smtClean="0"/>
+                        <a:t>1.51</a:t>
+                      </a:r>
+                      <a:endParaRPr lang="en-US" sz="1400" dirty="0"/>
+                    </a:p>
+                  </a:txBody>
+                  <a:tcPr marT="0" marB="0" anchorCtr="1">
+                    <a:lnR w="12700" cap="flat" cmpd="sng" algn="ctr">
+                      <a:solidFill>
+                        <a:scrgbClr r="0" g="0" b="0"/>
+                      </a:solidFill>
+                      <a:prstDash val="solid"/>
+                      <a:round/>
+                      <a:headEnd type="none" w="med" len="med"/>
+                      <a:tailEnd type="none" w="med" len="med"/>
+                    </a:lnR>
+                  </a:tcPr>
+                </a:tc>
+              </a:tr>
+              <a:tr h="256404">
+                <a:tc>
+                  <a:txBody>
+                    <a:bodyPr/>
+                    <a:lstStyle/>
+                    <a:p>
+                      <a:pPr marL="0" marR="0" indent="0" algn="l" defTabSz="457200" rtl="0" eaLnBrk="1" fontAlgn="auto" latinLnBrk="0" hangingPunct="1">
+                        <a:lnSpc>
+                          <a:spcPct val="100000"/>
+                        </a:lnSpc>
+                        <a:spcBef>
+                          <a:spcPts val="0"/>
+                        </a:spcBef>
+                        <a:spcAft>
+                          <a:spcPts val="0"/>
+                        </a:spcAft>
+                        <a:buClrTx/>
+                        <a:buSzTx/>
+                        <a:buFontTx/>
+                        <a:buNone/>
+                        <a:tabLst/>
+                        <a:defRPr/>
+                      </a:pPr>
+                      <a:r>
+                        <a:rPr lang="en-US" sz="1400" dirty="0" smtClean="0"/>
+                        <a:t>aperture02</a:t>
+                      </a:r>
+                    </a:p>
+                  </a:txBody>
+                  <a:tcPr marT="0" marB="0" anchorCtr="1">
+                    <a:lnL w="12700" cap="flat" cmpd="sng" algn="ctr">
+                      <a:solidFill>
+                        <a:scrgbClr r="0" g="0" b="0"/>
+                      </a:solidFill>
+                      <a:prstDash val="solid"/>
+                      <a:round/>
+                      <a:headEnd type="none" w="med" len="med"/>
+                      <a:tailEnd type="none" w="med" len="med"/>
+                    </a:lnL>
+                  </a:tcPr>
+                </a:tc>
+                <a:tc>
+                  <a:txBody>
+                    <a:bodyPr/>
+                    <a:lstStyle/>
+                    <a:p>
+                      <a:r>
+                        <a:rPr lang="en-US" sz="1400" dirty="0" smtClean="0"/>
+                        <a:t>6.0</a:t>
+                      </a:r>
+                      <a:endParaRPr lang="en-US" sz="1400" dirty="0"/>
+                    </a:p>
+                  </a:txBody>
+                  <a:tcPr marT="0" marB="0" anchorCtr="1"/>
+                </a:tc>
+                <a:tc>
+                  <a:txBody>
+                    <a:bodyPr/>
+                    <a:lstStyle/>
+                    <a:p>
+                      <a:r>
+                        <a:rPr lang="en-US" sz="1400" dirty="0" smtClean="0"/>
+                        <a:t>2.02</a:t>
+                      </a:r>
+                      <a:endParaRPr lang="en-US" sz="1400" dirty="0"/>
+                    </a:p>
+                  </a:txBody>
+                  <a:tcPr marT="0" marB="0" anchorCtr="1">
+                    <a:lnR w="12700" cap="flat" cmpd="sng" algn="ctr">
+                      <a:solidFill>
+                        <a:scrgbClr r="0" g="0" b="0"/>
+                      </a:solidFill>
+                      <a:prstDash val="solid"/>
+                      <a:round/>
+                      <a:headEnd type="none" w="med" len="med"/>
+                      <a:tailEnd type="none" w="med" len="med"/>
+                    </a:lnR>
+                  </a:tcPr>
+                </a:tc>
+              </a:tr>
+              <a:tr h="256404">
+                <a:tc>
+                  <a:txBody>
+                    <a:bodyPr/>
+                    <a:lstStyle/>
+                    <a:p>
+                      <a:pPr marL="0" marR="0" indent="0" algn="l" defTabSz="457200" rtl="0" eaLnBrk="1" fontAlgn="auto" latinLnBrk="0" hangingPunct="1">
+                        <a:lnSpc>
+                          <a:spcPct val="100000"/>
+                        </a:lnSpc>
+                        <a:spcBef>
+                          <a:spcPts val="0"/>
+                        </a:spcBef>
+                        <a:spcAft>
+                          <a:spcPts val="0"/>
+                        </a:spcAft>
+                        <a:buClrTx/>
+                        <a:buSzTx/>
+                        <a:buFontTx/>
+                        <a:buNone/>
+                        <a:tabLst/>
+                        <a:defRPr/>
+                      </a:pPr>
+                      <a:r>
+                        <a:rPr lang="en-US" sz="1400" dirty="0" smtClean="0"/>
+                        <a:t>aperture03</a:t>
+                      </a:r>
+                    </a:p>
+                  </a:txBody>
+                  <a:tcPr marT="0" marB="0" anchorCtr="1">
+                    <a:lnL w="12700" cap="flat" cmpd="sng" algn="ctr">
+                      <a:solidFill>
+                        <a:scrgbClr r="0" g="0" b="0"/>
+                      </a:solidFill>
+                      <a:prstDash val="solid"/>
+                      <a:round/>
+                      <a:headEnd type="none" w="med" len="med"/>
+                      <a:tailEnd type="none" w="med" len="med"/>
+                    </a:lnL>
+                  </a:tcPr>
+                </a:tc>
+                <a:tc>
+                  <a:txBody>
+                    <a:bodyPr/>
+                    <a:lstStyle/>
+                    <a:p>
+                      <a:r>
+                        <a:rPr lang="en-US" sz="1400" dirty="0" smtClean="0"/>
+                        <a:t>9.0</a:t>
+                      </a:r>
+                      <a:endParaRPr lang="en-US" sz="1400" dirty="0"/>
+                    </a:p>
+                  </a:txBody>
+                  <a:tcPr marT="0" marB="0" anchorCtr="1"/>
+                </a:tc>
+                <a:tc>
+                  <a:txBody>
+                    <a:bodyPr/>
+                    <a:lstStyle/>
+                    <a:p>
+                      <a:r>
+                        <a:rPr lang="en-US" sz="1400" dirty="0" smtClean="0"/>
+                        <a:t>2.02</a:t>
+                      </a:r>
+                      <a:endParaRPr lang="en-US" sz="1400" dirty="0"/>
+                    </a:p>
+                  </a:txBody>
+                  <a:tcPr marT="0" marB="0" anchorCtr="1">
+                    <a:lnR w="12700" cap="flat" cmpd="sng" algn="ctr">
+                      <a:solidFill>
+                        <a:scrgbClr r="0" g="0" b="0"/>
+                      </a:solidFill>
+                      <a:prstDash val="solid"/>
+                      <a:round/>
+                      <a:headEnd type="none" w="med" len="med"/>
+                      <a:tailEnd type="none" w="med" len="med"/>
+                    </a:lnR>
+                  </a:tcPr>
+                </a:tc>
+              </a:tr>
+              <a:tr h="239311">
+                <a:tc>
+                  <a:txBody>
+                    <a:bodyPr/>
+                    <a:lstStyle/>
+                    <a:p>
+                      <a:pPr marL="0" marR="0" indent="0" algn="l" defTabSz="457200" rtl="0" eaLnBrk="1" fontAlgn="auto" latinLnBrk="0" hangingPunct="1">
+                        <a:lnSpc>
+                          <a:spcPct val="100000"/>
+                        </a:lnSpc>
+                        <a:spcBef>
+                          <a:spcPts val="0"/>
+                        </a:spcBef>
+                        <a:spcAft>
+                          <a:spcPts val="0"/>
+                        </a:spcAft>
+                        <a:buClrTx/>
+                        <a:buSzTx/>
+                        <a:buFontTx/>
+                        <a:buNone/>
+                        <a:tabLst/>
+                        <a:defRPr/>
+                      </a:pPr>
+                      <a:r>
+                        <a:rPr lang="en-US" sz="1400" dirty="0" smtClean="0"/>
+                        <a:t>aperture04</a:t>
+                      </a:r>
+                    </a:p>
+                  </a:txBody>
+                  <a:tcPr marT="0" marB="0" anchorCtr="1">
+                    <a:lnL w="12700" cap="flat" cmpd="sng" algn="ctr">
+                      <a:solidFill>
+                        <a:scrgbClr r="0" g="0" b="0"/>
+                      </a:solidFill>
+                      <a:prstDash val="solid"/>
+                      <a:round/>
+                      <a:headEnd type="none" w="med" len="med"/>
+                      <a:tailEnd type="none" w="med" len="med"/>
+                    </a:lnL>
+                  </a:tcPr>
+                </a:tc>
+                <a:tc>
+                  <a:txBody>
+                    <a:bodyPr/>
+                    <a:lstStyle/>
+                    <a:p>
+                      <a:r>
+                        <a:rPr lang="en-US" sz="1400" dirty="0" smtClean="0"/>
+                        <a:t>12.0</a:t>
+                      </a:r>
+                      <a:endParaRPr lang="en-US" sz="1400" dirty="0"/>
+                    </a:p>
+                  </a:txBody>
+                  <a:tcPr marT="0" marB="0" anchorCtr="1"/>
+                </a:tc>
+                <a:tc>
+                  <a:txBody>
+                    <a:bodyPr/>
+                    <a:lstStyle/>
+                    <a:p>
+                      <a:r>
+                        <a:rPr lang="en-US" sz="1400" dirty="0" smtClean="0"/>
+                        <a:t>4.03</a:t>
+                      </a:r>
+                      <a:endParaRPr lang="en-US" sz="1400" dirty="0"/>
+                    </a:p>
+                  </a:txBody>
+                  <a:tcPr marT="0" marB="0" anchorCtr="1">
+                    <a:lnR w="12700" cap="flat" cmpd="sng" algn="ctr">
+                      <a:solidFill>
+                        <a:scrgbClr r="0" g="0" b="0"/>
+                      </a:solidFill>
+                      <a:prstDash val="solid"/>
+                      <a:round/>
+                      <a:headEnd type="none" w="med" len="med"/>
+                      <a:tailEnd type="none" w="med" len="med"/>
+                    </a:lnR>
+                  </a:tcPr>
+                </a:tc>
+              </a:tr>
+              <a:tr h="256404">
+                <a:tc>
+                  <a:txBody>
+                    <a:bodyPr/>
+                    <a:lstStyle/>
+                    <a:p>
+                      <a:pPr marL="0" marR="0" indent="0" algn="l" defTabSz="457200" rtl="0" eaLnBrk="1" fontAlgn="auto" latinLnBrk="0" hangingPunct="1">
+                        <a:lnSpc>
+                          <a:spcPct val="100000"/>
+                        </a:lnSpc>
+                        <a:spcBef>
+                          <a:spcPts val="0"/>
+                        </a:spcBef>
+                        <a:spcAft>
+                          <a:spcPts val="0"/>
+                        </a:spcAft>
+                        <a:buClrTx/>
+                        <a:buSzTx/>
+                        <a:buFontTx/>
+                        <a:buNone/>
+                        <a:tabLst/>
+                        <a:defRPr/>
+                      </a:pPr>
+                      <a:r>
+                        <a:rPr lang="en-US" sz="1400" dirty="0" smtClean="0"/>
+                        <a:t>aperture05</a:t>
+                      </a:r>
+                    </a:p>
+                  </a:txBody>
+                  <a:tcPr marT="0" marB="0" anchorCtr="1">
+                    <a:lnL w="12700" cap="flat" cmpd="sng" algn="ctr">
+                      <a:solidFill>
+                        <a:scrgbClr r="0" g="0" b="0"/>
+                      </a:solidFill>
+                      <a:prstDash val="solid"/>
+                      <a:round/>
+                      <a:headEnd type="none" w="med" len="med"/>
+                      <a:tailEnd type="none" w="med" len="med"/>
+                    </a:lnL>
+                  </a:tcPr>
+                </a:tc>
+                <a:tc>
+                  <a:txBody>
+                    <a:bodyPr/>
+                    <a:lstStyle/>
+                    <a:p>
+                      <a:r>
+                        <a:rPr lang="en-US" sz="1400" dirty="0" smtClean="0"/>
+                        <a:t>17.0</a:t>
+                      </a:r>
+                      <a:endParaRPr lang="en-US" sz="1400" dirty="0"/>
+                    </a:p>
+                  </a:txBody>
+                  <a:tcPr marT="0" marB="0" anchorCtr="1"/>
+                </a:tc>
+                <a:tc>
+                  <a:txBody>
+                    <a:bodyPr/>
+                    <a:lstStyle/>
+                    <a:p>
+                      <a:r>
+                        <a:rPr lang="en-US" sz="1400" dirty="0" smtClean="0"/>
+                        <a:t>5.71</a:t>
+                      </a:r>
+                      <a:endParaRPr lang="en-US" sz="1400" dirty="0"/>
+                    </a:p>
+                  </a:txBody>
+                  <a:tcPr marT="0" marB="0" anchorCtr="1">
+                    <a:lnR w="12700" cap="flat" cmpd="sng" algn="ctr">
+                      <a:solidFill>
+                        <a:scrgbClr r="0" g="0" b="0"/>
+                      </a:solidFill>
+                      <a:prstDash val="solid"/>
+                      <a:round/>
+                      <a:headEnd type="none" w="med" len="med"/>
+                      <a:tailEnd type="none" w="med" len="med"/>
+                    </a:lnR>
+                  </a:tcPr>
+                </a:tc>
+              </a:tr>
+              <a:tr h="256404">
+                <a:tc>
+                  <a:txBody>
+                    <a:bodyPr/>
+                    <a:lstStyle/>
+                    <a:p>
+                      <a:pPr marL="0" marR="0" indent="0" algn="l" defTabSz="457200" rtl="0" eaLnBrk="1" fontAlgn="auto" latinLnBrk="0" hangingPunct="1">
+                        <a:lnSpc>
+                          <a:spcPct val="100000"/>
+                        </a:lnSpc>
+                        <a:spcBef>
+                          <a:spcPts val="0"/>
+                        </a:spcBef>
+                        <a:spcAft>
+                          <a:spcPts val="0"/>
+                        </a:spcAft>
+                        <a:buClrTx/>
+                        <a:buSzTx/>
+                        <a:buFontTx/>
+                        <a:buNone/>
+                        <a:tabLst/>
+                        <a:defRPr/>
+                      </a:pPr>
+                      <a:r>
+                        <a:rPr lang="en-US" sz="1400" dirty="0" smtClean="0"/>
+                        <a:t>aperture06</a:t>
+                      </a:r>
+                    </a:p>
+                  </a:txBody>
+                  <a:tcPr marT="0" marB="0" anchorCtr="1">
+                    <a:lnL w="12700" cap="flat" cmpd="sng" algn="ctr">
+                      <a:solidFill>
+                        <a:scrgbClr r="0" g="0" b="0"/>
+                      </a:solidFill>
+                      <a:prstDash val="solid"/>
+                      <a:round/>
+                      <a:headEnd type="none" w="med" len="med"/>
+                      <a:tailEnd type="none" w="med" len="med"/>
+                    </a:lnL>
+                  </a:tcPr>
+                </a:tc>
+                <a:tc>
+                  <a:txBody>
+                    <a:bodyPr/>
+                    <a:lstStyle/>
+                    <a:p>
+                      <a:r>
+                        <a:rPr lang="en-US" sz="1400" dirty="0" smtClean="0"/>
+                        <a:t>25.0</a:t>
+                      </a:r>
+                      <a:endParaRPr lang="en-US" sz="1400" dirty="0"/>
+                    </a:p>
+                  </a:txBody>
+                  <a:tcPr marT="0" marB="0" anchorCtr="1"/>
+                </a:tc>
+                <a:tc>
+                  <a:txBody>
+                    <a:bodyPr/>
+                    <a:lstStyle/>
+                    <a:p>
+                      <a:r>
+                        <a:rPr lang="en-US" sz="1400" dirty="0" smtClean="0"/>
+                        <a:t>8.40</a:t>
+                      </a:r>
+                      <a:endParaRPr lang="en-US" sz="1400" dirty="0"/>
+                    </a:p>
+                  </a:txBody>
+                  <a:tcPr marT="0" marB="0" anchorCtr="1">
+                    <a:lnR w="12700" cap="flat" cmpd="sng" algn="ctr">
+                      <a:solidFill>
+                        <a:scrgbClr r="0" g="0" b="0"/>
+                      </a:solidFill>
+                      <a:prstDash val="solid"/>
+                      <a:round/>
+                      <a:headEnd type="none" w="med" len="med"/>
+                      <a:tailEnd type="none" w="med" len="med"/>
+                    </a:lnR>
+                  </a:tcPr>
+                </a:tc>
+              </a:tr>
+              <a:tr h="256404">
+                <a:tc>
+                  <a:txBody>
+                    <a:bodyPr/>
+                    <a:lstStyle/>
+                    <a:p>
+                      <a:pPr marL="0" marR="0" indent="0" algn="l" defTabSz="457200" rtl="0" eaLnBrk="1" fontAlgn="auto" latinLnBrk="0" hangingPunct="1">
+                        <a:lnSpc>
+                          <a:spcPct val="100000"/>
+                        </a:lnSpc>
+                        <a:spcBef>
+                          <a:spcPts val="0"/>
+                        </a:spcBef>
+                        <a:spcAft>
+                          <a:spcPts val="0"/>
+                        </a:spcAft>
+                        <a:buClrTx/>
+                        <a:buSzTx/>
+                        <a:buFontTx/>
+                        <a:buNone/>
+                        <a:tabLst/>
+                        <a:defRPr/>
+                      </a:pPr>
+                      <a:r>
+                        <a:rPr lang="en-US" sz="1400" dirty="0" smtClean="0"/>
+                        <a:t>aperture07</a:t>
+                      </a:r>
+                    </a:p>
+                  </a:txBody>
+                  <a:tcPr marT="0" marB="0" anchorCtr="1">
+                    <a:lnL w="12700" cap="flat" cmpd="sng" algn="ctr">
+                      <a:solidFill>
+                        <a:scrgbClr r="0" g="0" b="0"/>
+                      </a:solidFill>
+                      <a:prstDash val="solid"/>
+                      <a:round/>
+                      <a:headEnd type="none" w="med" len="med"/>
+                      <a:tailEnd type="none" w="med" len="med"/>
+                    </a:lnL>
+                  </a:tcPr>
+                </a:tc>
+                <a:tc>
+                  <a:txBody>
+                    <a:bodyPr/>
+                    <a:lstStyle/>
+                    <a:p>
+                      <a:r>
+                        <a:rPr lang="en-US" sz="1400" dirty="0" smtClean="0"/>
+                        <a:t>35.0</a:t>
+                      </a:r>
+                      <a:endParaRPr lang="en-US" sz="1400" dirty="0"/>
+                    </a:p>
+                  </a:txBody>
+                  <a:tcPr marT="0" marB="0" anchorCtr="1"/>
+                </a:tc>
+                <a:tc>
+                  <a:txBody>
+                    <a:bodyPr/>
+                    <a:lstStyle/>
+                    <a:p>
+                      <a:r>
+                        <a:rPr lang="en-US" sz="1400" dirty="0" smtClean="0"/>
+                        <a:t>11.8</a:t>
+                      </a:r>
+                      <a:endParaRPr lang="en-US" sz="1400" dirty="0"/>
+                    </a:p>
+                  </a:txBody>
+                  <a:tcPr marT="0" marB="0" anchorCtr="1">
+                    <a:lnR w="12700" cap="flat" cmpd="sng" algn="ctr">
+                      <a:solidFill>
+                        <a:scrgbClr r="0" g="0" b="0"/>
+                      </a:solidFill>
+                      <a:prstDash val="solid"/>
+                      <a:round/>
+                      <a:headEnd type="none" w="med" len="med"/>
+                      <a:tailEnd type="none" w="med" len="med"/>
+                    </a:lnR>
+                  </a:tcPr>
+                </a:tc>
+              </a:tr>
+              <a:tr h="273498">
+                <a:tc>
+                  <a:txBody>
+                    <a:bodyPr/>
+                    <a:lstStyle/>
+                    <a:p>
+                      <a:pPr marL="0" marR="0" indent="0" algn="l" defTabSz="457200" rtl="0" eaLnBrk="1" fontAlgn="auto" latinLnBrk="0" hangingPunct="1">
+                        <a:lnSpc>
+                          <a:spcPct val="100000"/>
+                        </a:lnSpc>
+                        <a:spcBef>
+                          <a:spcPts val="0"/>
+                        </a:spcBef>
+                        <a:spcAft>
+                          <a:spcPts val="0"/>
+                        </a:spcAft>
+                        <a:buClrTx/>
+                        <a:buSzTx/>
+                        <a:buFontTx/>
+                        <a:buNone/>
+                        <a:tabLst/>
+                        <a:defRPr/>
+                      </a:pPr>
+                      <a:r>
+                        <a:rPr lang="en-US" sz="1400" dirty="0" smtClean="0"/>
+                        <a:t>aperture08</a:t>
+                      </a:r>
+                    </a:p>
+                  </a:txBody>
+                  <a:tcPr marT="0" marB="0" anchorCtr="1">
+                    <a:lnL w="12700" cap="flat" cmpd="sng" algn="ctr">
+                      <a:solidFill>
+                        <a:scrgbClr r="0" g="0" b="0"/>
+                      </a:solidFill>
+                      <a:prstDash val="solid"/>
+                      <a:round/>
+                      <a:headEnd type="none" w="med" len="med"/>
+                      <a:tailEnd type="none" w="med" len="med"/>
+                    </a:lnL>
+                  </a:tcPr>
+                </a:tc>
+                <a:tc>
+                  <a:txBody>
+                    <a:bodyPr/>
+                    <a:lstStyle/>
+                    <a:p>
+                      <a:r>
+                        <a:rPr lang="en-US" sz="1400" dirty="0" smtClean="0"/>
+                        <a:t>50.0</a:t>
+                      </a:r>
+                      <a:endParaRPr lang="en-US" sz="1400" dirty="0"/>
+                    </a:p>
+                  </a:txBody>
+                  <a:tcPr marT="0" marB="0" anchorCtr="1"/>
+                </a:tc>
+                <a:tc>
+                  <a:txBody>
+                    <a:bodyPr/>
+                    <a:lstStyle/>
+                    <a:p>
+                      <a:r>
+                        <a:rPr lang="en-US" sz="1400" dirty="0" smtClean="0"/>
+                        <a:t>16.8</a:t>
+                      </a:r>
+                      <a:endParaRPr lang="en-US" sz="1400" dirty="0"/>
+                    </a:p>
+                  </a:txBody>
+                  <a:tcPr marT="0" marB="0" anchorCtr="1">
+                    <a:lnR w="12700" cap="flat" cmpd="sng" algn="ctr">
+                      <a:solidFill>
+                        <a:scrgbClr r="0" g="0" b="0"/>
+                      </a:solidFill>
+                      <a:prstDash val="solid"/>
+                      <a:round/>
+                      <a:headEnd type="none" w="med" len="med"/>
+                      <a:tailEnd type="none" w="med" len="med"/>
+                    </a:lnR>
+                  </a:tcPr>
+                </a:tc>
+              </a:tr>
+              <a:tr h="290592">
+                <a:tc>
+                  <a:txBody>
+                    <a:bodyPr/>
+                    <a:lstStyle/>
+                    <a:p>
+                      <a:pPr marL="0" marR="0" indent="0" algn="l" defTabSz="457200" rtl="0" eaLnBrk="1" fontAlgn="auto" latinLnBrk="0" hangingPunct="1">
+                        <a:lnSpc>
+                          <a:spcPct val="100000"/>
+                        </a:lnSpc>
+                        <a:spcBef>
+                          <a:spcPts val="0"/>
+                        </a:spcBef>
+                        <a:spcAft>
+                          <a:spcPts val="0"/>
+                        </a:spcAft>
+                        <a:buClrTx/>
+                        <a:buSzTx/>
+                        <a:buFontTx/>
+                        <a:buNone/>
+                        <a:tabLst/>
+                        <a:defRPr/>
+                      </a:pPr>
+                      <a:r>
+                        <a:rPr lang="en-US" sz="1400" dirty="0" smtClean="0"/>
+                        <a:t>aperture09</a:t>
+                      </a:r>
+                    </a:p>
+                  </a:txBody>
+                  <a:tcPr marT="0" marB="0" anchorCtr="1">
+                    <a:lnL w="12700" cap="flat" cmpd="sng" algn="ctr">
+                      <a:solidFill>
+                        <a:scrgbClr r="0" g="0" b="0"/>
+                      </a:solidFill>
+                      <a:prstDash val="solid"/>
+                      <a:round/>
+                      <a:headEnd type="none" w="med" len="med"/>
+                      <a:tailEnd type="none" w="med" len="med"/>
+                    </a:lnL>
+                    <a:lnB w="12700" cap="flat" cmpd="sng" algn="ctr">
+                      <a:solidFill>
+                        <a:scrgbClr r="0" g="0" b="0"/>
+                      </a:solidFill>
+                      <a:prstDash val="solid"/>
+                      <a:round/>
+                      <a:headEnd type="none" w="med" len="med"/>
+                      <a:tailEnd type="none" w="med" len="med"/>
+                    </a:lnB>
+                  </a:tcPr>
+                </a:tc>
+                <a:tc>
+                  <a:txBody>
+                    <a:bodyPr/>
+                    <a:lstStyle/>
+                    <a:p>
+                      <a:r>
+                        <a:rPr lang="en-US" sz="1400" dirty="0" smtClean="0"/>
+                        <a:t>70.0</a:t>
+                      </a:r>
+                      <a:endParaRPr lang="en-US" sz="1400" dirty="0"/>
+                    </a:p>
+                  </a:txBody>
+                  <a:tcPr marT="0" marB="0" anchorCtr="1">
+                    <a:lnB w="12700" cap="flat" cmpd="sng" algn="ctr">
+                      <a:solidFill>
+                        <a:scrgbClr r="0" g="0" b="0"/>
+                      </a:solidFill>
+                      <a:prstDash val="solid"/>
+                      <a:round/>
+                      <a:headEnd type="none" w="med" len="med"/>
+                      <a:tailEnd type="none" w="med" len="med"/>
+                    </a:lnB>
+                  </a:tcPr>
+                </a:tc>
+                <a:tc>
+                  <a:txBody>
+                    <a:bodyPr/>
+                    <a:lstStyle/>
+                    <a:p>
+                      <a:r>
+                        <a:rPr lang="en-US" sz="1400" dirty="0" smtClean="0"/>
+                        <a:t>23.5</a:t>
+                      </a:r>
+                      <a:endParaRPr lang="en-US" sz="1400" dirty="0"/>
+                    </a:p>
+                  </a:txBody>
+                  <a:tcPr marT="0" marB="0" anchorCtr="1">
+                    <a:lnR w="12700" cap="flat" cmpd="sng" algn="ctr">
+                      <a:solidFill>
+                        <a:scrgbClr r="0" g="0" b="0"/>
+                      </a:solidFill>
+                      <a:prstDash val="solid"/>
+                      <a:round/>
+                      <a:headEnd type="none" w="med" len="med"/>
+                      <a:tailEnd type="none" w="med" len="med"/>
+                    </a:lnR>
+                    <a:lnB w="12700" cap="flat" cmpd="sng" algn="ctr">
+                      <a:solidFill>
+                        <a:scrgbClr r="0" g="0" b="0"/>
+                      </a:solidFill>
+                      <a:prstDash val="solid"/>
+                      <a:round/>
+                      <a:headEnd type="none" w="med" len="med"/>
+                      <a:tailEnd type="none" w="med" len="med"/>
+                    </a:lnB>
+                  </a:tcPr>
+                </a:tc>
+              </a:tr>
+            </a:tbl>
+          </a:graphicData>
+        </a:graphic>
+      </p:graphicFrame>
     </p:spTree>
     <p:extLst>
       <p:ext uri="{BB962C8B-B14F-4D97-AF65-F5344CB8AC3E}">
-        <p14:creationId xmlns:p14="http://schemas.microsoft.com/office/powerpoint/2010/main" val="2063487560"/>
+        <p14:creationId xmlns:p14="http://schemas.microsoft.com/office/powerpoint/2010/main" val="3237531117"/>
       </p:ext>
     </p:extLst>
   </p:cSld>
   <p:clrMapOvr>
     <a:masterClrMapping/>
   </p:clrMapOvr>
+  <p:timing>
+    <p:tnLst>
+      <p:par>
+        <p:cTn xmlns:p14="http://schemas.microsoft.com/office/powerpoint/2010/main" id="1" dur="indefinite" restart="never" nodeType="tmRoot"/>
+      </p:par>
+    </p:tnLst>
+  </p:timing>
 </p:sld>
 </file>
 
@@ -5408,21 +7909,13 @@
         <p:spPr/>
         <p:txBody>
           <a:bodyPr>
-            <a:normAutofit fontScale="90000"/>
+            <a:normAutofit/>
           </a:bodyPr>
           <a:lstStyle/>
           <a:p>
             <a:r>
               <a:rPr lang="en-US" dirty="0" smtClean="0"/>
-              <a:t>Getting Luminosity Density and </a:t>
-            </a:r>
-            <a:r>
-              <a:rPr lang="en-US" dirty="0" err="1" smtClean="0"/>
-              <a:t>Comoving</a:t>
-            </a:r>
-            <a:r>
-              <a:rPr lang="en-US" dirty="0" smtClean="0"/>
-              <a:t> Distance</a:t>
+              <a:t>Making Luminosity Profiles</a:t>
             </a:r>
             <a:endParaRPr lang="en-US" dirty="0"/>
           </a:p>
@@ -5430,7 +7923,30 @@
       </p:sp>
       <p:sp>
         <p:nvSpPr>
-          <p:cNvPr id="3" name="Content Placeholder 2"/>
+          <p:cNvPr id="4" name="Footer Placeholder 3"/>
+          <p:cNvSpPr>
+            <a:spLocks noGrp="1"/>
+          </p:cNvSpPr>
+          <p:nvPr>
+            <p:ph type="ftr" sz="quarter" idx="11"/>
+          </p:nvPr>
+        </p:nvSpPr>
+        <p:spPr/>
+        <p:txBody>
+          <a:bodyPr/>
+          <a:lstStyle/>
+          <a:p>
+            <a:r>
+              <a:rPr lang="en-US" smtClean="0"/>
+              <a:t>Amanda Newmark</a:t>
+            </a:r>
+            <a:endParaRPr lang="en-US"/>
+          </a:p>
+        </p:txBody>
+      </p:sp>
+      <p:sp>
+        <p:nvSpPr>
+          <p:cNvPr id="5" name="Content Placeholder 4"/>
           <p:cNvSpPr>
             <a:spLocks noGrp="1"/>
           </p:cNvSpPr>
@@ -5443,47 +7959,6 @@
           <a:bodyPr/>
           <a:lstStyle/>
           <a:p>
-            <a:r>
-              <a:rPr lang="en-US" dirty="0" smtClean="0"/>
-              <a:t>Show formula to get luminosity</a:t>
-            </a:r>
-          </a:p>
-          <a:p>
-            <a:r>
-              <a:rPr lang="en-US" dirty="0" smtClean="0"/>
-              <a:t>Show formula to get </a:t>
-            </a:r>
-            <a:r>
-              <a:rPr lang="en-US" dirty="0" err="1" smtClean="0"/>
-              <a:t>comoving</a:t>
-            </a:r>
-            <a:r>
-              <a:rPr lang="en-US" dirty="0" smtClean="0"/>
-              <a:t> distance</a:t>
-            </a:r>
-            <a:endParaRPr lang="en-US" dirty="0"/>
-          </a:p>
-        </p:txBody>
-      </p:sp>
-      <p:sp>
-        <p:nvSpPr>
-          <p:cNvPr id="4" name="Footer Placeholder 3"/>
-          <p:cNvSpPr>
-            <a:spLocks noGrp="1"/>
-          </p:cNvSpPr>
-          <p:nvPr>
-            <p:ph type="ftr" sz="quarter" idx="11"/>
-          </p:nvPr>
-        </p:nvSpPr>
-        <p:spPr/>
-        <p:txBody>
-          <a:bodyPr/>
-          <a:lstStyle/>
-          <a:p>
-            <a:r>
-              <a:rPr lang="en-US" smtClean="0"/>
-              <a:t>Amanda Newmark</a:t>
-            </a:r>
             <a:endParaRPr lang="en-US"/>
           </a:p>
         </p:txBody>
@@ -5498,6 +7973,13 @@
   <p:clrMapOvr>
     <a:masterClrMapping/>
   </p:clrMapOvr>
+  <p:timing>
+    <p:tnLst>
+      <p:par>
+        <p:cTn xmlns:p14="http://schemas.microsoft.com/office/powerpoint/2010/main" id="1" dur="indefinite" restart="never" nodeType="tmRoot"/>
+      </p:par>
+    </p:tnLst>
+  </p:timing>
 </p:sld>
 </file>
 
@@ -5530,44 +8012,45 @@
         </p:nvSpPr>
         <p:spPr/>
         <p:txBody>
-          <a:bodyPr>
-            <a:normAutofit/>
-          </a:bodyPr>
+          <a:bodyPr/>
           <a:lstStyle/>
           <a:p>
             <a:r>
               <a:rPr lang="en-US" dirty="0" smtClean="0"/>
-              <a:t>Flagged vs. Not Flagged</a:t>
+              <a:t>Making the Luminosity Profiles</a:t>
             </a:r>
             <a:endParaRPr lang="en-US" dirty="0"/>
           </a:p>
         </p:txBody>
       </p:sp>
-      <p:sp>
-        <p:nvSpPr>
-          <p:cNvPr id="3" name="Content Placeholder 2"/>
-          <p:cNvSpPr>
-            <a:spLocks noGrp="1"/>
-          </p:cNvSpPr>
+      <p:pic>
+        <p:nvPicPr>
+          <p:cNvPr id="5" name="Content Placeholder 4" descr="3meanuplimzdist.pdf"/>
+          <p:cNvPicPr>
+            <a:picLocks noGrp="1" noChangeAspect="1"/>
+          </p:cNvPicPr>
           <p:nvPr>
             <p:ph idx="1"/>
           </p:nvPr>
-        </p:nvSpPr>
-        <p:spPr/>
-        <p:txBody>
-          <a:bodyPr/>
-          <a:lstStyle/>
-          <a:p>
-            <a:r>
-              <a:rPr lang="en-US" dirty="0" smtClean="0"/>
-              <a:t>Flagged v not flagged profile and distribution</a:t>
-            </a:r>
-          </a:p>
-          <a:p>
-            <a:endParaRPr lang="en-US" dirty="0"/>
-          </a:p>
-        </p:txBody>
-      </p:sp>
+        </p:nvPicPr>
+        <p:blipFill rotWithShape="1">
+          <a:blip r:embed="rId3">
+            <a:extLst>
+              <a:ext uri="{28A0092B-C50C-407E-A947-70E740481C1C}">
+                <a14:useLocalDpi xmlns:a14="http://schemas.microsoft.com/office/drawing/2010/main" val="0"/>
+              </a:ext>
+            </a:extLst>
+          </a:blip>
+          <a:srcRect l="109" t="5847" r="6315"/>
+          <a:stretch/>
+        </p:blipFill>
+        <p:spPr>
+          <a:xfrm>
+            <a:off x="1" y="1744007"/>
+            <a:ext cx="4595090" cy="3467612"/>
+          </a:xfrm>
+        </p:spPr>
+      </p:pic>
       <p:sp>
         <p:nvSpPr>
           <p:cNvPr id="4" name="Footer Placeholder 3"/>
@@ -5591,16 +8074,52 @@
           </a:p>
         </p:txBody>
       </p:sp>
+      <p:pic>
+        <p:nvPicPr>
+          <p:cNvPr id="7" name="Picture 6" descr="3meanuplimmagdist.pdf"/>
+          <p:cNvPicPr>
+            <a:picLocks noChangeAspect="1"/>
+          </p:cNvPicPr>
+          <p:nvPr/>
+        </p:nvPicPr>
+        <p:blipFill rotWithShape="1">
+          <a:blip r:embed="rId4">
+            <a:extLst>
+              <a:ext uri="{28A0092B-C50C-407E-A947-70E740481C1C}">
+                <a14:useLocalDpi xmlns:a14="http://schemas.microsoft.com/office/drawing/2010/main" val="0"/>
+              </a:ext>
+            </a:extLst>
+          </a:blip>
+          <a:srcRect t="4454" r="5995"/>
+          <a:stretch/>
+        </p:blipFill>
+        <p:spPr>
+          <a:xfrm>
+            <a:off x="4595091" y="1744007"/>
+            <a:ext cx="4548909" cy="3467612"/>
+          </a:xfrm>
+          <a:prstGeom prst="rect">
+            <a:avLst/>
+          </a:prstGeom>
+        </p:spPr>
+      </p:pic>
     </p:spTree>
     <p:extLst>
       <p:ext uri="{BB962C8B-B14F-4D97-AF65-F5344CB8AC3E}">
-        <p14:creationId xmlns:p14="http://schemas.microsoft.com/office/powerpoint/2010/main" val="743701429"/>
+        <p14:creationId xmlns:p14="http://schemas.microsoft.com/office/powerpoint/2010/main" val="2063487560"/>
       </p:ext>
     </p:extLst>
   </p:cSld>
   <p:clrMapOvr>
     <a:masterClrMapping/>
   </p:clrMapOvr>
+  <p:timing>
+    <p:tnLst>
+      <p:par>
+        <p:cTn xmlns:p14="http://schemas.microsoft.com/office/powerpoint/2010/main" id="1" dur="indefinite" restart="never" nodeType="tmRoot"/>
+      </p:par>
+    </p:tnLst>
+  </p:timing>
 </p:sld>
 </file>
 
@@ -5633,12 +8152,14 @@
         </p:nvSpPr>
         <p:spPr/>
         <p:txBody>
-          <a:bodyPr/>
+          <a:bodyPr>
+            <a:normAutofit/>
+          </a:bodyPr>
           <a:lstStyle/>
           <a:p>
             <a:r>
               <a:rPr lang="en-US" dirty="0" smtClean="0"/>
-              <a:t>Applying to Star Formation History</a:t>
+              <a:t>Flagged vs. Not Flagged</a:t>
             </a:r>
             <a:endParaRPr lang="en-US" dirty="0"/>
           </a:p>
@@ -5646,31 +8167,6 @@
       </p:sp>
       <p:sp>
         <p:nvSpPr>
-          <p:cNvPr id="3" name="Content Placeholder 2"/>
-          <p:cNvSpPr>
-            <a:spLocks noGrp="1"/>
-          </p:cNvSpPr>
-          <p:nvPr>
-            <p:ph idx="1"/>
-          </p:nvPr>
-        </p:nvSpPr>
-        <p:spPr/>
-        <p:txBody>
-          <a:bodyPr/>
-          <a:lstStyle/>
-          <a:p>
-            <a:r>
-              <a:rPr lang="en-US" dirty="0" smtClean="0"/>
-              <a:t>VESPA paper stacking?</a:t>
-            </a:r>
-          </a:p>
-          <a:p>
-            <a:endParaRPr lang="en-US" dirty="0"/>
-          </a:p>
-        </p:txBody>
-      </p:sp>
-      <p:sp>
-        <p:nvSpPr>
           <p:cNvPr id="4" name="Footer Placeholder 3"/>
           <p:cNvSpPr>
             <a:spLocks noGrp="1"/>
@@ -5692,16 +8188,81 @@
           </a:p>
         </p:txBody>
       </p:sp>
+      <p:pic>
+        <p:nvPicPr>
+          <p:cNvPr id="5" name="Picture 4" descr="3meanuplimslopedist.pdf"/>
+          <p:cNvPicPr>
+            <a:picLocks noChangeAspect="1"/>
+          </p:cNvPicPr>
+          <p:nvPr/>
+        </p:nvPicPr>
+        <p:blipFill rotWithShape="1">
+          <a:blip r:embed="rId3">
+            <a:extLst>
+              <a:ext uri="{28A0092B-C50C-407E-A947-70E740481C1C}">
+                <a14:useLocalDpi xmlns:a14="http://schemas.microsoft.com/office/drawing/2010/main" val="0"/>
+              </a:ext>
+            </a:extLst>
+          </a:blip>
+          <a:srcRect r="6561"/>
+          <a:stretch/>
+        </p:blipFill>
+        <p:spPr>
+          <a:xfrm>
+            <a:off x="1" y="2034621"/>
+            <a:ext cx="4510419" cy="3620355"/>
+          </a:xfrm>
+          <a:prstGeom prst="rect">
+            <a:avLst/>
+          </a:prstGeom>
+        </p:spPr>
+      </p:pic>
+      <p:pic>
+        <p:nvPicPr>
+          <p:cNvPr id="6" name="Picture 5" descr="3meanuplimTF.pdf"/>
+          <p:cNvPicPr>
+            <a:picLocks noChangeAspect="1"/>
+          </p:cNvPicPr>
+          <p:nvPr/>
+        </p:nvPicPr>
+        <p:blipFill rotWithShape="1">
+          <a:blip r:embed="rId4">
+            <a:extLst>
+              <a:ext uri="{28A0092B-C50C-407E-A947-70E740481C1C}">
+                <a14:useLocalDpi xmlns:a14="http://schemas.microsoft.com/office/drawing/2010/main" val="0"/>
+              </a:ext>
+            </a:extLst>
+          </a:blip>
+          <a:srcRect r="6682"/>
+          <a:stretch/>
+        </p:blipFill>
+        <p:spPr>
+          <a:xfrm>
+            <a:off x="4699563" y="2082972"/>
+            <a:ext cx="4444437" cy="3572004"/>
+          </a:xfrm>
+          <a:prstGeom prst="rect">
+            <a:avLst/>
+          </a:prstGeom>
+        </p:spPr>
+      </p:pic>
     </p:spTree>
     <p:extLst>
       <p:ext uri="{BB962C8B-B14F-4D97-AF65-F5344CB8AC3E}">
-        <p14:creationId xmlns:p14="http://schemas.microsoft.com/office/powerpoint/2010/main" val="1888732109"/>
+        <p14:creationId xmlns:p14="http://schemas.microsoft.com/office/powerpoint/2010/main" val="743701429"/>
       </p:ext>
     </p:extLst>
   </p:cSld>
   <p:clrMapOvr>
     <a:masterClrMapping/>
   </p:clrMapOvr>
+  <p:timing>
+    <p:tnLst>
+      <p:par>
+        <p:cTn xmlns:p14="http://schemas.microsoft.com/office/powerpoint/2010/main" id="1" dur="indefinite" restart="never" nodeType="tmRoot"/>
+      </p:par>
+    </p:tnLst>
+  </p:timing>
 </p:sld>
 </file>
 
@@ -5739,7 +8300,7 @@
           <a:p>
             <a:r>
               <a:rPr lang="en-US" dirty="0" smtClean="0"/>
-              <a:t>Old v Young Profiles</a:t>
+              <a:t>Applying to Star Formation History</a:t>
             </a:r>
             <a:endParaRPr lang="en-US" dirty="0"/>
           </a:p>
@@ -5760,6 +8321,9 @@
           <a:bodyPr/>
           <a:lstStyle/>
           <a:p>
+            <a:endParaRPr lang="en-US" dirty="0" smtClean="0"/>
+          </a:p>
+          <a:p>
             <a:endParaRPr lang="en-US" dirty="0"/>
           </a:p>
         </p:txBody>
@@ -5787,16 +8351,137 @@
           </a:p>
         </p:txBody>
       </p:sp>
+      <p:grpSp>
+        <p:nvGrpSpPr>
+          <p:cNvPr id="10" name="Group 9"/>
+          <p:cNvGrpSpPr/>
+          <p:nvPr/>
+        </p:nvGrpSpPr>
+        <p:grpSpPr>
+          <a:xfrm>
+            <a:off x="0" y="1417638"/>
+            <a:ext cx="5016500" cy="2345241"/>
+            <a:chOff x="0" y="1417638"/>
+            <a:chExt cx="5016500" cy="2345241"/>
+          </a:xfrm>
+        </p:grpSpPr>
+        <p:pic>
+          <p:nvPicPr>
+            <p:cNvPr id="6" name="Picture 5" descr="Screen Shot 2016-07-27 at 9.33.13 AM.png" title="Tojeiro et al"/>
+            <p:cNvPicPr>
+              <a:picLocks noChangeAspect="1"/>
+            </p:cNvPicPr>
+            <p:nvPr/>
+          </p:nvPicPr>
+          <p:blipFill>
+            <a:blip r:embed="rId3">
+              <a:extLst>
+                <a:ext uri="{28A0092B-C50C-407E-A947-70E740481C1C}">
+                  <a14:useLocalDpi xmlns:a14="http://schemas.microsoft.com/office/drawing/2010/main" val="0"/>
+                </a:ext>
+              </a:extLst>
+            </a:blip>
+            <a:stretch>
+              <a:fillRect/>
+            </a:stretch>
+          </p:blipFill>
+          <p:spPr>
+            <a:xfrm>
+              <a:off x="0" y="1417638"/>
+              <a:ext cx="5016500" cy="1905000"/>
+            </a:xfrm>
+            <a:prstGeom prst="rect">
+              <a:avLst/>
+            </a:prstGeom>
+          </p:spPr>
+        </p:pic>
+        <p:sp>
+          <p:nvSpPr>
+            <p:cNvPr id="7" name="TextBox 6"/>
+            <p:cNvSpPr txBox="1"/>
+            <p:nvPr/>
+          </p:nvSpPr>
+          <p:spPr>
+            <a:xfrm>
+              <a:off x="1807538" y="3485880"/>
+              <a:ext cx="1316662" cy="276999"/>
+            </a:xfrm>
+            <a:prstGeom prst="rect">
+              <a:avLst/>
+            </a:prstGeom>
+            <a:noFill/>
+            <a:ln>
+              <a:solidFill>
+                <a:schemeClr val="tx1"/>
+              </a:solidFill>
+            </a:ln>
+          </p:spPr>
+          <p:txBody>
+            <a:bodyPr wrap="none" rtlCol="0">
+              <a:spAutoFit/>
+            </a:bodyPr>
+            <a:lstStyle/>
+            <a:p>
+              <a:r>
+                <a:rPr lang="en-US" sz="1200" dirty="0" err="1" smtClean="0"/>
+                <a:t>Tojeiro</a:t>
+              </a:r>
+              <a:r>
+                <a:rPr lang="en-US" sz="1200" dirty="0" smtClean="0"/>
+                <a:t> et al. 2009</a:t>
+              </a:r>
+              <a:endParaRPr lang="en-US" sz="1200" dirty="0"/>
+            </a:p>
+          </p:txBody>
+        </p:sp>
+      </p:grpSp>
+      <p:pic>
+        <p:nvPicPr>
+          <p:cNvPr id="8" name="Picture 7" descr="oy_agebin.pdf"/>
+          <p:cNvPicPr>
+            <a:picLocks noChangeAspect="1"/>
+          </p:cNvPicPr>
+          <p:nvPr/>
+        </p:nvPicPr>
+        <p:blipFill>
+          <a:blip r:embed="rId4">
+            <a:extLst>
+              <a:ext uri="{28A0092B-C50C-407E-A947-70E740481C1C}">
+                <a14:useLocalDpi xmlns:a14="http://schemas.microsoft.com/office/drawing/2010/main" val="0"/>
+              </a:ext>
+            </a:extLst>
+          </a:blip>
+          <a:stretch>
+            <a:fillRect/>
+          </a:stretch>
+        </p:blipFill>
+        <p:spPr>
+          <a:xfrm>
+            <a:off x="4832508" y="1159805"/>
+            <a:ext cx="4311492" cy="3332223"/>
+          </a:xfrm>
+          <a:prstGeom prst="rect">
+            <a:avLst/>
+          </a:prstGeom>
+        </p:spPr>
+      </p:pic>
     </p:spTree>
     <p:extLst>
       <p:ext uri="{BB962C8B-B14F-4D97-AF65-F5344CB8AC3E}">
-        <p14:creationId xmlns:p14="http://schemas.microsoft.com/office/powerpoint/2010/main" val="932634646"/>
+        <p14:creationId xmlns:p14="http://schemas.microsoft.com/office/powerpoint/2010/main" val="1888732109"/>
       </p:ext>
     </p:extLst>
   </p:cSld>
   <p:clrMapOvr>
     <a:masterClrMapping/>
   </p:clrMapOvr>
+  <p:timing>
+    <p:tnLst>
+      <p:par>
+        <p:cTn xmlns:p14="http://schemas.microsoft.com/office/powerpoint/2010/main" id="1" dur="indefinite" restart="never" nodeType="tmRoot"/>
+      </p:par>
+    </p:tnLst>
+  </p:timing>
 </p:sld>
 </file>
 
@@ -5834,7 +8519,7 @@
           <a:p>
             <a:r>
               <a:rPr lang="en-US" dirty="0" smtClean="0"/>
-              <a:t>With and Without Flags</a:t>
+              <a:t>Old v Young Profiles</a:t>
             </a:r>
             <a:endParaRPr lang="en-US" dirty="0"/>
           </a:p>
@@ -5842,56 +8527,102 @@
       </p:sp>
       <p:sp>
         <p:nvSpPr>
-          <p:cNvPr id="3" name="Content Placeholder 2"/>
-          <p:cNvSpPr>
-            <a:spLocks noGrp="1"/>
-          </p:cNvSpPr>
-          <p:nvPr>
-            <p:ph idx="1"/>
-          </p:nvPr>
-        </p:nvSpPr>
-        <p:spPr/>
-        <p:txBody>
-          <a:bodyPr/>
-          <a:lstStyle/>
-          <a:p>
+          <p:cNvPr id="4" name="Footer Placeholder 3"/>
+          <p:cNvSpPr>
+            <a:spLocks noGrp="1"/>
+          </p:cNvSpPr>
+          <p:nvPr>
+            <p:ph type="ftr" sz="quarter" idx="11"/>
+          </p:nvPr>
+        </p:nvSpPr>
+        <p:spPr/>
+        <p:txBody>
+          <a:bodyPr/>
+          <a:lstStyle/>
+          <a:p>
+            <a:r>
+              <a:rPr lang="en-US" smtClean="0"/>
+              <a:t>Amanda Newmark</a:t>
+            </a:r>
             <a:endParaRPr lang="en-US"/>
           </a:p>
         </p:txBody>
       </p:sp>
-      <p:sp>
-        <p:nvSpPr>
-          <p:cNvPr id="4" name="Footer Placeholder 3"/>
-          <p:cNvSpPr>
-            <a:spLocks noGrp="1"/>
-          </p:cNvSpPr>
-          <p:nvPr>
-            <p:ph type="ftr" sz="quarter" idx="11"/>
-          </p:nvPr>
-        </p:nvSpPr>
-        <p:spPr/>
-        <p:txBody>
-          <a:bodyPr/>
-          <a:lstStyle/>
-          <a:p>
-            <a:r>
-              <a:rPr lang="en-US" smtClean="0"/>
-              <a:t>Amanda Newmark</a:t>
-            </a:r>
-            <a:endParaRPr lang="en-US"/>
-          </a:p>
-        </p:txBody>
-      </p:sp>
+      <p:pic>
+        <p:nvPicPr>
+          <p:cNvPr id="5" name="Picture 4" descr="3oymeanuplimlumage.pdf"/>
+          <p:cNvPicPr>
+            <a:picLocks noChangeAspect="1"/>
+          </p:cNvPicPr>
+          <p:nvPr/>
+        </p:nvPicPr>
+        <p:blipFill rotWithShape="1">
+          <a:blip r:embed="rId3">
+            <a:extLst>
+              <a:ext uri="{28A0092B-C50C-407E-A947-70E740481C1C}">
+                <a14:useLocalDpi xmlns:a14="http://schemas.microsoft.com/office/drawing/2010/main" val="0"/>
+              </a:ext>
+            </a:extLst>
+          </a:blip>
+          <a:srcRect r="5702"/>
+          <a:stretch/>
+        </p:blipFill>
+        <p:spPr>
+          <a:xfrm>
+            <a:off x="4511320" y="1576299"/>
+            <a:ext cx="4632680" cy="3684602"/>
+          </a:xfrm>
+          <a:prstGeom prst="rect">
+            <a:avLst/>
+          </a:prstGeom>
+        </p:spPr>
+      </p:pic>
+      <p:pic>
+        <p:nvPicPr>
+          <p:cNvPr id="6" name="Picture 5" descr="3oymeanuplimslope_agedist.pdf"/>
+          <p:cNvPicPr>
+            <a:picLocks noChangeAspect="1"/>
+          </p:cNvPicPr>
+          <p:nvPr/>
+        </p:nvPicPr>
+        <p:blipFill rotWithShape="1">
+          <a:blip r:embed="rId4">
+            <a:extLst>
+              <a:ext uri="{28A0092B-C50C-407E-A947-70E740481C1C}">
+                <a14:useLocalDpi xmlns:a14="http://schemas.microsoft.com/office/drawing/2010/main" val="0"/>
+              </a:ext>
+            </a:extLst>
+          </a:blip>
+          <a:srcRect r="5418"/>
+          <a:stretch/>
+        </p:blipFill>
+        <p:spPr>
+          <a:xfrm>
+            <a:off x="-1" y="1576299"/>
+            <a:ext cx="4646649" cy="3684602"/>
+          </a:xfrm>
+          <a:prstGeom prst="rect">
+            <a:avLst/>
+          </a:prstGeom>
+        </p:spPr>
+      </p:pic>
     </p:spTree>
     <p:extLst>
       <p:ext uri="{BB962C8B-B14F-4D97-AF65-F5344CB8AC3E}">
-        <p14:creationId xmlns:p14="http://schemas.microsoft.com/office/powerpoint/2010/main" val="3123705895"/>
+        <p14:creationId xmlns:p14="http://schemas.microsoft.com/office/powerpoint/2010/main" val="932634646"/>
       </p:ext>
     </p:extLst>
   </p:cSld>
   <p:clrMapOvr>
     <a:masterClrMapping/>
   </p:clrMapOvr>
+  <p:timing>
+    <p:tnLst>
+      <p:par>
+        <p:cTn xmlns:p14="http://schemas.microsoft.com/office/powerpoint/2010/main" id="1" dur="indefinite" restart="never" nodeType="tmRoot"/>
+      </p:par>
+    </p:tnLst>
+  </p:timing>
 </p:sld>
 </file>
 

--- a/big_presentation.pptx
+++ b/big_presentation.pptx
@@ -12,16 +12,16 @@
   </p:handoutMasterIdLst>
   <p:sldIdLst>
     <p:sldId id="256" r:id="rId2"/>
-    <p:sldId id="257" r:id="rId3"/>
-    <p:sldId id="258" r:id="rId4"/>
-    <p:sldId id="271" r:id="rId5"/>
-    <p:sldId id="264" r:id="rId6"/>
+    <p:sldId id="258" r:id="rId3"/>
+    <p:sldId id="271" r:id="rId4"/>
+    <p:sldId id="264" r:id="rId5"/>
+    <p:sldId id="272" r:id="rId6"/>
     <p:sldId id="259" r:id="rId7"/>
-    <p:sldId id="262" r:id="rId8"/>
-    <p:sldId id="263" r:id="rId9"/>
-    <p:sldId id="265" r:id="rId10"/>
-    <p:sldId id="266" r:id="rId11"/>
-    <p:sldId id="267" r:id="rId12"/>
+    <p:sldId id="273" r:id="rId8"/>
+    <p:sldId id="262" r:id="rId9"/>
+    <p:sldId id="263" r:id="rId10"/>
+    <p:sldId id="265" r:id="rId11"/>
+    <p:sldId id="274" r:id="rId12"/>
     <p:sldId id="268" r:id="rId13"/>
     <p:sldId id="269" r:id="rId14"/>
     <p:sldId id="270" r:id="rId15"/>
@@ -210,7 +210,7 @@
           <a:p>
             <a:fld id="{69B3750A-6C33-B143-945F-A4C94365EBF7}" type="datetimeFigureOut">
               <a:rPr lang="en-US" smtClean="0"/>
-              <a:t>7/25/16</a:t>
+              <a:t>7/27/16</a:t>
             </a:fld>
             <a:endParaRPr lang="en-US"/>
           </a:p>
@@ -376,7 +376,7 @@
           <a:p>
             <a:fld id="{A86B73CE-1953-064E-84FF-FC6DC95AA2AF}" type="datetimeFigureOut">
               <a:rPr lang="en-US" smtClean="0"/>
-              <a:t>7/25/16</a:t>
+              <a:t>7/27/16</a:t>
             </a:fld>
             <a:endParaRPr lang="en-US"/>
           </a:p>
@@ -689,23 +689,49 @@
           <a:bodyPr/>
           <a:lstStyle/>
           <a:p>
+            <a:pPr marL="0" marR="0" indent="0" algn="l" defTabSz="457200" rtl="0" eaLnBrk="1" fontAlgn="auto" latinLnBrk="0" hangingPunct="1">
+              <a:lnSpc>
+                <a:spcPct val="100000"/>
+              </a:lnSpc>
+              <a:spcBef>
+                <a:spcPts val="0"/>
+              </a:spcBef>
+              <a:spcAft>
+                <a:spcPts val="0"/>
+              </a:spcAft>
+              <a:buClrTx/>
+              <a:buSzTx/>
+              <a:buFontTx/>
+              <a:buNone/>
+              <a:tabLst/>
+              <a:defRPr/>
+            </a:pPr>
             <a:r>
               <a:rPr lang="en-US" dirty="0" smtClean="0"/>
-              <a:t>Main Objective of HSC: understand the correlation between a</a:t>
-            </a:r>
-            <a:r>
-              <a:rPr lang="en-US" baseline="0" dirty="0" smtClean="0"/>
-              <a:t> Luminous Red Galaxy’s mass assembly history and the underlying Dark Matter Halo.</a:t>
-            </a:r>
-            <a:r>
-              <a:rPr lang="en-US" baseline="0" dirty="0" smtClean="0"/>
-              <a:t>.</a:t>
-            </a:r>
-          </a:p>
-          <a:p>
-            <a:endParaRPr lang="en-US" baseline="0" dirty="0" smtClean="0"/>
-          </a:p>
-          <a:p>
+              <a:t>Is there any correlation between the Mass Assembly History and the underlying Dark Matter Halo in Luminous Red Galaxies (LRGs)?</a:t>
+            </a:r>
+          </a:p>
+          <a:p>
+            <a:endParaRPr lang="en-US" dirty="0" smtClean="0"/>
+          </a:p>
+          <a:p>
+            <a:pPr marL="0" marR="0" indent="0" algn="l" defTabSz="457200" rtl="0" eaLnBrk="1" fontAlgn="auto" latinLnBrk="0" hangingPunct="1">
+              <a:lnSpc>
+                <a:spcPct val="100000"/>
+              </a:lnSpc>
+              <a:spcBef>
+                <a:spcPts val="0"/>
+              </a:spcBef>
+              <a:spcAft>
+                <a:spcPts val="0"/>
+              </a:spcAft>
+              <a:buClrTx/>
+              <a:buSzTx/>
+              <a:buFontTx/>
+              <a:buNone/>
+              <a:tabLst/>
+              <a:defRPr/>
+            </a:pPr>
             <a:r>
               <a:rPr lang="en-US" baseline="0" dirty="0" smtClean="0"/>
               <a:t>We focus on LRGs because they are a well defined, homogenous population: higher mass elliptical galaxies with little to no star formation.</a:t>
@@ -731,7 +757,7 @@
           <a:p>
             <a:fld id="{601C96DA-B53C-B542-A94F-CB2944E40FE5}" type="slidenum">
               <a:rPr lang="en-US" smtClean="0"/>
-              <a:t>2</a:t>
+              <a:t>1</a:t>
             </a:fld>
             <a:endParaRPr lang="en-US"/>
           </a:p>
@@ -740,7 +766,7 @@
     </p:spTree>
     <p:extLst>
       <p:ext uri="{BB962C8B-B14F-4D97-AF65-F5344CB8AC3E}">
-        <p14:creationId xmlns:p14="http://schemas.microsoft.com/office/powerpoint/2010/main" val="140218345"/>
+        <p14:creationId xmlns:p14="http://schemas.microsoft.com/office/powerpoint/2010/main" val="4214631992"/>
       </p:ext>
     </p:extLst>
   </p:cSld>
@@ -796,27 +822,11 @@
           <a:p>
             <a:r>
               <a:rPr lang="en-US" dirty="0" smtClean="0"/>
-              <a:t>This table compares the </a:t>
-            </a:r>
-            <a:r>
-              <a:rPr lang="en-US" dirty="0" err="1" smtClean="0"/>
-              <a:t>alpha_star</a:t>
+              <a:t>If we were to solely compare slopes of the older and younger galaxies, they would</a:t>
             </a:r>
             <a:r>
               <a:rPr lang="en-US" baseline="0" dirty="0" smtClean="0"/>
-              <a:t> slopes of all the stacked galaxies with the medians of the individual galaxies. </a:t>
-            </a:r>
-            <a:r>
-              <a:rPr lang="en-US" baseline="0" dirty="0" err="1" smtClean="0"/>
-              <a:t>Wedon</a:t>
-            </a:r>
-            <a:r>
-              <a:rPr lang="fr-FR" baseline="0" dirty="0" smtClean="0"/>
-              <a:t>’</a:t>
-            </a:r>
-            <a:r>
-              <a:rPr lang="en-US" baseline="0" dirty="0" smtClean="0"/>
-              <a:t>t expect the log stacked slopes to exactly meet up with the median of the distribution. </a:t>
+              <a:t> appear to be in agreement. The stacked slopes coincide with the Gaussian distribution of the individual slopes within one sigma.  While it is easy to automatically conclude that star formation history doesn’t affect mass accretion, it is important to note that about half of the galaxies in each older and younger population are flagged as Bright Objects. Next, individually for each population, we must compare the flagged and not flagged subsamples</a:t>
             </a:r>
             <a:endParaRPr lang="en-US" dirty="0"/>
           </a:p>
@@ -839,7 +849,7 @@
           <a:p>
             <a:fld id="{601C96DA-B53C-B542-A94F-CB2944E40FE5}" type="slidenum">
               <a:rPr lang="en-US" smtClean="0"/>
-              <a:t>11</a:t>
+              <a:t>10</a:t>
             </a:fld>
             <a:endParaRPr lang="en-US"/>
           </a:p>
@@ -848,7 +858,7 @@
     </p:spTree>
     <p:extLst>
       <p:ext uri="{BB962C8B-B14F-4D97-AF65-F5344CB8AC3E}">
-        <p14:creationId xmlns:p14="http://schemas.microsoft.com/office/powerpoint/2010/main" val="2243125905"/>
+        <p14:creationId xmlns:p14="http://schemas.microsoft.com/office/powerpoint/2010/main" val="2826134056"/>
       </p:ext>
     </p:extLst>
   </p:cSld>
@@ -904,11 +914,135 @@
           <a:p>
             <a:r>
               <a:rPr lang="en-US" dirty="0" smtClean="0"/>
+              <a:t>As</a:t>
+            </a:r>
+            <a:r>
+              <a:rPr lang="en-US" baseline="0" dirty="0" smtClean="0"/>
+              <a:t> long as fit slopes at same physical range</a:t>
+            </a:r>
+          </a:p>
+          <a:p>
+            <a:r>
+              <a:rPr lang="en-US" baseline="0" dirty="0" smtClean="0"/>
+              <a:t>*dependent </a:t>
+            </a:r>
+            <a:r>
+              <a:rPr lang="en-US" baseline="0" smtClean="0"/>
+              <a:t>for lower mass end?</a:t>
+            </a:r>
+            <a:endParaRPr lang="en-US" baseline="0" dirty="0" smtClean="0"/>
+          </a:p>
+          <a:p>
+            <a:endParaRPr lang="en-US" baseline="0" dirty="0" smtClean="0"/>
+          </a:p>
+          <a:p>
+            <a:r>
+              <a:rPr lang="en-US" baseline="0" dirty="0" smtClean="0"/>
+              <a:t>As determined by stellar envelope slope (alpha star)</a:t>
+            </a:r>
+            <a:endParaRPr lang="en-US" dirty="0"/>
+          </a:p>
+        </p:txBody>
+      </p:sp>
+      <p:sp>
+        <p:nvSpPr>
+          <p:cNvPr id="4" name="Slide Number Placeholder 3"/>
+          <p:cNvSpPr>
+            <a:spLocks noGrp="1"/>
+          </p:cNvSpPr>
+          <p:nvPr>
+            <p:ph type="sldNum" sz="quarter" idx="10"/>
+          </p:nvPr>
+        </p:nvSpPr>
+        <p:spPr/>
+        <p:txBody>
+          <a:bodyPr/>
+          <a:lstStyle/>
+          <a:p>
+            <a:fld id="{601C96DA-B53C-B542-A94F-CB2944E40FE5}" type="slidenum">
+              <a:rPr lang="en-US" smtClean="0"/>
+              <a:t>12</a:t>
+            </a:fld>
+            <a:endParaRPr lang="en-US"/>
+          </a:p>
+        </p:txBody>
+      </p:sp>
+    </p:spTree>
+    <p:extLst>
+      <p:ext uri="{BB962C8B-B14F-4D97-AF65-F5344CB8AC3E}">
+        <p14:creationId xmlns:p14="http://schemas.microsoft.com/office/powerpoint/2010/main" val="1382260935"/>
+      </p:ext>
+    </p:extLst>
+  </p:cSld>
+  <p:clrMapOvr>
+    <a:masterClrMapping/>
+  </p:clrMapOvr>
+</p:notes>
+</file>
+
+<file path=ppt/notesSlides/notesSlide12.xml><?xml version="1.0" encoding="utf-8"?>
+<p:notes xmlns:a="http://schemas.openxmlformats.org/drawingml/2006/main" xmlns:r="http://schemas.openxmlformats.org/officeDocument/2006/relationships" xmlns:p="http://schemas.openxmlformats.org/presentationml/2006/main">
+  <p:cSld>
+    <p:spTree>
+      <p:nvGrpSpPr>
+        <p:cNvPr id="1" name=""/>
+        <p:cNvGrpSpPr/>
+        <p:nvPr/>
+      </p:nvGrpSpPr>
+      <p:grpSpPr>
+        <a:xfrm>
+          <a:off x="0" y="0"/>
+          <a:ext cx="0" cy="0"/>
+          <a:chOff x="0" y="0"/>
+          <a:chExt cx="0" cy="0"/>
+        </a:xfrm>
+      </p:grpSpPr>
+      <p:sp>
+        <p:nvSpPr>
+          <p:cNvPr id="2" name="Slide Image Placeholder 1"/>
+          <p:cNvSpPr>
+            <a:spLocks noGrp="1" noRot="1" noChangeAspect="1"/>
+          </p:cNvSpPr>
+          <p:nvPr>
+            <p:ph type="sldImg"/>
+          </p:nvPr>
+        </p:nvSpPr>
+        <p:spPr/>
+      </p:sp>
+      <p:sp>
+        <p:nvSpPr>
+          <p:cNvPr id="3" name="Notes Placeholder 2"/>
+          <p:cNvSpPr>
+            <a:spLocks noGrp="1"/>
+          </p:cNvSpPr>
+          <p:nvPr>
+            <p:ph type="body" idx="1"/>
+          </p:nvPr>
+        </p:nvSpPr>
+        <p:spPr/>
+        <p:txBody>
+          <a:bodyPr/>
+          <a:lstStyle/>
+          <a:p>
+            <a:r>
+              <a:rPr lang="en-US" dirty="0" smtClean="0"/>
               <a:t>Use Gravitational Lensing to obtain the masses of all these galaxies</a:t>
             </a:r>
             <a:r>
               <a:rPr lang="en-US" baseline="0" dirty="0" smtClean="0"/>
-              <a:t> and ultimately quantify the underlying Dark Matter Halo.</a:t>
+              <a:t> and ultimately quantify the underlying Dark Matter Halo</a:t>
+            </a:r>
+            <a:r>
+              <a:rPr lang="en-US" baseline="0" dirty="0" smtClean="0"/>
+              <a:t>. Want </a:t>
+            </a:r>
+            <a:r>
+              <a:rPr lang="en-US" baseline="0" dirty="0" err="1" smtClean="0"/>
+              <a:t>ot</a:t>
+            </a:r>
+            <a:r>
+              <a:rPr lang="en-US" baseline="0" dirty="0" smtClean="0"/>
+              <a:t> show dependence on Halo mass</a:t>
             </a:r>
             <a:endParaRPr lang="en-US" dirty="0" smtClean="0"/>
           </a:p>
@@ -1124,7 +1258,7 @@
           <a:p>
             <a:fld id="{601C96DA-B53C-B542-A94F-CB2944E40FE5}" type="slidenum">
               <a:rPr lang="en-US" smtClean="0"/>
-              <a:t>3</a:t>
+              <a:t>2</a:t>
             </a:fld>
             <a:endParaRPr lang="en-US"/>
           </a:p>
@@ -1313,7 +1447,7 @@
           <a:p>
             <a:fld id="{601C96DA-B53C-B542-A94F-CB2944E40FE5}" type="slidenum">
               <a:rPr lang="en-US" smtClean="0"/>
-              <a:t>4</a:t>
+              <a:t>3</a:t>
             </a:fld>
             <a:endParaRPr lang="en-US"/>
           </a:p>
@@ -1417,87 +1551,18 @@
           <a:p>
             <a:r>
               <a:rPr lang="en-US" dirty="0" smtClean="0"/>
-              <a:t>We want</a:t>
+              <a:t>To start, we plot</a:t>
             </a:r>
             <a:r>
               <a:rPr lang="en-US" baseline="0" dirty="0" smtClean="0"/>
-              <a:t> plot luminosity density </a:t>
-            </a:r>
-            <a:r>
-              <a:rPr lang="en-US" baseline="0" dirty="0" err="1" smtClean="0"/>
-              <a:t>vs</a:t>
-            </a:r>
-            <a:r>
-              <a:rPr lang="en-US" baseline="0" dirty="0" smtClean="0"/>
-              <a:t> the </a:t>
-            </a:r>
-            <a:r>
-              <a:rPr lang="en-US" baseline="0" dirty="0" err="1" smtClean="0"/>
-              <a:t>comoving</a:t>
-            </a:r>
-            <a:r>
-              <a:rPr lang="en-US" baseline="0" dirty="0" smtClean="0"/>
-              <a:t> distance</a:t>
-            </a:r>
-            <a:endParaRPr lang="en-US" dirty="0" smtClean="0"/>
-          </a:p>
-          <a:p>
-            <a:endParaRPr lang="en-US" dirty="0" smtClean="0"/>
-          </a:p>
-          <a:p>
-            <a:r>
-              <a:rPr lang="en-US" dirty="0" smtClean="0"/>
-              <a:t>HSC</a:t>
-            </a:r>
-            <a:r>
-              <a:rPr lang="en-US" baseline="0" dirty="0" smtClean="0"/>
-              <a:t> gets the multi-aperture magnitudes of every galaxy. These 10 aperture radii are given in </a:t>
-            </a:r>
-            <a:r>
-              <a:rPr lang="en-US" baseline="0" dirty="0" err="1" smtClean="0"/>
-              <a:t>arcseconds</a:t>
-            </a:r>
-            <a:r>
-              <a:rPr lang="en-US" baseline="0" dirty="0" smtClean="0"/>
-              <a:t>.  Since every galaxy is located at varying distances from Earth, and we use the same aperture radii on each galaxy, we must convert these radii to </a:t>
-            </a:r>
-            <a:r>
-              <a:rPr lang="en-US" baseline="0" dirty="0" err="1" smtClean="0"/>
-              <a:t>comoving</a:t>
-            </a:r>
-            <a:r>
-              <a:rPr lang="en-US" baseline="0" dirty="0" smtClean="0"/>
-              <a:t> distances, which is given in </a:t>
-            </a:r>
-            <a:r>
-              <a:rPr lang="en-US" baseline="0" dirty="0" err="1" smtClean="0"/>
-              <a:t>kpc</a:t>
-            </a:r>
-            <a:r>
-              <a:rPr lang="en-US" baseline="0" dirty="0" smtClean="0"/>
-              <a:t>. This normalizes our distances to the outer stellar halos.</a:t>
-            </a:r>
-          </a:p>
-          <a:p>
+              <a:t> the luminosity profiles of the </a:t>
+            </a:r>
+            <a:r>
+              <a:rPr lang="en-US" baseline="0" smtClean="0"/>
+              <a:t>individual galaxies</a:t>
+            </a:r>
             <a:endParaRPr lang="en-US" baseline="0" dirty="0" smtClean="0"/>
           </a:p>
-          <a:p>
-            <a:r>
-              <a:rPr lang="en-US" baseline="0" dirty="0" smtClean="0"/>
-              <a:t>We derive the luminosity from the given apparent magnitudes and divide by the square of the </a:t>
-            </a:r>
-            <a:r>
-              <a:rPr lang="en-US" baseline="0" dirty="0" err="1" smtClean="0"/>
-              <a:t>comoving</a:t>
-            </a:r>
-            <a:r>
-              <a:rPr lang="en-US" baseline="0" dirty="0" smtClean="0"/>
-              <a:t> distance. </a:t>
-            </a:r>
-          </a:p>
-          <a:p>
-            <a:endParaRPr lang="en-US" baseline="0" dirty="0" smtClean="0"/>
-          </a:p>
         </p:txBody>
       </p:sp>
       <p:sp>
@@ -1517,7 +1582,7 @@
           <a:p>
             <a:fld id="{601C96DA-B53C-B542-A94F-CB2944E40FE5}" type="slidenum">
               <a:rPr lang="en-US" smtClean="0"/>
-              <a:t>5</a:t>
+              <a:t>4</a:t>
             </a:fld>
             <a:endParaRPr lang="en-US"/>
           </a:p>
@@ -1581,35 +1646,45 @@
           <a:lstStyle/>
           <a:p>
             <a:r>
+              <a:rPr lang="en-US" dirty="0" smtClean="0"/>
+              <a:t>I</a:t>
+            </a:r>
+            <a:r>
               <a:rPr lang="en-US" baseline="0" dirty="0" smtClean="0"/>
-              <a:t>Before we make the luminosity profiles, we want to check that all of our galaxies have a </a:t>
+              <a:t> make my stacked luminosity profiles by binning my galaxies originally into 10 bins spaced evenly in </a:t>
             </a:r>
             <a:r>
               <a:rPr lang="en-US" baseline="0" dirty="0" err="1" smtClean="0"/>
-              <a:t>gaussian</a:t>
+              <a:t>logspace</a:t>
             </a:r>
             <a:r>
               <a:rPr lang="en-US" baseline="0" dirty="0" smtClean="0"/>
-              <a:t> distribution of redshifts and luminosities. I plot the distributions of both.</a:t>
-            </a:r>
-            <a:endParaRPr lang="en-US" dirty="0" smtClean="0"/>
-          </a:p>
-          <a:p>
-            <a:endParaRPr lang="en-US" dirty="0" smtClean="0"/>
-          </a:p>
-          <a:p>
-            <a:r>
-              <a:rPr lang="en-US" dirty="0" smtClean="0"/>
-              <a:t>Varying parts of the stacked profile use distinct galaxies at different redshifts. The apparent magnitudes and redshifts for the flagged galaxies aren't normally distributed like the non-flagged galaxies. While the blue bars trail off at m=17, we also notice that they trail off at z=0.2. Since these galaxies were of lower redshift, they appear to be more luminous. Since we are measuring intrinsic brightness, our stacked profile was falsely brighter. </a:t>
-            </a:r>
-          </a:p>
-          <a:p>
-            <a:endParaRPr lang="en-US" dirty="0" smtClean="0"/>
-          </a:p>
-          <a:p>
-            <a:r>
-              <a:rPr lang="en-US" dirty="0" smtClean="0"/>
-              <a:t>This is evidence that those LRGs are flagged as Bright Objects because they offset our stacked profile. Therefore, we set a lower limit of 0.2 to our redshift distribution. </a:t>
+              <a:t>. Based on my individual galaxy profiles, I start my binning at 1 </a:t>
+            </a:r>
+            <a:r>
+              <a:rPr lang="en-US" baseline="0" dirty="0" err="1" smtClean="0"/>
+              <a:t>kpc</a:t>
+            </a:r>
+            <a:r>
+              <a:rPr lang="en-US" baseline="0" dirty="0" smtClean="0"/>
+              <a:t> and end at 80kpc. I weight each bin by the luminosity densities in each bin and divide by total number of data points per bin. My result is the stacked luminosity density profile.</a:t>
+            </a:r>
+          </a:p>
+          <a:p>
+            <a:endParaRPr lang="en-US" baseline="0" dirty="0" smtClean="0"/>
+          </a:p>
+          <a:p>
+            <a:r>
+              <a:rPr lang="en-US" baseline="0" dirty="0" smtClean="0"/>
+              <a:t>However, I notice that at the first bin, there are considerably more bright galaxies than not bright galaxies. While we would expect bright galaxies to be more luminous at the lower apertures, just to be sure I made distribution </a:t>
+            </a:r>
+            <a:r>
+              <a:rPr lang="en-US" baseline="0" dirty="0" err="1" smtClean="0"/>
+              <a:t>fo</a:t>
+            </a:r>
+            <a:r>
+              <a:rPr lang="en-US" baseline="0" dirty="0" smtClean="0"/>
+              <a:t> the apparent magnitudes and redshifts for our sample.</a:t>
             </a:r>
             <a:endParaRPr lang="en-US" dirty="0"/>
           </a:p>
@@ -1632,7 +1707,7 @@
           <a:p>
             <a:fld id="{601C96DA-B53C-B542-A94F-CB2944E40FE5}" type="slidenum">
               <a:rPr lang="en-US" smtClean="0"/>
-              <a:t>6</a:t>
+              <a:t>5</a:t>
             </a:fld>
             <a:endParaRPr lang="en-US"/>
           </a:p>
@@ -1641,7 +1716,7 @@
     </p:spTree>
     <p:extLst>
       <p:ext uri="{BB962C8B-B14F-4D97-AF65-F5344CB8AC3E}">
-        <p14:creationId xmlns:p14="http://schemas.microsoft.com/office/powerpoint/2010/main" val="1582717068"/>
+        <p14:creationId xmlns:p14="http://schemas.microsoft.com/office/powerpoint/2010/main" val="2800756641"/>
       </p:ext>
     </p:extLst>
   </p:cSld>
@@ -1695,42 +1770,17 @@
           <a:bodyPr/>
           <a:lstStyle/>
           <a:p>
-            <a:pPr marL="0" marR="0" indent="0" algn="l" defTabSz="457200" rtl="0" eaLnBrk="1" fontAlgn="auto" latinLnBrk="0" hangingPunct="1">
-              <a:lnSpc>
-                <a:spcPct val="100000"/>
-              </a:lnSpc>
-              <a:spcBef>
-                <a:spcPts val="0"/>
-              </a:spcBef>
-              <a:spcAft>
-                <a:spcPts val="0"/>
-              </a:spcAft>
-              <a:buClrTx/>
-              <a:buSzTx/>
-              <a:buFontTx/>
-              <a:buNone/>
-              <a:tabLst/>
-              <a:defRPr/>
-            </a:pPr>
             <a:r>
               <a:rPr lang="en-US" baseline="0" dirty="0" smtClean="0"/>
-              <a:t>Finally, we fit a line of best fit (using linear regression) to the stacked profile and the individual profiles. In order to homogenize our results, so they are all fit to the same physical boundary, we set an inner boundary of r1/2 and an outer boundary of exactly 6r1/2 to both individual luminosity profiles and stacked profiles. The half radii typically marks the inner boundary of the galactic halo. While typically the </a:t>
+              <a:t>Before we make the luminosity profiles, we want to check that all of our galaxies have a </a:t>
             </a:r>
             <a:r>
               <a:rPr lang="en-US" baseline="0" dirty="0" err="1" smtClean="0"/>
-              <a:t>virial</a:t>
+              <a:t>gaussian</a:t>
             </a:r>
             <a:r>
               <a:rPr lang="en-US" baseline="0" dirty="0" smtClean="0"/>
-              <a:t> radius is used for the outer boundary, we found that the </a:t>
-            </a:r>
-            <a:r>
-              <a:rPr lang="en-US" baseline="0" dirty="0" err="1" smtClean="0"/>
-              <a:t>virial</a:t>
-            </a:r>
-            <a:r>
-              <a:rPr lang="en-US" baseline="0" dirty="0" smtClean="0"/>
-              <a:t> radius extended beyond our largest aperture. This helps avoid contamination from un-blended sources at the edge of bright galaxies’ envelopes.</a:t>
+              <a:t> distribution of redshifts and luminosities. I plot the distributions of both.</a:t>
             </a:r>
             <a:endParaRPr lang="en-US" dirty="0" smtClean="0"/>
           </a:p>
@@ -1740,7 +1790,7 @@
           <a:p>
             <a:r>
               <a:rPr lang="en-US" dirty="0" smtClean="0"/>
-              <a:t>Getting the slope is important because…</a:t>
+              <a:t>Varying parts of the stacked profile use distinct galaxies at different redshifts. The apparent magnitudes and redshifts for the flagged galaxies aren't normally distributed like the non-flagged galaxies. While the blue bars trail off at m=17, we also notice that they trail off at z=0.2. Since these galaxies were of lower redshift, they appear to be more luminous. Since we are measuring intrinsic brightness, our stacked profile was falsely brighter. </a:t>
             </a:r>
           </a:p>
           <a:p>
@@ -1749,11 +1799,7 @@
           <a:p>
             <a:r>
               <a:rPr lang="en-US" dirty="0" smtClean="0"/>
-              <a:t>Interestingly, we see that galaxies flagged as bright objects are in agreement with those not flagged. The</a:t>
-            </a:r>
-            <a:r>
-              <a:rPr lang="en-US" baseline="0" dirty="0" smtClean="0"/>
-              <a:t> error is negligent, and the bright objects are barely, if any, more luminous than the galaxies not flagged as bright objects.</a:t>
+              <a:t>This is evidence that those LRGs are flagged as Bright Objects because they offset our stacked profile. Therefore, we set a lower limit of 0.2 to our redshift distribution. </a:t>
             </a:r>
             <a:endParaRPr lang="en-US" dirty="0"/>
           </a:p>
@@ -1776,7 +1822,7 @@
           <a:p>
             <a:fld id="{601C96DA-B53C-B542-A94F-CB2944E40FE5}" type="slidenum">
               <a:rPr lang="en-US" smtClean="0"/>
-              <a:t>7</a:t>
+              <a:t>6</a:t>
             </a:fld>
             <a:endParaRPr lang="en-US"/>
           </a:p>
@@ -1785,7 +1831,7 @@
     </p:spTree>
     <p:extLst>
       <p:ext uri="{BB962C8B-B14F-4D97-AF65-F5344CB8AC3E}">
-        <p14:creationId xmlns:p14="http://schemas.microsoft.com/office/powerpoint/2010/main" val="1164197698"/>
+        <p14:creationId xmlns:p14="http://schemas.microsoft.com/office/powerpoint/2010/main" val="1582717068"/>
       </p:ext>
     </p:extLst>
   </p:cSld>
@@ -1840,72 +1886,12 @@
           <a:lstStyle/>
           <a:p>
             <a:r>
+              <a:rPr lang="en-US" dirty="0" smtClean="0"/>
+              <a:t>Now, we can see that there are more even</a:t>
+            </a:r>
+            <a:r>
               <a:rPr lang="en-US" baseline="0" dirty="0" smtClean="0"/>
-              <a:t>Every time a galaxy goes through a merger, visible aspects of a galaxy’s spectrum is affected, such as the distribution of stars in the stellar envelope. However, the Dark matter in its halo is also tidally disrupted. </a:t>
-            </a:r>
-          </a:p>
-          <a:p>
-            <a:endParaRPr lang="en-US" dirty="0" smtClean="0"/>
-          </a:p>
-          <a:p>
-            <a:r>
-              <a:rPr lang="en-US" dirty="0" smtClean="0"/>
-              <a:t>Because LRGs</a:t>
-            </a:r>
-            <a:r>
-              <a:rPr lang="en-US" baseline="0" dirty="0" smtClean="0"/>
-              <a:t> are all early-type (old) galaxies, they are more likely to have already undergone mergers and we can more easily uncover the Dark matter distribution. </a:t>
-            </a:r>
-          </a:p>
-          <a:p>
-            <a:endParaRPr lang="en-US" dirty="0" smtClean="0"/>
-          </a:p>
-          <a:p>
-            <a:endParaRPr lang="en-US" dirty="0" smtClean="0"/>
-          </a:p>
-          <a:p>
-            <a:r>
-              <a:rPr lang="en-US" dirty="0" smtClean="0"/>
-              <a:t>One</a:t>
-            </a:r>
-            <a:r>
-              <a:rPr lang="en-US" baseline="0" dirty="0" smtClean="0"/>
-              <a:t> test we want to accomplish is determining if there is a relationship between the luminosity profile slopes and star formation history. </a:t>
-            </a:r>
-          </a:p>
-          <a:p>
-            <a:endParaRPr lang="en-US" baseline="0" dirty="0" smtClean="0"/>
-          </a:p>
-          <a:p>
-            <a:r>
-              <a:rPr lang="en-US" baseline="0" dirty="0" smtClean="0"/>
-              <a:t>Using a code that fits the spectra of all LRGs, we match those galaxies with the ones in our first catalogue to get their total spectral data. We now have access to each galaxies </a:t>
-            </a:r>
-            <a:r>
-              <a:rPr lang="en-US" baseline="0" dirty="0" err="1" smtClean="0"/>
-              <a:t>metallicity</a:t>
-            </a:r>
-            <a:r>
-              <a:rPr lang="en-US" baseline="0" dirty="0" smtClean="0"/>
-              <a:t>, as well as their mass formation histories.</a:t>
-            </a:r>
-          </a:p>
-          <a:p>
-            <a:endParaRPr lang="en-US" baseline="0" dirty="0" smtClean="0"/>
-          </a:p>
-          <a:p>
-            <a:r>
-              <a:rPr lang="en-US" baseline="0" dirty="0" smtClean="0"/>
-              <a:t>These are all early-type galaxies, but we can still distinguish them by SFH based on when they accumulated the most mass. We choose to label the older galaxies those which had most of their mass formed in the oldest age bin (between 9.06 and 14 billion years ago.) All of the other galaxies we consider “younger.”</a:t>
-            </a:r>
-          </a:p>
-          <a:p>
-            <a:endParaRPr lang="en-US" baseline="0" dirty="0" smtClean="0"/>
-          </a:p>
-          <a:p>
-            <a:r>
-              <a:rPr lang="en-US" baseline="0" dirty="0" smtClean="0"/>
-              <a:t>Above, after separating the LRGs into two separate populations, I find the mass fraction (by dividing the mass of a galaxy in each age bin by the total current mass of the galaxy) for each galaxy and stacking those mass fractions into each age bin. As expected, the majority of the mass is formed in the oldest age bin, remains the same regardless of the age of the LRGs.</a:t>
+              <a:t> numbers of bright galaxies and not bright galaxies in each bin. I also increased the number of bins for our next step, when we calculate the logarithmic slope of the luminosity density profile.</a:t>
             </a:r>
             <a:endParaRPr lang="en-US" dirty="0"/>
           </a:p>
@@ -1928,7 +1914,7 @@
           <a:p>
             <a:fld id="{601C96DA-B53C-B542-A94F-CB2944E40FE5}" type="slidenum">
               <a:rPr lang="en-US" smtClean="0"/>
-              <a:t>8</a:t>
+              <a:t>7</a:t>
             </a:fld>
             <a:endParaRPr lang="en-US"/>
           </a:p>
@@ -1937,7 +1923,7 @@
     </p:spTree>
     <p:extLst>
       <p:ext uri="{BB962C8B-B14F-4D97-AF65-F5344CB8AC3E}">
-        <p14:creationId xmlns:p14="http://schemas.microsoft.com/office/powerpoint/2010/main" val="617202494"/>
+        <p14:creationId xmlns:p14="http://schemas.microsoft.com/office/powerpoint/2010/main" val="3028395736"/>
       </p:ext>
     </p:extLst>
   </p:cSld>
@@ -1991,13 +1977,90 @@
           <a:bodyPr/>
           <a:lstStyle/>
           <a:p>
+            <a:pPr marL="0" marR="0" indent="0" algn="l" defTabSz="457200" rtl="0" eaLnBrk="1" fontAlgn="auto" latinLnBrk="0" hangingPunct="1">
+              <a:lnSpc>
+                <a:spcPct val="100000"/>
+              </a:lnSpc>
+              <a:spcBef>
+                <a:spcPts val="0"/>
+              </a:spcBef>
+              <a:spcAft>
+                <a:spcPts val="0"/>
+              </a:spcAft>
+              <a:buClrTx/>
+              <a:buSzTx/>
+              <a:buFontTx/>
+              <a:buNone/>
+              <a:tabLst/>
+              <a:defRPr/>
+            </a:pPr>
+            <a:r>
+              <a:rPr lang="en-US" baseline="0" dirty="0" smtClean="0"/>
+              <a:t>Finally, we fit a line of best fit (using linear regression) to the </a:t>
+            </a:r>
+            <a:r>
+              <a:rPr lang="en-US" baseline="0" dirty="0" smtClean="0"/>
+              <a:t>stacked profile </a:t>
+            </a:r>
+            <a:r>
+              <a:rPr lang="en-US" baseline="0" dirty="0" smtClean="0"/>
+              <a:t>and the individual profiles. The fitting procedure is done in log space. </a:t>
+            </a:r>
+            <a:r>
+              <a:rPr lang="en-US" baseline="0" dirty="0" smtClean="0"/>
+              <a:t>In order to homogenize our results, so they are all fit to the same physical boundary, we set an inner boundary of r1/2 and an outer boundary of exactly 6r1/2 to both individual luminosity profiles and stacked profiles. The half radii typically marks the inner boundary of the galactic halo. While typically the </a:t>
+            </a:r>
+            <a:r>
+              <a:rPr lang="en-US" baseline="0" dirty="0" err="1" smtClean="0"/>
+              <a:t>virial</a:t>
+            </a:r>
+            <a:r>
+              <a:rPr lang="en-US" baseline="0" dirty="0" smtClean="0"/>
+              <a:t> radius is used for the outer boundary, we found that the </a:t>
+            </a:r>
+            <a:r>
+              <a:rPr lang="en-US" baseline="0" dirty="0" err="1" smtClean="0"/>
+              <a:t>virial</a:t>
+            </a:r>
+            <a:r>
+              <a:rPr lang="en-US" baseline="0" dirty="0" smtClean="0"/>
+              <a:t> radius extended beyond our largest aperture. This helps avoid contamination from un-blended sources at the edge of bright galaxies’ envelopes.</a:t>
+            </a:r>
+            <a:endParaRPr lang="en-US" dirty="0" smtClean="0"/>
+          </a:p>
+          <a:p>
+            <a:endParaRPr lang="en-US" dirty="0" smtClean="0"/>
+          </a:p>
+          <a:p>
             <a:r>
               <a:rPr lang="en-US" dirty="0" smtClean="0"/>
-              <a:t>If we were to solely compare slopes of the older and younger galaxies, they would</a:t>
+              <a:t>Getting the slope is important </a:t>
+            </a:r>
+            <a:r>
+              <a:rPr lang="en-US" dirty="0" smtClean="0"/>
+              <a:t>because</a:t>
             </a:r>
             <a:r>
               <a:rPr lang="en-US" baseline="0" dirty="0" smtClean="0"/>
-              <a:t> appear to be in agreement. The stacked slopes coincide with the Gaussian distribution of the individual slopes within one sigma.  While it is easy to automatically conclude that star formation history doesn’t affect mass accretion, it is important to note that about half of the galaxies in each older and younger population are flagged as Bright Objects. Next, individually for each population, we must compare the flagged and not flagged subsamples</a:t>
+              <a:t> it is how we will connect the stellar envelope to the Dark Matter Halo.</a:t>
+            </a:r>
+            <a:endParaRPr lang="en-US" dirty="0" smtClean="0"/>
+          </a:p>
+          <a:p>
+            <a:endParaRPr lang="en-US" dirty="0" smtClean="0"/>
+          </a:p>
+          <a:p>
+            <a:r>
+              <a:rPr lang="en-US" dirty="0" smtClean="0"/>
+              <a:t>Interestingly, we see that </a:t>
+            </a:r>
+            <a:r>
+              <a:rPr lang="en-US" dirty="0" smtClean="0"/>
+              <a:t>our stacked</a:t>
+            </a:r>
+            <a:r>
+              <a:rPr lang="en-US" baseline="0" dirty="0" smtClean="0"/>
+              <a:t> profiles for Bright Objects are in Agreement with our stacked profiles for Not Bright Objects</a:t>
             </a:r>
             <a:endParaRPr lang="en-US" dirty="0"/>
           </a:p>
@@ -2020,7 +2083,7 @@
           <a:p>
             <a:fld id="{601C96DA-B53C-B542-A94F-CB2944E40FE5}" type="slidenum">
               <a:rPr lang="en-US" smtClean="0"/>
-              <a:t>9</a:t>
+              <a:t>8</a:t>
             </a:fld>
             <a:endParaRPr lang="en-US"/>
           </a:p>
@@ -2029,7 +2092,7 @@
     </p:spTree>
     <p:extLst>
       <p:ext uri="{BB962C8B-B14F-4D97-AF65-F5344CB8AC3E}">
-        <p14:creationId xmlns:p14="http://schemas.microsoft.com/office/powerpoint/2010/main" val="2826134056"/>
+        <p14:creationId xmlns:p14="http://schemas.microsoft.com/office/powerpoint/2010/main" val="1164197698"/>
       </p:ext>
     </p:extLst>
   </p:cSld>
@@ -2084,14 +2147,85 @@
           <a:lstStyle/>
           <a:p>
             <a:r>
+              <a:rPr lang="en-US" baseline="0" dirty="0" smtClean="0"/>
+              <a:t>As mentioned before, a main focus of this project is to find the relationship between star formation history and the dark matter halo. Every </a:t>
+            </a:r>
+            <a:r>
+              <a:rPr lang="en-US" baseline="0" dirty="0" smtClean="0"/>
+              <a:t>time a galaxy goes through a </a:t>
+            </a:r>
+            <a:r>
+              <a:rPr lang="en-US" baseline="0" dirty="0" smtClean="0"/>
+              <a:t>merger (and therefore accumulates more mass), </a:t>
+            </a:r>
+            <a:r>
+              <a:rPr lang="en-US" baseline="0" dirty="0" smtClean="0"/>
+              <a:t>visible aspects of a galaxy’s spectrum is affected, such as the distribution of stars in the stellar envelope. However, the Dark matter in its halo is also tidally disrupted. </a:t>
+            </a:r>
+            <a:r>
+              <a:rPr lang="en-US" baseline="0" dirty="0" smtClean="0"/>
+              <a:t> </a:t>
+            </a:r>
+            <a:r>
               <a:rPr lang="en-US" dirty="0" smtClean="0"/>
-              <a:t>Just</a:t>
+              <a:t>Because </a:t>
+            </a:r>
+            <a:r>
+              <a:rPr lang="en-US" dirty="0" smtClean="0"/>
+              <a:t>LRGs</a:t>
             </a:r>
             <a:r>
               <a:rPr lang="en-US" baseline="0" dirty="0" smtClean="0"/>
-              <a:t> as we saw when we plotted the luminosity profiles of all the flagged and not flagged galaxies, there is no significant difference between the flagged and not flagged stacked profiles for the different SFH. </a:t>
-            </a:r>
-            <a:endParaRPr lang="en-US" dirty="0"/>
+              <a:t> are all early-</a:t>
+            </a:r>
+            <a:r>
+              <a:rPr lang="en-US" baseline="0" dirty="0" smtClean="0"/>
+              <a:t>type </a:t>
+            </a:r>
+            <a:r>
+              <a:rPr lang="en-US" baseline="0" dirty="0" smtClean="0"/>
+              <a:t>galaxies, they </a:t>
+            </a:r>
+            <a:r>
+              <a:rPr lang="en-US" baseline="0" dirty="0" smtClean="0"/>
+              <a:t>have already </a:t>
+            </a:r>
+            <a:r>
+              <a:rPr lang="en-US" baseline="0" dirty="0" smtClean="0"/>
+              <a:t>undergone mergers and we can more easily uncover the Dark matter distribution. </a:t>
+            </a:r>
+            <a:endParaRPr lang="en-US" baseline="0" dirty="0" smtClean="0"/>
+          </a:p>
+          <a:p>
+            <a:endParaRPr lang="en-US" baseline="0" dirty="0" smtClean="0"/>
+          </a:p>
+          <a:p>
+            <a:r>
+              <a:rPr lang="en-US" baseline="0" dirty="0" smtClean="0"/>
+              <a:t>Using a code that fits the spectra of all LRGs, we match those galaxies with the ones in our first catalogue to get their total spectral data. We now have access to each galaxies </a:t>
+            </a:r>
+            <a:r>
+              <a:rPr lang="en-US" baseline="0" dirty="0" err="1" smtClean="0"/>
+              <a:t>metallicity</a:t>
+            </a:r>
+            <a:r>
+              <a:rPr lang="en-US" baseline="0" dirty="0" smtClean="0"/>
+              <a:t>, as well as their mass formation histories.</a:t>
+            </a:r>
+          </a:p>
+          <a:p>
+            <a:endParaRPr lang="en-US" baseline="0" dirty="0" smtClean="0"/>
+          </a:p>
+          <a:p>
+            <a:r>
+              <a:rPr lang="en-US" baseline="0" dirty="0" smtClean="0"/>
+              <a:t>These are all early-type galaxies, but we can still distinguish them by SFH based on when they accumulated the most mass. We choose to label the older galaxies those which had most of their mass formed in the oldest age bin (between 9.06 and 14 billion years ago.) All of the other galaxies we consider “younger.</a:t>
+            </a:r>
+            <a:r>
+              <a:rPr lang="en-US" baseline="0" dirty="0" smtClean="0"/>
+              <a:t>” Since we are trying to connect when these mergers occur, it is necessary to separate into older and younger populations.</a:t>
+            </a:r>
+            <a:endParaRPr lang="en-US" baseline="0" dirty="0" smtClean="0"/>
           </a:p>
         </p:txBody>
       </p:sp>
@@ -2112,7 +2246,7 @@
           <a:p>
             <a:fld id="{601C96DA-B53C-B542-A94F-CB2944E40FE5}" type="slidenum">
               <a:rPr lang="en-US" smtClean="0"/>
-              <a:t>10</a:t>
+              <a:t>9</a:t>
             </a:fld>
             <a:endParaRPr lang="en-US"/>
           </a:p>
@@ -2121,7 +2255,7 @@
     </p:spTree>
     <p:extLst>
       <p:ext uri="{BB962C8B-B14F-4D97-AF65-F5344CB8AC3E}">
-        <p14:creationId xmlns:p14="http://schemas.microsoft.com/office/powerpoint/2010/main" val="251640346"/>
+        <p14:creationId xmlns:p14="http://schemas.microsoft.com/office/powerpoint/2010/main" val="617202494"/>
       </p:ext>
     </p:extLst>
   </p:cSld>
@@ -2312,7 +2446,7 @@
           <a:p>
             <a:fld id="{06E14719-D1DA-664D-8033-404D4703C09D}" type="datetime1">
               <a:rPr lang="en-US" smtClean="0"/>
-              <a:t>7/25/16</a:t>
+              <a:t>7/27/16</a:t>
             </a:fld>
             <a:endParaRPr lang="en-US"/>
           </a:p>
@@ -2486,7 +2620,7 @@
           <a:p>
             <a:fld id="{4CC3F003-771A-D84D-9AA5-C590E91A7B9E}" type="datetime1">
               <a:rPr lang="en-US" smtClean="0"/>
-              <a:t>7/25/16</a:t>
+              <a:t>7/27/16</a:t>
             </a:fld>
             <a:endParaRPr lang="en-US"/>
           </a:p>
@@ -2670,7 +2804,7 @@
           <a:p>
             <a:fld id="{8DE140EF-8DB5-CE47-9A9C-7C9BA2CB2BF4}" type="datetime1">
               <a:rPr lang="en-US" smtClean="0"/>
-              <a:t>7/25/16</a:t>
+              <a:t>7/27/16</a:t>
             </a:fld>
             <a:endParaRPr lang="en-US"/>
           </a:p>
@@ -2844,7 +2978,7 @@
           <a:p>
             <a:fld id="{C6D78904-52F5-DB4F-AA0F-5363C5C6FDB6}" type="datetime1">
               <a:rPr lang="en-US" smtClean="0"/>
-              <a:t>7/25/16</a:t>
+              <a:t>7/27/16</a:t>
             </a:fld>
             <a:endParaRPr lang="en-US"/>
           </a:p>
@@ -3094,7 +3228,7 @@
           <a:p>
             <a:fld id="{C4BE829C-A5C7-0A42-8B2B-F37104784146}" type="datetime1">
               <a:rPr lang="en-US" smtClean="0"/>
-              <a:t>7/25/16</a:t>
+              <a:t>7/27/16</a:t>
             </a:fld>
             <a:endParaRPr lang="en-US"/>
           </a:p>
@@ -3386,7 +3520,7 @@
           <a:p>
             <a:fld id="{B893E4C3-AC53-D44C-A461-E553B782FCBD}" type="datetime1">
               <a:rPr lang="en-US" smtClean="0"/>
-              <a:t>7/25/16</a:t>
+              <a:t>7/27/16</a:t>
             </a:fld>
             <a:endParaRPr lang="en-US"/>
           </a:p>
@@ -3812,7 +3946,7 @@
           <a:p>
             <a:fld id="{731D123D-7911-7446-AFDF-DB4D3370AFAD}" type="datetime1">
               <a:rPr lang="en-US" smtClean="0"/>
-              <a:t>7/25/16</a:t>
+              <a:t>7/27/16</a:t>
             </a:fld>
             <a:endParaRPr lang="en-US"/>
           </a:p>
@@ -3934,7 +4068,7 @@
           <a:p>
             <a:fld id="{57DB56E9-1FD0-BC47-A63B-698DB1C5BE5B}" type="datetime1">
               <a:rPr lang="en-US" smtClean="0"/>
-              <a:t>7/25/16</a:t>
+              <a:t>7/27/16</a:t>
             </a:fld>
             <a:endParaRPr lang="en-US"/>
           </a:p>
@@ -4033,7 +4167,7 @@
           <a:p>
             <a:fld id="{1A9F1FD4-A242-4540-A4A9-B9B5AE4838F1}" type="datetime1">
               <a:rPr lang="en-US" smtClean="0"/>
-              <a:t>7/25/16</a:t>
+              <a:t>7/27/16</a:t>
             </a:fld>
             <a:endParaRPr lang="en-US"/>
           </a:p>
@@ -4314,7 +4448,7 @@
           <a:p>
             <a:fld id="{0C138C9F-4A7E-1D42-B226-088606A4057B}" type="datetime1">
               <a:rPr lang="en-US" smtClean="0"/>
-              <a:t>7/25/16</a:t>
+              <a:t>7/27/16</a:t>
             </a:fld>
             <a:endParaRPr lang="en-US"/>
           </a:p>
@@ -4571,7 +4705,7 @@
           <a:p>
             <a:fld id="{3420F645-AF2E-724E-865A-8092AE8BD0E0}" type="datetime1">
               <a:rPr lang="en-US" smtClean="0"/>
-              <a:t>7/25/16</a:t>
+              <a:t>7/27/16</a:t>
             </a:fld>
             <a:endParaRPr lang="en-US"/>
           </a:p>
@@ -4788,7 +4922,7 @@
           <a:p>
             <a:fld id="{33C7D72B-D22C-1B48-93EA-104CCDD55DB7}" type="datetime1">
               <a:rPr lang="en-US" smtClean="0"/>
-              <a:t>7/25/16</a:t>
+              <a:t>7/27/16</a:t>
             </a:fld>
             <a:endParaRPr lang="en-US"/>
           </a:p>
@@ -5181,13 +5315,33 @@
         <p:spPr/>
         <p:txBody>
           <a:bodyPr>
-            <a:normAutofit fontScale="90000"/>
+            <a:normAutofit/>
           </a:bodyPr>
           <a:lstStyle/>
           <a:p>
             <a:r>
               <a:rPr lang="en-US" dirty="0" smtClean="0"/>
-              <a:t>Understanding Star Formation Histories of Luminous Red Galaxies</a:t>
+              <a:t>Understanding </a:t>
+            </a:r>
+            <a:r>
+              <a:rPr lang="en-US" dirty="0" smtClean="0"/>
+              <a:t>Mass </a:t>
+            </a:r>
+            <a:r>
+              <a:rPr lang="en-US" dirty="0" smtClean="0"/>
+              <a:t>Assembly </a:t>
+            </a:r>
+            <a:r>
+              <a:rPr lang="en-US" dirty="0" smtClean="0"/>
+              <a:t>of </a:t>
+            </a:r>
+            <a:r>
+              <a:rPr lang="en-US" dirty="0" smtClean="0"/>
+              <a:t>Luminous Red </a:t>
+            </a:r>
+            <a:r>
+              <a:rPr lang="en-US" dirty="0" smtClean="0"/>
+              <a:t>Galaxies in HSC</a:t>
             </a:r>
             <a:endParaRPr lang="en-US" dirty="0"/>
           </a:p>
@@ -5226,6 +5380,13 @@
   <p:clrMapOvr>
     <a:masterClrMapping/>
   </p:clrMapOvr>
+  <p:timing>
+    <p:tnLst>
+      <p:par>
+        <p:cTn xmlns:p14="http://schemas.microsoft.com/office/powerpoint/2010/main" id="1" dur="indefinite" restart="never" nodeType="tmRoot"/>
+      </p:par>
+    </p:tnLst>
+  </p:timing>
 </p:sld>
 </file>
 
@@ -5263,7 +5424,7 @@
           <a:p>
             <a:r>
               <a:rPr lang="en-US" dirty="0" smtClean="0"/>
-              <a:t>With and Without Flags</a:t>
+              <a:t>Old v Young Profiles</a:t>
             </a:r>
             <a:endParaRPr lang="en-US" dirty="0"/>
           </a:p>
@@ -5289,55 +5450,18 @@
               <a:t>Amanda Newmark</a:t>
             </a:r>
             <a:endParaRPr lang="en-US"/>
-          </a:p>
-        </p:txBody>
-      </p:sp>
-      <p:sp>
-        <p:nvSpPr>
-          <p:cNvPr id="10" name="TextBox 9"/>
-          <p:cNvSpPr txBox="1"/>
-          <p:nvPr/>
-        </p:nvSpPr>
-        <p:spPr>
-          <a:xfrm>
-            <a:off x="1613428" y="6319927"/>
-            <a:ext cx="1510772" cy="276999"/>
-          </a:xfrm>
-          <a:prstGeom prst="rect">
-            <a:avLst/>
-          </a:prstGeom>
-          <a:noFill/>
-          <a:ln>
-            <a:solidFill>
-              <a:schemeClr val="tx1"/>
-            </a:solidFill>
-          </a:ln>
-        </p:spPr>
-        <p:txBody>
-          <a:bodyPr wrap="square" rtlCol="0">
-            <a:spAutoFit/>
-          </a:bodyPr>
-          <a:lstStyle/>
-          <a:p>
-            <a:r>
-              <a:rPr lang="en-US" sz="1200" dirty="0" smtClean="0"/>
-              <a:t>Newmark et al 2016</a:t>
-            </a:r>
-            <a:endParaRPr lang="en-US" sz="1200" dirty="0"/>
           </a:p>
         </p:txBody>
       </p:sp>
       <p:pic>
         <p:nvPicPr>
-          <p:cNvPr id="14" name="Content Placeholder 13" descr="Screen Shot 2016-07-27 at 11.25.11 AM.png"/>
+          <p:cNvPr id="5" name="Picture 4" descr="3oymeanuplimlumage.pdf"/>
           <p:cNvPicPr>
-            <a:picLocks noGrp="1" noChangeAspect="1"/>
+            <a:picLocks noChangeAspect="1"/>
           </p:cNvPicPr>
-          <p:nvPr>
-            <p:ph idx="1"/>
-          </p:nvPr>
+          <p:nvPr/>
         </p:nvPicPr>
-        <p:blipFill>
+        <p:blipFill rotWithShape="1">
           <a:blip r:embed="rId3">
             <a:extLst>
               <a:ext uri="{28A0092B-C50C-407E-A947-70E740481C1C}">
@@ -5345,22 +5469,23 @@
               </a:ext>
             </a:extLst>
           </a:blip>
-          <a:srcRect l="-19658" r="-19658"/>
-          <a:stretch>
-            <a:fillRect/>
-          </a:stretch>
+          <a:srcRect r="5702"/>
+          <a:stretch/>
         </p:blipFill>
         <p:spPr>
           <a:xfrm>
-            <a:off x="175162" y="1417638"/>
-            <a:ext cx="8779992" cy="4828657"/>
+            <a:off x="4511320" y="1576299"/>
+            <a:ext cx="4632680" cy="3684602"/>
           </a:xfrm>
+          <a:prstGeom prst="rect">
+            <a:avLst/>
+          </a:prstGeom>
         </p:spPr>
       </p:pic>
     </p:spTree>
     <p:extLst>
       <p:ext uri="{BB962C8B-B14F-4D97-AF65-F5344CB8AC3E}">
-        <p14:creationId xmlns:p14="http://schemas.microsoft.com/office/powerpoint/2010/main" val="3123705895"/>
+        <p14:creationId xmlns:p14="http://schemas.microsoft.com/office/powerpoint/2010/main" val="932634646"/>
       </p:ext>
     </p:extLst>
   </p:cSld>
@@ -5411,7 +5536,7 @@
           <a:p>
             <a:r>
               <a:rPr lang="en-US" dirty="0" smtClean="0"/>
-              <a:t>Looking at All the Slopes</a:t>
+              <a:t>Slopes v Median Age</a:t>
             </a:r>
             <a:endParaRPr lang="en-US" dirty="0"/>
           </a:p>
@@ -5419,6 +5544,25 @@
       </p:sp>
       <p:sp>
         <p:nvSpPr>
+          <p:cNvPr id="3" name="Content Placeholder 2"/>
+          <p:cNvSpPr>
+            <a:spLocks noGrp="1"/>
+          </p:cNvSpPr>
+          <p:nvPr>
+            <p:ph idx="1"/>
+          </p:nvPr>
+        </p:nvSpPr>
+        <p:spPr/>
+        <p:txBody>
+          <a:bodyPr/>
+          <a:lstStyle/>
+          <a:p>
+            <a:endParaRPr lang="en-US"/>
+          </a:p>
+        </p:txBody>
+      </p:sp>
+      <p:sp>
+        <p:nvSpPr>
           <p:cNvPr id="4" name="Footer Placeholder 3"/>
           <p:cNvSpPr>
             <a:spLocks noGrp="1"/>
@@ -5440,51 +5584,16 @@
           </a:p>
         </p:txBody>
       </p:sp>
-      <p:pic>
-        <p:nvPicPr>
-          <p:cNvPr id="6" name="Content Placeholder 5" descr="Screen Shot 2016-07-27 at 11.26.17 AM.png"/>
-          <p:cNvPicPr>
-            <a:picLocks noGrp="1" noChangeAspect="1"/>
-          </p:cNvPicPr>
-          <p:nvPr>
-            <p:ph idx="1"/>
-          </p:nvPr>
-        </p:nvPicPr>
-        <p:blipFill rotWithShape="1">
-          <a:blip r:embed="rId3">
-            <a:extLst>
-              <a:ext uri="{28A0092B-C50C-407E-A947-70E740481C1C}">
-                <a14:useLocalDpi xmlns:a14="http://schemas.microsoft.com/office/drawing/2010/main" val="0"/>
-              </a:ext>
-            </a:extLst>
-          </a:blip>
-          <a:srcRect t="-7464" b="1332"/>
-          <a:stretch/>
-        </p:blipFill>
-        <p:spPr>
-          <a:xfrm>
-            <a:off x="457200" y="1600200"/>
-            <a:ext cx="8229600" cy="4179567"/>
-          </a:xfrm>
-        </p:spPr>
-      </p:pic>
     </p:spTree>
     <p:extLst>
       <p:ext uri="{BB962C8B-B14F-4D97-AF65-F5344CB8AC3E}">
-        <p14:creationId xmlns:p14="http://schemas.microsoft.com/office/powerpoint/2010/main" val="3292376822"/>
+        <p14:creationId xmlns:p14="http://schemas.microsoft.com/office/powerpoint/2010/main" val="2071698164"/>
       </p:ext>
     </p:extLst>
   </p:cSld>
   <p:clrMapOvr>
     <a:masterClrMapping/>
   </p:clrMapOvr>
-  <p:timing>
-    <p:tnLst>
-      <p:par>
-        <p:cTn xmlns:p14="http://schemas.microsoft.com/office/powerpoint/2010/main" id="1" dur="indefinite" restart="never" nodeType="tmRoot"/>
-      </p:par>
-    </p:tnLst>
-  </p:timing>
 </p:sld>
 </file>
 
@@ -5545,14 +5654,19 @@
           <a:p>
             <a:r>
               <a:rPr lang="en-US" dirty="0" smtClean="0"/>
-              <a:t>Not necessary to remove these flags</a:t>
-            </a:r>
-          </a:p>
-          <a:p>
+              <a:t>Not necessary to remove </a:t>
+            </a:r>
             <a:r>
               <a:rPr lang="en-US" dirty="0" smtClean="0"/>
-              <a:t>Redshift &gt;0.2  cut is enough</a:t>
-            </a:r>
+              <a:t>bright objects</a:t>
+            </a:r>
+          </a:p>
+          <a:p>
+            <a:r>
+              <a:rPr lang="en-US" dirty="0" smtClean="0"/>
+              <a:t>No correlation between accretion history and SFH</a:t>
+            </a:r>
+            <a:endParaRPr lang="en-US" dirty="0" smtClean="0"/>
           </a:p>
         </p:txBody>
       </p:sp>
@@ -5656,15 +5770,29 @@
           <a:p>
             <a:r>
               <a:rPr lang="en-US" dirty="0" smtClean="0"/>
-              <a:t>Weak Gravitational Lensing</a:t>
-            </a:r>
-          </a:p>
-          <a:p>
+              <a:t>The next step: Weak </a:t>
+            </a:r>
             <a:r>
               <a:rPr lang="en-US" dirty="0" smtClean="0"/>
-              <a:t>Use different galaxies</a:t>
-            </a:r>
-            <a:endParaRPr lang="en-US" dirty="0"/>
+              <a:t>Gravitational </a:t>
+            </a:r>
+            <a:r>
+              <a:rPr lang="en-US" dirty="0" smtClean="0"/>
+              <a:t>Lensing</a:t>
+            </a:r>
+          </a:p>
+          <a:p>
+            <a:r>
+              <a:rPr lang="en-US" dirty="0" smtClean="0"/>
+              <a:t>Use another HSC Wide Field</a:t>
+            </a:r>
+          </a:p>
+          <a:p>
+            <a:r>
+              <a:rPr lang="en-US" dirty="0" smtClean="0"/>
+              <a:t>Use another galaxy population</a:t>
+            </a:r>
+            <a:endParaRPr lang="en-US" dirty="0" smtClean="0"/>
           </a:p>
         </p:txBody>
       </p:sp>
@@ -6044,115 +6172,6 @@
 </file>
 
 <file path=ppt/slides/slide2.xml><?xml version="1.0" encoding="utf-8"?>
-<p:sld xmlns:a="http://schemas.openxmlformats.org/drawingml/2006/main" xmlns:r="http://schemas.openxmlformats.org/officeDocument/2006/relationships" xmlns:p="http://schemas.openxmlformats.org/presentationml/2006/main">
-  <p:cSld>
-    <p:spTree>
-      <p:nvGrpSpPr>
-        <p:cNvPr id="1" name=""/>
-        <p:cNvGrpSpPr/>
-        <p:nvPr/>
-      </p:nvGrpSpPr>
-      <p:grpSpPr>
-        <a:xfrm>
-          <a:off x="0" y="0"/>
-          <a:ext cx="0" cy="0"/>
-          <a:chOff x="0" y="0"/>
-          <a:chExt cx="0" cy="0"/>
-        </a:xfrm>
-      </p:grpSpPr>
-      <p:sp>
-        <p:nvSpPr>
-          <p:cNvPr id="2" name="Title 1"/>
-          <p:cNvSpPr>
-            <a:spLocks noGrp="1"/>
-          </p:cNvSpPr>
-          <p:nvPr>
-            <p:ph type="title"/>
-          </p:nvPr>
-        </p:nvSpPr>
-        <p:spPr/>
-        <p:txBody>
-          <a:bodyPr/>
-          <a:lstStyle/>
-          <a:p>
-            <a:r>
-              <a:rPr lang="en-US" dirty="0" smtClean="0"/>
-              <a:t>The Big Question</a:t>
-            </a:r>
-            <a:endParaRPr lang="en-US" dirty="0"/>
-          </a:p>
-        </p:txBody>
-      </p:sp>
-      <p:sp>
-        <p:nvSpPr>
-          <p:cNvPr id="4" name="Footer Placeholder 3"/>
-          <p:cNvSpPr>
-            <a:spLocks noGrp="1"/>
-          </p:cNvSpPr>
-          <p:nvPr>
-            <p:ph type="ftr" sz="quarter" idx="11"/>
-          </p:nvPr>
-        </p:nvSpPr>
-        <p:spPr/>
-        <p:txBody>
-          <a:bodyPr/>
-          <a:lstStyle/>
-          <a:p>
-            <a:r>
-              <a:rPr lang="en-US" smtClean="0"/>
-              <a:t>Amanda Newmark</a:t>
-            </a:r>
-            <a:endParaRPr lang="en-US"/>
-          </a:p>
-        </p:txBody>
-      </p:sp>
-      <p:sp>
-        <p:nvSpPr>
-          <p:cNvPr id="5" name="Content Placeholder 4"/>
-          <p:cNvSpPr>
-            <a:spLocks noGrp="1"/>
-          </p:cNvSpPr>
-          <p:nvPr>
-            <p:ph idx="1"/>
-          </p:nvPr>
-        </p:nvSpPr>
-        <p:spPr/>
-        <p:txBody>
-          <a:bodyPr anchor="t" anchorCtr="1"/>
-          <a:lstStyle/>
-          <a:p>
-            <a:pPr marL="0" indent="0" algn="ctr">
-              <a:buNone/>
-            </a:pPr>
-            <a:r>
-              <a:rPr lang="en-US" dirty="0" smtClean="0"/>
-              <a:t>Is there any correlation between the Mass Assembly History and the underlying Dark Matter Halo in Luminous Red Galaxies (LRGs)?</a:t>
-            </a:r>
-            <a:endParaRPr lang="en-US" dirty="0"/>
-          </a:p>
-        </p:txBody>
-      </p:sp>
-    </p:spTree>
-    <p:extLst>
-      <p:ext uri="{BB962C8B-B14F-4D97-AF65-F5344CB8AC3E}">
-        <p14:creationId xmlns:p14="http://schemas.microsoft.com/office/powerpoint/2010/main" val="2636538435"/>
-      </p:ext>
-    </p:extLst>
-  </p:cSld>
-  <p:clrMapOvr>
-    <a:masterClrMapping/>
-  </p:clrMapOvr>
-  <p:timing>
-    <p:tnLst>
-      <p:par>
-        <p:cTn xmlns:p14="http://schemas.microsoft.com/office/powerpoint/2010/main" id="1" dur="indefinite" restart="never" nodeType="tmRoot"/>
-      </p:par>
-    </p:tnLst>
-  </p:timing>
-</p:sld>
-</file>
-
-<file path=ppt/slides/slide3.xml><?xml version="1.0" encoding="utf-8"?>
 <p:sld xmlns:a="http://schemas.openxmlformats.org/drawingml/2006/main" xmlns:r="http://schemas.openxmlformats.org/officeDocument/2006/relationships" xmlns:p="http://schemas.openxmlformats.org/presentationml/2006/main">
   <p:cSld>
     <p:spTree>
@@ -6333,7 +6352,7 @@
 </p:sld>
 </file>
 
-<file path=ppt/slides/slide4.xml><?xml version="1.0" encoding="utf-8"?>
+<file path=ppt/slides/slide3.xml><?xml version="1.0" encoding="utf-8"?>
 <p:sld xmlns:a="http://schemas.openxmlformats.org/drawingml/2006/main" xmlns:r="http://schemas.openxmlformats.org/officeDocument/2006/relationships" xmlns:p="http://schemas.openxmlformats.org/presentationml/2006/main">
   <p:cSld>
     <p:spTree>
@@ -6405,7 +6424,7 @@
           <p:nvPr>
             <p:extLst>
               <p:ext uri="{D42A27DB-BD31-4B8C-83A1-F6EECF244321}">
-                <p14:modId xmlns:p14="http://schemas.microsoft.com/office/powerpoint/2010/main" val="2235160414"/>
+                <p14:modId xmlns:p14="http://schemas.microsoft.com/office/powerpoint/2010/main" val="2496660708"/>
               </p:ext>
             </p:extLst>
           </p:nvPr>
@@ -6499,7 +6518,15 @@
                     <a:p>
                       <a:r>
                         <a:rPr lang="en-US" dirty="0" err="1" smtClean="0"/>
-                        <a:t>flags.pixel.cr.center</a:t>
+                        <a:t>flags.pixel.cosmic</a:t>
+                      </a:r>
+                      <a:r>
+                        <a:rPr lang="en-US" dirty="0" smtClean="0"/>
+                        <a:t> </a:t>
+                      </a:r>
+                      <a:r>
+                        <a:rPr lang="en-US" dirty="0" err="1" smtClean="0"/>
+                        <a:t>ray.center</a:t>
                       </a:r>
                       <a:endParaRPr lang="en-US" dirty="0"/>
                     </a:p>
@@ -6885,21 +6912,18 @@
           <a:p>
             <a:pPr algn="ctr"/>
             <a:r>
-              <a:rPr lang="en-US" sz="2600" b="1" dirty="0" err="1" smtClean="0">
-                <a:solidFill>
-                  <a:srgbClr val="FF0000"/>
-                </a:solidFill>
-              </a:rPr>
-              <a:t>flags.pixel.bright.object</a:t>
-            </a:r>
-            <a:r>
               <a:rPr lang="en-US" sz="2600" b="1" dirty="0" smtClean="0">
                 <a:solidFill>
                   <a:srgbClr val="FF0000"/>
                 </a:solidFill>
               </a:rPr>
-              <a:t>? </a:t>
-            </a:r>
+              <a:t>Bright Objects? </a:t>
+            </a:r>
+            <a:endParaRPr lang="en-US" sz="2600" b="1" dirty="0" smtClean="0">
+              <a:solidFill>
+                <a:srgbClr val="FF0000"/>
+              </a:solidFill>
+            </a:endParaRPr>
           </a:p>
           <a:p>
             <a:endParaRPr lang="en-US" sz="2600" b="1" dirty="0">
@@ -6910,959 +6934,114 @@
           </a:p>
         </p:txBody>
       </p:sp>
-      <p:graphicFrame>
-        <p:nvGraphicFramePr>
-          <p:cNvPr id="14" name="Table 13"/>
-          <p:cNvGraphicFramePr>
-            <a:graphicFrameLocks noGrp="1"/>
-          </p:cNvGraphicFramePr>
-          <p:nvPr>
-            <p:extLst>
-              <p:ext uri="{D42A27DB-BD31-4B8C-83A1-F6EECF244321}">
-                <p14:modId xmlns:p14="http://schemas.microsoft.com/office/powerpoint/2010/main" val="1471982933"/>
-              </p:ext>
-            </p:extLst>
-          </p:nvPr>
-        </p:nvGraphicFramePr>
-        <p:xfrm>
-          <a:off x="133728" y="3075304"/>
-          <a:ext cx="4857052" cy="2957195"/>
-        </p:xfrm>
-        <a:graphic>
-          <a:graphicData uri="http://schemas.openxmlformats.org/drawingml/2006/table">
-            <a:tbl>
-              <a:tblPr firstRow="1" bandRow="1">
-                <a:tableStyleId>{5202B0CA-FC54-4496-8BCA-5EF66A818D29}</a:tableStyleId>
-              </a:tblPr>
-              <a:tblGrid>
-                <a:gridCol w="1797628"/>
-                <a:gridCol w="1348221"/>
-                <a:gridCol w="1711203"/>
-              </a:tblGrid>
-              <a:tr h="341872">
-                <a:tc>
-                  <a:txBody>
-                    <a:bodyPr/>
-                    <a:lstStyle/>
-                    <a:p>
-                      <a:r>
-                        <a:rPr lang="en-US" sz="1400" dirty="0" smtClean="0"/>
-                        <a:t>Aperture number</a:t>
-                      </a:r>
-                      <a:endParaRPr lang="en-US" sz="1400" dirty="0"/>
-                    </a:p>
-                  </a:txBody>
-                  <a:tcPr marT="0" marB="0" anchorCtr="1">
-                    <a:lnL w="12700" cap="flat" cmpd="sng" algn="ctr">
-                      <a:solidFill>
-                        <a:scrgbClr r="0" g="0" b="0"/>
-                      </a:solidFill>
-                      <a:prstDash val="solid"/>
-                      <a:round/>
-                      <a:headEnd type="none" w="med" len="med"/>
-                      <a:tailEnd type="none" w="med" len="med"/>
-                    </a:lnL>
-                    <a:lnT w="12700" cap="flat" cmpd="sng" algn="ctr">
-                      <a:solidFill>
-                        <a:scrgbClr r="0" g="0" b="0"/>
-                      </a:solidFill>
-                      <a:prstDash val="solid"/>
-                      <a:round/>
-                      <a:headEnd type="none" w="med" len="med"/>
-                      <a:tailEnd type="none" w="med" len="med"/>
-                    </a:lnT>
-                  </a:tcPr>
-                </a:tc>
-                <a:tc>
-                  <a:txBody>
-                    <a:bodyPr/>
-                    <a:lstStyle/>
-                    <a:p>
-                      <a:r>
-                        <a:rPr lang="en-US" sz="1400" dirty="0" smtClean="0"/>
-                        <a:t>Radius</a:t>
-                      </a:r>
-                      <a:r>
-                        <a:rPr lang="en-US" sz="1400" baseline="0" dirty="0" smtClean="0"/>
-                        <a:t> (pix)</a:t>
-                      </a:r>
-                      <a:endParaRPr lang="en-US" sz="1400" dirty="0"/>
-                    </a:p>
-                  </a:txBody>
-                  <a:tcPr marT="0" marB="0" anchorCtr="1">
-                    <a:lnT w="12700" cap="flat" cmpd="sng" algn="ctr">
-                      <a:solidFill>
-                        <a:scrgbClr r="0" g="0" b="0"/>
-                      </a:solidFill>
-                      <a:prstDash val="solid"/>
-                      <a:round/>
-                      <a:headEnd type="none" w="med" len="med"/>
-                      <a:tailEnd type="none" w="med" len="med"/>
-                    </a:lnT>
-                  </a:tcPr>
-                </a:tc>
-                <a:tc>
-                  <a:txBody>
-                    <a:bodyPr/>
-                    <a:lstStyle/>
-                    <a:p>
-                      <a:r>
-                        <a:rPr lang="en-US" sz="1400" dirty="0" smtClean="0"/>
-                        <a:t>Diameter (</a:t>
-                      </a:r>
-                      <a:r>
-                        <a:rPr lang="en-US" sz="1400" dirty="0" err="1" smtClean="0"/>
-                        <a:t>arcsec</a:t>
-                      </a:r>
-                      <a:r>
-                        <a:rPr lang="en-US" sz="1400" dirty="0" smtClean="0"/>
-                        <a:t>)</a:t>
-                      </a:r>
-                      <a:endParaRPr lang="en-US" sz="1400" dirty="0"/>
-                    </a:p>
-                  </a:txBody>
-                  <a:tcPr marT="0" marB="0" anchorCtr="1">
-                    <a:lnR w="12700" cap="flat" cmpd="sng" algn="ctr">
-                      <a:solidFill>
-                        <a:scrgbClr r="0" g="0" b="0"/>
-                      </a:solidFill>
-                      <a:prstDash val="solid"/>
-                      <a:round/>
-                      <a:headEnd type="none" w="med" len="med"/>
-                      <a:tailEnd type="none" w="med" len="med"/>
-                    </a:lnR>
-                    <a:lnT w="12700" cap="flat" cmpd="sng" algn="ctr">
-                      <a:solidFill>
-                        <a:scrgbClr r="0" g="0" b="0"/>
-                      </a:solidFill>
-                      <a:prstDash val="solid"/>
-                      <a:round/>
-                      <a:headEnd type="none" w="med" len="med"/>
-                      <a:tailEnd type="none" w="med" len="med"/>
-                    </a:lnT>
-                  </a:tcPr>
-                </a:tc>
-              </a:tr>
-              <a:tr h="256404">
-                <a:tc>
-                  <a:txBody>
-                    <a:bodyPr/>
-                    <a:lstStyle/>
-                    <a:p>
-                      <a:r>
-                        <a:rPr lang="en-US" sz="1400" dirty="0" smtClean="0"/>
-                        <a:t>aperture00</a:t>
-                      </a:r>
-                      <a:endParaRPr lang="en-US" sz="1400" dirty="0"/>
-                    </a:p>
-                  </a:txBody>
-                  <a:tcPr marT="0" marB="0" anchorCtr="1">
-                    <a:lnL w="12700" cap="flat" cmpd="sng" algn="ctr">
-                      <a:solidFill>
-                        <a:scrgbClr r="0" g="0" b="0"/>
-                      </a:solidFill>
-                      <a:prstDash val="solid"/>
-                      <a:round/>
-                      <a:headEnd type="none" w="med" len="med"/>
-                      <a:tailEnd type="none" w="med" len="med"/>
-                    </a:lnL>
-                  </a:tcPr>
-                </a:tc>
-                <a:tc>
-                  <a:txBody>
-                    <a:bodyPr/>
-                    <a:lstStyle/>
-                    <a:p>
-                      <a:r>
-                        <a:rPr lang="en-US" sz="1400" dirty="0" smtClean="0"/>
-                        <a:t>3.0</a:t>
-                      </a:r>
-                      <a:endParaRPr lang="en-US" sz="1400" dirty="0"/>
-                    </a:p>
-                  </a:txBody>
-                  <a:tcPr marT="0" marB="0" anchorCtr="1"/>
-                </a:tc>
-                <a:tc>
-                  <a:txBody>
-                    <a:bodyPr/>
-                    <a:lstStyle/>
-                    <a:p>
-                      <a:r>
-                        <a:rPr lang="en-US" sz="1400" dirty="0" smtClean="0"/>
-                        <a:t>1.01</a:t>
-                      </a:r>
-                      <a:endParaRPr lang="en-US" sz="1400" dirty="0"/>
-                    </a:p>
-                  </a:txBody>
-                  <a:tcPr marT="0" marB="0" anchorCtr="1">
-                    <a:lnR w="12700" cap="flat" cmpd="sng" algn="ctr">
-                      <a:solidFill>
-                        <a:scrgbClr r="0" g="0" b="0"/>
-                      </a:solidFill>
-                      <a:prstDash val="solid"/>
-                      <a:round/>
-                      <a:headEnd type="none" w="med" len="med"/>
-                      <a:tailEnd type="none" w="med" len="med"/>
-                    </a:lnR>
-                  </a:tcPr>
-                </a:tc>
-              </a:tr>
-              <a:tr h="273498">
-                <a:tc>
-                  <a:txBody>
-                    <a:bodyPr/>
-                    <a:lstStyle/>
-                    <a:p>
-                      <a:pPr marL="0" marR="0" indent="0" algn="l" defTabSz="457200" rtl="0" eaLnBrk="1" fontAlgn="auto" latinLnBrk="0" hangingPunct="1">
-                        <a:lnSpc>
-                          <a:spcPct val="100000"/>
-                        </a:lnSpc>
-                        <a:spcBef>
-                          <a:spcPts val="0"/>
-                        </a:spcBef>
-                        <a:spcAft>
-                          <a:spcPts val="0"/>
-                        </a:spcAft>
-                        <a:buClrTx/>
-                        <a:buSzTx/>
-                        <a:buFontTx/>
-                        <a:buNone/>
-                        <a:tabLst/>
-                        <a:defRPr/>
-                      </a:pPr>
-                      <a:r>
-                        <a:rPr lang="en-US" sz="1400" dirty="0" smtClean="0"/>
-                        <a:t>aperture01</a:t>
-                      </a:r>
-                    </a:p>
-                  </a:txBody>
-                  <a:tcPr marT="0" marB="0" anchorCtr="1">
-                    <a:lnL w="12700" cap="flat" cmpd="sng" algn="ctr">
-                      <a:solidFill>
-                        <a:scrgbClr r="0" g="0" b="0"/>
-                      </a:solidFill>
-                      <a:prstDash val="solid"/>
-                      <a:round/>
-                      <a:headEnd type="none" w="med" len="med"/>
-                      <a:tailEnd type="none" w="med" len="med"/>
-                    </a:lnL>
-                  </a:tcPr>
-                </a:tc>
-                <a:tc>
-                  <a:txBody>
-                    <a:bodyPr/>
-                    <a:lstStyle/>
-                    <a:p>
-                      <a:r>
-                        <a:rPr lang="en-US" sz="1400" dirty="0" smtClean="0"/>
-                        <a:t>4.5</a:t>
-                      </a:r>
-                      <a:endParaRPr lang="en-US" sz="1400" dirty="0"/>
-                    </a:p>
-                  </a:txBody>
-                  <a:tcPr marT="0" marB="0" anchorCtr="1"/>
-                </a:tc>
-                <a:tc>
-                  <a:txBody>
-                    <a:bodyPr/>
-                    <a:lstStyle/>
-                    <a:p>
-                      <a:r>
-                        <a:rPr lang="en-US" sz="1400" dirty="0" smtClean="0"/>
-                        <a:t>1.51</a:t>
-                      </a:r>
-                      <a:endParaRPr lang="en-US" sz="1400" dirty="0"/>
-                    </a:p>
-                  </a:txBody>
-                  <a:tcPr marT="0" marB="0" anchorCtr="1">
-                    <a:lnR w="12700" cap="flat" cmpd="sng" algn="ctr">
-                      <a:solidFill>
-                        <a:scrgbClr r="0" g="0" b="0"/>
-                      </a:solidFill>
-                      <a:prstDash val="solid"/>
-                      <a:round/>
-                      <a:headEnd type="none" w="med" len="med"/>
-                      <a:tailEnd type="none" w="med" len="med"/>
-                    </a:lnR>
-                  </a:tcPr>
-                </a:tc>
-              </a:tr>
-              <a:tr h="256404">
-                <a:tc>
-                  <a:txBody>
-                    <a:bodyPr/>
-                    <a:lstStyle/>
-                    <a:p>
-                      <a:pPr marL="0" marR="0" indent="0" algn="l" defTabSz="457200" rtl="0" eaLnBrk="1" fontAlgn="auto" latinLnBrk="0" hangingPunct="1">
-                        <a:lnSpc>
-                          <a:spcPct val="100000"/>
-                        </a:lnSpc>
-                        <a:spcBef>
-                          <a:spcPts val="0"/>
-                        </a:spcBef>
-                        <a:spcAft>
-                          <a:spcPts val="0"/>
-                        </a:spcAft>
-                        <a:buClrTx/>
-                        <a:buSzTx/>
-                        <a:buFontTx/>
-                        <a:buNone/>
-                        <a:tabLst/>
-                        <a:defRPr/>
-                      </a:pPr>
-                      <a:r>
-                        <a:rPr lang="en-US" sz="1400" dirty="0" smtClean="0"/>
-                        <a:t>aperture02</a:t>
-                      </a:r>
-                    </a:p>
-                  </a:txBody>
-                  <a:tcPr marT="0" marB="0" anchorCtr="1">
-                    <a:lnL w="12700" cap="flat" cmpd="sng" algn="ctr">
-                      <a:solidFill>
-                        <a:scrgbClr r="0" g="0" b="0"/>
-                      </a:solidFill>
-                      <a:prstDash val="solid"/>
-                      <a:round/>
-                      <a:headEnd type="none" w="med" len="med"/>
-                      <a:tailEnd type="none" w="med" len="med"/>
-                    </a:lnL>
-                  </a:tcPr>
-                </a:tc>
-                <a:tc>
-                  <a:txBody>
-                    <a:bodyPr/>
-                    <a:lstStyle/>
-                    <a:p>
-                      <a:r>
-                        <a:rPr lang="en-US" sz="1400" dirty="0" smtClean="0"/>
-                        <a:t>6.0</a:t>
-                      </a:r>
-                      <a:endParaRPr lang="en-US" sz="1400" dirty="0"/>
-                    </a:p>
-                  </a:txBody>
-                  <a:tcPr marT="0" marB="0" anchorCtr="1"/>
-                </a:tc>
-                <a:tc>
-                  <a:txBody>
-                    <a:bodyPr/>
-                    <a:lstStyle/>
-                    <a:p>
-                      <a:r>
-                        <a:rPr lang="en-US" sz="1400" dirty="0" smtClean="0"/>
-                        <a:t>2.02</a:t>
-                      </a:r>
-                      <a:endParaRPr lang="en-US" sz="1400" dirty="0"/>
-                    </a:p>
-                  </a:txBody>
-                  <a:tcPr marT="0" marB="0" anchorCtr="1">
-                    <a:lnR w="12700" cap="flat" cmpd="sng" algn="ctr">
-                      <a:solidFill>
-                        <a:scrgbClr r="0" g="0" b="0"/>
-                      </a:solidFill>
-                      <a:prstDash val="solid"/>
-                      <a:round/>
-                      <a:headEnd type="none" w="med" len="med"/>
-                      <a:tailEnd type="none" w="med" len="med"/>
-                    </a:lnR>
-                  </a:tcPr>
-                </a:tc>
-              </a:tr>
-              <a:tr h="256404">
-                <a:tc>
-                  <a:txBody>
-                    <a:bodyPr/>
-                    <a:lstStyle/>
-                    <a:p>
-                      <a:pPr marL="0" marR="0" indent="0" algn="l" defTabSz="457200" rtl="0" eaLnBrk="1" fontAlgn="auto" latinLnBrk="0" hangingPunct="1">
-                        <a:lnSpc>
-                          <a:spcPct val="100000"/>
-                        </a:lnSpc>
-                        <a:spcBef>
-                          <a:spcPts val="0"/>
-                        </a:spcBef>
-                        <a:spcAft>
-                          <a:spcPts val="0"/>
-                        </a:spcAft>
-                        <a:buClrTx/>
-                        <a:buSzTx/>
-                        <a:buFontTx/>
-                        <a:buNone/>
-                        <a:tabLst/>
-                        <a:defRPr/>
-                      </a:pPr>
-                      <a:r>
-                        <a:rPr lang="en-US" sz="1400" dirty="0" smtClean="0"/>
-                        <a:t>aperture03</a:t>
-                      </a:r>
-                    </a:p>
-                  </a:txBody>
-                  <a:tcPr marT="0" marB="0" anchorCtr="1">
-                    <a:lnL w="12700" cap="flat" cmpd="sng" algn="ctr">
-                      <a:solidFill>
-                        <a:scrgbClr r="0" g="0" b="0"/>
-                      </a:solidFill>
-                      <a:prstDash val="solid"/>
-                      <a:round/>
-                      <a:headEnd type="none" w="med" len="med"/>
-                      <a:tailEnd type="none" w="med" len="med"/>
-                    </a:lnL>
-                  </a:tcPr>
-                </a:tc>
-                <a:tc>
-                  <a:txBody>
-                    <a:bodyPr/>
-                    <a:lstStyle/>
-                    <a:p>
-                      <a:r>
-                        <a:rPr lang="en-US" sz="1400" dirty="0" smtClean="0"/>
-                        <a:t>9.0</a:t>
-                      </a:r>
-                      <a:endParaRPr lang="en-US" sz="1400" dirty="0"/>
-                    </a:p>
-                  </a:txBody>
-                  <a:tcPr marT="0" marB="0" anchorCtr="1"/>
-                </a:tc>
-                <a:tc>
-                  <a:txBody>
-                    <a:bodyPr/>
-                    <a:lstStyle/>
-                    <a:p>
-                      <a:r>
-                        <a:rPr lang="en-US" sz="1400" dirty="0" smtClean="0"/>
-                        <a:t>2.02</a:t>
-                      </a:r>
-                      <a:endParaRPr lang="en-US" sz="1400" dirty="0"/>
-                    </a:p>
-                  </a:txBody>
-                  <a:tcPr marT="0" marB="0" anchorCtr="1">
-                    <a:lnR w="12700" cap="flat" cmpd="sng" algn="ctr">
-                      <a:solidFill>
-                        <a:scrgbClr r="0" g="0" b="0"/>
-                      </a:solidFill>
-                      <a:prstDash val="solid"/>
-                      <a:round/>
-                      <a:headEnd type="none" w="med" len="med"/>
-                      <a:tailEnd type="none" w="med" len="med"/>
-                    </a:lnR>
-                  </a:tcPr>
-                </a:tc>
-              </a:tr>
-              <a:tr h="239311">
-                <a:tc>
-                  <a:txBody>
-                    <a:bodyPr/>
-                    <a:lstStyle/>
-                    <a:p>
-                      <a:pPr marL="0" marR="0" indent="0" algn="l" defTabSz="457200" rtl="0" eaLnBrk="1" fontAlgn="auto" latinLnBrk="0" hangingPunct="1">
-                        <a:lnSpc>
-                          <a:spcPct val="100000"/>
-                        </a:lnSpc>
-                        <a:spcBef>
-                          <a:spcPts val="0"/>
-                        </a:spcBef>
-                        <a:spcAft>
-                          <a:spcPts val="0"/>
-                        </a:spcAft>
-                        <a:buClrTx/>
-                        <a:buSzTx/>
-                        <a:buFontTx/>
-                        <a:buNone/>
-                        <a:tabLst/>
-                        <a:defRPr/>
-                      </a:pPr>
-                      <a:r>
-                        <a:rPr lang="en-US" sz="1400" dirty="0" smtClean="0"/>
-                        <a:t>aperture04</a:t>
-                      </a:r>
-                    </a:p>
-                  </a:txBody>
-                  <a:tcPr marT="0" marB="0" anchorCtr="1">
-                    <a:lnL w="12700" cap="flat" cmpd="sng" algn="ctr">
-                      <a:solidFill>
-                        <a:scrgbClr r="0" g="0" b="0"/>
-                      </a:solidFill>
-                      <a:prstDash val="solid"/>
-                      <a:round/>
-                      <a:headEnd type="none" w="med" len="med"/>
-                      <a:tailEnd type="none" w="med" len="med"/>
-                    </a:lnL>
-                  </a:tcPr>
-                </a:tc>
-                <a:tc>
-                  <a:txBody>
-                    <a:bodyPr/>
-                    <a:lstStyle/>
-                    <a:p>
-                      <a:r>
-                        <a:rPr lang="en-US" sz="1400" dirty="0" smtClean="0"/>
-                        <a:t>12.0</a:t>
-                      </a:r>
-                      <a:endParaRPr lang="en-US" sz="1400" dirty="0"/>
-                    </a:p>
-                  </a:txBody>
-                  <a:tcPr marT="0" marB="0" anchorCtr="1"/>
-                </a:tc>
-                <a:tc>
-                  <a:txBody>
-                    <a:bodyPr/>
-                    <a:lstStyle/>
-                    <a:p>
-                      <a:r>
-                        <a:rPr lang="en-US" sz="1400" dirty="0" smtClean="0"/>
-                        <a:t>4.03</a:t>
-                      </a:r>
-                      <a:endParaRPr lang="en-US" sz="1400" dirty="0"/>
-                    </a:p>
-                  </a:txBody>
-                  <a:tcPr marT="0" marB="0" anchorCtr="1">
-                    <a:lnR w="12700" cap="flat" cmpd="sng" algn="ctr">
-                      <a:solidFill>
-                        <a:scrgbClr r="0" g="0" b="0"/>
-                      </a:solidFill>
-                      <a:prstDash val="solid"/>
-                      <a:round/>
-                      <a:headEnd type="none" w="med" len="med"/>
-                      <a:tailEnd type="none" w="med" len="med"/>
-                    </a:lnR>
-                  </a:tcPr>
-                </a:tc>
-              </a:tr>
-              <a:tr h="256404">
-                <a:tc>
-                  <a:txBody>
-                    <a:bodyPr/>
-                    <a:lstStyle/>
-                    <a:p>
-                      <a:pPr marL="0" marR="0" indent="0" algn="l" defTabSz="457200" rtl="0" eaLnBrk="1" fontAlgn="auto" latinLnBrk="0" hangingPunct="1">
-                        <a:lnSpc>
-                          <a:spcPct val="100000"/>
-                        </a:lnSpc>
-                        <a:spcBef>
-                          <a:spcPts val="0"/>
-                        </a:spcBef>
-                        <a:spcAft>
-                          <a:spcPts val="0"/>
-                        </a:spcAft>
-                        <a:buClrTx/>
-                        <a:buSzTx/>
-                        <a:buFontTx/>
-                        <a:buNone/>
-                        <a:tabLst/>
-                        <a:defRPr/>
-                      </a:pPr>
-                      <a:r>
-                        <a:rPr lang="en-US" sz="1400" dirty="0" smtClean="0"/>
-                        <a:t>aperture05</a:t>
-                      </a:r>
-                    </a:p>
-                  </a:txBody>
-                  <a:tcPr marT="0" marB="0" anchorCtr="1">
-                    <a:lnL w="12700" cap="flat" cmpd="sng" algn="ctr">
-                      <a:solidFill>
-                        <a:scrgbClr r="0" g="0" b="0"/>
-                      </a:solidFill>
-                      <a:prstDash val="solid"/>
-                      <a:round/>
-                      <a:headEnd type="none" w="med" len="med"/>
-                      <a:tailEnd type="none" w="med" len="med"/>
-                    </a:lnL>
-                  </a:tcPr>
-                </a:tc>
-                <a:tc>
-                  <a:txBody>
-                    <a:bodyPr/>
-                    <a:lstStyle/>
-                    <a:p>
-                      <a:r>
-                        <a:rPr lang="en-US" sz="1400" dirty="0" smtClean="0"/>
-                        <a:t>17.0</a:t>
-                      </a:r>
-                      <a:endParaRPr lang="en-US" sz="1400" dirty="0"/>
-                    </a:p>
-                  </a:txBody>
-                  <a:tcPr marT="0" marB="0" anchorCtr="1"/>
-                </a:tc>
-                <a:tc>
-                  <a:txBody>
-                    <a:bodyPr/>
-                    <a:lstStyle/>
-                    <a:p>
-                      <a:r>
-                        <a:rPr lang="en-US" sz="1400" dirty="0" smtClean="0"/>
-                        <a:t>5.71</a:t>
-                      </a:r>
-                      <a:endParaRPr lang="en-US" sz="1400" dirty="0"/>
-                    </a:p>
-                  </a:txBody>
-                  <a:tcPr marT="0" marB="0" anchorCtr="1">
-                    <a:lnR w="12700" cap="flat" cmpd="sng" algn="ctr">
-                      <a:solidFill>
-                        <a:scrgbClr r="0" g="0" b="0"/>
-                      </a:solidFill>
-                      <a:prstDash val="solid"/>
-                      <a:round/>
-                      <a:headEnd type="none" w="med" len="med"/>
-                      <a:tailEnd type="none" w="med" len="med"/>
-                    </a:lnR>
-                  </a:tcPr>
-                </a:tc>
-              </a:tr>
-              <a:tr h="256404">
-                <a:tc>
-                  <a:txBody>
-                    <a:bodyPr/>
-                    <a:lstStyle/>
-                    <a:p>
-                      <a:pPr marL="0" marR="0" indent="0" algn="l" defTabSz="457200" rtl="0" eaLnBrk="1" fontAlgn="auto" latinLnBrk="0" hangingPunct="1">
-                        <a:lnSpc>
-                          <a:spcPct val="100000"/>
-                        </a:lnSpc>
-                        <a:spcBef>
-                          <a:spcPts val="0"/>
-                        </a:spcBef>
-                        <a:spcAft>
-                          <a:spcPts val="0"/>
-                        </a:spcAft>
-                        <a:buClrTx/>
-                        <a:buSzTx/>
-                        <a:buFontTx/>
-                        <a:buNone/>
-                        <a:tabLst/>
-                        <a:defRPr/>
-                      </a:pPr>
-                      <a:r>
-                        <a:rPr lang="en-US" sz="1400" dirty="0" smtClean="0"/>
-                        <a:t>aperture06</a:t>
-                      </a:r>
-                    </a:p>
-                  </a:txBody>
-                  <a:tcPr marT="0" marB="0" anchorCtr="1">
-                    <a:lnL w="12700" cap="flat" cmpd="sng" algn="ctr">
-                      <a:solidFill>
-                        <a:scrgbClr r="0" g="0" b="0"/>
-                      </a:solidFill>
-                      <a:prstDash val="solid"/>
-                      <a:round/>
-                      <a:headEnd type="none" w="med" len="med"/>
-                      <a:tailEnd type="none" w="med" len="med"/>
-                    </a:lnL>
-                  </a:tcPr>
-                </a:tc>
-                <a:tc>
-                  <a:txBody>
-                    <a:bodyPr/>
-                    <a:lstStyle/>
-                    <a:p>
-                      <a:r>
-                        <a:rPr lang="en-US" sz="1400" dirty="0" smtClean="0"/>
-                        <a:t>25.0</a:t>
-                      </a:r>
-                      <a:endParaRPr lang="en-US" sz="1400" dirty="0"/>
-                    </a:p>
-                  </a:txBody>
-                  <a:tcPr marT="0" marB="0" anchorCtr="1"/>
-                </a:tc>
-                <a:tc>
-                  <a:txBody>
-                    <a:bodyPr/>
-                    <a:lstStyle/>
-                    <a:p>
-                      <a:r>
-                        <a:rPr lang="en-US" sz="1400" dirty="0" smtClean="0"/>
-                        <a:t>8.40</a:t>
-                      </a:r>
-                      <a:endParaRPr lang="en-US" sz="1400" dirty="0"/>
-                    </a:p>
-                  </a:txBody>
-                  <a:tcPr marT="0" marB="0" anchorCtr="1">
-                    <a:lnR w="12700" cap="flat" cmpd="sng" algn="ctr">
-                      <a:solidFill>
-                        <a:scrgbClr r="0" g="0" b="0"/>
-                      </a:solidFill>
-                      <a:prstDash val="solid"/>
-                      <a:round/>
-                      <a:headEnd type="none" w="med" len="med"/>
-                      <a:tailEnd type="none" w="med" len="med"/>
-                    </a:lnR>
-                  </a:tcPr>
-                </a:tc>
-              </a:tr>
-              <a:tr h="256404">
-                <a:tc>
-                  <a:txBody>
-                    <a:bodyPr/>
-                    <a:lstStyle/>
-                    <a:p>
-                      <a:pPr marL="0" marR="0" indent="0" algn="l" defTabSz="457200" rtl="0" eaLnBrk="1" fontAlgn="auto" latinLnBrk="0" hangingPunct="1">
-                        <a:lnSpc>
-                          <a:spcPct val="100000"/>
-                        </a:lnSpc>
-                        <a:spcBef>
-                          <a:spcPts val="0"/>
-                        </a:spcBef>
-                        <a:spcAft>
-                          <a:spcPts val="0"/>
-                        </a:spcAft>
-                        <a:buClrTx/>
-                        <a:buSzTx/>
-                        <a:buFontTx/>
-                        <a:buNone/>
-                        <a:tabLst/>
-                        <a:defRPr/>
-                      </a:pPr>
-                      <a:r>
-                        <a:rPr lang="en-US" sz="1400" dirty="0" smtClean="0"/>
-                        <a:t>aperture07</a:t>
-                      </a:r>
-                    </a:p>
-                  </a:txBody>
-                  <a:tcPr marT="0" marB="0" anchorCtr="1">
-                    <a:lnL w="12700" cap="flat" cmpd="sng" algn="ctr">
-                      <a:solidFill>
-                        <a:scrgbClr r="0" g="0" b="0"/>
-                      </a:solidFill>
-                      <a:prstDash val="solid"/>
-                      <a:round/>
-                      <a:headEnd type="none" w="med" len="med"/>
-                      <a:tailEnd type="none" w="med" len="med"/>
-                    </a:lnL>
-                  </a:tcPr>
-                </a:tc>
-                <a:tc>
-                  <a:txBody>
-                    <a:bodyPr/>
-                    <a:lstStyle/>
-                    <a:p>
-                      <a:r>
-                        <a:rPr lang="en-US" sz="1400" dirty="0" smtClean="0"/>
-                        <a:t>35.0</a:t>
-                      </a:r>
-                      <a:endParaRPr lang="en-US" sz="1400" dirty="0"/>
-                    </a:p>
-                  </a:txBody>
-                  <a:tcPr marT="0" marB="0" anchorCtr="1"/>
-                </a:tc>
-                <a:tc>
-                  <a:txBody>
-                    <a:bodyPr/>
-                    <a:lstStyle/>
-                    <a:p>
-                      <a:r>
-                        <a:rPr lang="en-US" sz="1400" dirty="0" smtClean="0"/>
-                        <a:t>11.8</a:t>
-                      </a:r>
-                      <a:endParaRPr lang="en-US" sz="1400" dirty="0"/>
-                    </a:p>
-                  </a:txBody>
-                  <a:tcPr marT="0" marB="0" anchorCtr="1">
-                    <a:lnR w="12700" cap="flat" cmpd="sng" algn="ctr">
-                      <a:solidFill>
-                        <a:scrgbClr r="0" g="0" b="0"/>
-                      </a:solidFill>
-                      <a:prstDash val="solid"/>
-                      <a:round/>
-                      <a:headEnd type="none" w="med" len="med"/>
-                      <a:tailEnd type="none" w="med" len="med"/>
-                    </a:lnR>
-                  </a:tcPr>
-                </a:tc>
-              </a:tr>
-              <a:tr h="273498">
-                <a:tc>
-                  <a:txBody>
-                    <a:bodyPr/>
-                    <a:lstStyle/>
-                    <a:p>
-                      <a:pPr marL="0" marR="0" indent="0" algn="l" defTabSz="457200" rtl="0" eaLnBrk="1" fontAlgn="auto" latinLnBrk="0" hangingPunct="1">
-                        <a:lnSpc>
-                          <a:spcPct val="100000"/>
-                        </a:lnSpc>
-                        <a:spcBef>
-                          <a:spcPts val="0"/>
-                        </a:spcBef>
-                        <a:spcAft>
-                          <a:spcPts val="0"/>
-                        </a:spcAft>
-                        <a:buClrTx/>
-                        <a:buSzTx/>
-                        <a:buFontTx/>
-                        <a:buNone/>
-                        <a:tabLst/>
-                        <a:defRPr/>
-                      </a:pPr>
-                      <a:r>
-                        <a:rPr lang="en-US" sz="1400" dirty="0" smtClean="0"/>
-                        <a:t>aperture08</a:t>
-                      </a:r>
-                    </a:p>
-                  </a:txBody>
-                  <a:tcPr marT="0" marB="0" anchorCtr="1">
-                    <a:lnL w="12700" cap="flat" cmpd="sng" algn="ctr">
-                      <a:solidFill>
-                        <a:scrgbClr r="0" g="0" b="0"/>
-                      </a:solidFill>
-                      <a:prstDash val="solid"/>
-                      <a:round/>
-                      <a:headEnd type="none" w="med" len="med"/>
-                      <a:tailEnd type="none" w="med" len="med"/>
-                    </a:lnL>
-                  </a:tcPr>
-                </a:tc>
-                <a:tc>
-                  <a:txBody>
-                    <a:bodyPr/>
-                    <a:lstStyle/>
-                    <a:p>
-                      <a:r>
-                        <a:rPr lang="en-US" sz="1400" dirty="0" smtClean="0"/>
-                        <a:t>50.0</a:t>
-                      </a:r>
-                      <a:endParaRPr lang="en-US" sz="1400" dirty="0"/>
-                    </a:p>
-                  </a:txBody>
-                  <a:tcPr marT="0" marB="0" anchorCtr="1"/>
-                </a:tc>
-                <a:tc>
-                  <a:txBody>
-                    <a:bodyPr/>
-                    <a:lstStyle/>
-                    <a:p>
-                      <a:r>
-                        <a:rPr lang="en-US" sz="1400" dirty="0" smtClean="0"/>
-                        <a:t>16.8</a:t>
-                      </a:r>
-                      <a:endParaRPr lang="en-US" sz="1400" dirty="0"/>
-                    </a:p>
-                  </a:txBody>
-                  <a:tcPr marT="0" marB="0" anchorCtr="1">
-                    <a:lnR w="12700" cap="flat" cmpd="sng" algn="ctr">
-                      <a:solidFill>
-                        <a:scrgbClr r="0" g="0" b="0"/>
-                      </a:solidFill>
-                      <a:prstDash val="solid"/>
-                      <a:round/>
-                      <a:headEnd type="none" w="med" len="med"/>
-                      <a:tailEnd type="none" w="med" len="med"/>
-                    </a:lnR>
-                  </a:tcPr>
-                </a:tc>
-              </a:tr>
-              <a:tr h="290592">
-                <a:tc>
-                  <a:txBody>
-                    <a:bodyPr/>
-                    <a:lstStyle/>
-                    <a:p>
-                      <a:pPr marL="0" marR="0" indent="0" algn="l" defTabSz="457200" rtl="0" eaLnBrk="1" fontAlgn="auto" latinLnBrk="0" hangingPunct="1">
-                        <a:lnSpc>
-                          <a:spcPct val="100000"/>
-                        </a:lnSpc>
-                        <a:spcBef>
-                          <a:spcPts val="0"/>
-                        </a:spcBef>
-                        <a:spcAft>
-                          <a:spcPts val="0"/>
-                        </a:spcAft>
-                        <a:buClrTx/>
-                        <a:buSzTx/>
-                        <a:buFontTx/>
-                        <a:buNone/>
-                        <a:tabLst/>
-                        <a:defRPr/>
-                      </a:pPr>
-                      <a:r>
-                        <a:rPr lang="en-US" sz="1400" dirty="0" smtClean="0"/>
-                        <a:t>aperture09</a:t>
-                      </a:r>
-                    </a:p>
-                  </a:txBody>
-                  <a:tcPr marT="0" marB="0" anchorCtr="1">
-                    <a:lnL w="12700" cap="flat" cmpd="sng" algn="ctr">
-                      <a:solidFill>
-                        <a:scrgbClr r="0" g="0" b="0"/>
-                      </a:solidFill>
-                      <a:prstDash val="solid"/>
-                      <a:round/>
-                      <a:headEnd type="none" w="med" len="med"/>
-                      <a:tailEnd type="none" w="med" len="med"/>
-                    </a:lnL>
-                    <a:lnB w="12700" cap="flat" cmpd="sng" algn="ctr">
-                      <a:solidFill>
-                        <a:scrgbClr r="0" g="0" b="0"/>
-                      </a:solidFill>
-                      <a:prstDash val="solid"/>
-                      <a:round/>
-                      <a:headEnd type="none" w="med" len="med"/>
-                      <a:tailEnd type="none" w="med" len="med"/>
-                    </a:lnB>
-                  </a:tcPr>
-                </a:tc>
-                <a:tc>
-                  <a:txBody>
-                    <a:bodyPr/>
-                    <a:lstStyle/>
-                    <a:p>
-                      <a:r>
-                        <a:rPr lang="en-US" sz="1400" dirty="0" smtClean="0"/>
-                        <a:t>70.0</a:t>
-                      </a:r>
-                      <a:endParaRPr lang="en-US" sz="1400" dirty="0"/>
-                    </a:p>
-                  </a:txBody>
-                  <a:tcPr marT="0" marB="0" anchorCtr="1">
-                    <a:lnB w="12700" cap="flat" cmpd="sng" algn="ctr">
-                      <a:solidFill>
-                        <a:scrgbClr r="0" g="0" b="0"/>
-                      </a:solidFill>
-                      <a:prstDash val="solid"/>
-                      <a:round/>
-                      <a:headEnd type="none" w="med" len="med"/>
-                      <a:tailEnd type="none" w="med" len="med"/>
-                    </a:lnB>
-                  </a:tcPr>
-                </a:tc>
-                <a:tc>
-                  <a:txBody>
-                    <a:bodyPr/>
-                    <a:lstStyle/>
-                    <a:p>
-                      <a:r>
-                        <a:rPr lang="en-US" sz="1400" dirty="0" smtClean="0"/>
-                        <a:t>23.5</a:t>
-                      </a:r>
-                      <a:endParaRPr lang="en-US" sz="1400" dirty="0"/>
-                    </a:p>
-                  </a:txBody>
-                  <a:tcPr marT="0" marB="0" anchorCtr="1">
-                    <a:lnR w="12700" cap="flat" cmpd="sng" algn="ctr">
-                      <a:solidFill>
-                        <a:scrgbClr r="0" g="0" b="0"/>
-                      </a:solidFill>
-                      <a:prstDash val="solid"/>
-                      <a:round/>
-                      <a:headEnd type="none" w="med" len="med"/>
-                      <a:tailEnd type="none" w="med" len="med"/>
-                    </a:lnR>
-                    <a:lnB w="12700" cap="flat" cmpd="sng" algn="ctr">
-                      <a:solidFill>
-                        <a:scrgbClr r="0" g="0" b="0"/>
-                      </a:solidFill>
-                      <a:prstDash val="solid"/>
-                      <a:round/>
-                      <a:headEnd type="none" w="med" len="med"/>
-                      <a:tailEnd type="none" w="med" len="med"/>
-                    </a:lnB>
-                  </a:tcPr>
-                </a:tc>
-              </a:tr>
-            </a:tbl>
-          </a:graphicData>
-        </a:graphic>
-      </p:graphicFrame>
     </p:spTree>
     <p:extLst>
       <p:ext uri="{BB962C8B-B14F-4D97-AF65-F5344CB8AC3E}">
         <p14:creationId xmlns:p14="http://schemas.microsoft.com/office/powerpoint/2010/main" val="3237531117"/>
+      </p:ext>
+    </p:extLst>
+  </p:cSld>
+  <p:clrMapOvr>
+    <a:masterClrMapping/>
+  </p:clrMapOvr>
+  <p:timing>
+    <p:tnLst>
+      <p:par>
+        <p:cTn xmlns:p14="http://schemas.microsoft.com/office/powerpoint/2010/main" id="1" dur="indefinite" restart="never" nodeType="tmRoot"/>
+      </p:par>
+    </p:tnLst>
+  </p:timing>
+</p:sld>
+</file>
+
+<file path=ppt/slides/slide4.xml><?xml version="1.0" encoding="utf-8"?>
+<p:sld xmlns:a="http://schemas.openxmlformats.org/drawingml/2006/main" xmlns:r="http://schemas.openxmlformats.org/officeDocument/2006/relationships" xmlns:p="http://schemas.openxmlformats.org/presentationml/2006/main">
+  <p:cSld>
+    <p:spTree>
+      <p:nvGrpSpPr>
+        <p:cNvPr id="1" name=""/>
+        <p:cNvGrpSpPr/>
+        <p:nvPr/>
+      </p:nvGrpSpPr>
+      <p:grpSpPr>
+        <a:xfrm>
+          <a:off x="0" y="0"/>
+          <a:ext cx="0" cy="0"/>
+          <a:chOff x="0" y="0"/>
+          <a:chExt cx="0" cy="0"/>
+        </a:xfrm>
+      </p:grpSpPr>
+      <p:sp>
+        <p:nvSpPr>
+          <p:cNvPr id="2" name="Title 1"/>
+          <p:cNvSpPr>
+            <a:spLocks noGrp="1"/>
+          </p:cNvSpPr>
+          <p:nvPr>
+            <p:ph type="title"/>
+          </p:nvPr>
+        </p:nvSpPr>
+        <p:spPr/>
+        <p:txBody>
+          <a:bodyPr>
+            <a:normAutofit/>
+          </a:bodyPr>
+          <a:lstStyle/>
+          <a:p>
+            <a:r>
+              <a:rPr lang="en-US" dirty="0" smtClean="0"/>
+              <a:t>Making Luminosity Profiles</a:t>
+            </a:r>
+            <a:endParaRPr lang="en-US" dirty="0"/>
+          </a:p>
+        </p:txBody>
+      </p:sp>
+      <p:sp>
+        <p:nvSpPr>
+          <p:cNvPr id="4" name="Footer Placeholder 3"/>
+          <p:cNvSpPr>
+            <a:spLocks noGrp="1"/>
+          </p:cNvSpPr>
+          <p:nvPr>
+            <p:ph type="ftr" sz="quarter" idx="11"/>
+          </p:nvPr>
+        </p:nvSpPr>
+        <p:spPr/>
+        <p:txBody>
+          <a:bodyPr/>
+          <a:lstStyle/>
+          <a:p>
+            <a:r>
+              <a:rPr lang="en-US" smtClean="0"/>
+              <a:t>Amanda Newmark</a:t>
+            </a:r>
+            <a:endParaRPr lang="en-US"/>
+          </a:p>
+        </p:txBody>
+      </p:sp>
+      <p:sp>
+        <p:nvSpPr>
+          <p:cNvPr id="5" name="Content Placeholder 4"/>
+          <p:cNvSpPr>
+            <a:spLocks noGrp="1"/>
+          </p:cNvSpPr>
+          <p:nvPr>
+            <p:ph idx="1"/>
+          </p:nvPr>
+        </p:nvSpPr>
+        <p:spPr/>
+        <p:txBody>
+          <a:bodyPr/>
+          <a:lstStyle/>
+          <a:p>
+            <a:endParaRPr lang="en-US"/>
+          </a:p>
+        </p:txBody>
+      </p:sp>
+    </p:spTree>
+    <p:extLst>
+      <p:ext uri="{BB962C8B-B14F-4D97-AF65-F5344CB8AC3E}">
+        <p14:creationId xmlns:p14="http://schemas.microsoft.com/office/powerpoint/2010/main" val="1678254658"/>
       </p:ext>
     </p:extLst>
   </p:cSld>
@@ -7908,16 +7087,32 @@
         </p:nvSpPr>
         <p:spPr/>
         <p:txBody>
-          <a:bodyPr>
-            <a:normAutofit/>
-          </a:bodyPr>
-          <a:lstStyle/>
-          <a:p>
-            <a:r>
-              <a:rPr lang="en-US" dirty="0" smtClean="0"/>
+          <a:bodyPr/>
+          <a:lstStyle/>
+          <a:p>
+            <a:r>
+              <a:rPr lang="en-US" dirty="0"/>
               <a:t>Making Luminosity Profiles</a:t>
             </a:r>
-            <a:endParaRPr lang="en-US" dirty="0"/>
+          </a:p>
+        </p:txBody>
+      </p:sp>
+      <p:sp>
+        <p:nvSpPr>
+          <p:cNvPr id="3" name="Content Placeholder 2"/>
+          <p:cNvSpPr>
+            <a:spLocks noGrp="1"/>
+          </p:cNvSpPr>
+          <p:nvPr>
+            <p:ph idx="1"/>
+          </p:nvPr>
+        </p:nvSpPr>
+        <p:spPr/>
+        <p:txBody>
+          <a:bodyPr/>
+          <a:lstStyle/>
+          <a:p>
+            <a:endParaRPr lang="en-US"/>
           </a:p>
         </p:txBody>
       </p:sp>
@@ -7940,25 +7135,6 @@
               <a:rPr lang="en-US" smtClean="0"/>
               <a:t>Amanda Newmark</a:t>
             </a:r>
-            <a:endParaRPr lang="en-US"/>
-          </a:p>
-        </p:txBody>
-      </p:sp>
-      <p:sp>
-        <p:nvSpPr>
-          <p:cNvPr id="5" name="Content Placeholder 4"/>
-          <p:cNvSpPr>
-            <a:spLocks noGrp="1"/>
-          </p:cNvSpPr>
-          <p:nvPr>
-            <p:ph idx="1"/>
-          </p:nvPr>
-        </p:nvSpPr>
-        <p:spPr/>
-        <p:txBody>
-          <a:bodyPr/>
-          <a:lstStyle/>
-          <a:p>
             <a:endParaRPr lang="en-US"/>
           </a:p>
         </p:txBody>
@@ -7966,20 +7142,13 @@
     </p:spTree>
     <p:extLst>
       <p:ext uri="{BB962C8B-B14F-4D97-AF65-F5344CB8AC3E}">
-        <p14:creationId xmlns:p14="http://schemas.microsoft.com/office/powerpoint/2010/main" val="1678254658"/>
+        <p14:creationId xmlns:p14="http://schemas.microsoft.com/office/powerpoint/2010/main" val="425573909"/>
       </p:ext>
     </p:extLst>
   </p:cSld>
   <p:clrMapOvr>
     <a:masterClrMapping/>
   </p:clrMapOvr>
-  <p:timing>
-    <p:tnLst>
-      <p:par>
-        <p:cTn xmlns:p14="http://schemas.microsoft.com/office/powerpoint/2010/main" id="1" dur="indefinite" restart="never" nodeType="tmRoot"/>
-      </p:par>
-    </p:tnLst>
-  </p:timing>
 </p:sld>
 </file>
 
@@ -8023,9 +7192,32 @@
           </a:p>
         </p:txBody>
       </p:sp>
+      <p:sp>
+        <p:nvSpPr>
+          <p:cNvPr id="4" name="Footer Placeholder 3"/>
+          <p:cNvSpPr>
+            <a:spLocks noGrp="1"/>
+          </p:cNvSpPr>
+          <p:nvPr>
+            <p:ph type="ftr" sz="quarter" idx="11"/>
+          </p:nvPr>
+        </p:nvSpPr>
+        <p:spPr/>
+        <p:txBody>
+          <a:bodyPr/>
+          <a:lstStyle/>
+          <a:p>
+            <a:r>
+              <a:rPr lang="en-US" smtClean="0"/>
+              <a:t>Amanda Newmark</a:t>
+            </a:r>
+            <a:endParaRPr lang="en-US"/>
+          </a:p>
+        </p:txBody>
+      </p:sp>
       <p:pic>
         <p:nvPicPr>
-          <p:cNvPr id="5" name="Content Placeholder 4" descr="3meanuplimzdist.pdf"/>
+          <p:cNvPr id="6" name="Content Placeholder 5" descr="Screen Shot 2016-07-27 at 5.24.12 PM.png"/>
           <p:cNvPicPr>
             <a:picLocks noGrp="1" noChangeAspect="1"/>
           </p:cNvPicPr>
@@ -8041,66 +7233,14 @@
               </a:ext>
             </a:extLst>
           </a:blip>
-          <a:srcRect l="109" t="5847" r="6315"/>
+          <a:srcRect t="-1789" b="6043"/>
           <a:stretch/>
         </p:blipFill>
         <p:spPr>
           <a:xfrm>
-            <a:off x="1" y="1744007"/>
-            <a:ext cx="4595090" cy="3467612"/>
+            <a:off x="457200" y="2180167"/>
+            <a:ext cx="8229600" cy="3111500"/>
           </a:xfrm>
-        </p:spPr>
-      </p:pic>
-      <p:sp>
-        <p:nvSpPr>
-          <p:cNvPr id="4" name="Footer Placeholder 3"/>
-          <p:cNvSpPr>
-            <a:spLocks noGrp="1"/>
-          </p:cNvSpPr>
-          <p:nvPr>
-            <p:ph type="ftr" sz="quarter" idx="11"/>
-          </p:nvPr>
-        </p:nvSpPr>
-        <p:spPr/>
-        <p:txBody>
-          <a:bodyPr/>
-          <a:lstStyle/>
-          <a:p>
-            <a:r>
-              <a:rPr lang="en-US" smtClean="0"/>
-              <a:t>Amanda Newmark</a:t>
-            </a:r>
-            <a:endParaRPr lang="en-US"/>
-          </a:p>
-        </p:txBody>
-      </p:sp>
-      <p:pic>
-        <p:nvPicPr>
-          <p:cNvPr id="7" name="Picture 6" descr="3meanuplimmagdist.pdf"/>
-          <p:cNvPicPr>
-            <a:picLocks noChangeAspect="1"/>
-          </p:cNvPicPr>
-          <p:nvPr/>
-        </p:nvPicPr>
-        <p:blipFill rotWithShape="1">
-          <a:blip r:embed="rId4">
-            <a:extLst>
-              <a:ext uri="{28A0092B-C50C-407E-A947-70E740481C1C}">
-                <a14:useLocalDpi xmlns:a14="http://schemas.microsoft.com/office/drawing/2010/main" val="0"/>
-              </a:ext>
-            </a:extLst>
-          </a:blip>
-          <a:srcRect t="4454" r="5995"/>
-          <a:stretch/>
-        </p:blipFill>
-        <p:spPr>
-          <a:xfrm>
-            <a:off x="4595091" y="1744007"/>
-            <a:ext cx="4548909" cy="3467612"/>
-          </a:xfrm>
-          <a:prstGeom prst="rect">
-            <a:avLst/>
-          </a:prstGeom>
         </p:spPr>
       </p:pic>
     </p:spTree>
@@ -8152,14 +7292,12 @@
         </p:nvSpPr>
         <p:spPr/>
         <p:txBody>
-          <a:bodyPr>
-            <a:normAutofit/>
-          </a:bodyPr>
+          <a:bodyPr/>
           <a:lstStyle/>
           <a:p>
             <a:r>
               <a:rPr lang="en-US" dirty="0" smtClean="0"/>
-              <a:t>Flagged vs. Not Flagged</a:t>
+              <a:t>Now with Redshift Cut</a:t>
             </a:r>
             <a:endParaRPr lang="en-US" dirty="0"/>
           </a:p>
@@ -8167,6 +7305,25 @@
       </p:sp>
       <p:sp>
         <p:nvSpPr>
+          <p:cNvPr id="3" name="Content Placeholder 2"/>
+          <p:cNvSpPr>
+            <a:spLocks noGrp="1"/>
+          </p:cNvSpPr>
+          <p:nvPr>
+            <p:ph idx="1"/>
+          </p:nvPr>
+        </p:nvSpPr>
+        <p:spPr/>
+        <p:txBody>
+          <a:bodyPr/>
+          <a:lstStyle/>
+          <a:p>
+            <a:endParaRPr lang="en-US"/>
+          </a:p>
+        </p:txBody>
+      </p:sp>
+      <p:sp>
+        <p:nvSpPr>
           <p:cNvPr id="4" name="Footer Placeholder 3"/>
           <p:cNvSpPr>
             <a:spLocks noGrp="1"/>
@@ -8188,81 +7345,16 @@
           </a:p>
         </p:txBody>
       </p:sp>
-      <p:pic>
-        <p:nvPicPr>
-          <p:cNvPr id="5" name="Picture 4" descr="3meanuplimslopedist.pdf"/>
-          <p:cNvPicPr>
-            <a:picLocks noChangeAspect="1"/>
-          </p:cNvPicPr>
-          <p:nvPr/>
-        </p:nvPicPr>
-        <p:blipFill rotWithShape="1">
-          <a:blip r:embed="rId3">
-            <a:extLst>
-              <a:ext uri="{28A0092B-C50C-407E-A947-70E740481C1C}">
-                <a14:useLocalDpi xmlns:a14="http://schemas.microsoft.com/office/drawing/2010/main" val="0"/>
-              </a:ext>
-            </a:extLst>
-          </a:blip>
-          <a:srcRect r="6561"/>
-          <a:stretch/>
-        </p:blipFill>
-        <p:spPr>
-          <a:xfrm>
-            <a:off x="1" y="2034621"/>
-            <a:ext cx="4510419" cy="3620355"/>
-          </a:xfrm>
-          <a:prstGeom prst="rect">
-            <a:avLst/>
-          </a:prstGeom>
-        </p:spPr>
-      </p:pic>
-      <p:pic>
-        <p:nvPicPr>
-          <p:cNvPr id="6" name="Picture 5" descr="3meanuplimTF.pdf"/>
-          <p:cNvPicPr>
-            <a:picLocks noChangeAspect="1"/>
-          </p:cNvPicPr>
-          <p:nvPr/>
-        </p:nvPicPr>
-        <p:blipFill rotWithShape="1">
-          <a:blip r:embed="rId4">
-            <a:extLst>
-              <a:ext uri="{28A0092B-C50C-407E-A947-70E740481C1C}">
-                <a14:useLocalDpi xmlns:a14="http://schemas.microsoft.com/office/drawing/2010/main" val="0"/>
-              </a:ext>
-            </a:extLst>
-          </a:blip>
-          <a:srcRect r="6682"/>
-          <a:stretch/>
-        </p:blipFill>
-        <p:spPr>
-          <a:xfrm>
-            <a:off x="4699563" y="2082972"/>
-            <a:ext cx="4444437" cy="3572004"/>
-          </a:xfrm>
-          <a:prstGeom prst="rect">
-            <a:avLst/>
-          </a:prstGeom>
-        </p:spPr>
-      </p:pic>
     </p:spTree>
     <p:extLst>
       <p:ext uri="{BB962C8B-B14F-4D97-AF65-F5344CB8AC3E}">
-        <p14:creationId xmlns:p14="http://schemas.microsoft.com/office/powerpoint/2010/main" val="743701429"/>
+        <p14:creationId xmlns:p14="http://schemas.microsoft.com/office/powerpoint/2010/main" val="3780171474"/>
       </p:ext>
     </p:extLst>
   </p:cSld>
   <p:clrMapOvr>
     <a:masterClrMapping/>
   </p:clrMapOvr>
-  <p:timing>
-    <p:tnLst>
-      <p:par>
-        <p:cTn xmlns:p14="http://schemas.microsoft.com/office/powerpoint/2010/main" id="1" dur="indefinite" restart="never" nodeType="tmRoot"/>
-      </p:par>
-    </p:tnLst>
-  </p:timing>
 </p:sld>
 </file>
 
@@ -8295,12 +7387,14 @@
         </p:nvSpPr>
         <p:spPr/>
         <p:txBody>
-          <a:bodyPr/>
+          <a:bodyPr>
+            <a:normAutofit/>
+          </a:bodyPr>
           <a:lstStyle/>
           <a:p>
             <a:r>
               <a:rPr lang="en-US" dirty="0" smtClean="0"/>
-              <a:t>Applying to Star Formation History</a:t>
+              <a:t>Flagged vs. Not Flagged</a:t>
             </a:r>
             <a:endParaRPr lang="en-US" dirty="0"/>
           </a:p>
@@ -8308,28 +7402,6 @@
       </p:sp>
       <p:sp>
         <p:nvSpPr>
-          <p:cNvPr id="3" name="Content Placeholder 2"/>
-          <p:cNvSpPr>
-            <a:spLocks noGrp="1"/>
-          </p:cNvSpPr>
-          <p:nvPr>
-            <p:ph idx="1"/>
-          </p:nvPr>
-        </p:nvSpPr>
-        <p:spPr/>
-        <p:txBody>
-          <a:bodyPr/>
-          <a:lstStyle/>
-          <a:p>
-            <a:endParaRPr lang="en-US" dirty="0" smtClean="0"/>
-          </a:p>
-          <a:p>
-            <a:endParaRPr lang="en-US" dirty="0"/>
-          </a:p>
-        </p:txBody>
-      </p:sp>
-      <p:sp>
-        <p:nvSpPr>
           <p:cNvPr id="4" name="Footer Placeholder 3"/>
           <p:cNvSpPr>
             <a:spLocks noGrp="1"/>
@@ -8351,124 +7423,10 @@
           </a:p>
         </p:txBody>
       </p:sp>
-      <p:grpSp>
-        <p:nvGrpSpPr>
-          <p:cNvPr id="10" name="Group 9"/>
-          <p:cNvGrpSpPr/>
-          <p:nvPr/>
-        </p:nvGrpSpPr>
-        <p:grpSpPr>
-          <a:xfrm>
-            <a:off x="0" y="1417638"/>
-            <a:ext cx="5016500" cy="2345241"/>
-            <a:chOff x="0" y="1417638"/>
-            <a:chExt cx="5016500" cy="2345241"/>
-          </a:xfrm>
-        </p:grpSpPr>
-        <p:pic>
-          <p:nvPicPr>
-            <p:cNvPr id="6" name="Picture 5" descr="Screen Shot 2016-07-27 at 9.33.13 AM.png" title="Tojeiro et al"/>
-            <p:cNvPicPr>
-              <a:picLocks noChangeAspect="1"/>
-            </p:cNvPicPr>
-            <p:nvPr/>
-          </p:nvPicPr>
-          <p:blipFill>
-            <a:blip r:embed="rId3">
-              <a:extLst>
-                <a:ext uri="{28A0092B-C50C-407E-A947-70E740481C1C}">
-                  <a14:useLocalDpi xmlns:a14="http://schemas.microsoft.com/office/drawing/2010/main" val="0"/>
-                </a:ext>
-              </a:extLst>
-            </a:blip>
-            <a:stretch>
-              <a:fillRect/>
-            </a:stretch>
-          </p:blipFill>
-          <p:spPr>
-            <a:xfrm>
-              <a:off x="0" y="1417638"/>
-              <a:ext cx="5016500" cy="1905000"/>
-            </a:xfrm>
-            <a:prstGeom prst="rect">
-              <a:avLst/>
-            </a:prstGeom>
-          </p:spPr>
-        </p:pic>
-        <p:sp>
-          <p:nvSpPr>
-            <p:cNvPr id="7" name="TextBox 6"/>
-            <p:cNvSpPr txBox="1"/>
-            <p:nvPr/>
-          </p:nvSpPr>
-          <p:spPr>
-            <a:xfrm>
-              <a:off x="1807538" y="3485880"/>
-              <a:ext cx="1316662" cy="276999"/>
-            </a:xfrm>
-            <a:prstGeom prst="rect">
-              <a:avLst/>
-            </a:prstGeom>
-            <a:noFill/>
-            <a:ln>
-              <a:solidFill>
-                <a:schemeClr val="tx1"/>
-              </a:solidFill>
-            </a:ln>
-          </p:spPr>
-          <p:txBody>
-            <a:bodyPr wrap="none" rtlCol="0">
-              <a:spAutoFit/>
-            </a:bodyPr>
-            <a:lstStyle/>
-            <a:p>
-              <a:r>
-                <a:rPr lang="en-US" sz="1200" dirty="0" err="1" smtClean="0"/>
-                <a:t>Tojeiro</a:t>
-              </a:r>
-              <a:r>
-                <a:rPr lang="en-US" sz="1200" dirty="0" smtClean="0"/>
-                <a:t> et al. 2009</a:t>
-              </a:r>
-              <a:endParaRPr lang="en-US" sz="1200" dirty="0"/>
-            </a:p>
-          </p:txBody>
-        </p:sp>
-      </p:grpSp>
-      <p:pic>
-        <p:nvPicPr>
-          <p:cNvPr id="8" name="Picture 7" descr="oy_agebin.pdf"/>
-          <p:cNvPicPr>
-            <a:picLocks noChangeAspect="1"/>
-          </p:cNvPicPr>
-          <p:nvPr/>
-        </p:nvPicPr>
-        <p:blipFill>
-          <a:blip r:embed="rId4">
-            <a:extLst>
-              <a:ext uri="{28A0092B-C50C-407E-A947-70E740481C1C}">
-                <a14:useLocalDpi xmlns:a14="http://schemas.microsoft.com/office/drawing/2010/main" val="0"/>
-              </a:ext>
-            </a:extLst>
-          </a:blip>
-          <a:stretch>
-            <a:fillRect/>
-          </a:stretch>
-        </p:blipFill>
-        <p:spPr>
-          <a:xfrm>
-            <a:off x="4832508" y="1159805"/>
-            <a:ext cx="4311492" cy="3332223"/>
-          </a:xfrm>
-          <a:prstGeom prst="rect">
-            <a:avLst/>
-          </a:prstGeom>
-        </p:spPr>
-      </p:pic>
     </p:spTree>
     <p:extLst>
       <p:ext uri="{BB962C8B-B14F-4D97-AF65-F5344CB8AC3E}">
-        <p14:creationId xmlns:p14="http://schemas.microsoft.com/office/powerpoint/2010/main" val="1888732109"/>
+        <p14:creationId xmlns:p14="http://schemas.microsoft.com/office/powerpoint/2010/main" val="743701429"/>
       </p:ext>
     </p:extLst>
   </p:cSld>
@@ -8519,8 +7477,30 @@
           <a:p>
             <a:r>
               <a:rPr lang="en-US" dirty="0" smtClean="0"/>
-              <a:t>Old v Young Profiles</a:t>
-            </a:r>
+              <a:t>Applying to Star Formation History</a:t>
+            </a:r>
+            <a:endParaRPr lang="en-US" dirty="0"/>
+          </a:p>
+        </p:txBody>
+      </p:sp>
+      <p:sp>
+        <p:nvSpPr>
+          <p:cNvPr id="3" name="Content Placeholder 2"/>
+          <p:cNvSpPr>
+            <a:spLocks noGrp="1"/>
+          </p:cNvSpPr>
+          <p:nvPr>
+            <p:ph idx="1"/>
+          </p:nvPr>
+        </p:nvSpPr>
+        <p:spPr/>
+        <p:txBody>
+          <a:bodyPr/>
+          <a:lstStyle/>
+          <a:p>
+            <a:endParaRPr lang="en-US" dirty="0" smtClean="0"/>
+          </a:p>
+          <a:p>
             <a:endParaRPr lang="en-US" dirty="0"/>
           </a:p>
         </p:txBody>
@@ -8550,13 +7530,13 @@
       </p:sp>
       <p:pic>
         <p:nvPicPr>
-          <p:cNvPr id="5" name="Picture 4" descr="3oymeanuplimlumage.pdf"/>
+          <p:cNvPr id="8" name="Picture 7" descr="oy_agebin.pdf"/>
           <p:cNvPicPr>
             <a:picLocks noChangeAspect="1"/>
           </p:cNvPicPr>
           <p:nvPr/>
         </p:nvPicPr>
-        <p:blipFill rotWithShape="1">
+        <p:blipFill>
           <a:blip r:embed="rId3">
             <a:extLst>
               <a:ext uri="{28A0092B-C50C-407E-A947-70E740481C1C}">
@@ -8564,42 +7544,14 @@
               </a:ext>
             </a:extLst>
           </a:blip>
-          <a:srcRect r="5702"/>
-          <a:stretch/>
+          <a:stretch>
+            <a:fillRect/>
+          </a:stretch>
         </p:blipFill>
         <p:spPr>
           <a:xfrm>
-            <a:off x="4511320" y="1576299"/>
-            <a:ext cx="4632680" cy="3684602"/>
-          </a:xfrm>
-          <a:prstGeom prst="rect">
-            <a:avLst/>
-          </a:prstGeom>
-        </p:spPr>
-      </p:pic>
-      <p:pic>
-        <p:nvPicPr>
-          <p:cNvPr id="6" name="Picture 5" descr="3oymeanuplimslope_agedist.pdf"/>
-          <p:cNvPicPr>
-            <a:picLocks noChangeAspect="1"/>
-          </p:cNvPicPr>
-          <p:nvPr/>
-        </p:nvPicPr>
-        <p:blipFill rotWithShape="1">
-          <a:blip r:embed="rId4">
-            <a:extLst>
-              <a:ext uri="{28A0092B-C50C-407E-A947-70E740481C1C}">
-                <a14:useLocalDpi xmlns:a14="http://schemas.microsoft.com/office/drawing/2010/main" val="0"/>
-              </a:ext>
-            </a:extLst>
-          </a:blip>
-          <a:srcRect r="5418"/>
-          <a:stretch/>
-        </p:blipFill>
-        <p:spPr>
-          <a:xfrm>
-            <a:off x="-1" y="1576299"/>
-            <a:ext cx="4646649" cy="3684602"/>
+            <a:off x="4832508" y="1159805"/>
+            <a:ext cx="4311492" cy="3332223"/>
           </a:xfrm>
           <a:prstGeom prst="rect">
             <a:avLst/>
@@ -8609,7 +7561,7 @@
     </p:spTree>
     <p:extLst>
       <p:ext uri="{BB962C8B-B14F-4D97-AF65-F5344CB8AC3E}">
-        <p14:creationId xmlns:p14="http://schemas.microsoft.com/office/powerpoint/2010/main" val="932634646"/>
+        <p14:creationId xmlns:p14="http://schemas.microsoft.com/office/powerpoint/2010/main" val="1888732109"/>
       </p:ext>
     </p:extLst>
   </p:cSld>

--- a/big_presentation.pptx
+++ b/big_presentation.pptx
@@ -5,10 +5,10 @@
     <p:sldMasterId id="2147483648" r:id="rId1"/>
   </p:sldMasterIdLst>
   <p:notesMasterIdLst>
-    <p:notesMasterId r:id="rId18"/>
+    <p:notesMasterId r:id="rId19"/>
   </p:notesMasterIdLst>
   <p:handoutMasterIdLst>
-    <p:handoutMasterId r:id="rId19"/>
+    <p:handoutMasterId r:id="rId20"/>
   </p:handoutMasterIdLst>
   <p:sldIdLst>
     <p:sldId id="256" r:id="rId2"/>
@@ -18,15 +18,16 @@
     <p:sldId id="272" r:id="rId6"/>
     <p:sldId id="259" r:id="rId7"/>
     <p:sldId id="273" r:id="rId8"/>
-    <p:sldId id="262" r:id="rId9"/>
+    <p:sldId id="276" r:id="rId9"/>
     <p:sldId id="263" r:id="rId10"/>
     <p:sldId id="265" r:id="rId11"/>
     <p:sldId id="274" r:id="rId12"/>
     <p:sldId id="268" r:id="rId13"/>
     <p:sldId id="269" r:id="rId14"/>
-    <p:sldId id="270" r:id="rId15"/>
-    <p:sldId id="260" r:id="rId16"/>
-    <p:sldId id="261" r:id="rId17"/>
+    <p:sldId id="275" r:id="rId15"/>
+    <p:sldId id="270" r:id="rId16"/>
+    <p:sldId id="260" r:id="rId17"/>
+    <p:sldId id="261" r:id="rId18"/>
   </p:sldIdLst>
   <p:sldSz cx="9144000" cy="6858000" type="screen4x3"/>
   <p:notesSz cx="6858000" cy="9144000"/>
@@ -822,11 +823,35 @@
           <a:p>
             <a:r>
               <a:rPr lang="en-US" dirty="0" smtClean="0"/>
-              <a:t>If we were to solely compare slopes of the older and younger galaxies, they would</a:t>
+              <a:t>Slopes</a:t>
             </a:r>
             <a:r>
               <a:rPr lang="en-US" baseline="0" dirty="0" smtClean="0"/>
-              <a:t> appear to be in agreement. The stacked slopes coincide with the Gaussian distribution of the individual slopes within one sigma.  While it is easy to automatically conclude that star formation history doesn’t affect mass accretion, it is important to note that about half of the galaxies in each older and younger population are flagged as Bright Objects. Next, individually for each population, we must compare the flagged and not flagged subsamples</a:t>
+              <a:t> </a:t>
+            </a:r>
+            <a:r>
+              <a:rPr lang="en-US" dirty="0" smtClean="0"/>
+              <a:t>of </a:t>
+            </a:r>
+            <a:r>
+              <a:rPr lang="en-US" dirty="0" smtClean="0"/>
+              <a:t>the older and younger galaxies, they would</a:t>
+            </a:r>
+            <a:r>
+              <a:rPr lang="en-US" baseline="0" dirty="0" smtClean="0"/>
+              <a:t> appear to be in agreement</a:t>
+            </a:r>
+            <a:r>
+              <a:rPr lang="en-US" baseline="0" dirty="0" smtClean="0"/>
+              <a:t>. It </a:t>
+            </a:r>
+            <a:r>
+              <a:rPr lang="en-US" baseline="0" dirty="0" smtClean="0"/>
+              <a:t>is important to note that about half of the galaxies in each older and younger population are flagged as Bright Objects. </a:t>
+            </a:r>
+            <a:r>
+              <a:rPr lang="en-US" baseline="0" dirty="0" smtClean="0"/>
+              <a:t>In the table that shows the Bright and not Bright stacked slopes for every subsample, we confirm that the flag has little effect on the overall luminosity profile.</a:t>
             </a:r>
             <a:endParaRPr lang="en-US" dirty="0"/>
           </a:p>
@@ -914,32 +939,33 @@
           <a:p>
             <a:r>
               <a:rPr lang="en-US" dirty="0" smtClean="0"/>
-              <a:t>As</a:t>
+              <a:t>When plotting the stacked</a:t>
             </a:r>
             <a:r>
               <a:rPr lang="en-US" baseline="0" dirty="0" smtClean="0"/>
-              <a:t> long as fit slopes at same physical range</a:t>
-            </a:r>
-          </a:p>
-          <a:p>
+              <a:t> slope </a:t>
+            </a:r>
+            <a:r>
+              <a:rPr lang="en-US" baseline="0" dirty="0" err="1" smtClean="0"/>
+              <a:t>vs</a:t>
+            </a:r>
             <a:r>
               <a:rPr lang="en-US" baseline="0" dirty="0" smtClean="0"/>
-              <a:t>*dependent </a:t>
-            </a:r>
-            <a:r>
-              <a:rPr lang="en-US" baseline="0" smtClean="0"/>
-              <a:t>for lower mass end?</a:t>
-            </a:r>
+              <a:t> Median age, we see that the slope of the luminosity density profile is not dependent upon the formation time. (1/100</a:t>
+            </a:r>
+            <a:r>
+              <a:rPr lang="en-US" baseline="30000" dirty="0" smtClean="0"/>
+              <a:t>th</a:t>
+            </a:r>
+            <a:r>
+              <a:rPr lang="en-US" baseline="0" dirty="0" smtClean="0"/>
+              <a:t> of a difference).</a:t>
+            </a:r>
+          </a:p>
+          <a:p>
             <a:endParaRPr lang="en-US" baseline="0" dirty="0" smtClean="0"/>
           </a:p>
           <a:p>
-            <a:endParaRPr lang="en-US" baseline="0" dirty="0" smtClean="0"/>
-          </a:p>
-          <a:p>
-            <a:r>
-              <a:rPr lang="en-US" baseline="0" dirty="0" smtClean="0"/>
-              <a:t>As determined by stellar envelope slope (alpha star)</a:t>
-            </a:r>
             <a:endParaRPr lang="en-US" dirty="0"/>
           </a:p>
         </p:txBody>
@@ -961,7 +987,7 @@
           <a:p>
             <a:fld id="{601C96DA-B53C-B542-A94F-CB2944E40FE5}" type="slidenum">
               <a:rPr lang="en-US" smtClean="0"/>
-              <a:t>12</a:t>
+              <a:t>11</a:t>
             </a:fld>
             <a:endParaRPr lang="en-US"/>
           </a:p>
@@ -970,7 +996,7 @@
     </p:spTree>
     <p:extLst>
       <p:ext uri="{BB962C8B-B14F-4D97-AF65-F5344CB8AC3E}">
-        <p14:creationId xmlns:p14="http://schemas.microsoft.com/office/powerpoint/2010/main" val="1382260935"/>
+        <p14:creationId xmlns:p14="http://schemas.microsoft.com/office/powerpoint/2010/main" val="2134354071"/>
       </p:ext>
     </p:extLst>
   </p:cSld>
@@ -1026,6 +1052,113 @@
           <a:p>
             <a:r>
               <a:rPr lang="en-US" dirty="0" smtClean="0"/>
+              <a:t>As</a:t>
+            </a:r>
+            <a:r>
+              <a:rPr lang="en-US" baseline="0" dirty="0" smtClean="0"/>
+              <a:t> long as we fit slopes at same physical range</a:t>
+            </a:r>
+          </a:p>
+          <a:p>
+            <a:r>
+              <a:rPr lang="en-US" baseline="0" dirty="0" smtClean="0"/>
+              <a:t>*dependent for lower mass end?</a:t>
+            </a:r>
+          </a:p>
+          <a:p>
+            <a:endParaRPr lang="en-US" baseline="0" dirty="0" smtClean="0"/>
+          </a:p>
+          <a:p>
+            <a:r>
+              <a:rPr lang="en-US" baseline="0" dirty="0" smtClean="0"/>
+              <a:t>As determined by stellar envelope slope (alpha star)</a:t>
+            </a:r>
+            <a:endParaRPr lang="en-US" dirty="0"/>
+          </a:p>
+        </p:txBody>
+      </p:sp>
+      <p:sp>
+        <p:nvSpPr>
+          <p:cNvPr id="4" name="Slide Number Placeholder 3"/>
+          <p:cNvSpPr>
+            <a:spLocks noGrp="1"/>
+          </p:cNvSpPr>
+          <p:nvPr>
+            <p:ph type="sldNum" sz="quarter" idx="10"/>
+          </p:nvPr>
+        </p:nvSpPr>
+        <p:spPr/>
+        <p:txBody>
+          <a:bodyPr/>
+          <a:lstStyle/>
+          <a:p>
+            <a:fld id="{601C96DA-B53C-B542-A94F-CB2944E40FE5}" type="slidenum">
+              <a:rPr lang="en-US" smtClean="0"/>
+              <a:t>12</a:t>
+            </a:fld>
+            <a:endParaRPr lang="en-US"/>
+          </a:p>
+        </p:txBody>
+      </p:sp>
+    </p:spTree>
+    <p:extLst>
+      <p:ext uri="{BB962C8B-B14F-4D97-AF65-F5344CB8AC3E}">
+        <p14:creationId xmlns:p14="http://schemas.microsoft.com/office/powerpoint/2010/main" val="1382260935"/>
+      </p:ext>
+    </p:extLst>
+  </p:cSld>
+  <p:clrMapOvr>
+    <a:masterClrMapping/>
+  </p:clrMapOvr>
+</p:notes>
+</file>
+
+<file path=ppt/notesSlides/notesSlide13.xml><?xml version="1.0" encoding="utf-8"?>
+<p:notes xmlns:a="http://schemas.openxmlformats.org/drawingml/2006/main" xmlns:r="http://schemas.openxmlformats.org/officeDocument/2006/relationships" xmlns:p="http://schemas.openxmlformats.org/presentationml/2006/main">
+  <p:cSld>
+    <p:spTree>
+      <p:nvGrpSpPr>
+        <p:cNvPr id="1" name=""/>
+        <p:cNvGrpSpPr/>
+        <p:nvPr/>
+      </p:nvGrpSpPr>
+      <p:grpSpPr>
+        <a:xfrm>
+          <a:off x="0" y="0"/>
+          <a:ext cx="0" cy="0"/>
+          <a:chOff x="0" y="0"/>
+          <a:chExt cx="0" cy="0"/>
+        </a:xfrm>
+      </p:grpSpPr>
+      <p:sp>
+        <p:nvSpPr>
+          <p:cNvPr id="2" name="Slide Image Placeholder 1"/>
+          <p:cNvSpPr>
+            <a:spLocks noGrp="1" noRot="1" noChangeAspect="1"/>
+          </p:cNvSpPr>
+          <p:nvPr>
+            <p:ph type="sldImg"/>
+          </p:nvPr>
+        </p:nvSpPr>
+        <p:spPr/>
+      </p:sp>
+      <p:sp>
+        <p:nvSpPr>
+          <p:cNvPr id="3" name="Notes Placeholder 2"/>
+          <p:cNvSpPr>
+            <a:spLocks noGrp="1"/>
+          </p:cNvSpPr>
+          <p:nvPr>
+            <p:ph type="body" idx="1"/>
+          </p:nvPr>
+        </p:nvSpPr>
+        <p:spPr/>
+        <p:txBody>
+          <a:bodyPr/>
+          <a:lstStyle/>
+          <a:p>
+            <a:r>
+              <a:rPr lang="en-US" dirty="0" smtClean="0"/>
               <a:t>Use Gravitational Lensing to obtain the masses of all these galaxies</a:t>
             </a:r>
             <a:r>
@@ -1034,15 +1167,7 @@
             </a:r>
             <a:r>
               <a:rPr lang="en-US" baseline="0" dirty="0" smtClean="0"/>
-              <a:t>. Want </a:t>
-            </a:r>
-            <a:r>
-              <a:rPr lang="en-US" baseline="0" dirty="0" err="1" smtClean="0"/>
-              <a:t>ot</a:t>
-            </a:r>
-            <a:r>
-              <a:rPr lang="en-US" baseline="0" dirty="0" smtClean="0"/>
-              <a:t> show dependence on Halo mass</a:t>
+              <a:t>. Want to show dependence on Halo mass</a:t>
             </a:r>
             <a:endParaRPr lang="en-US" dirty="0" smtClean="0"/>
           </a:p>
@@ -1152,16 +1277,38 @@
             </a:r>
             <a:r>
               <a:rPr lang="en-US" baseline="0" dirty="0" smtClean="0"/>
-              <a:t> et al, stellar halos are characterized by the logarithmic slope of the luminosity density profiles, which were then related to the properties of the underlying Dark Matter. Stellar Halo slopes (alpha stars) are thought to be direct evidence of the evolution of Cold Dark Matter Halos and their mass assembly histories. Like in the paper, we are interested in the component that extends beyond the main body of the galaxy, the stellar envelope. </a:t>
-            </a:r>
-          </a:p>
-          <a:p>
+              <a:t> et al, </a:t>
+            </a:r>
+            <a:r>
+              <a:rPr lang="en-US" baseline="0" dirty="0" smtClean="0"/>
+              <a:t>Stellar </a:t>
+            </a:r>
+            <a:r>
+              <a:rPr lang="en-US" baseline="0" dirty="0" smtClean="0"/>
+              <a:t>Halo slopes (alpha stars) are thought to be direct evidence of the evolution of Cold Dark Matter Halos and their mass assembly histories. </a:t>
+            </a:r>
+            <a:r>
+              <a:rPr lang="en-US" baseline="0" dirty="0" smtClean="0"/>
+              <a:t>We are interested in what governs the buildup of the envelope. As galaxies merge with satellites, they build from the inside out, forming larger stellar envelopes. </a:t>
+            </a:r>
             <a:endParaRPr lang="en-US" baseline="0" dirty="0" smtClean="0"/>
           </a:p>
           <a:p>
+            <a:endParaRPr lang="en-US" baseline="0" dirty="0" smtClean="0"/>
+          </a:p>
+          <a:p>
             <a:r>
               <a:rPr lang="en-US" baseline="0" dirty="0" smtClean="0"/>
-              <a:t>Figure 1 shows two different projections of dark matter density and stellar light, as well as the corresponding spherically averaged density profile. (elliptical is upper). </a:t>
+              <a:t>2D projections of dark matter density and stellar light.  Spherically averaged mass density</a:t>
+            </a:r>
+          </a:p>
+          <a:p>
+            <a:endParaRPr lang="en-US" baseline="0" dirty="0" smtClean="0"/>
+          </a:p>
+          <a:p>
+            <a:r>
+              <a:rPr lang="en-US" baseline="0" dirty="0" smtClean="0"/>
+              <a:t>In the first figure, we see the mass assembly of two different types of galaxies, a disk and an elliptical. The environment around the elliptical is lumpier, showing how it is collecting the halos of different nearby galaxies. </a:t>
             </a:r>
             <a:r>
               <a:rPr lang="en-US" baseline="0" dirty="0" err="1" smtClean="0"/>
@@ -1169,7 +1316,11 @@
             </a:r>
             <a:r>
               <a:rPr lang="en-US" baseline="0" dirty="0" smtClean="0"/>
-              <a:t> fit the outer averaged density profiles to a single power law. Her boundaries were r1/2 to the </a:t>
+              <a:t> </a:t>
+            </a:r>
+            <a:r>
+              <a:rPr lang="en-US" baseline="0" dirty="0" smtClean="0"/>
+              <a:t>fit the outer averaged density profiles to a single power law. Her boundaries were r1/2 to the </a:t>
             </a:r>
             <a:r>
               <a:rPr lang="en-US" baseline="0" dirty="0" err="1" smtClean="0"/>
@@ -1235,7 +1386,15 @@
             </a:r>
             <a:r>
               <a:rPr lang="en-US" baseline="0" dirty="0" smtClean="0"/>
-              <a:t>, we believe this will be accomplished through plotting the luminosity density profile of the LRGs and stacking these profiles. LRGs have little star formation (which causes their red hue). This is important because the luminosity profiles can be homogeneous, and not affected by various rates of star formation. By fitting the slopes of the stacked luminosity profiles, we hope to connect the stellar envelope to the Dark Matter Halo</a:t>
+              <a:t>, we believe this will be accomplished through plotting the luminosity density profile of the LRGs and stacking these profiles. </a:t>
+            </a:r>
+            <a:r>
+              <a:rPr lang="en-US" baseline="0" dirty="0" smtClean="0"/>
+              <a:t>By </a:t>
+            </a:r>
+            <a:r>
+              <a:rPr lang="en-US" baseline="0" dirty="0" smtClean="0"/>
+              <a:t>fitting the slopes of the stacked luminosity profiles, we hope to connect the stellar envelope to the Dark Matter Halo</a:t>
             </a:r>
             <a:endParaRPr lang="en-US" dirty="0" smtClean="0"/>
           </a:p>
@@ -1327,7 +1486,15 @@
             </a:r>
             <a:r>
               <a:rPr lang="en-US" baseline="0" dirty="0" smtClean="0"/>
-              <a:t> Luminous Red Galaxy’s mass assembly history and the underlying Dark Matter Halo. </a:t>
+              <a:t> Luminous Red Galaxy’s mass assembly history and the </a:t>
+            </a:r>
+            <a:r>
+              <a:rPr lang="en-US" baseline="0" dirty="0" smtClean="0"/>
+              <a:t>Dark </a:t>
+            </a:r>
+            <a:r>
+              <a:rPr lang="en-US" baseline="0" dirty="0" smtClean="0"/>
+              <a:t>Matter Halo. </a:t>
             </a:r>
           </a:p>
           <a:p>
@@ -1353,7 +1520,23 @@
           <a:p>
             <a:r>
               <a:rPr lang="en-US" baseline="0" dirty="0" smtClean="0"/>
-              <a:t>For our survey, we are using HSC’s Wide field. It is important to note that there has been other observational studies that use stellar profiles as a probe of mass assembly. However, HSC goes to very low surface brightness and can probe the envelope better and for more galaxies. Therefore, it is the best tool for this technique.</a:t>
+              <a:t>For our survey, we are using HSC’s Wide field. It is important to note that there has been other observational studies that use stellar profiles as a probe of mass assembly. However, HSC goes to very low surface </a:t>
+            </a:r>
+            <a:r>
+              <a:rPr lang="en-US" baseline="0" dirty="0" smtClean="0"/>
+              <a:t>brightness for more galaxies </a:t>
+            </a:r>
+            <a:r>
+              <a:rPr lang="en-US" baseline="0" dirty="0" smtClean="0"/>
+              <a:t>and can probe the envelope </a:t>
+            </a:r>
+            <a:r>
+              <a:rPr lang="en-US" baseline="0" dirty="0" smtClean="0"/>
+              <a:t>better. </a:t>
+            </a:r>
+            <a:r>
+              <a:rPr lang="en-US" baseline="0" dirty="0" smtClean="0"/>
+              <a:t>Therefore, it is the best tool for this technique.</a:t>
             </a:r>
           </a:p>
           <a:p>
@@ -1404,15 +1587,23 @@
             </a:r>
             <a:r>
               <a:rPr lang="en-US" baseline="0" dirty="0" smtClean="0"/>
-              <a:t>. Galaxies not properly resolved, or </a:t>
-            </a:r>
-            <a:r>
-              <a:rPr lang="en-US" baseline="0" dirty="0" err="1" smtClean="0"/>
-              <a:t>deblended</a:t>
+              <a:t>. Galaxies not properly </a:t>
             </a:r>
             <a:r>
               <a:rPr lang="en-US" baseline="0" dirty="0" smtClean="0"/>
-              <a:t>,  can saturate the apparent magnitude of the galaxy, most prominently at the outer stellar halo of the galaxy. Thus, they appear to be brighter. Since galaxies flagged as this make up almost half of our sample, it is crucial to determine whether or not these should be removed.</a:t>
+              <a:t>resolved can </a:t>
+            </a:r>
+            <a:r>
+              <a:rPr lang="en-US" baseline="0" dirty="0" smtClean="0"/>
+              <a:t>saturate the apparent magnitude of the galaxy, most prominently at the outer stellar halo of the galaxy. Thus, they appear to be brighter. Since galaxies flagged as this make up almost half of our </a:t>
+            </a:r>
+            <a:r>
+              <a:rPr lang="en-US" baseline="0" dirty="0" smtClean="0"/>
+              <a:t>remaining sample</a:t>
+            </a:r>
+            <a:r>
+              <a:rPr lang="en-US" baseline="0" dirty="0" smtClean="0"/>
+              <a:t>, it is crucial to determine whether or not these should be removed.</a:t>
             </a:r>
             <a:endParaRPr lang="en-US" dirty="0" smtClean="0"/>
           </a:p>
@@ -1528,20 +1719,16 @@
               <a:defRPr/>
             </a:pPr>
             <a:r>
-              <a:rPr lang="en-US" dirty="0" smtClean="0"/>
-              <a:t>To determine whether</a:t>
-            </a:r>
-            <a:r>
               <a:rPr lang="en-US" baseline="0" dirty="0" smtClean="0"/>
-              <a:t> or not bright object centers negatively impact our luminosity profiles, we separate them into two populations, once where </a:t>
-            </a:r>
-            <a:r>
-              <a:rPr lang="en-US" baseline="0" dirty="0" err="1" smtClean="0"/>
-              <a:t>flags.pixel.bright.object</a:t>
+              <a:t>we </a:t>
             </a:r>
             <a:r>
               <a:rPr lang="en-US" baseline="0" dirty="0" smtClean="0"/>
-              <a:t> is TRUE and one where it is FALSE.</a:t>
+              <a:t>separate them into two populations, </a:t>
+            </a:r>
+            <a:r>
+              <a:rPr lang="en-US" baseline="0" dirty="0" smtClean="0"/>
+              <a:t>Bright Objects and not bright objects.</a:t>
             </a:r>
             <a:endParaRPr lang="en-US" dirty="0" smtClean="0"/>
           </a:p>
@@ -1555,11 +1742,11 @@
             </a:r>
             <a:r>
               <a:rPr lang="en-US" baseline="0" dirty="0" smtClean="0"/>
-              <a:t> the luminosity profiles of the </a:t>
-            </a:r>
-            <a:r>
-              <a:rPr lang="en-US" baseline="0" smtClean="0"/>
-              <a:t>individual galaxies</a:t>
+              <a:t> the luminosity profiles of the individual </a:t>
+            </a:r>
+            <a:r>
+              <a:rPr lang="en-US" baseline="0" dirty="0" smtClean="0"/>
+              <a:t>galaxies. Light pink is not bright, and light blue is bright</a:t>
             </a:r>
             <a:endParaRPr lang="en-US" baseline="0" dirty="0" smtClean="0"/>
           </a:p>
@@ -1676,15 +1863,7 @@
           <a:p>
             <a:r>
               <a:rPr lang="en-US" baseline="0" dirty="0" smtClean="0"/>
-              <a:t>However, I notice that at the first bin, there are considerably more bright galaxies than not bright galaxies. While we would expect bright galaxies to be more luminous at the lower apertures, just to be sure I made distribution </a:t>
-            </a:r>
-            <a:r>
-              <a:rPr lang="en-US" baseline="0" dirty="0" err="1" smtClean="0"/>
-              <a:t>fo</a:t>
-            </a:r>
-            <a:r>
-              <a:rPr lang="en-US" baseline="0" dirty="0" smtClean="0"/>
-              <a:t> the apparent magnitudes and redshifts for our sample.</a:t>
+              <a:t>However, I notice that at the first bin, there are considerably more bright galaxies than not bright galaxies. While we would expect bright galaxies to be more luminous at the lower apertures, just to be sure I made distribution of the apparent magnitudes and redshifts for our sample.</a:t>
             </a:r>
             <a:endParaRPr lang="en-US" dirty="0"/>
           </a:p>
@@ -1771,26 +1950,28 @@
           <a:lstStyle/>
           <a:p>
             <a:r>
-              <a:rPr lang="en-US" baseline="0" dirty="0" smtClean="0"/>
-              <a:t>Before we make the luminosity profiles, we want to check that all of our galaxies have a </a:t>
-            </a:r>
-            <a:r>
-              <a:rPr lang="en-US" baseline="0" dirty="0" err="1" smtClean="0"/>
-              <a:t>gaussian</a:t>
-            </a:r>
-            <a:r>
-              <a:rPr lang="en-US" baseline="0" dirty="0" smtClean="0"/>
-              <a:t> distribution of redshifts and luminosities. I plot the distributions of both.</a:t>
-            </a:r>
-            <a:endParaRPr lang="en-US" dirty="0" smtClean="0"/>
-          </a:p>
-          <a:p>
-            <a:endParaRPr lang="en-US" dirty="0" smtClean="0"/>
-          </a:p>
-          <a:p>
-            <a:r>
               <a:rPr lang="en-US" dirty="0" smtClean="0"/>
-              <a:t>Varying parts of the stacked profile use distinct galaxies at different redshifts. The apparent magnitudes and redshifts for the flagged galaxies aren't normally distributed like the non-flagged galaxies. While the blue bars trail off at m=17, we also notice that they trail off at z=0.2. Since these galaxies were of lower redshift, they appear to be more luminous. Since we are measuring intrinsic brightness, our stacked profile was falsely brighter. </a:t>
+              <a:t>Varying </a:t>
+            </a:r>
+            <a:r>
+              <a:rPr lang="en-US" dirty="0" smtClean="0"/>
+              <a:t>parts of the stacked profile use distinct galaxies at different redshifts. The apparent magnitudes and redshifts for the flagged galaxies aren't normally distributed like the non-flagged galaxies. While the blue bars trail off at m=17, we also notice that they trail off at z=0.2</a:t>
+            </a:r>
+            <a:r>
+              <a:rPr lang="en-US" dirty="0" smtClean="0"/>
+              <a:t>. these </a:t>
+            </a:r>
+            <a:r>
+              <a:rPr lang="en-US" dirty="0" smtClean="0"/>
+              <a:t>galaxies were of lower redshift, they appear to be more luminous. </a:t>
+            </a:r>
+            <a:r>
+              <a:rPr lang="en-US" dirty="0" smtClean="0"/>
+              <a:t>Since we are </a:t>
+            </a:r>
+            <a:r>
+              <a:rPr lang="en-US" dirty="0" smtClean="0"/>
+              <a:t>measuring intrinsic brightness, our stacked profile was falsely brighter. </a:t>
             </a:r>
           </a:p>
           <a:p>
@@ -1996,19 +2177,7 @@
             </a:pPr>
             <a:r>
               <a:rPr lang="en-US" baseline="0" dirty="0" smtClean="0"/>
-              <a:t>Finally, we fit a line of best fit (using linear regression) to the </a:t>
-            </a:r>
-            <a:r>
-              <a:rPr lang="en-US" baseline="0" dirty="0" smtClean="0"/>
-              <a:t>stacked profile </a:t>
-            </a:r>
-            <a:r>
-              <a:rPr lang="en-US" baseline="0" dirty="0" smtClean="0"/>
-              <a:t>and the individual profiles. The fitting procedure is done in log space. </a:t>
-            </a:r>
-            <a:r>
-              <a:rPr lang="en-US" baseline="0" dirty="0" smtClean="0"/>
-              <a:t>In order to homogenize our results, so they are all fit to the same physical boundary, we set an inner boundary of r1/2 and an outer boundary of exactly 6r1/2 to both individual luminosity profiles and stacked profiles. The half radii typically marks the inner boundary of the galactic halo. While typically the </a:t>
+              <a:t>Finally, we fit a line of best fit (using linear regression) to the stacked profile and the individual profiles. The fitting procedure is done in log space. In order to homogenize our results, so they are all fit to the same physical boundary, we set an inner boundary of r1/2 and an outer boundary of exactly 6r1/2 to both individual luminosity profiles and stacked profiles. The half radii typically marks the inner boundary of the stellar envelope. While typically the </a:t>
             </a:r>
             <a:r>
               <a:rPr lang="en-US" baseline="0" dirty="0" err="1" smtClean="0"/>
@@ -2034,34 +2203,15 @@
           <a:p>
             <a:r>
               <a:rPr lang="en-US" dirty="0" smtClean="0"/>
-              <a:t>Getting the slope is important </a:t>
-            </a:r>
-            <a:r>
-              <a:rPr lang="en-US" dirty="0" smtClean="0"/>
-              <a:t>because</a:t>
-            </a:r>
-            <a:r>
-              <a:rPr lang="en-US" baseline="0" dirty="0" smtClean="0"/>
-              <a:t> it is how we will connect the stellar envelope to the Dark Matter Halo.</a:t>
-            </a:r>
-            <a:endParaRPr lang="en-US" dirty="0" smtClean="0"/>
-          </a:p>
-          <a:p>
-            <a:endParaRPr lang="en-US" dirty="0" smtClean="0"/>
-          </a:p>
-          <a:p>
-            <a:r>
-              <a:rPr lang="en-US" dirty="0" smtClean="0"/>
-              <a:t>Interestingly, we see that </a:t>
-            </a:r>
-            <a:r>
-              <a:rPr lang="en-US" dirty="0" smtClean="0"/>
-              <a:t>our stacked</a:t>
+              <a:t>Interestingly, we see that our stacked</a:t>
             </a:r>
             <a:r>
               <a:rPr lang="en-US" baseline="0" dirty="0" smtClean="0"/>
               <a:t> profiles for Bright Objects are in Agreement with our stacked profiles for Not Bright Objects</a:t>
             </a:r>
+            <a:endParaRPr lang="en-US" dirty="0" smtClean="0"/>
+          </a:p>
+          <a:p>
             <a:endParaRPr lang="en-US" dirty="0"/>
           </a:p>
         </p:txBody>
@@ -2092,7 +2242,7 @@
     </p:spTree>
     <p:extLst>
       <p:ext uri="{BB962C8B-B14F-4D97-AF65-F5344CB8AC3E}">
-        <p14:creationId xmlns:p14="http://schemas.microsoft.com/office/powerpoint/2010/main" val="1164197698"/>
+        <p14:creationId xmlns:p14="http://schemas.microsoft.com/office/powerpoint/2010/main" val="3613078520"/>
       </p:ext>
     </p:extLst>
   </p:cSld>
@@ -2148,7 +2298,7 @@
           <a:p>
             <a:r>
               <a:rPr lang="en-US" baseline="0" dirty="0" smtClean="0"/>
-              <a:t>As mentioned before, a main focus of this project is to find the relationship between star formation history and the dark matter halo. Every </a:t>
+              <a:t>As mentioned before, a main focus of this project is to find the relationship between mass assembly history and the dark matter halo. Every </a:t>
             </a:r>
             <a:r>
               <a:rPr lang="en-US" baseline="0" dirty="0" smtClean="0"/>
@@ -2192,9 +2342,12 @@
             </a:r>
             <a:r>
               <a:rPr lang="en-US" baseline="0" dirty="0" smtClean="0"/>
-              <a:t>undergone mergers and we can more easily uncover the Dark matter distribution. </a:t>
-            </a:r>
-            <a:endParaRPr lang="en-US" baseline="0" dirty="0" smtClean="0"/>
+              <a:t>undergone mergers and </a:t>
+            </a:r>
+            <a:r>
+              <a:rPr lang="en-US" baseline="0" dirty="0" smtClean="0"/>
+              <a:t>accumulated most of their mass. we first need to find if there is a correlation between mass assembly and star formation history.</a:t>
+            </a:r>
           </a:p>
           <a:p>
             <a:endParaRPr lang="en-US" baseline="0" dirty="0" smtClean="0"/>
@@ -5455,13 +5608,13 @@
       </p:sp>
       <p:pic>
         <p:nvPicPr>
-          <p:cNvPr id="5" name="Picture 4" descr="3oymeanuplimlumage.pdf"/>
+          <p:cNvPr id="7" name="Picture 6" descr="Screen Shot 2016-07-27 at 9.00.22 PM.png"/>
           <p:cNvPicPr>
             <a:picLocks noChangeAspect="1"/>
           </p:cNvPicPr>
           <p:nvPr/>
         </p:nvPicPr>
-        <p:blipFill rotWithShape="1">
+        <p:blipFill>
           <a:blip r:embed="rId3">
             <a:extLst>
               <a:ext uri="{28A0092B-C50C-407E-A947-70E740481C1C}">
@@ -5469,19 +5622,438 @@
               </a:ext>
             </a:extLst>
           </a:blip>
-          <a:srcRect r="5702"/>
-          <a:stretch/>
+          <a:stretch>
+            <a:fillRect/>
+          </a:stretch>
         </p:blipFill>
         <p:spPr>
           <a:xfrm>
-            <a:off x="4511320" y="1576299"/>
-            <a:ext cx="4632680" cy="3684602"/>
+            <a:off x="3912326" y="1436920"/>
+            <a:ext cx="5231673" cy="4121354"/>
           </a:xfrm>
           <a:prstGeom prst="rect">
             <a:avLst/>
           </a:prstGeom>
         </p:spPr>
       </p:pic>
+      <p:graphicFrame>
+        <p:nvGraphicFramePr>
+          <p:cNvPr id="8" name="Table 7"/>
+          <p:cNvGraphicFramePr>
+            <a:graphicFrameLocks noGrp="1"/>
+          </p:cNvGraphicFramePr>
+          <p:nvPr>
+            <p:extLst>
+              <p:ext uri="{D42A27DB-BD31-4B8C-83A1-F6EECF244321}">
+                <p14:modId xmlns:p14="http://schemas.microsoft.com/office/powerpoint/2010/main" val="3679853293"/>
+              </p:ext>
+            </p:extLst>
+          </p:nvPr>
+        </p:nvGraphicFramePr>
+        <p:xfrm>
+          <a:off x="213400" y="1436918"/>
+          <a:ext cx="3500508" cy="4360890"/>
+        </p:xfrm>
+        <a:graphic>
+          <a:graphicData uri="http://schemas.openxmlformats.org/drawingml/2006/table">
+            <a:tbl>
+              <a:tblPr firstRow="1" bandRow="1">
+                <a:tableStyleId>{8EC20E35-A176-4012-BC5E-935CFFF8708E}</a:tableStyleId>
+              </a:tblPr>
+              <a:tblGrid>
+                <a:gridCol w="1750254"/>
+                <a:gridCol w="1750254"/>
+              </a:tblGrid>
+              <a:tr h="616146">
+                <a:tc>
+                  <a:txBody>
+                    <a:bodyPr/>
+                    <a:lstStyle/>
+                    <a:p>
+                      <a:endParaRPr lang="en-US" dirty="0"/>
+                    </a:p>
+                  </a:txBody>
+                  <a:tcPr>
+                    <a:lnL w="12700" cap="flat" cmpd="sng" algn="ctr">
+                      <a:solidFill>
+                        <a:scrgbClr r="0" g="0" b="0"/>
+                      </a:solidFill>
+                      <a:prstDash val="solid"/>
+                      <a:round/>
+                      <a:headEnd type="none" w="med" len="med"/>
+                      <a:tailEnd type="none" w="med" len="med"/>
+                    </a:lnL>
+                    <a:lnT w="12700" cap="flat" cmpd="sng" algn="ctr">
+                      <a:solidFill>
+                        <a:scrgbClr r="0" g="0" b="0"/>
+                      </a:solidFill>
+                      <a:prstDash val="solid"/>
+                      <a:round/>
+                      <a:headEnd type="none" w="med" len="med"/>
+                      <a:tailEnd type="none" w="med" len="med"/>
+                    </a:lnT>
+                  </a:tcPr>
+                </a:tc>
+                <a:tc>
+                  <a:txBody>
+                    <a:bodyPr/>
+                    <a:lstStyle/>
+                    <a:p>
+                      <a:r>
+                        <a:rPr lang="en-US" dirty="0" smtClean="0"/>
+                        <a:t>Stacked Slope</a:t>
+                      </a:r>
+                      <a:endParaRPr lang="en-US" dirty="0"/>
+                    </a:p>
+                  </a:txBody>
+                  <a:tcPr>
+                    <a:lnR w="12700" cap="flat" cmpd="sng" algn="ctr">
+                      <a:solidFill>
+                        <a:scrgbClr r="0" g="0" b="0"/>
+                      </a:solidFill>
+                      <a:prstDash val="solid"/>
+                      <a:round/>
+                      <a:headEnd type="none" w="med" len="med"/>
+                      <a:tailEnd type="none" w="med" len="med"/>
+                    </a:lnR>
+                    <a:lnT w="12700" cap="flat" cmpd="sng" algn="ctr">
+                      <a:solidFill>
+                        <a:scrgbClr r="0" g="0" b="0"/>
+                      </a:solidFill>
+                      <a:prstDash val="solid"/>
+                      <a:round/>
+                      <a:headEnd type="none" w="med" len="med"/>
+                      <a:tailEnd type="none" w="med" len="med"/>
+                    </a:lnT>
+                  </a:tcPr>
+                </a:tc>
+              </a:tr>
+              <a:tr h="616146">
+                <a:tc>
+                  <a:txBody>
+                    <a:bodyPr/>
+                    <a:lstStyle/>
+                    <a:p>
+                      <a:r>
+                        <a:rPr lang="en-US" dirty="0" smtClean="0"/>
+                        <a:t>Older</a:t>
+                      </a:r>
+                      <a:endParaRPr lang="en-US" dirty="0"/>
+                    </a:p>
+                  </a:txBody>
+                  <a:tcPr>
+                    <a:lnL w="12700" cap="flat" cmpd="sng" algn="ctr">
+                      <a:solidFill>
+                        <a:scrgbClr r="0" g="0" b="0"/>
+                      </a:solidFill>
+                      <a:prstDash val="solid"/>
+                      <a:round/>
+                      <a:headEnd type="none" w="med" len="med"/>
+                      <a:tailEnd type="none" w="med" len="med"/>
+                    </a:lnL>
+                  </a:tcPr>
+                </a:tc>
+                <a:tc>
+                  <a:txBody>
+                    <a:bodyPr/>
+                    <a:lstStyle/>
+                    <a:p>
+                      <a:r>
+                        <a:rPr lang="en-US" dirty="0" smtClean="0"/>
+                        <a:t>-1.66  ±  0.06</a:t>
+                      </a:r>
+                      <a:endParaRPr lang="en-US" dirty="0"/>
+                    </a:p>
+                  </a:txBody>
+                  <a:tcPr>
+                    <a:lnR w="12700" cap="flat" cmpd="sng" algn="ctr">
+                      <a:solidFill>
+                        <a:scrgbClr r="0" g="0" b="0"/>
+                      </a:solidFill>
+                      <a:prstDash val="solid"/>
+                      <a:round/>
+                      <a:headEnd type="none" w="med" len="med"/>
+                      <a:tailEnd type="none" w="med" len="med"/>
+                    </a:lnR>
+                  </a:tcPr>
+                </a:tc>
+              </a:tr>
+              <a:tr h="616146">
+                <a:tc>
+                  <a:txBody>
+                    <a:bodyPr/>
+                    <a:lstStyle/>
+                    <a:p>
+                      <a:r>
+                        <a:rPr lang="en-US" dirty="0" smtClean="0"/>
+                        <a:t>Younger</a:t>
+                      </a:r>
+                      <a:endParaRPr lang="en-US" dirty="0"/>
+                    </a:p>
+                  </a:txBody>
+                  <a:tcPr>
+                    <a:lnL w="12700" cap="flat" cmpd="sng" algn="ctr">
+                      <a:solidFill>
+                        <a:scrgbClr r="0" g="0" b="0"/>
+                      </a:solidFill>
+                      <a:prstDash val="solid"/>
+                      <a:round/>
+                      <a:headEnd type="none" w="med" len="med"/>
+                      <a:tailEnd type="none" w="med" len="med"/>
+                    </a:lnL>
+                  </a:tcPr>
+                </a:tc>
+                <a:tc>
+                  <a:txBody>
+                    <a:bodyPr/>
+                    <a:lstStyle/>
+                    <a:p>
+                      <a:r>
+                        <a:rPr lang="en-US" dirty="0" smtClean="0"/>
+                        <a:t>-1.65  ±  0.05</a:t>
+                      </a:r>
+                      <a:endParaRPr lang="en-US" dirty="0"/>
+                    </a:p>
+                  </a:txBody>
+                  <a:tcPr>
+                    <a:lnR w="12700" cap="flat" cmpd="sng" algn="ctr">
+                      <a:solidFill>
+                        <a:scrgbClr r="0" g="0" b="0"/>
+                      </a:solidFill>
+                      <a:prstDash val="solid"/>
+                      <a:round/>
+                      <a:headEnd type="none" w="med" len="med"/>
+                      <a:tailEnd type="none" w="med" len="med"/>
+                    </a:lnR>
+                  </a:tcPr>
+                </a:tc>
+              </a:tr>
+              <a:tr h="616146">
+                <a:tc>
+                  <a:txBody>
+                    <a:bodyPr/>
+                    <a:lstStyle/>
+                    <a:p>
+                      <a:r>
+                        <a:rPr lang="en-US" dirty="0" smtClean="0"/>
+                        <a:t>Older,</a:t>
+                      </a:r>
+                      <a:r>
+                        <a:rPr lang="en-US" baseline="0" dirty="0" smtClean="0"/>
+                        <a:t> Bright</a:t>
+                      </a:r>
+                      <a:endParaRPr lang="en-US" dirty="0"/>
+                    </a:p>
+                  </a:txBody>
+                  <a:tcPr>
+                    <a:lnL w="12700" cap="flat" cmpd="sng" algn="ctr">
+                      <a:solidFill>
+                        <a:scrgbClr r="0" g="0" b="0"/>
+                      </a:solidFill>
+                      <a:prstDash val="solid"/>
+                      <a:round/>
+                      <a:headEnd type="none" w="med" len="med"/>
+                      <a:tailEnd type="none" w="med" len="med"/>
+                    </a:lnL>
+                  </a:tcPr>
+                </a:tc>
+                <a:tc>
+                  <a:txBody>
+                    <a:bodyPr/>
+                    <a:lstStyle/>
+                    <a:p>
+                      <a:r>
+                        <a:rPr lang="en-US" dirty="0" smtClean="0"/>
+                        <a:t>-1.58  ±  0.07</a:t>
+                      </a:r>
+                      <a:endParaRPr lang="en-US" dirty="0"/>
+                    </a:p>
+                  </a:txBody>
+                  <a:tcPr>
+                    <a:lnR w="12700" cap="flat" cmpd="sng" algn="ctr">
+                      <a:solidFill>
+                        <a:scrgbClr r="0" g="0" b="0"/>
+                      </a:solidFill>
+                      <a:prstDash val="solid"/>
+                      <a:round/>
+                      <a:headEnd type="none" w="med" len="med"/>
+                      <a:tailEnd type="none" w="med" len="med"/>
+                    </a:lnR>
+                  </a:tcPr>
+                </a:tc>
+              </a:tr>
+              <a:tr h="616146">
+                <a:tc>
+                  <a:txBody>
+                    <a:bodyPr/>
+                    <a:lstStyle/>
+                    <a:p>
+                      <a:r>
+                        <a:rPr lang="en-US" dirty="0" smtClean="0"/>
+                        <a:t>Older, Not Bright</a:t>
+                      </a:r>
+                      <a:endParaRPr lang="en-US" dirty="0"/>
+                    </a:p>
+                  </a:txBody>
+                  <a:tcPr>
+                    <a:lnL w="12700" cap="flat" cmpd="sng" algn="ctr">
+                      <a:solidFill>
+                        <a:scrgbClr r="0" g="0" b="0"/>
+                      </a:solidFill>
+                      <a:prstDash val="solid"/>
+                      <a:round/>
+                      <a:headEnd type="none" w="med" len="med"/>
+                      <a:tailEnd type="none" w="med" len="med"/>
+                    </a:lnL>
+                  </a:tcPr>
+                </a:tc>
+                <a:tc>
+                  <a:txBody>
+                    <a:bodyPr/>
+                    <a:lstStyle/>
+                    <a:p>
+                      <a:r>
+                        <a:rPr lang="en-US" dirty="0" smtClean="0"/>
+                        <a:t>-1.67  ±  0.06</a:t>
+                      </a:r>
+                      <a:endParaRPr lang="en-US" dirty="0"/>
+                    </a:p>
+                  </a:txBody>
+                  <a:tcPr>
+                    <a:lnR w="12700" cap="flat" cmpd="sng" algn="ctr">
+                      <a:solidFill>
+                        <a:scrgbClr r="0" g="0" b="0"/>
+                      </a:solidFill>
+                      <a:prstDash val="solid"/>
+                      <a:round/>
+                      <a:headEnd type="none" w="med" len="med"/>
+                      <a:tailEnd type="none" w="med" len="med"/>
+                    </a:lnR>
+                  </a:tcPr>
+                </a:tc>
+              </a:tr>
+              <a:tr h="616146">
+                <a:tc>
+                  <a:txBody>
+                    <a:bodyPr/>
+                    <a:lstStyle/>
+                    <a:p>
+                      <a:r>
+                        <a:rPr lang="en-US" dirty="0" smtClean="0"/>
+                        <a:t>Younger, Bright</a:t>
+                      </a:r>
+                      <a:endParaRPr lang="en-US" dirty="0"/>
+                    </a:p>
+                  </a:txBody>
+                  <a:tcPr>
+                    <a:lnL w="12700" cap="flat" cmpd="sng" algn="ctr">
+                      <a:solidFill>
+                        <a:scrgbClr r="0" g="0" b="0"/>
+                      </a:solidFill>
+                      <a:prstDash val="solid"/>
+                      <a:round/>
+                      <a:headEnd type="none" w="med" len="med"/>
+                      <a:tailEnd type="none" w="med" len="med"/>
+                    </a:lnL>
+                  </a:tcPr>
+                </a:tc>
+                <a:tc>
+                  <a:txBody>
+                    <a:bodyPr/>
+                    <a:lstStyle/>
+                    <a:p>
+                      <a:r>
+                        <a:rPr lang="en-US" dirty="0" smtClean="0"/>
+                        <a:t>-1.656  ±  0.074</a:t>
+                      </a:r>
+                      <a:endParaRPr lang="en-US" dirty="0"/>
+                    </a:p>
+                  </a:txBody>
+                  <a:tcPr>
+                    <a:lnR w="12700" cap="flat" cmpd="sng" algn="ctr">
+                      <a:solidFill>
+                        <a:scrgbClr r="0" g="0" b="0"/>
+                      </a:solidFill>
+                      <a:prstDash val="solid"/>
+                      <a:round/>
+                      <a:headEnd type="none" w="med" len="med"/>
+                      <a:tailEnd type="none" w="med" len="med"/>
+                    </a:lnR>
+                  </a:tcPr>
+                </a:tc>
+              </a:tr>
+              <a:tr h="616146">
+                <a:tc>
+                  <a:txBody>
+                    <a:bodyPr/>
+                    <a:lstStyle/>
+                    <a:p>
+                      <a:r>
+                        <a:rPr lang="en-US" dirty="0" smtClean="0"/>
+                        <a:t>Younger, Not Bright</a:t>
+                      </a:r>
+                      <a:endParaRPr lang="en-US" dirty="0"/>
+                    </a:p>
+                  </a:txBody>
+                  <a:tcPr>
+                    <a:lnL w="12700" cap="flat" cmpd="sng" algn="ctr">
+                      <a:solidFill>
+                        <a:scrgbClr r="0" g="0" b="0"/>
+                      </a:solidFill>
+                      <a:prstDash val="solid"/>
+                      <a:round/>
+                      <a:headEnd type="none" w="med" len="med"/>
+                      <a:tailEnd type="none" w="med" len="med"/>
+                    </a:lnL>
+                    <a:lnB w="12700" cap="flat" cmpd="sng" algn="ctr">
+                      <a:solidFill>
+                        <a:scrgbClr r="0" g="0" b="0"/>
+                      </a:solidFill>
+                      <a:prstDash val="solid"/>
+                      <a:round/>
+                      <a:headEnd type="none" w="med" len="med"/>
+                      <a:tailEnd type="none" w="med" len="med"/>
+                    </a:lnB>
+                  </a:tcPr>
+                </a:tc>
+                <a:tc>
+                  <a:txBody>
+                    <a:bodyPr/>
+                    <a:lstStyle/>
+                    <a:p>
+                      <a:r>
+                        <a:rPr lang="en-US" dirty="0" smtClean="0"/>
+                        <a:t>-1.645  ±  0.05</a:t>
+                      </a:r>
+                      <a:endParaRPr lang="en-US" dirty="0"/>
+                    </a:p>
+                  </a:txBody>
+                  <a:tcPr>
+                    <a:lnR w="12700" cap="flat" cmpd="sng" algn="ctr">
+                      <a:solidFill>
+                        <a:scrgbClr r="0" g="0" b="0"/>
+                      </a:solidFill>
+                      <a:prstDash val="solid"/>
+                      <a:round/>
+                      <a:headEnd type="none" w="med" len="med"/>
+                      <a:tailEnd type="none" w="med" len="med"/>
+                    </a:lnR>
+                    <a:lnB w="12700" cap="flat" cmpd="sng" algn="ctr">
+                      <a:solidFill>
+                        <a:scrgbClr r="0" g="0" b="0"/>
+                      </a:solidFill>
+                      <a:prstDash val="solid"/>
+                      <a:round/>
+                      <a:headEnd type="none" w="med" len="med"/>
+                      <a:tailEnd type="none" w="med" len="med"/>
+                    </a:lnB>
+                  </a:tcPr>
+                </a:tc>
+              </a:tr>
+            </a:tbl>
+          </a:graphicData>
+        </a:graphic>
+      </p:graphicFrame>
     </p:spTree>
     <p:extLst>
       <p:ext uri="{BB962C8B-B14F-4D97-AF65-F5344CB8AC3E}">
@@ -5544,46 +6116,52 @@
       </p:sp>
       <p:sp>
         <p:nvSpPr>
-          <p:cNvPr id="3" name="Content Placeholder 2"/>
-          <p:cNvSpPr>
-            <a:spLocks noGrp="1"/>
-          </p:cNvSpPr>
+          <p:cNvPr id="4" name="Footer Placeholder 3"/>
+          <p:cNvSpPr>
+            <a:spLocks noGrp="1"/>
+          </p:cNvSpPr>
+          <p:nvPr>
+            <p:ph type="ftr" sz="quarter" idx="11"/>
+          </p:nvPr>
+        </p:nvSpPr>
+        <p:spPr/>
+        <p:txBody>
+          <a:bodyPr/>
+          <a:lstStyle/>
+          <a:p>
+            <a:r>
+              <a:rPr lang="en-US" smtClean="0"/>
+              <a:t>Amanda Newmark</a:t>
+            </a:r>
+            <a:endParaRPr lang="en-US"/>
+          </a:p>
+        </p:txBody>
+      </p:sp>
+      <p:pic>
+        <p:nvPicPr>
+          <p:cNvPr id="7" name="Content Placeholder 6" descr="slopevmed.pdf"/>
+          <p:cNvPicPr>
+            <a:picLocks noGrp="1" noChangeAspect="1"/>
+          </p:cNvPicPr>
           <p:nvPr>
             <p:ph idx="1"/>
           </p:nvPr>
-        </p:nvSpPr>
-        <p:spPr/>
-        <p:txBody>
-          <a:bodyPr/>
-          <a:lstStyle/>
-          <a:p>
-            <a:endParaRPr lang="en-US"/>
-          </a:p>
-        </p:txBody>
-      </p:sp>
-      <p:sp>
-        <p:nvSpPr>
-          <p:cNvPr id="4" name="Footer Placeholder 3"/>
-          <p:cNvSpPr>
-            <a:spLocks noGrp="1"/>
-          </p:cNvSpPr>
-          <p:nvPr>
-            <p:ph type="ftr" sz="quarter" idx="11"/>
-          </p:nvPr>
-        </p:nvSpPr>
-        <p:spPr/>
-        <p:txBody>
-          <a:bodyPr/>
-          <a:lstStyle/>
-          <a:p>
-            <a:r>
-              <a:rPr lang="en-US" smtClean="0"/>
-              <a:t>Amanda Newmark</a:t>
-            </a:r>
-            <a:endParaRPr lang="en-US"/>
-          </a:p>
-        </p:txBody>
-      </p:sp>
+        </p:nvPicPr>
+        <p:blipFill>
+          <a:blip r:embed="rId3">
+            <a:extLst>
+              <a:ext uri="{28A0092B-C50C-407E-A947-70E740481C1C}">
+                <a14:useLocalDpi xmlns:a14="http://schemas.microsoft.com/office/drawing/2010/main" val="0"/>
+              </a:ext>
+            </a:extLst>
+          </a:blip>
+          <a:srcRect l="-10874" r="-10874"/>
+          <a:stretch>
+            <a:fillRect/>
+          </a:stretch>
+        </p:blipFill>
+        <p:spPr/>
+      </p:pic>
     </p:spTree>
     <p:extLst>
       <p:ext uri="{BB962C8B-B14F-4D97-AF65-F5344CB8AC3E}">
@@ -5594,6 +6172,13 @@
   <p:clrMapOvr>
     <a:masterClrMapping/>
   </p:clrMapOvr>
+  <p:timing>
+    <p:tnLst>
+      <p:par>
+        <p:cTn xmlns:p14="http://schemas.microsoft.com/office/powerpoint/2010/main" id="1" dur="indefinite" restart="never" nodeType="tmRoot"/>
+      </p:par>
+    </p:tnLst>
+  </p:timing>
 </p:sld>
 </file>
 
@@ -5819,6 +6404,74 @@
           </a:p>
         </p:txBody>
       </p:sp>
+      <p:pic>
+        <p:nvPicPr>
+          <p:cNvPr id="5" name="Picture 4" descr="Screen Shot 2016-07-27 at 4.25.01 PM.png"/>
+          <p:cNvPicPr>
+            <a:picLocks noChangeAspect="1"/>
+          </p:cNvPicPr>
+          <p:nvPr/>
+        </p:nvPicPr>
+        <p:blipFill rotWithShape="1">
+          <a:blip r:embed="rId3">
+            <a:extLst>
+              <a:ext uri="{28A0092B-C50C-407E-A947-70E740481C1C}">
+                <a14:useLocalDpi xmlns:a14="http://schemas.microsoft.com/office/drawing/2010/main" val="0"/>
+              </a:ext>
+            </a:extLst>
+          </a:blip>
+          <a:srcRect/>
+          <a:stretch/>
+        </p:blipFill>
+        <p:spPr>
+          <a:xfrm>
+            <a:off x="5774526" y="3195514"/>
+            <a:ext cx="3369473" cy="3160836"/>
+          </a:xfrm>
+          <a:prstGeom prst="rect">
+            <a:avLst/>
+          </a:prstGeom>
+        </p:spPr>
+      </p:pic>
+      <p:sp>
+        <p:nvSpPr>
+          <p:cNvPr id="6" name="TextBox 5"/>
+          <p:cNvSpPr txBox="1"/>
+          <p:nvPr/>
+        </p:nvSpPr>
+        <p:spPr>
+          <a:xfrm>
+            <a:off x="4264993" y="5298654"/>
+            <a:ext cx="1754807" cy="338554"/>
+          </a:xfrm>
+          <a:prstGeom prst="rect">
+            <a:avLst/>
+          </a:prstGeom>
+          <a:noFill/>
+          <a:ln>
+            <a:solidFill>
+              <a:schemeClr val="tx1"/>
+            </a:solidFill>
+          </a:ln>
+        </p:spPr>
+        <p:txBody>
+          <a:bodyPr wrap="none" rtlCol="0">
+            <a:spAutoFit/>
+          </a:bodyPr>
+          <a:lstStyle/>
+          <a:p>
+            <a:r>
+              <a:rPr lang="en-US" sz="1600" dirty="0" err="1" smtClean="0"/>
+              <a:t>Pillepich</a:t>
+            </a:r>
+            <a:r>
+              <a:rPr lang="en-US" sz="1600" dirty="0" smtClean="0"/>
+              <a:t> et al 2014</a:t>
+            </a:r>
+            <a:endParaRPr lang="en-US" sz="1600" dirty="0"/>
+          </a:p>
+        </p:txBody>
+      </p:sp>
     </p:spTree>
     <p:extLst>
       <p:ext uri="{BB962C8B-B14F-4D97-AF65-F5344CB8AC3E}">
@@ -5863,68 +6516,33 @@
             <a:spLocks noGrp="1"/>
           </p:cNvSpPr>
           <p:nvPr>
-            <p:ph type="title"/>
-          </p:nvPr>
-        </p:nvSpPr>
-        <p:spPr/>
-        <p:txBody>
-          <a:bodyPr/>
-          <a:lstStyle/>
-          <a:p>
-            <a:r>
-              <a:rPr lang="en-US" dirty="0" smtClean="0"/>
-              <a:t>Extra Slides!</a:t>
-            </a:r>
-            <a:endParaRPr lang="en-US" dirty="0"/>
-          </a:p>
-        </p:txBody>
-      </p:sp>
-      <p:sp>
-        <p:nvSpPr>
-          <p:cNvPr id="3" name="Content Placeholder 2"/>
-          <p:cNvSpPr>
-            <a:spLocks noGrp="1"/>
-          </p:cNvSpPr>
-          <p:nvPr>
-            <p:ph idx="1"/>
-          </p:nvPr>
-        </p:nvSpPr>
-        <p:spPr/>
-        <p:txBody>
-          <a:bodyPr/>
-          <a:lstStyle/>
-          <a:p>
-            <a:endParaRPr lang="en-US"/>
-          </a:p>
-        </p:txBody>
-      </p:sp>
-      <p:sp>
-        <p:nvSpPr>
-          <p:cNvPr id="4" name="Footer Placeholder 3"/>
-          <p:cNvSpPr>
-            <a:spLocks noGrp="1"/>
-          </p:cNvSpPr>
-          <p:nvPr>
-            <p:ph type="ftr" sz="quarter" idx="11"/>
-          </p:nvPr>
-        </p:nvSpPr>
-        <p:spPr/>
-        <p:txBody>
-          <a:bodyPr/>
-          <a:lstStyle/>
-          <a:p>
-            <a:r>
-              <a:rPr lang="en-US" smtClean="0"/>
-              <a:t>Amanda Newmark</a:t>
-            </a:r>
-            <a:endParaRPr lang="en-US"/>
+            <p:ph type="ctrTitle"/>
+          </p:nvPr>
+        </p:nvSpPr>
+        <p:spPr>
+          <a:xfrm>
+            <a:off x="685800" y="1926167"/>
+            <a:ext cx="7772400" cy="1674283"/>
+          </a:xfrm>
+        </p:spPr>
+        <p:txBody>
+          <a:bodyPr>
+            <a:normAutofit/>
+          </a:bodyPr>
+          <a:lstStyle/>
+          <a:p>
+            <a:r>
+              <a:rPr lang="en-US" sz="5000" b="1" dirty="0" smtClean="0"/>
+              <a:t>Thank You!!</a:t>
+            </a:r>
+            <a:endParaRPr lang="en-US" sz="5000" b="1" dirty="0"/>
           </a:p>
         </p:txBody>
       </p:sp>
     </p:spTree>
     <p:extLst>
       <p:ext uri="{BB962C8B-B14F-4D97-AF65-F5344CB8AC3E}">
-        <p14:creationId xmlns:p14="http://schemas.microsoft.com/office/powerpoint/2010/main" val="3311002496"/>
+        <p14:creationId xmlns:p14="http://schemas.microsoft.com/office/powerpoint/2010/main" val="1444262113"/>
       </p:ext>
     </p:extLst>
   </p:cSld>
@@ -5973,6 +6591,107 @@
           <a:bodyPr/>
           <a:lstStyle/>
           <a:p>
+            <a:endParaRPr lang="en-US" dirty="0"/>
+          </a:p>
+        </p:txBody>
+      </p:sp>
+      <p:sp>
+        <p:nvSpPr>
+          <p:cNvPr id="3" name="Content Placeholder 2"/>
+          <p:cNvSpPr>
+            <a:spLocks noGrp="1"/>
+          </p:cNvSpPr>
+          <p:nvPr>
+            <p:ph idx="1"/>
+          </p:nvPr>
+        </p:nvSpPr>
+        <p:spPr/>
+        <p:txBody>
+          <a:bodyPr/>
+          <a:lstStyle/>
+          <a:p>
+            <a:pPr marL="0" indent="0">
+              <a:buNone/>
+            </a:pPr>
+            <a:endParaRPr lang="en-US" dirty="0"/>
+          </a:p>
+        </p:txBody>
+      </p:sp>
+      <p:sp>
+        <p:nvSpPr>
+          <p:cNvPr id="4" name="Footer Placeholder 3"/>
+          <p:cNvSpPr>
+            <a:spLocks noGrp="1"/>
+          </p:cNvSpPr>
+          <p:nvPr>
+            <p:ph type="ftr" sz="quarter" idx="11"/>
+          </p:nvPr>
+        </p:nvSpPr>
+        <p:spPr/>
+        <p:txBody>
+          <a:bodyPr/>
+          <a:lstStyle/>
+          <a:p>
+            <a:r>
+              <a:rPr lang="en-US" smtClean="0"/>
+              <a:t>Amanda Newmark</a:t>
+            </a:r>
+            <a:endParaRPr lang="en-US"/>
+          </a:p>
+        </p:txBody>
+      </p:sp>
+    </p:spTree>
+    <p:extLst>
+      <p:ext uri="{BB962C8B-B14F-4D97-AF65-F5344CB8AC3E}">
+        <p14:creationId xmlns:p14="http://schemas.microsoft.com/office/powerpoint/2010/main" val="3311002496"/>
+      </p:ext>
+    </p:extLst>
+  </p:cSld>
+  <p:clrMapOvr>
+    <a:masterClrMapping/>
+  </p:clrMapOvr>
+  <p:timing>
+    <p:tnLst>
+      <p:par>
+        <p:cTn xmlns:p14="http://schemas.microsoft.com/office/powerpoint/2010/main" id="1" dur="indefinite" restart="never" nodeType="tmRoot"/>
+      </p:par>
+    </p:tnLst>
+  </p:timing>
+</p:sld>
+</file>
+
+<file path=ppt/slides/slide16.xml><?xml version="1.0" encoding="utf-8"?>
+<p:sld xmlns:a="http://schemas.openxmlformats.org/drawingml/2006/main" xmlns:r="http://schemas.openxmlformats.org/officeDocument/2006/relationships" xmlns:p="http://schemas.openxmlformats.org/presentationml/2006/main">
+  <p:cSld>
+    <p:spTree>
+      <p:nvGrpSpPr>
+        <p:cNvPr id="1" name=""/>
+        <p:cNvGrpSpPr/>
+        <p:nvPr/>
+      </p:nvGrpSpPr>
+      <p:grpSpPr>
+        <a:xfrm>
+          <a:off x="0" y="0"/>
+          <a:ext cx="0" cy="0"/>
+          <a:chOff x="0" y="0"/>
+          <a:chExt cx="0" cy="0"/>
+        </a:xfrm>
+      </p:grpSpPr>
+      <p:sp>
+        <p:nvSpPr>
+          <p:cNvPr id="2" name="Title 1"/>
+          <p:cNvSpPr>
+            <a:spLocks noGrp="1"/>
+          </p:cNvSpPr>
+          <p:nvPr>
+            <p:ph type="title"/>
+          </p:nvPr>
+        </p:nvSpPr>
+        <p:spPr/>
+        <p:txBody>
+          <a:bodyPr/>
+          <a:lstStyle/>
+          <a:p>
             <a:r>
               <a:rPr lang="en-US" dirty="0" smtClean="0"/>
               <a:t>Relevant Equations</a:t>
@@ -6069,7 +6788,7 @@
 </p:sld>
 </file>
 
-<file path=ppt/slides/slide16.xml><?xml version="1.0" encoding="utf-8"?>
+<file path=ppt/slides/slide17.xml><?xml version="1.0" encoding="utf-8"?>
 <p:sld xmlns:a="http://schemas.openxmlformats.org/drawingml/2006/main" xmlns:r="http://schemas.openxmlformats.org/officeDocument/2006/relationships" xmlns:p="http://schemas.openxmlformats.org/presentationml/2006/main">
   <p:cSld>
     <p:spTree>
@@ -6332,6 +7051,76 @@
           </a:p>
         </p:txBody>
       </p:sp>
+      <p:sp>
+        <p:nvSpPr>
+          <p:cNvPr id="3" name="TextBox 2"/>
+          <p:cNvSpPr txBox="1"/>
+          <p:nvPr/>
+        </p:nvSpPr>
+        <p:spPr>
+          <a:xfrm>
+            <a:off x="457200" y="1263749"/>
+            <a:ext cx="793406" cy="307777"/>
+          </a:xfrm>
+          <a:prstGeom prst="rect">
+            <a:avLst/>
+          </a:prstGeom>
+          <a:noFill/>
+          <a:ln>
+            <a:solidFill>
+              <a:schemeClr val="tx1"/>
+            </a:solidFill>
+          </a:ln>
+        </p:spPr>
+        <p:txBody>
+          <a:bodyPr wrap="none" rtlCol="0">
+            <a:spAutoFit/>
+          </a:bodyPr>
+          <a:lstStyle/>
+          <a:p>
+            <a:r>
+              <a:rPr lang="en-US" sz="1400" dirty="0" smtClean="0"/>
+              <a:t>Elliptical</a:t>
+            </a:r>
+            <a:endParaRPr lang="en-US" sz="1400" dirty="0"/>
+          </a:p>
+        </p:txBody>
+      </p:sp>
+      <p:sp>
+        <p:nvSpPr>
+          <p:cNvPr id="5" name="TextBox 4"/>
+          <p:cNvSpPr txBox="1"/>
+          <p:nvPr/>
+        </p:nvSpPr>
+        <p:spPr>
+          <a:xfrm>
+            <a:off x="457200" y="4353252"/>
+            <a:ext cx="488159" cy="307777"/>
+          </a:xfrm>
+          <a:prstGeom prst="rect">
+            <a:avLst/>
+          </a:prstGeom>
+          <a:noFill/>
+          <a:ln>
+            <a:solidFill>
+              <a:schemeClr val="tx1"/>
+            </a:solidFill>
+          </a:ln>
+        </p:spPr>
+        <p:txBody>
+          <a:bodyPr wrap="none" rtlCol="0">
+            <a:spAutoFit/>
+          </a:bodyPr>
+          <a:lstStyle/>
+          <a:p>
+            <a:r>
+              <a:rPr lang="en-US" sz="1400" dirty="0" smtClean="0"/>
+              <a:t>Disk</a:t>
+            </a:r>
+            <a:endParaRPr lang="en-US" sz="1400" dirty="0"/>
+          </a:p>
+        </p:txBody>
+      </p:sp>
     </p:spTree>
     <p:extLst>
       <p:ext uri="{BB962C8B-B14F-4D97-AF65-F5344CB8AC3E}">
@@ -6424,7 +7213,7 @@
           <p:nvPr>
             <p:extLst>
               <p:ext uri="{D42A27DB-BD31-4B8C-83A1-F6EECF244321}">
-                <p14:modId xmlns:p14="http://schemas.microsoft.com/office/powerpoint/2010/main" val="2496660708"/>
+                <p14:modId xmlns:p14="http://schemas.microsoft.com/office/powerpoint/2010/main" val="571874936"/>
               </p:ext>
             </p:extLst>
           </p:nvPr>
@@ -6465,12 +7254,8 @@
                     <a:lstStyle/>
                     <a:p>
                       <a:r>
-                        <a:rPr lang="en-US" dirty="0" err="1" smtClean="0"/>
-                        <a:t>flags.pixel.interpolated.center</a:t>
-                      </a:r>
-                      <a:r>
                         <a:rPr lang="en-US" dirty="0" smtClean="0"/>
-                        <a:t> </a:t>
+                        <a:t>Interpolated Centers </a:t>
                       </a:r>
                       <a:endParaRPr lang="en-US" dirty="0"/>
                     </a:p>
@@ -6485,8 +7270,8 @@
                     <a:lstStyle/>
                     <a:p>
                       <a:r>
-                        <a:rPr lang="en-US" dirty="0" err="1" smtClean="0"/>
-                        <a:t>flags.pixel.edge</a:t>
+                        <a:rPr lang="en-US" dirty="0" smtClean="0"/>
+                        <a:t>Edge Galaxies</a:t>
                       </a:r>
                       <a:endParaRPr lang="en-US" dirty="0"/>
                     </a:p>
@@ -6501,8 +7286,8 @@
                     <a:lstStyle/>
                     <a:p>
                       <a:r>
-                        <a:rPr lang="en-US" dirty="0" err="1" smtClean="0"/>
-                        <a:t>flags.pixel.saturated.center</a:t>
+                        <a:rPr lang="en-US" dirty="0" smtClean="0"/>
+                        <a:t>Saturated Centers</a:t>
                       </a:r>
                       <a:endParaRPr lang="en-US" dirty="0"/>
                     </a:p>
@@ -6517,16 +7302,8 @@
                     <a:lstStyle/>
                     <a:p>
                       <a:r>
-                        <a:rPr lang="en-US" dirty="0" err="1" smtClean="0"/>
-                        <a:t>flags.pixel.cosmic</a:t>
-                      </a:r>
-                      <a:r>
                         <a:rPr lang="en-US" dirty="0" smtClean="0"/>
-                        <a:t> </a:t>
-                      </a:r>
-                      <a:r>
-                        <a:rPr lang="en-US" dirty="0" err="1" smtClean="0"/>
-                        <a:t>ray.center</a:t>
+                        <a:t>Cosmic Ray Center</a:t>
                       </a:r>
                       <a:endParaRPr lang="en-US" dirty="0"/>
                     </a:p>
@@ -6541,8 +7318,24 @@
                     <a:lstStyle/>
                     <a:p>
                       <a:r>
-                        <a:rPr lang="en-US" dirty="0" err="1" smtClean="0"/>
-                        <a:t>flags.pixel.bad</a:t>
+                        <a:rPr lang="en-US" dirty="0" smtClean="0"/>
+                        <a:t>Bad Pixels</a:t>
+                      </a:r>
+                      <a:endParaRPr lang="en-US" dirty="0"/>
+                    </a:p>
+                  </a:txBody>
+                  <a:tcPr anchorCtr="1"/>
+                </a:tc>
+              </a:tr>
+              <a:tr h="363595">
+                <a:tc>
+                  <a:txBody>
+                    <a:bodyPr/>
+                    <a:lstStyle/>
+                    <a:p>
+                      <a:r>
+                        <a:rPr lang="en-US" dirty="0" smtClean="0"/>
+                        <a:t>Suspect Centers</a:t>
                       </a:r>
                       <a:endParaRPr lang="en-US" dirty="0"/>
                     </a:p>
@@ -6557,24 +7350,12 @@
                     <a:lstStyle/>
                     <a:p>
                       <a:r>
-                        <a:rPr lang="en-US" dirty="0" err="1" smtClean="0"/>
-                        <a:t>flags.pixel.suspect.center</a:t>
+                        <a:rPr lang="en-US" dirty="0" smtClean="0"/>
+                        <a:t>Any</a:t>
                       </a:r>
-                      <a:endParaRPr lang="en-US" dirty="0"/>
-                    </a:p>
-                  </a:txBody>
-                  <a:tcPr anchorCtr="1"/>
-                </a:tc>
-              </a:tr>
-              <a:tr h="271976">
-                <a:tc>
-                  <a:txBody>
-                    <a:bodyPr/>
-                    <a:lstStyle/>
-                    <a:p>
                       <a:r>
-                        <a:rPr lang="en-US" dirty="0" err="1" smtClean="0"/>
-                        <a:t>flags.pixel.clipped.any</a:t>
+                        <a:rPr lang="en-US" baseline="0" dirty="0" smtClean="0"/>
+                        <a:t> Clipped Galaxies</a:t>
                       </a:r>
                       <a:endParaRPr lang="en-US" dirty="0"/>
                     </a:p>
@@ -7019,25 +7800,31 @@
           </a:p>
         </p:txBody>
       </p:sp>
-      <p:sp>
-        <p:nvSpPr>
-          <p:cNvPr id="5" name="Content Placeholder 4"/>
-          <p:cNvSpPr>
-            <a:spLocks noGrp="1"/>
-          </p:cNvSpPr>
+      <p:pic>
+        <p:nvPicPr>
+          <p:cNvPr id="9" name="Content Placeholder 8" descr="Screen Shot 2016-07-27 at 8.19.58 PM.png"/>
+          <p:cNvPicPr>
+            <a:picLocks noGrp="1" noChangeAspect="1"/>
+          </p:cNvPicPr>
           <p:nvPr>
             <p:ph idx="1"/>
           </p:nvPr>
-        </p:nvSpPr>
-        <p:spPr/>
-        <p:txBody>
-          <a:bodyPr/>
-          <a:lstStyle/>
-          <a:p>
-            <a:endParaRPr lang="en-US"/>
-          </a:p>
-        </p:txBody>
-      </p:sp>
+        </p:nvPicPr>
+        <p:blipFill>
+          <a:blip r:embed="rId3">
+            <a:extLst>
+              <a:ext uri="{28A0092B-C50C-407E-A947-70E740481C1C}">
+                <a14:useLocalDpi xmlns:a14="http://schemas.microsoft.com/office/drawing/2010/main" val="0"/>
+              </a:ext>
+            </a:extLst>
+          </a:blip>
+          <a:srcRect l="-18624" r="-18624"/>
+          <a:stretch>
+            <a:fillRect/>
+          </a:stretch>
+        </p:blipFill>
+        <p:spPr/>
+      </p:pic>
     </p:spTree>
     <p:extLst>
       <p:ext uri="{BB962C8B-B14F-4D97-AF65-F5344CB8AC3E}">
@@ -7097,25 +7884,31 @@
           </a:p>
         </p:txBody>
       </p:sp>
-      <p:sp>
-        <p:nvSpPr>
-          <p:cNvPr id="3" name="Content Placeholder 2"/>
-          <p:cNvSpPr>
-            <a:spLocks noGrp="1"/>
-          </p:cNvSpPr>
+      <p:pic>
+        <p:nvPicPr>
+          <p:cNvPr id="5" name="Content Placeholder 4" descr="Screen Shot 2016-07-27 at 8.07.06 PM.png"/>
+          <p:cNvPicPr>
+            <a:picLocks noGrp="1" noChangeAspect="1"/>
+          </p:cNvPicPr>
           <p:nvPr>
             <p:ph idx="1"/>
           </p:nvPr>
-        </p:nvSpPr>
-        <p:spPr/>
-        <p:txBody>
-          <a:bodyPr/>
-          <a:lstStyle/>
-          <a:p>
-            <a:endParaRPr lang="en-US"/>
-          </a:p>
-        </p:txBody>
-      </p:sp>
+        </p:nvPicPr>
+        <p:blipFill>
+          <a:blip r:embed="rId3">
+            <a:extLst>
+              <a:ext uri="{28A0092B-C50C-407E-A947-70E740481C1C}">
+                <a14:useLocalDpi xmlns:a14="http://schemas.microsoft.com/office/drawing/2010/main" val="0"/>
+              </a:ext>
+            </a:extLst>
+          </a:blip>
+          <a:srcRect l="-18597" r="-18597"/>
+          <a:stretch>
+            <a:fillRect/>
+          </a:stretch>
+        </p:blipFill>
+        <p:spPr/>
+      </p:pic>
       <p:sp>
         <p:nvSpPr>
           <p:cNvPr id="4" name="Footer Placeholder 3"/>
@@ -7149,6 +7942,13 @@
   <p:clrMapOvr>
     <a:masterClrMapping/>
   </p:clrMapOvr>
+  <p:timing>
+    <p:tnLst>
+      <p:par>
+        <p:cTn xmlns:p14="http://schemas.microsoft.com/office/powerpoint/2010/main" id="1" dur="indefinite" restart="never" nodeType="tmRoot"/>
+      </p:par>
+    </p:tnLst>
+  </p:timing>
 </p:sld>
 </file>
 
@@ -7305,46 +8105,52 @@
       </p:sp>
       <p:sp>
         <p:nvSpPr>
-          <p:cNvPr id="3" name="Content Placeholder 2"/>
-          <p:cNvSpPr>
-            <a:spLocks noGrp="1"/>
-          </p:cNvSpPr>
+          <p:cNvPr id="4" name="Footer Placeholder 3"/>
+          <p:cNvSpPr>
+            <a:spLocks noGrp="1"/>
+          </p:cNvSpPr>
+          <p:nvPr>
+            <p:ph type="ftr" sz="quarter" idx="11"/>
+          </p:nvPr>
+        </p:nvSpPr>
+        <p:spPr/>
+        <p:txBody>
+          <a:bodyPr/>
+          <a:lstStyle/>
+          <a:p>
+            <a:r>
+              <a:rPr lang="en-US" smtClean="0"/>
+              <a:t>Amanda Newmark</a:t>
+            </a:r>
+            <a:endParaRPr lang="en-US"/>
+          </a:p>
+        </p:txBody>
+      </p:sp>
+      <p:pic>
+        <p:nvPicPr>
+          <p:cNvPr id="7" name="Content Placeholder 6" descr="Screen Shot 2016-07-27 at 8.20.43 PM.png"/>
+          <p:cNvPicPr>
+            <a:picLocks noGrp="1" noChangeAspect="1"/>
+          </p:cNvPicPr>
           <p:nvPr>
             <p:ph idx="1"/>
           </p:nvPr>
-        </p:nvSpPr>
-        <p:spPr/>
-        <p:txBody>
-          <a:bodyPr/>
-          <a:lstStyle/>
-          <a:p>
-            <a:endParaRPr lang="en-US"/>
-          </a:p>
-        </p:txBody>
-      </p:sp>
-      <p:sp>
-        <p:nvSpPr>
-          <p:cNvPr id="4" name="Footer Placeholder 3"/>
-          <p:cNvSpPr>
-            <a:spLocks noGrp="1"/>
-          </p:cNvSpPr>
-          <p:nvPr>
-            <p:ph type="ftr" sz="quarter" idx="11"/>
-          </p:nvPr>
-        </p:nvSpPr>
-        <p:spPr/>
-        <p:txBody>
-          <a:bodyPr/>
-          <a:lstStyle/>
-          <a:p>
-            <a:r>
-              <a:rPr lang="en-US" smtClean="0"/>
-              <a:t>Amanda Newmark</a:t>
-            </a:r>
-            <a:endParaRPr lang="en-US"/>
-          </a:p>
-        </p:txBody>
-      </p:sp>
+        </p:nvPicPr>
+        <p:blipFill>
+          <a:blip r:embed="rId3">
+            <a:extLst>
+              <a:ext uri="{28A0092B-C50C-407E-A947-70E740481C1C}">
+                <a14:useLocalDpi xmlns:a14="http://schemas.microsoft.com/office/drawing/2010/main" val="0"/>
+              </a:ext>
+            </a:extLst>
+          </a:blip>
+          <a:srcRect l="-19240" r="-19240"/>
+          <a:stretch>
+            <a:fillRect/>
+          </a:stretch>
+        </p:blipFill>
+        <p:spPr/>
+      </p:pic>
     </p:spTree>
     <p:extLst>
       <p:ext uri="{BB962C8B-B14F-4D97-AF65-F5344CB8AC3E}">
@@ -7355,6 +8161,13 @@
   <p:clrMapOvr>
     <a:masterClrMapping/>
   </p:clrMapOvr>
+  <p:timing>
+    <p:tnLst>
+      <p:par>
+        <p:cTn xmlns:p14="http://schemas.microsoft.com/office/powerpoint/2010/main" id="1" dur="indefinite" restart="never" nodeType="tmRoot"/>
+      </p:par>
+    </p:tnLst>
+  </p:timing>
 </p:sld>
 </file>
 
@@ -7387,19 +8200,46 @@
         </p:nvSpPr>
         <p:spPr/>
         <p:txBody>
-          <a:bodyPr>
-            <a:normAutofit/>
-          </a:bodyPr>
-          <a:lstStyle/>
-          <a:p>
-            <a:r>
-              <a:rPr lang="en-US" dirty="0" smtClean="0"/>
+          <a:bodyPr/>
+          <a:lstStyle/>
+          <a:p>
+            <a:r>
+              <a:rPr lang="en-US" dirty="0"/>
               <a:t>Flagged vs. Not Flagged</a:t>
             </a:r>
-            <a:endParaRPr lang="en-US" dirty="0"/>
-          </a:p>
-        </p:txBody>
-      </p:sp>
+          </a:p>
+        </p:txBody>
+      </p:sp>
+      <p:pic>
+        <p:nvPicPr>
+          <p:cNvPr id="5" name="Content Placeholder 4" descr="Screen Shot 2016-07-27 at 8.21.30 PM.png"/>
+          <p:cNvPicPr>
+            <a:picLocks noGrp="1" noChangeAspect="1"/>
+          </p:cNvPicPr>
+          <p:nvPr>
+            <p:ph idx="1"/>
+          </p:nvPr>
+        </p:nvPicPr>
+        <p:blipFill>
+          <a:blip r:embed="rId3">
+            <a:extLst>
+              <a:ext uri="{28A0092B-C50C-407E-A947-70E740481C1C}">
+                <a14:useLocalDpi xmlns:a14="http://schemas.microsoft.com/office/drawing/2010/main" val="0"/>
+              </a:ext>
+            </a:extLst>
+          </a:blip>
+          <a:srcRect t="-26276" b="-26276"/>
+          <a:stretch>
+            <a:fillRect/>
+          </a:stretch>
+        </p:blipFill>
+        <p:spPr>
+          <a:xfrm>
+            <a:off x="0" y="1097316"/>
+            <a:ext cx="9144000" cy="5028847"/>
+          </a:xfrm>
+        </p:spPr>
+      </p:pic>
       <p:sp>
         <p:nvSpPr>
           <p:cNvPr id="4" name="Footer Placeholder 3"/>
@@ -7426,7 +8266,7 @@
     </p:spTree>
     <p:extLst>
       <p:ext uri="{BB962C8B-B14F-4D97-AF65-F5344CB8AC3E}">
-        <p14:creationId xmlns:p14="http://schemas.microsoft.com/office/powerpoint/2010/main" val="743701429"/>
+        <p14:creationId xmlns:p14="http://schemas.microsoft.com/office/powerpoint/2010/main" val="2426057379"/>
       </p:ext>
     </p:extLst>
   </p:cSld>
@@ -7530,7 +8370,7 @@
       </p:sp>
       <p:pic>
         <p:nvPicPr>
-          <p:cNvPr id="8" name="Picture 7" descr="oy_agebin.pdf"/>
+          <p:cNvPr id="5" name="Picture 4" descr="Screen Shot 2016-07-27 at 8.23.29 PM.png"/>
           <p:cNvPicPr>
             <a:picLocks noChangeAspect="1"/>
           </p:cNvPicPr>
@@ -7550,8 +8390,80 @@
         </p:blipFill>
         <p:spPr>
           <a:xfrm>
-            <a:off x="4832508" y="1159805"/>
-            <a:ext cx="4311492" cy="3332223"/>
+            <a:off x="314130" y="1417639"/>
+            <a:ext cx="4407898" cy="3589600"/>
+          </a:xfrm>
+          <a:prstGeom prst="rect">
+            <a:avLst/>
+          </a:prstGeom>
+        </p:spPr>
+      </p:pic>
+      <p:sp>
+        <p:nvSpPr>
+          <p:cNvPr id="9" name="TextBox 8"/>
+          <p:cNvSpPr txBox="1"/>
+          <p:nvPr/>
+        </p:nvSpPr>
+        <p:spPr>
+          <a:xfrm>
+            <a:off x="1745572" y="5007239"/>
+            <a:ext cx="1642196" cy="338554"/>
+          </a:xfrm>
+          <a:prstGeom prst="rect">
+            <a:avLst/>
+          </a:prstGeom>
+          <a:noFill/>
+          <a:ln>
+            <a:solidFill>
+              <a:schemeClr val="tx1"/>
+            </a:solidFill>
+          </a:ln>
+        </p:spPr>
+        <p:txBody>
+          <a:bodyPr wrap="none" rtlCol="0">
+            <a:spAutoFit/>
+          </a:bodyPr>
+          <a:lstStyle/>
+          <a:p>
+            <a:r>
+              <a:rPr lang="en-US" sz="1600" dirty="0" err="1" smtClean="0"/>
+              <a:t>Tojeiro</a:t>
+            </a:r>
+            <a:r>
+              <a:rPr lang="en-US" sz="1600" dirty="0"/>
+              <a:t> </a:t>
+            </a:r>
+            <a:r>
+              <a:rPr lang="en-US" sz="1600" dirty="0" smtClean="0"/>
+              <a:t>et al 2009</a:t>
+            </a:r>
+          </a:p>
+        </p:txBody>
+      </p:sp>
+      <p:pic>
+        <p:nvPicPr>
+          <p:cNvPr id="12" name="Picture 11" descr="oy_agebin.pdf"/>
+          <p:cNvPicPr>
+            <a:picLocks noChangeAspect="1"/>
+          </p:cNvPicPr>
+          <p:nvPr/>
+        </p:nvPicPr>
+        <p:blipFill>
+          <a:blip r:embed="rId4">
+            <a:extLst>
+              <a:ext uri="{28A0092B-C50C-407E-A947-70E740481C1C}">
+                <a14:useLocalDpi xmlns:a14="http://schemas.microsoft.com/office/drawing/2010/main" val="0"/>
+              </a:ext>
+            </a:extLst>
+          </a:blip>
+          <a:stretch>
+            <a:fillRect/>
+          </a:stretch>
+        </p:blipFill>
+        <p:spPr>
+          <a:xfrm>
+            <a:off x="4687312" y="1417638"/>
+            <a:ext cx="4456690" cy="3342518"/>
           </a:xfrm>
           <a:prstGeom prst="rect">
             <a:avLst/>

--- a/big_presentation.pptx
+++ b/big_presentation.pptx
@@ -835,20 +835,43 @@
             </a:r>
             <a:r>
               <a:rPr lang="en-US" dirty="0" smtClean="0"/>
-              <a:t>the older and younger galaxies, they would</a:t>
-            </a:r>
-            <a:r>
-              <a:rPr lang="en-US" baseline="0" dirty="0" smtClean="0"/>
-              <a:t> appear to be in agreement</a:t>
-            </a:r>
-            <a:r>
-              <a:rPr lang="en-US" baseline="0" dirty="0" smtClean="0"/>
-              <a:t>. It </a:t>
+              <a:t>the older and younger </a:t>
+            </a:r>
+            <a:r>
+              <a:rPr lang="en-US" dirty="0" smtClean="0"/>
+              <a:t>galaxies</a:t>
+            </a:r>
+            <a:r>
+              <a:rPr lang="en-US" baseline="0" dirty="0" smtClean="0"/>
+              <a:t> appear </a:t>
+            </a:r>
+            <a:r>
+              <a:rPr lang="en-US" baseline="0" dirty="0" smtClean="0"/>
+              <a:t>to be in agreement</a:t>
+            </a:r>
+            <a:r>
+              <a:rPr lang="en-US" baseline="0" dirty="0" smtClean="0"/>
+              <a:t>. </a:t>
+            </a:r>
+          </a:p>
+          <a:p>
+            <a:endParaRPr lang="en-US" baseline="0" dirty="0" smtClean="0"/>
+          </a:p>
+          <a:p>
+            <a:r>
+              <a:rPr lang="en-US" baseline="0" dirty="0" smtClean="0"/>
+              <a:t>It </a:t>
             </a:r>
             <a:r>
               <a:rPr lang="en-US" baseline="0" dirty="0" smtClean="0"/>
               <a:t>is important to note that about half of the galaxies in each older and younger population are flagged as Bright Objects. </a:t>
             </a:r>
+            <a:endParaRPr lang="en-US" baseline="0" dirty="0" smtClean="0"/>
+          </a:p>
+          <a:p>
+            <a:endParaRPr lang="en-US" baseline="0" dirty="0" smtClean="0"/>
+          </a:p>
+          <a:p>
             <a:r>
               <a:rPr lang="en-US" baseline="0" dirty="0" smtClean="0"/>
               <a:t>In the table that shows the Bright and not Bright stacked slopes for every subsample, we confirm that the flag has little effect on the overall luminosity profile.</a:t>
@@ -939,19 +962,11 @@
           <a:p>
             <a:r>
               <a:rPr lang="en-US" dirty="0" smtClean="0"/>
-              <a:t>When plotting the stacked</a:t>
-            </a:r>
-            <a:r>
-              <a:rPr lang="en-US" baseline="0" dirty="0" smtClean="0"/>
-              <a:t> slope </a:t>
-            </a:r>
-            <a:r>
-              <a:rPr lang="en-US" baseline="0" dirty="0" err="1" smtClean="0"/>
-              <a:t>vs</a:t>
-            </a:r>
-            <a:r>
-              <a:rPr lang="en-US" baseline="0" dirty="0" smtClean="0"/>
-              <a:t> Median age, we see that the slope of the luminosity density profile is not dependent upon the formation time. (1/100</a:t>
+              <a:t>Slope </a:t>
+            </a:r>
+            <a:r>
+              <a:rPr lang="en-US" baseline="0" dirty="0" smtClean="0"/>
+              <a:t>not dependent upon the formation time. (1/100</a:t>
             </a:r>
             <a:r>
               <a:rPr lang="en-US" baseline="30000" dirty="0" smtClean="0"/>
@@ -1269,27 +1284,19 @@
           <a:p>
             <a:r>
               <a:rPr lang="en-US" baseline="0" dirty="0" smtClean="0"/>
-              <a:t>In </a:t>
-            </a:r>
-            <a:r>
-              <a:rPr lang="en-US" baseline="0" dirty="0" err="1" smtClean="0"/>
-              <a:t>Pillepich</a:t>
-            </a:r>
-            <a:r>
-              <a:rPr lang="en-US" baseline="0" dirty="0" smtClean="0"/>
-              <a:t> et al, </a:t>
-            </a:r>
-            <a:r>
-              <a:rPr lang="en-US" baseline="0" dirty="0" smtClean="0"/>
-              <a:t>Stellar </a:t>
-            </a:r>
-            <a:r>
-              <a:rPr lang="en-US" baseline="0" dirty="0" smtClean="0"/>
-              <a:t>Halo slopes (alpha stars) are thought to be direct evidence of the evolution of Cold Dark Matter Halos and their mass assembly histories. </a:t>
-            </a:r>
-            <a:r>
-              <a:rPr lang="en-US" baseline="0" dirty="0" smtClean="0"/>
-              <a:t>We are interested in what governs the buildup of the envelope. As galaxies merge with satellites, they build from the inside out, forming larger stellar envelopes. </a:t>
+              <a:t>*Stellar </a:t>
+            </a:r>
+            <a:r>
+              <a:rPr lang="en-US" baseline="0" dirty="0" smtClean="0"/>
+              <a:t>Halo slopes </a:t>
+            </a:r>
+            <a:r>
+              <a:rPr lang="en-US" baseline="0" dirty="0" smtClean="0"/>
+              <a:t>direct </a:t>
+            </a:r>
+            <a:r>
+              <a:rPr lang="en-US" baseline="0" dirty="0" smtClean="0"/>
+              <a:t>evidence of the evolution of Cold Dark Matter Halos and their mass assembly histories. </a:t>
             </a:r>
             <a:endParaRPr lang="en-US" baseline="0" dirty="0" smtClean="0"/>
           </a:p>
@@ -1299,6 +1306,16 @@
           <a:p>
             <a:r>
               <a:rPr lang="en-US" baseline="0" dirty="0" smtClean="0"/>
+              <a:t>We are interested in what governs the buildup of the envelope, merge with satellites, they build from the inside out, forming larger stellar envelopes. </a:t>
+            </a:r>
+            <a:endParaRPr lang="en-US" baseline="0" dirty="0" smtClean="0"/>
+          </a:p>
+          <a:p>
+            <a:endParaRPr lang="en-US" baseline="0" dirty="0" smtClean="0"/>
+          </a:p>
+          <a:p>
+            <a:r>
+              <a:rPr lang="en-US" baseline="0" dirty="0" smtClean="0"/>
               <a:t>2D projections of dark matter density and stellar light.  Spherically averaged mass density</a:t>
             </a:r>
           </a:p>
@@ -1308,19 +1325,19 @@
           <a:p>
             <a:r>
               <a:rPr lang="en-US" baseline="0" dirty="0" smtClean="0"/>
-              <a:t>In the first figure, we see the mass assembly of two different types of galaxies, a disk and an elliptical. The environment around the elliptical is lumpier, showing how it is collecting the halos of different nearby galaxies. </a:t>
-            </a:r>
-            <a:r>
-              <a:rPr lang="en-US" baseline="0" dirty="0" err="1" smtClean="0"/>
-              <a:t>Pillepich</a:t>
-            </a:r>
-            <a:r>
-              <a:rPr lang="en-US" baseline="0" dirty="0" smtClean="0"/>
-              <a:t> </a:t>
-            </a:r>
-            <a:r>
-              <a:rPr lang="en-US" baseline="0" dirty="0" smtClean="0"/>
-              <a:t>fit the outer averaged density profiles to a single power law. Her boundaries were r1/2 to the </a:t>
+              <a:t>we see the mass assembly of two different types of galaxies, a disk and an elliptical. is lumpier, showing how it is collecting the halos of different nearby galaxies. fit </a:t>
+            </a:r>
+            <a:r>
+              <a:rPr lang="en-US" baseline="0" dirty="0" smtClean="0"/>
+              <a:t>the outer averaged density profiles to a single power law. </a:t>
+            </a:r>
+            <a:r>
+              <a:rPr lang="en-US" baseline="0" dirty="0" smtClean="0"/>
+              <a:t>r1</a:t>
+            </a:r>
+            <a:r>
+              <a:rPr lang="en-US" baseline="0" dirty="0" smtClean="0"/>
+              <a:t>/2 to the </a:t>
             </a:r>
             <a:r>
               <a:rPr lang="en-US" baseline="0" dirty="0" err="1" smtClean="0"/>
@@ -1328,15 +1345,24 @@
             </a:r>
             <a:r>
               <a:rPr lang="en-US" baseline="0" dirty="0" smtClean="0"/>
-              <a:t> radius. We see that the slopes of the mass density profiles for the stars and Dark matter both decrease as our </a:t>
-            </a:r>
-            <a:r>
-              <a:rPr lang="en-US" baseline="0" dirty="0" err="1" smtClean="0"/>
-              <a:t>comoving</a:t>
-            </a:r>
-            <a:r>
-              <a:rPr lang="en-US" baseline="0" dirty="0" smtClean="0"/>
-              <a:t> distance increases. We eventually want to get our research to be the right-handed figure, plotting the relationship between the slope of the stellar halo and the total mass of the dark matter halo. In that figure, LRGs are the red data points– </a:t>
+              <a:t> </a:t>
+            </a:r>
+            <a:r>
+              <a:rPr lang="en-US" baseline="0" dirty="0" smtClean="0"/>
+              <a:t>radius</a:t>
+            </a:r>
+          </a:p>
+          <a:p>
+            <a:endParaRPr lang="en-US" baseline="0" dirty="0" smtClean="0"/>
+          </a:p>
+          <a:p>
+            <a:r>
+              <a:rPr lang="en-US" baseline="0" dirty="0" smtClean="0"/>
+              <a:t> </a:t>
+            </a:r>
+            <a:r>
+              <a:rPr lang="en-US" baseline="0" dirty="0" smtClean="0"/>
+              <a:t>We eventually want to get our research to be the right-handed figure, plotting the relationship between the slope of the stellar halo and the total mass of the dark matter halo. In that figure, LRGs are the red data points– </a:t>
             </a:r>
             <a:r>
               <a:rPr lang="en-US" baseline="0" dirty="0" err="1" smtClean="0"/>
@@ -1378,19 +1404,31 @@
             </a:pPr>
             <a:r>
               <a:rPr lang="en-US" baseline="0" dirty="0" smtClean="0"/>
-              <a:t>We want to better understand the coevolution of dark and visible matter throughout the formation of LRGs. Like in </a:t>
-            </a:r>
-            <a:r>
-              <a:rPr lang="en-US" baseline="0" dirty="0" err="1" smtClean="0"/>
-              <a:t>Pillepich</a:t>
-            </a:r>
-            <a:r>
-              <a:rPr lang="en-US" baseline="0" dirty="0" smtClean="0"/>
-              <a:t>, we believe this will be accomplished through plotting the luminosity density profile of the LRGs and stacking these profiles. </a:t>
-            </a:r>
-            <a:r>
-              <a:rPr lang="en-US" baseline="0" dirty="0" smtClean="0"/>
-              <a:t>By </a:t>
+              <a:t>coevolution </a:t>
+            </a:r>
+            <a:r>
+              <a:rPr lang="en-US" baseline="0" dirty="0" smtClean="0"/>
+              <a:t>of dark and visible matter throughout the formation of LRGs</a:t>
+            </a:r>
+            <a:r>
+              <a:rPr lang="en-US" baseline="0" dirty="0" smtClean="0"/>
+              <a:t>. plotting </a:t>
+            </a:r>
+            <a:r>
+              <a:rPr lang="en-US" baseline="0" dirty="0" smtClean="0"/>
+              <a:t>the </a:t>
+            </a:r>
+            <a:r>
+              <a:rPr lang="en-US" baseline="0" dirty="0" smtClean="0"/>
+              <a:t>stacked luminosity </a:t>
+            </a:r>
+            <a:r>
+              <a:rPr lang="en-US" baseline="0" dirty="0" smtClean="0"/>
+              <a:t>density profile of the </a:t>
+            </a:r>
+            <a:r>
+              <a:rPr lang="en-US" baseline="0" dirty="0" smtClean="0"/>
+              <a:t>LRGs. By </a:t>
             </a:r>
             <a:r>
               <a:rPr lang="en-US" baseline="0" dirty="0" smtClean="0"/>
@@ -1482,19 +1520,31 @@
           <a:p>
             <a:r>
               <a:rPr lang="en-US" dirty="0" smtClean="0"/>
-              <a:t>Main Objective of HSC: understand the correlation between a</a:t>
+              <a:t>Main:</a:t>
+            </a:r>
+            <a:r>
+              <a:rPr lang="en-US" baseline="0" dirty="0" smtClean="0"/>
+              <a:t> </a:t>
+            </a:r>
+            <a:r>
+              <a:rPr lang="en-US" dirty="0" smtClean="0"/>
+              <a:t>correlation </a:t>
+            </a:r>
+            <a:r>
+              <a:rPr lang="en-US" dirty="0" smtClean="0"/>
+              <a:t>between a</a:t>
             </a:r>
             <a:r>
               <a:rPr lang="en-US" baseline="0" dirty="0" smtClean="0"/>
               <a:t> Luminous Red Galaxy’s mass assembly history and the </a:t>
             </a:r>
             <a:r>
-              <a:rPr lang="en-US" baseline="0" dirty="0" smtClean="0"/>
-              <a:t>Dark </a:t>
-            </a:r>
-            <a:r>
-              <a:rPr lang="en-US" baseline="0" dirty="0" smtClean="0"/>
-              <a:t>Matter Halo. </a:t>
+              <a:rPr lang="en-US" baseline="0" dirty="0" err="1" smtClean="0"/>
+              <a:t>DMHalo</a:t>
+            </a:r>
+            <a:r>
+              <a:rPr lang="en-US" baseline="0" dirty="0" smtClean="0"/>
+              <a:t>. </a:t>
             </a:r>
           </a:p>
           <a:p>
@@ -1503,24 +1553,53 @@
           <a:p>
             <a:r>
               <a:rPr lang="en-US" baseline="0" dirty="0" smtClean="0"/>
-              <a:t>HSC is a multi-band imaging survey, covering the bands </a:t>
+              <a:t>HSC is a multi-band imaging survey, </a:t>
+            </a:r>
+            <a:r>
+              <a:rPr lang="en-US" baseline="0" dirty="0" smtClean="0"/>
+              <a:t>(</a:t>
             </a:r>
             <a:r>
               <a:rPr lang="en-US" baseline="0" dirty="0" err="1" smtClean="0"/>
-              <a:t>g,r,i,z,y</a:t>
-            </a:r>
-            <a:r>
-              <a:rPr lang="en-US" baseline="0" dirty="0" smtClean="0"/>
-              <a:t>. It gets multi-aperture magnitudes for every galaxy. I specifically use the I band throughout my tests.</a:t>
-            </a:r>
-          </a:p>
-          <a:p>
+              <a:t>g</a:t>
+            </a:r>
+            <a:r>
+              <a:rPr lang="en-US" baseline="0" dirty="0" err="1" smtClean="0"/>
+              <a:t>,r,i,z,</a:t>
+            </a:r>
+            <a:r>
+              <a:rPr lang="en-US" baseline="0" dirty="0" err="1" smtClean="0"/>
+              <a:t>y</a:t>
+            </a:r>
+            <a:r>
+              <a:rPr lang="en-US" baseline="0" dirty="0" smtClean="0"/>
+              <a:t>). multi</a:t>
+            </a:r>
+            <a:r>
+              <a:rPr lang="en-US" baseline="0" dirty="0" smtClean="0"/>
+              <a:t>-aperture magnitudes for every galaxy. </a:t>
+            </a:r>
+            <a:r>
+              <a:rPr lang="en-US" baseline="0" dirty="0" smtClean="0"/>
+              <a:t>HSC’s </a:t>
+            </a:r>
+            <a:r>
+              <a:rPr lang="en-US" baseline="0" dirty="0" smtClean="0"/>
+              <a:t>Wide field. </a:t>
+            </a:r>
             <a:endParaRPr lang="en-US" baseline="0" dirty="0" smtClean="0"/>
           </a:p>
           <a:p>
-            <a:r>
-              <a:rPr lang="en-US" baseline="0" dirty="0" smtClean="0"/>
-              <a:t>For our survey, we are using HSC’s Wide field. It is important to note that there has been other observational studies that use stellar profiles as a probe of mass assembly. However, HSC goes to very low surface </a:t>
+            <a:endParaRPr lang="en-US" baseline="0" dirty="0" smtClean="0"/>
+          </a:p>
+          <a:p>
+            <a:r>
+              <a:rPr lang="en-US" baseline="0" dirty="0" smtClean="0"/>
+              <a:t>Other observational </a:t>
+            </a:r>
+            <a:r>
+              <a:rPr lang="en-US" baseline="0" dirty="0" smtClean="0"/>
+              <a:t>studies that use stellar profiles as a probe of mass assembly. However, HSC goes to very low surface </a:t>
             </a:r>
             <a:r>
               <a:rPr lang="en-US" baseline="0" dirty="0" smtClean="0"/>
@@ -1533,10 +1612,6 @@
             <a:r>
               <a:rPr lang="en-US" baseline="0" dirty="0" smtClean="0"/>
               <a:t>better. </a:t>
-            </a:r>
-            <a:r>
-              <a:rPr lang="en-US" baseline="0" dirty="0" smtClean="0"/>
-              <a:t>Therefore, it is the best tool for this technique.</a:t>
             </a:r>
           </a:p>
           <a:p>
@@ -1562,32 +1637,54 @@
             </a:pPr>
             <a:r>
               <a:rPr lang="en-US" dirty="0" smtClean="0"/>
-              <a:t>In order to certify the validity of our results, it is essential that we test the photometric contamination caused by fainter galaxies that are not properly resolved. Our catalogue flags certain galaxies we suspect might contaminate our data. As seen in the table, there are a variety of different flags that we determined negatively impact our results, and are therefore</a:t>
-            </a:r>
-            <a:r>
-              <a:rPr lang="en-US" baseline="0" dirty="0" smtClean="0"/>
-              <a:t> necessary to disregard</a:t>
+              <a:t>test </a:t>
             </a:r>
             <a:r>
               <a:rPr lang="en-US" dirty="0" smtClean="0"/>
-              <a:t>. For example…</a:t>
-            </a:r>
-          </a:p>
-          <a:p>
+              <a:t>the photometric contamination caused by fainter galaxies that are not properly resolved. Our catalogue flags certain galaxies we suspect might contaminate our data. </a:t>
+            </a:r>
+            <a:r>
+              <a:rPr lang="en-US" baseline="0" dirty="0" smtClean="0"/>
+              <a:t>necessary </a:t>
+            </a:r>
+            <a:r>
+              <a:rPr lang="en-US" baseline="0" dirty="0" smtClean="0"/>
+              <a:t>to disregard</a:t>
+            </a:r>
+            <a:r>
+              <a:rPr lang="en-US" dirty="0" smtClean="0"/>
+              <a:t>. </a:t>
+            </a:r>
             <a:endParaRPr lang="en-US" dirty="0" smtClean="0"/>
           </a:p>
           <a:p>
-            <a:r>
-              <a:rPr lang="en-US" baseline="0" dirty="0" smtClean="0"/>
-              <a:t>My first task was to determine whether or not galaxies flagged as bright objects should be </a:t>
-            </a:r>
-            <a:r>
-              <a:rPr lang="en-US" baseline="0" dirty="0" err="1" smtClean="0"/>
-              <a:t>disregraded</a:t>
-            </a:r>
-            <a:r>
-              <a:rPr lang="en-US" baseline="0" dirty="0" smtClean="0"/>
-              <a:t>. Galaxies not properly </a:t>
+            <a:pPr marL="0" marR="0" indent="0" algn="l" defTabSz="457200" rtl="0" eaLnBrk="1" fontAlgn="auto" latinLnBrk="0" hangingPunct="1">
+              <a:lnSpc>
+                <a:spcPct val="100000"/>
+              </a:lnSpc>
+              <a:spcBef>
+                <a:spcPts val="0"/>
+              </a:spcBef>
+              <a:spcAft>
+                <a:spcPts val="0"/>
+              </a:spcAft>
+              <a:buClrTx/>
+              <a:buSzTx/>
+              <a:buFontTx/>
+              <a:buNone/>
+              <a:tabLst/>
+              <a:defRPr/>
+            </a:pPr>
+            <a:endParaRPr lang="en-US" dirty="0" smtClean="0"/>
+          </a:p>
+          <a:p>
+            <a:r>
+              <a:rPr lang="en-US" baseline="0" dirty="0" smtClean="0"/>
+              <a:t>Bright Objects disregard? not </a:t>
+            </a:r>
+            <a:r>
+              <a:rPr lang="en-US" baseline="0" dirty="0" smtClean="0"/>
+              <a:t>properly </a:t>
             </a:r>
             <a:r>
               <a:rPr lang="en-US" baseline="0" dirty="0" smtClean="0"/>
@@ -1595,15 +1692,19 @@
             </a:r>
             <a:r>
               <a:rPr lang="en-US" baseline="0" dirty="0" smtClean="0"/>
-              <a:t>saturate the apparent magnitude of the galaxy, most prominently at the outer stellar halo of the galaxy. Thus, they appear to be brighter. Since galaxies flagged as this make up almost half of our </a:t>
-            </a:r>
-            <a:r>
-              <a:rPr lang="en-US" baseline="0" dirty="0" smtClean="0"/>
-              <a:t>remaining sample</a:t>
-            </a:r>
-            <a:r>
-              <a:rPr lang="en-US" baseline="0" dirty="0" smtClean="0"/>
-              <a:t>, it is crucial to determine whether or not these should be removed.</a:t>
+              <a:t>saturate the apparent magnitude of the galaxy, </a:t>
+            </a:r>
+            <a:r>
+              <a:rPr lang="en-US" baseline="0" dirty="0" smtClean="0"/>
+              <a:t>prominently outer </a:t>
+            </a:r>
+            <a:r>
+              <a:rPr lang="en-US" baseline="0" dirty="0" smtClean="0"/>
+              <a:t>stellar halo of the galaxy. </a:t>
+            </a:r>
+            <a:r>
+              <a:rPr lang="en-US" baseline="0" dirty="0" smtClean="0"/>
+              <a:t>Appear brighter. Half remaining sample</a:t>
             </a:r>
             <a:endParaRPr lang="en-US" dirty="0" smtClean="0"/>
           </a:p>
@@ -1730,19 +1831,17 @@
               <a:rPr lang="en-US" baseline="0" dirty="0" smtClean="0"/>
               <a:t>Bright Objects and not bright objects.</a:t>
             </a:r>
-            <a:endParaRPr lang="en-US" dirty="0" smtClean="0"/>
-          </a:p>
-          <a:p>
-            <a:endParaRPr lang="en-US" dirty="0" smtClean="0"/>
-          </a:p>
-          <a:p>
             <a:r>
               <a:rPr lang="en-US" dirty="0" smtClean="0"/>
-              <a:t>To start, we plot</a:t>
-            </a:r>
-            <a:r>
-              <a:rPr lang="en-US" baseline="0" dirty="0" smtClean="0"/>
-              <a:t> the luminosity profiles of the individual </a:t>
+              <a:t> plot</a:t>
+            </a:r>
+            <a:r>
+              <a:rPr lang="en-US" baseline="0" dirty="0" smtClean="0"/>
+              <a:t> </a:t>
+            </a:r>
+            <a:r>
+              <a:rPr lang="en-US" baseline="0" dirty="0" smtClean="0"/>
+              <a:t>the luminosity profiles of the individual </a:t>
             </a:r>
             <a:r>
               <a:rPr lang="en-US" baseline="0" dirty="0" smtClean="0"/>
@@ -1834,11 +1933,11 @@
           <a:p>
             <a:r>
               <a:rPr lang="en-US" dirty="0" smtClean="0"/>
-              <a:t>I</a:t>
-            </a:r>
-            <a:r>
-              <a:rPr lang="en-US" baseline="0" dirty="0" smtClean="0"/>
-              <a:t> make my stacked luminosity profiles by binning my galaxies originally into 10 bins spaced evenly in </a:t>
+              <a:t>Originally: </a:t>
+            </a:r>
+            <a:r>
+              <a:rPr lang="en-US" baseline="0" dirty="0" smtClean="0"/>
+              <a:t>10 bins spaced evenly in </a:t>
             </a:r>
             <a:r>
               <a:rPr lang="en-US" baseline="0" dirty="0" err="1" smtClean="0"/>
@@ -1846,7 +1945,13 @@
             </a:r>
             <a:r>
               <a:rPr lang="en-US" baseline="0" dirty="0" smtClean="0"/>
-              <a:t>. Based on my individual galaxy profiles, I start my binning at 1 </a:t>
+              <a:t>. </a:t>
+            </a:r>
+          </a:p>
+          <a:p>
+            <a:r>
+              <a:rPr lang="en-US" baseline="0" dirty="0" smtClean="0"/>
+              <a:t>1 </a:t>
             </a:r>
             <a:r>
               <a:rPr lang="en-US" baseline="0" dirty="0" err="1" smtClean="0"/>
@@ -1854,7 +1959,7 @@
             </a:r>
             <a:r>
               <a:rPr lang="en-US" baseline="0" dirty="0" smtClean="0"/>
-              <a:t> and end at 80kpc. I weight each bin by the luminosity densities in each bin and divide by total number of data points per bin. My result is the stacked luminosity density profile.</a:t>
+              <a:t> and end at 80kpc. I weight each bin by the luminosity densities in each bin and divide by total number of data points per bin.</a:t>
             </a:r>
           </a:p>
           <a:p>
@@ -1863,7 +1968,7 @@
           <a:p>
             <a:r>
               <a:rPr lang="en-US" baseline="0" dirty="0" smtClean="0"/>
-              <a:t>However, I notice that at the first bin, there are considerably more bright galaxies than not bright galaxies. While we would expect bright galaxies to be more luminous at the lower apertures, just to be sure I made distribution of the apparent magnitudes and redshifts for our sample.</a:t>
+              <a:t>more bright galaxies than not bright galaxies in first bin. While we would expect bright galaxies to be more luminous at the lower apertures, just to be sure I made distribution of the apparent magnitudes and redshifts for our sample.</a:t>
             </a:r>
             <a:endParaRPr lang="en-US" dirty="0"/>
           </a:p>
@@ -1955,32 +2060,51 @@
             </a:r>
             <a:r>
               <a:rPr lang="en-US" dirty="0" smtClean="0"/>
-              <a:t>parts of the stacked profile use distinct galaxies at different redshifts. The apparent magnitudes and redshifts for the flagged galaxies aren't normally distributed like the non-flagged galaxies. While the blue bars trail off at m=17, we also notice that they trail off at z=0.2</a:t>
-            </a:r>
+              <a:t>parts of the stacked profile use distinct galaxies at different redshifts. </a:t>
+            </a:r>
+            <a:endParaRPr lang="en-US" dirty="0" smtClean="0"/>
+          </a:p>
+          <a:p>
+            <a:endParaRPr lang="en-US" dirty="0" smtClean="0"/>
+          </a:p>
+          <a:p>
             <a:r>
               <a:rPr lang="en-US" dirty="0" smtClean="0"/>
-              <a:t>. these </a:t>
+              <a:t>aren't </a:t>
+            </a:r>
+            <a:r>
+              <a:rPr lang="en-US" dirty="0" smtClean="0"/>
+              <a:t>normally distributed like the non-flagged </a:t>
+            </a:r>
+            <a:r>
+              <a:rPr lang="en-US" dirty="0" smtClean="0"/>
+              <a:t>galaxies. these </a:t>
             </a:r>
             <a:r>
               <a:rPr lang="en-US" dirty="0" smtClean="0"/>
               <a:t>galaxies were of lower redshift, they appear to be more luminous. </a:t>
             </a:r>
+            <a:endParaRPr lang="en-US" dirty="0" smtClean="0"/>
+          </a:p>
+          <a:p>
+            <a:endParaRPr lang="en-US" dirty="0" smtClean="0"/>
+          </a:p>
+          <a:p>
             <a:r>
               <a:rPr lang="en-US" dirty="0" smtClean="0"/>
-              <a:t>Since we are </a:t>
+              <a:t>evidence </a:t>
             </a:r>
             <a:r>
               <a:rPr lang="en-US" dirty="0" smtClean="0"/>
-              <a:t>measuring intrinsic brightness, our stacked profile was falsely brighter. </a:t>
-            </a:r>
-          </a:p>
-          <a:p>
-            <a:endParaRPr lang="en-US" dirty="0" smtClean="0"/>
-          </a:p>
-          <a:p>
+              <a:t>that those LRGs are flagged as Bright Objects because they offset our stacked profile. </a:t>
+            </a:r>
             <a:r>
               <a:rPr lang="en-US" dirty="0" smtClean="0"/>
-              <a:t>This is evidence that those LRGs are flagged as Bright Objects because they offset our stacked profile. Therefore, we set a lower limit of 0.2 to our redshift distribution. </a:t>
+              <a:t>lower </a:t>
+            </a:r>
+            <a:r>
+              <a:rPr lang="en-US" dirty="0" smtClean="0"/>
+              <a:t>limit of 0.2 to our redshift distribution. </a:t>
             </a:r>
             <a:endParaRPr lang="en-US" dirty="0"/>
           </a:p>
@@ -2068,11 +2192,20 @@
           <a:p>
             <a:r>
               <a:rPr lang="en-US" dirty="0" smtClean="0"/>
-              <a:t>Now, we can see that there are more even</a:t>
-            </a:r>
-            <a:r>
-              <a:rPr lang="en-US" baseline="0" dirty="0" smtClean="0"/>
-              <a:t> numbers of bright galaxies and not bright galaxies in each bin. I also increased the number of bins for our next step, when we calculate the logarithmic slope of the luminosity density profile.</a:t>
+              <a:t>even</a:t>
+            </a:r>
+            <a:r>
+              <a:rPr lang="en-US" baseline="0" dirty="0" smtClean="0"/>
+              <a:t> numbers of bright galaxies and not bright galaxies in each bin. </a:t>
+            </a:r>
+          </a:p>
+          <a:p>
+            <a:endParaRPr lang="en-US" baseline="0" dirty="0" smtClean="0"/>
+          </a:p>
+          <a:p>
+            <a:r>
+              <a:rPr lang="en-US" baseline="0" dirty="0" smtClean="0"/>
+              <a:t>increased the number of bins for our next step, when we calculate the logarithmic slope of the luminosity density profile.</a:t>
             </a:r>
             <a:endParaRPr lang="en-US" dirty="0"/>
           </a:p>
@@ -2177,23 +2310,111 @@
             </a:pPr>
             <a:r>
               <a:rPr lang="en-US" baseline="0" dirty="0" smtClean="0"/>
-              <a:t>Finally, we fit a line of best fit (using linear regression) to the stacked profile and the individual profiles. The fitting procedure is done in log space. In order to homogenize our results, so they are all fit to the same physical boundary, we set an inner boundary of r1/2 and an outer boundary of exactly 6r1/2 to both individual luminosity profiles and stacked profiles. The half radii typically marks the inner boundary of the stellar envelope. While typically the </a:t>
+              <a:t>we fit a line of best fit (using linear regression) to the log-log stacked profile and the individual profiles. </a:t>
+            </a:r>
+          </a:p>
+          <a:p>
+            <a:pPr marL="0" marR="0" indent="0" algn="l" defTabSz="457200" rtl="0" eaLnBrk="1" fontAlgn="auto" latinLnBrk="0" hangingPunct="1">
+              <a:lnSpc>
+                <a:spcPct val="100000"/>
+              </a:lnSpc>
+              <a:spcBef>
+                <a:spcPts val="0"/>
+              </a:spcBef>
+              <a:spcAft>
+                <a:spcPts val="0"/>
+              </a:spcAft>
+              <a:buClrTx/>
+              <a:buSzTx/>
+              <a:buFontTx/>
+              <a:buNone/>
+              <a:tabLst/>
+              <a:defRPr/>
+            </a:pPr>
+            <a:endParaRPr lang="en-US" baseline="0" dirty="0" smtClean="0"/>
+          </a:p>
+          <a:p>
+            <a:pPr marL="0" marR="0" indent="0" algn="l" defTabSz="457200" rtl="0" eaLnBrk="1" fontAlgn="auto" latinLnBrk="0" hangingPunct="1">
+              <a:lnSpc>
+                <a:spcPct val="100000"/>
+              </a:lnSpc>
+              <a:spcBef>
+                <a:spcPts val="0"/>
+              </a:spcBef>
+              <a:spcAft>
+                <a:spcPts val="0"/>
+              </a:spcAft>
+              <a:buClrTx/>
+              <a:buSzTx/>
+              <a:buFontTx/>
+              <a:buNone/>
+              <a:tabLst/>
+              <a:defRPr/>
+            </a:pPr>
+            <a:r>
+              <a:rPr lang="en-US" baseline="0" dirty="0" smtClean="0"/>
+              <a:t>homogenize our results, all fit to the same physical boundary, r1/2 to r61/2. </a:t>
+            </a:r>
+          </a:p>
+          <a:p>
+            <a:pPr marL="0" marR="0" indent="0" algn="l" defTabSz="457200" rtl="0" eaLnBrk="1" fontAlgn="auto" latinLnBrk="0" hangingPunct="1">
+              <a:lnSpc>
+                <a:spcPct val="100000"/>
+              </a:lnSpc>
+              <a:spcBef>
+                <a:spcPts val="0"/>
+              </a:spcBef>
+              <a:spcAft>
+                <a:spcPts val="0"/>
+              </a:spcAft>
+              <a:buClrTx/>
+              <a:buSzTx/>
+              <a:buFontTx/>
+              <a:buNone/>
+              <a:tabLst/>
+              <a:defRPr/>
+            </a:pPr>
+            <a:endParaRPr lang="en-US" baseline="0" dirty="0" smtClean="0"/>
+          </a:p>
+          <a:p>
+            <a:pPr marL="0" marR="0" indent="0" algn="l" defTabSz="457200" rtl="0" eaLnBrk="1" fontAlgn="auto" latinLnBrk="0" hangingPunct="1">
+              <a:lnSpc>
+                <a:spcPct val="100000"/>
+              </a:lnSpc>
+              <a:spcBef>
+                <a:spcPts val="0"/>
+              </a:spcBef>
+              <a:spcAft>
+                <a:spcPts val="0"/>
+              </a:spcAft>
+              <a:buClrTx/>
+              <a:buSzTx/>
+              <a:buFontTx/>
+              <a:buNone/>
+              <a:tabLst/>
+              <a:defRPr/>
+            </a:pPr>
+            <a:r>
+              <a:rPr lang="en-US" baseline="0" dirty="0" smtClean="0"/>
+              <a:t>half radii </a:t>
+            </a:r>
+            <a:r>
+              <a:rPr lang="en-US" baseline="0" dirty="0" smtClean="0">
+                <a:sym typeface="Wingdings"/>
+              </a:rPr>
+              <a:t> marks </a:t>
+            </a:r>
+            <a:r>
+              <a:rPr lang="en-US" baseline="0" dirty="0" smtClean="0"/>
+              <a:t>inner boundary of the stellar envelope. </a:t>
             </a:r>
             <a:r>
               <a:rPr lang="en-US" baseline="0" dirty="0" err="1" smtClean="0"/>
-              <a:t>virial</a:t>
-            </a:r>
-            <a:r>
-              <a:rPr lang="en-US" baseline="0" dirty="0" smtClean="0"/>
-              <a:t> radius is used for the outer boundary, we found that the </a:t>
-            </a:r>
-            <a:r>
-              <a:rPr lang="en-US" baseline="0" dirty="0" err="1" smtClean="0"/>
-              <a:t>virial</a:t>
-            </a:r>
-            <a:r>
-              <a:rPr lang="en-US" baseline="0" dirty="0" smtClean="0"/>
-              <a:t> radius extended beyond our largest aperture. This helps avoid contamination from un-blended sources at the edge of bright galaxies’ envelopes.</a:t>
+              <a:t>Virial</a:t>
+            </a:r>
+            <a:r>
+              <a:rPr lang="en-US" baseline="0" dirty="0" smtClean="0"/>
+              <a:t> radius. Setting limit avoid contamination from un-blended sources at the edge of bright galaxies’ envelopes.</a:t>
             </a:r>
             <a:endParaRPr lang="en-US" dirty="0" smtClean="0"/>
           </a:p>
@@ -2298,27 +2519,44 @@
           <a:p>
             <a:r>
               <a:rPr lang="en-US" baseline="0" dirty="0" smtClean="0"/>
-              <a:t>As mentioned before, a main focus of this project is to find the relationship between mass assembly history and the dark matter halo. Every </a:t>
-            </a:r>
-            <a:r>
-              <a:rPr lang="en-US" baseline="0" dirty="0" smtClean="0"/>
-              <a:t>time a galaxy goes through a </a:t>
-            </a:r>
-            <a:r>
-              <a:rPr lang="en-US" baseline="0" dirty="0" smtClean="0"/>
-              <a:t>merger (and therefore accumulates more mass), </a:t>
-            </a:r>
-            <a:r>
-              <a:rPr lang="en-US" baseline="0" dirty="0" smtClean="0"/>
-              <a:t>visible aspects of a galaxy’s spectrum is affected, such as the distribution of stars in the stellar envelope. However, the Dark matter in its halo is also tidally disrupted. </a:t>
-            </a:r>
-            <a:r>
-              <a:rPr lang="en-US" baseline="0" dirty="0" smtClean="0"/>
-              <a:t> </a:t>
-            </a:r>
-            <a:r>
-              <a:rPr lang="en-US" dirty="0" smtClean="0"/>
-              <a:t>Because </a:t>
+              <a:t>main focus of this project is to find the relationship between mass assembly history and the dark matter halo.</a:t>
+            </a:r>
+          </a:p>
+          <a:p>
+            <a:endParaRPr lang="en-US" baseline="0" dirty="0" smtClean="0"/>
+          </a:p>
+          <a:p>
+            <a:r>
+              <a:rPr lang="en-US" baseline="0" dirty="0" smtClean="0"/>
+              <a:t>Galaxy merger, accumulates more mass, </a:t>
+            </a:r>
+            <a:r>
+              <a:rPr lang="en-US" baseline="0" dirty="0" smtClean="0"/>
+              <a:t>visible aspects </a:t>
+            </a:r>
+            <a:r>
+              <a:rPr lang="en-US" baseline="0" dirty="0" smtClean="0"/>
+              <a:t>affected(distribution </a:t>
+            </a:r>
+            <a:r>
+              <a:rPr lang="en-US" baseline="0" dirty="0" smtClean="0"/>
+              <a:t>of stars in the stellar </a:t>
+            </a:r>
+            <a:r>
+              <a:rPr lang="en-US" baseline="0" dirty="0" smtClean="0"/>
+              <a:t>envelope). the </a:t>
+            </a:r>
+            <a:r>
+              <a:rPr lang="en-US" baseline="0" dirty="0" smtClean="0"/>
+              <a:t>Dark matter </a:t>
+            </a:r>
+            <a:r>
+              <a:rPr lang="en-US" baseline="0" dirty="0" smtClean="0"/>
+              <a:t>tidally </a:t>
+            </a:r>
+            <a:r>
+              <a:rPr lang="en-US" baseline="0" dirty="0" smtClean="0"/>
+              <a:t>disrupted. </a:t>
             </a:r>
             <a:r>
               <a:rPr lang="en-US" dirty="0" smtClean="0"/>
@@ -2326,27 +2564,41 @@
             </a:r>
             <a:r>
               <a:rPr lang="en-US" baseline="0" dirty="0" smtClean="0"/>
-              <a:t> are all early-</a:t>
+              <a:t> early</a:t>
+            </a:r>
+            <a:r>
+              <a:rPr lang="en-US" baseline="0" dirty="0" smtClean="0"/>
+              <a:t>-</a:t>
             </a:r>
             <a:r>
               <a:rPr lang="en-US" baseline="0" dirty="0" smtClean="0"/>
               <a:t>type </a:t>
             </a:r>
             <a:r>
-              <a:rPr lang="en-US" baseline="0" dirty="0" smtClean="0"/>
-              <a:t>galaxies, they </a:t>
-            </a:r>
-            <a:r>
-              <a:rPr lang="en-US" baseline="0" dirty="0" smtClean="0"/>
-              <a:t>have already </a:t>
-            </a:r>
-            <a:r>
-              <a:rPr lang="en-US" baseline="0" dirty="0" smtClean="0"/>
-              <a:t>undergone mergers and </a:t>
-            </a:r>
-            <a:r>
-              <a:rPr lang="en-US" baseline="0" dirty="0" smtClean="0"/>
-              <a:t>accumulated most of their mass. we first need to find if there is a correlation between mass assembly and star formation history.</a:t>
+              <a:rPr lang="en-US" baseline="0" dirty="0" err="1" smtClean="0"/>
+              <a:t>galaxies</a:t>
+            </a:r>
+            <a:r>
+              <a:rPr lang="en-US" baseline="0" dirty="0" err="1" smtClean="0">
+                <a:sym typeface="Wingdings"/>
+              </a:rPr>
+              <a:t></a:t>
+            </a:r>
+            <a:r>
+              <a:rPr lang="en-US" baseline="0" dirty="0" err="1" smtClean="0"/>
+              <a:t>undergone</a:t>
+            </a:r>
+            <a:r>
+              <a:rPr lang="en-US" baseline="0" dirty="0" smtClean="0"/>
+              <a:t> </a:t>
+            </a:r>
+            <a:r>
+              <a:rPr lang="en-US" baseline="0" dirty="0" smtClean="0"/>
+              <a:t>mergers and </a:t>
+            </a:r>
+            <a:r>
+              <a:rPr lang="en-US" baseline="0" dirty="0" smtClean="0"/>
+              <a:t>accumulated most of their mass. </a:t>
             </a:r>
           </a:p>
           <a:p>
@@ -2355,7 +2607,28 @@
           <a:p>
             <a:r>
               <a:rPr lang="en-US" baseline="0" dirty="0" smtClean="0"/>
-              <a:t>Using a code that fits the spectra of all LRGs, we match those galaxies with the ones in our first catalogue to get their total spectral data. We now have access to each galaxies </a:t>
+              <a:t>we first need to find if there is a correlation between mass assembly and star formation history.</a:t>
+            </a:r>
+          </a:p>
+          <a:p>
+            <a:endParaRPr lang="en-US" baseline="0" dirty="0" smtClean="0"/>
+          </a:p>
+          <a:p>
+            <a:r>
+              <a:rPr lang="en-US" baseline="0" dirty="0" smtClean="0"/>
+              <a:t>Using a code that fits the spectra of all LRGs, we match </a:t>
+            </a:r>
+            <a:r>
+              <a:rPr lang="en-US" baseline="0" dirty="0" smtClean="0"/>
+              <a:t>to </a:t>
+            </a:r>
+            <a:r>
+              <a:rPr lang="en-US" baseline="0" dirty="0" smtClean="0"/>
+              <a:t>get their total spectral </a:t>
+            </a:r>
+            <a:r>
+              <a:rPr lang="en-US" baseline="0" dirty="0" smtClean="0"/>
+              <a:t>data (</a:t>
             </a:r>
             <a:r>
               <a:rPr lang="en-US" baseline="0" dirty="0" err="1" smtClean="0"/>
@@ -2363,20 +2636,42 @@
             </a:r>
             <a:r>
               <a:rPr lang="en-US" baseline="0" dirty="0" smtClean="0"/>
-              <a:t>, as well as their mass formation histories.</a:t>
-            </a:r>
-          </a:p>
-          <a:p>
+              <a:t>, star formation histories)</a:t>
+            </a:r>
             <a:endParaRPr lang="en-US" baseline="0" dirty="0" smtClean="0"/>
           </a:p>
           <a:p>
-            <a:r>
-              <a:rPr lang="en-US" baseline="0" dirty="0" smtClean="0"/>
-              <a:t>These are all early-type galaxies, but we can still distinguish them by SFH based on when they accumulated the most mass. We choose to label the older galaxies those which had most of their mass formed in the oldest age bin (between 9.06 and 14 billion years ago.) All of the other galaxies we consider “younger.</a:t>
-            </a:r>
-            <a:r>
-              <a:rPr lang="en-US" baseline="0" dirty="0" smtClean="0"/>
-              <a:t>” Since we are trying to connect when these mergers occur, it is necessary to separate into older and younger populations.</a:t>
+            <a:endParaRPr lang="en-US" baseline="0" dirty="0" smtClean="0"/>
+          </a:p>
+          <a:p>
+            <a:r>
+              <a:rPr lang="en-US" baseline="0" dirty="0" smtClean="0"/>
+              <a:t>distinguish </a:t>
+            </a:r>
+            <a:r>
+              <a:rPr lang="en-US" baseline="0" dirty="0" smtClean="0"/>
+              <a:t>them by SFH based on when they accumulated the most mass. </a:t>
+            </a:r>
+            <a:r>
+              <a:rPr lang="en-US" baseline="0" dirty="0" smtClean="0"/>
+              <a:t>most </a:t>
+            </a:r>
+            <a:r>
+              <a:rPr lang="en-US" baseline="0" dirty="0" smtClean="0"/>
+              <a:t>of their mass formed in the oldest age </a:t>
+            </a:r>
+            <a:r>
+              <a:rPr lang="en-US" baseline="0" dirty="0" smtClean="0"/>
+              <a:t>bin.</a:t>
+            </a:r>
+          </a:p>
+          <a:p>
+            <a:endParaRPr lang="en-US" baseline="0" dirty="0" smtClean="0"/>
+          </a:p>
+          <a:p>
+            <a:r>
+              <a:rPr lang="en-US" baseline="0" dirty="0" smtClean="0"/>
+              <a:t>Since we are trying to connect when these mergers occur, it is necessary to separate into older and younger populations.</a:t>
             </a:r>
             <a:endParaRPr lang="en-US" baseline="0" dirty="0" smtClean="0"/>
           </a:p>
@@ -6376,6 +6671,16 @@
             <a:r>
               <a:rPr lang="en-US" dirty="0" smtClean="0"/>
               <a:t>Use another galaxy population</a:t>
+            </a:r>
+          </a:p>
+          <a:p>
+            <a:r>
+              <a:rPr lang="en-US" dirty="0" smtClean="0"/>
+              <a:t>Try </a:t>
+            </a:r>
+            <a:r>
+              <a:rPr lang="en-US" smtClean="0"/>
+              <a:t>another band</a:t>
             </a:r>
             <a:endParaRPr lang="en-US" dirty="0" smtClean="0"/>
           </a:p>

--- a/big_presentation.pptx
+++ b/big_presentation.pptx
@@ -5,29 +5,28 @@
     <p:sldMasterId id="2147483648" r:id="rId1"/>
   </p:sldMasterIdLst>
   <p:notesMasterIdLst>
-    <p:notesMasterId r:id="rId19"/>
+    <p:notesMasterId r:id="rId18"/>
   </p:notesMasterIdLst>
   <p:handoutMasterIdLst>
-    <p:handoutMasterId r:id="rId20"/>
+    <p:handoutMasterId r:id="rId19"/>
   </p:handoutMasterIdLst>
   <p:sldIdLst>
     <p:sldId id="256" r:id="rId2"/>
     <p:sldId id="258" r:id="rId3"/>
     <p:sldId id="271" r:id="rId4"/>
-    <p:sldId id="264" r:id="rId5"/>
-    <p:sldId id="272" r:id="rId6"/>
-    <p:sldId id="259" r:id="rId7"/>
-    <p:sldId id="273" r:id="rId8"/>
-    <p:sldId id="276" r:id="rId9"/>
-    <p:sldId id="263" r:id="rId10"/>
-    <p:sldId id="265" r:id="rId11"/>
-    <p:sldId id="274" r:id="rId12"/>
-    <p:sldId id="268" r:id="rId13"/>
-    <p:sldId id="269" r:id="rId14"/>
-    <p:sldId id="275" r:id="rId15"/>
-    <p:sldId id="270" r:id="rId16"/>
-    <p:sldId id="260" r:id="rId17"/>
-    <p:sldId id="261" r:id="rId18"/>
+    <p:sldId id="259" r:id="rId5"/>
+    <p:sldId id="273" r:id="rId6"/>
+    <p:sldId id="276" r:id="rId7"/>
+    <p:sldId id="263" r:id="rId8"/>
+    <p:sldId id="265" r:id="rId9"/>
+    <p:sldId id="274" r:id="rId10"/>
+    <p:sldId id="268" r:id="rId11"/>
+    <p:sldId id="269" r:id="rId12"/>
+    <p:sldId id="275" r:id="rId13"/>
+    <p:sldId id="270" r:id="rId14"/>
+    <p:sldId id="260" r:id="rId15"/>
+    <p:sldId id="277" r:id="rId16"/>
+    <p:sldId id="261" r:id="rId17"/>
   </p:sldIdLst>
   <p:sldSz cx="9144000" cy="6858000" type="screen4x3"/>
   <p:notesSz cx="6858000" cy="9144000"/>
@@ -737,6 +736,29 @@
               <a:rPr lang="en-US" baseline="0" dirty="0" smtClean="0"/>
               <a:t>We focus on LRGs because they are a well defined, homogenous population: higher mass elliptical galaxies with little to no star formation.</a:t>
             </a:r>
+          </a:p>
+          <a:p>
+            <a:pPr marL="0" marR="0" indent="0" algn="l" defTabSz="457200" rtl="0" eaLnBrk="1" fontAlgn="auto" latinLnBrk="0" hangingPunct="1">
+              <a:lnSpc>
+                <a:spcPct val="100000"/>
+              </a:lnSpc>
+              <a:spcBef>
+                <a:spcPts val="0"/>
+              </a:spcBef>
+              <a:spcAft>
+                <a:spcPts val="0"/>
+              </a:spcAft>
+              <a:buClrTx/>
+              <a:buSzTx/>
+              <a:buFontTx/>
+              <a:buNone/>
+              <a:tabLst/>
+              <a:defRPr/>
+            </a:pPr>
+            <a:r>
+              <a:rPr lang="en-US" baseline="0" dirty="0" smtClean="0"/>
+              <a:t>LRG LOWZ sample from BOSS DR12</a:t>
+            </a:r>
             <a:endParaRPr lang="en-US" dirty="0" smtClean="0"/>
           </a:p>
         </p:txBody>
@@ -823,35 +845,17 @@
           <a:p>
             <a:r>
               <a:rPr lang="en-US" dirty="0" smtClean="0"/>
-              <a:t>Slopes</a:t>
-            </a:r>
-            <a:r>
-              <a:rPr lang="en-US" baseline="0" dirty="0" smtClean="0"/>
-              <a:t> </a:t>
-            </a:r>
-            <a:r>
-              <a:rPr lang="en-US" dirty="0" smtClean="0"/>
-              <a:t>of </a:t>
-            </a:r>
-            <a:r>
-              <a:rPr lang="en-US" dirty="0" smtClean="0"/>
-              <a:t>the older and younger </a:t>
-            </a:r>
-            <a:r>
-              <a:rPr lang="en-US" dirty="0" smtClean="0"/>
-              <a:t>galaxies</a:t>
-            </a:r>
-            <a:r>
-              <a:rPr lang="en-US" baseline="0" dirty="0" smtClean="0"/>
-              <a:t> appear </a:t>
-            </a:r>
-            <a:r>
-              <a:rPr lang="en-US" baseline="0" dirty="0" smtClean="0"/>
-              <a:t>to be in agreement</a:t>
-            </a:r>
-            <a:r>
-              <a:rPr lang="en-US" baseline="0" dirty="0" smtClean="0"/>
-              <a:t>. </a:t>
+              <a:t>As</a:t>
+            </a:r>
+            <a:r>
+              <a:rPr lang="en-US" baseline="0" dirty="0" smtClean="0"/>
+              <a:t> long as we fit slopes at same physical range</a:t>
+            </a:r>
+          </a:p>
+          <a:p>
+            <a:r>
+              <a:rPr lang="en-US" baseline="0" dirty="0" smtClean="0"/>
+              <a:t>*dependent for lower mass end?</a:t>
             </a:r>
           </a:p>
           <a:p>
@@ -860,21 +864,20 @@
           <a:p>
             <a:r>
               <a:rPr lang="en-US" baseline="0" dirty="0" smtClean="0"/>
-              <a:t>It </a:t>
-            </a:r>
-            <a:r>
-              <a:rPr lang="en-US" baseline="0" dirty="0" smtClean="0"/>
-              <a:t>is important to note that about half of the galaxies in each older and younger population are flagged as Bright Objects. </a:t>
-            </a:r>
+              <a:t>As determined by stellar envelope slope (alpha star)</a:t>
+            </a:r>
+          </a:p>
+          <a:p>
             <a:endParaRPr lang="en-US" baseline="0" dirty="0" smtClean="0"/>
           </a:p>
           <a:p>
-            <a:endParaRPr lang="en-US" baseline="0" dirty="0" smtClean="0"/>
-          </a:p>
-          <a:p>
-            <a:r>
-              <a:rPr lang="en-US" baseline="0" dirty="0" smtClean="0"/>
-              <a:t>In the table that shows the Bright and not Bright stacked slopes for every subsample, we confirm that the flag has little effect on the overall luminosity profile.</a:t>
+            <a:r>
+              <a:rPr lang="en-US" baseline="0" dirty="0" smtClean="0"/>
+              <a:t>No diff between </a:t>
+            </a:r>
+            <a:r>
+              <a:rPr lang="en-US" baseline="0" smtClean="0"/>
+              <a:t>different bands</a:t>
             </a:r>
             <a:endParaRPr lang="en-US" dirty="0"/>
           </a:p>
@@ -906,7 +909,7 @@
     </p:spTree>
     <p:extLst>
       <p:ext uri="{BB962C8B-B14F-4D97-AF65-F5344CB8AC3E}">
-        <p14:creationId xmlns:p14="http://schemas.microsoft.com/office/powerpoint/2010/main" val="2826134056"/>
+        <p14:creationId xmlns:p14="http://schemas.microsoft.com/office/powerpoint/2010/main" val="1382260935"/>
       </p:ext>
     </p:extLst>
   </p:cSld>
@@ -962,218 +965,6 @@
           <a:p>
             <a:r>
               <a:rPr lang="en-US" dirty="0" smtClean="0"/>
-              <a:t>Slope </a:t>
-            </a:r>
-            <a:r>
-              <a:rPr lang="en-US" baseline="0" dirty="0" smtClean="0"/>
-              <a:t>not dependent upon the formation time. (1/100</a:t>
-            </a:r>
-            <a:r>
-              <a:rPr lang="en-US" baseline="30000" dirty="0" smtClean="0"/>
-              <a:t>th</a:t>
-            </a:r>
-            <a:r>
-              <a:rPr lang="en-US" baseline="0" dirty="0" smtClean="0"/>
-              <a:t> of a difference).</a:t>
-            </a:r>
-          </a:p>
-          <a:p>
-            <a:endParaRPr lang="en-US" baseline="0" dirty="0" smtClean="0"/>
-          </a:p>
-          <a:p>
-            <a:endParaRPr lang="en-US" dirty="0"/>
-          </a:p>
-        </p:txBody>
-      </p:sp>
-      <p:sp>
-        <p:nvSpPr>
-          <p:cNvPr id="4" name="Slide Number Placeholder 3"/>
-          <p:cNvSpPr>
-            <a:spLocks noGrp="1"/>
-          </p:cNvSpPr>
-          <p:nvPr>
-            <p:ph type="sldNum" sz="quarter" idx="10"/>
-          </p:nvPr>
-        </p:nvSpPr>
-        <p:spPr/>
-        <p:txBody>
-          <a:bodyPr/>
-          <a:lstStyle/>
-          <a:p>
-            <a:fld id="{601C96DA-B53C-B542-A94F-CB2944E40FE5}" type="slidenum">
-              <a:rPr lang="en-US" smtClean="0"/>
-              <a:t>11</a:t>
-            </a:fld>
-            <a:endParaRPr lang="en-US"/>
-          </a:p>
-        </p:txBody>
-      </p:sp>
-    </p:spTree>
-    <p:extLst>
-      <p:ext uri="{BB962C8B-B14F-4D97-AF65-F5344CB8AC3E}">
-        <p14:creationId xmlns:p14="http://schemas.microsoft.com/office/powerpoint/2010/main" val="2134354071"/>
-      </p:ext>
-    </p:extLst>
-  </p:cSld>
-  <p:clrMapOvr>
-    <a:masterClrMapping/>
-  </p:clrMapOvr>
-</p:notes>
-</file>
-
-<file path=ppt/notesSlides/notesSlide12.xml><?xml version="1.0" encoding="utf-8"?>
-<p:notes xmlns:a="http://schemas.openxmlformats.org/drawingml/2006/main" xmlns:r="http://schemas.openxmlformats.org/officeDocument/2006/relationships" xmlns:p="http://schemas.openxmlformats.org/presentationml/2006/main">
-  <p:cSld>
-    <p:spTree>
-      <p:nvGrpSpPr>
-        <p:cNvPr id="1" name=""/>
-        <p:cNvGrpSpPr/>
-        <p:nvPr/>
-      </p:nvGrpSpPr>
-      <p:grpSpPr>
-        <a:xfrm>
-          <a:off x="0" y="0"/>
-          <a:ext cx="0" cy="0"/>
-          <a:chOff x="0" y="0"/>
-          <a:chExt cx="0" cy="0"/>
-        </a:xfrm>
-      </p:grpSpPr>
-      <p:sp>
-        <p:nvSpPr>
-          <p:cNvPr id="2" name="Slide Image Placeholder 1"/>
-          <p:cNvSpPr>
-            <a:spLocks noGrp="1" noRot="1" noChangeAspect="1"/>
-          </p:cNvSpPr>
-          <p:nvPr>
-            <p:ph type="sldImg"/>
-          </p:nvPr>
-        </p:nvSpPr>
-        <p:spPr/>
-      </p:sp>
-      <p:sp>
-        <p:nvSpPr>
-          <p:cNvPr id="3" name="Notes Placeholder 2"/>
-          <p:cNvSpPr>
-            <a:spLocks noGrp="1"/>
-          </p:cNvSpPr>
-          <p:nvPr>
-            <p:ph type="body" idx="1"/>
-          </p:nvPr>
-        </p:nvSpPr>
-        <p:spPr/>
-        <p:txBody>
-          <a:bodyPr/>
-          <a:lstStyle/>
-          <a:p>
-            <a:r>
-              <a:rPr lang="en-US" dirty="0" smtClean="0"/>
-              <a:t>As</a:t>
-            </a:r>
-            <a:r>
-              <a:rPr lang="en-US" baseline="0" dirty="0" smtClean="0"/>
-              <a:t> long as we fit slopes at same physical range</a:t>
-            </a:r>
-          </a:p>
-          <a:p>
-            <a:r>
-              <a:rPr lang="en-US" baseline="0" dirty="0" smtClean="0"/>
-              <a:t>*dependent for lower mass end?</a:t>
-            </a:r>
-          </a:p>
-          <a:p>
-            <a:endParaRPr lang="en-US" baseline="0" dirty="0" smtClean="0"/>
-          </a:p>
-          <a:p>
-            <a:r>
-              <a:rPr lang="en-US" baseline="0" dirty="0" smtClean="0"/>
-              <a:t>As determined by stellar envelope slope (alpha star)</a:t>
-            </a:r>
-            <a:endParaRPr lang="en-US" dirty="0"/>
-          </a:p>
-        </p:txBody>
-      </p:sp>
-      <p:sp>
-        <p:nvSpPr>
-          <p:cNvPr id="4" name="Slide Number Placeholder 3"/>
-          <p:cNvSpPr>
-            <a:spLocks noGrp="1"/>
-          </p:cNvSpPr>
-          <p:nvPr>
-            <p:ph type="sldNum" sz="quarter" idx="10"/>
-          </p:nvPr>
-        </p:nvSpPr>
-        <p:spPr/>
-        <p:txBody>
-          <a:bodyPr/>
-          <a:lstStyle/>
-          <a:p>
-            <a:fld id="{601C96DA-B53C-B542-A94F-CB2944E40FE5}" type="slidenum">
-              <a:rPr lang="en-US" smtClean="0"/>
-              <a:t>12</a:t>
-            </a:fld>
-            <a:endParaRPr lang="en-US"/>
-          </a:p>
-        </p:txBody>
-      </p:sp>
-    </p:spTree>
-    <p:extLst>
-      <p:ext uri="{BB962C8B-B14F-4D97-AF65-F5344CB8AC3E}">
-        <p14:creationId xmlns:p14="http://schemas.microsoft.com/office/powerpoint/2010/main" val="1382260935"/>
-      </p:ext>
-    </p:extLst>
-  </p:cSld>
-  <p:clrMapOvr>
-    <a:masterClrMapping/>
-  </p:clrMapOvr>
-</p:notes>
-</file>
-
-<file path=ppt/notesSlides/notesSlide13.xml><?xml version="1.0" encoding="utf-8"?>
-<p:notes xmlns:a="http://schemas.openxmlformats.org/drawingml/2006/main" xmlns:r="http://schemas.openxmlformats.org/officeDocument/2006/relationships" xmlns:p="http://schemas.openxmlformats.org/presentationml/2006/main">
-  <p:cSld>
-    <p:spTree>
-      <p:nvGrpSpPr>
-        <p:cNvPr id="1" name=""/>
-        <p:cNvGrpSpPr/>
-        <p:nvPr/>
-      </p:nvGrpSpPr>
-      <p:grpSpPr>
-        <a:xfrm>
-          <a:off x="0" y="0"/>
-          <a:ext cx="0" cy="0"/>
-          <a:chOff x="0" y="0"/>
-          <a:chExt cx="0" cy="0"/>
-        </a:xfrm>
-      </p:grpSpPr>
-      <p:sp>
-        <p:nvSpPr>
-          <p:cNvPr id="2" name="Slide Image Placeholder 1"/>
-          <p:cNvSpPr>
-            <a:spLocks noGrp="1" noRot="1" noChangeAspect="1"/>
-          </p:cNvSpPr>
-          <p:nvPr>
-            <p:ph type="sldImg"/>
-          </p:nvPr>
-        </p:nvSpPr>
-        <p:spPr/>
-      </p:sp>
-      <p:sp>
-        <p:nvSpPr>
-          <p:cNvPr id="3" name="Notes Placeholder 2"/>
-          <p:cNvSpPr>
-            <a:spLocks noGrp="1"/>
-          </p:cNvSpPr>
-          <p:nvPr>
-            <p:ph type="body" idx="1"/>
-          </p:nvPr>
-        </p:nvSpPr>
-        <p:spPr/>
-        <p:txBody>
-          <a:bodyPr/>
-          <a:lstStyle/>
-          <a:p>
-            <a:r>
-              <a:rPr lang="en-US" dirty="0" smtClean="0"/>
               <a:t>Use Gravitational Lensing to obtain the masses of all these galaxies</a:t>
             </a:r>
             <a:r>
@@ -1196,7 +987,23 @@
             </a:r>
             <a:r>
               <a:rPr lang="en-US" baseline="0" dirty="0" smtClean="0"/>
-              <a:t> might contain too narrow of a SFH range. Might want to use younger, more active bright galaxies.</a:t>
+              <a:t> might contain too narrow of a SFH range. Might want to use younger, more active bright galaxies</a:t>
+            </a:r>
+            <a:r>
+              <a:rPr lang="en-US" baseline="0" dirty="0" smtClean="0"/>
+              <a:t>. CMASS (</a:t>
+            </a:r>
+            <a:r>
+              <a:rPr lang="en-US" baseline="0" dirty="0" err="1" smtClean="0"/>
+              <a:t>doesn</a:t>
+            </a:r>
+            <a:r>
+              <a:rPr lang="fr-FR" baseline="0" dirty="0" smtClean="0"/>
+              <a:t>’</a:t>
+            </a:r>
+            <a:r>
+              <a:rPr lang="en-US" baseline="0" dirty="0" smtClean="0"/>
+              <a:t>t have color cut like LOWZ)</a:t>
             </a:r>
             <a:endParaRPr lang="en-US" dirty="0"/>
           </a:p>
@@ -1219,7 +1026,7 @@
           <a:p>
             <a:fld id="{601C96DA-B53C-B542-A94F-CB2944E40FE5}" type="slidenum">
               <a:rPr lang="en-US" smtClean="0"/>
-              <a:t>13</a:t>
+              <a:t>11</a:t>
             </a:fld>
             <a:endParaRPr lang="en-US"/>
           </a:p>
@@ -1316,7 +1123,15 @@
           <a:p>
             <a:r>
               <a:rPr lang="en-US" baseline="0" dirty="0" smtClean="0"/>
-              <a:t>2D projections of dark matter density and stellar light.  Spherically averaged mass density</a:t>
+              <a:t>2D projections of dark matter density and stellar light.  Spherically averaged mass density. SIMULATIONS (</a:t>
+            </a:r>
+            <a:r>
+              <a:rPr lang="en-US" baseline="0" dirty="0" err="1" smtClean="0"/>
+              <a:t>havent</a:t>
+            </a:r>
+            <a:r>
+              <a:rPr lang="en-US" baseline="0" dirty="0" smtClean="0"/>
+              <a:t> been really measured in observations)</a:t>
             </a:r>
           </a:p>
           <a:p>
@@ -1581,13 +1396,24 @@
             </a:r>
             <a:r>
               <a:rPr lang="en-US" baseline="0" dirty="0" smtClean="0"/>
-              <a:t>HSC’s </a:t>
-            </a:r>
-            <a:r>
-              <a:rPr lang="en-US" baseline="0" dirty="0" smtClean="0"/>
-              <a:t>Wide field. </a:t>
-            </a:r>
-            <a:endParaRPr lang="en-US" baseline="0" dirty="0" smtClean="0"/>
+              <a:t>HSC’s Wide layer fields. This is much deeper than Sloan, but </a:t>
+            </a:r>
+            <a:r>
+              <a:rPr lang="en-US" baseline="0" dirty="0" err="1" smtClean="0"/>
+              <a:t>doesn</a:t>
+            </a:r>
+            <a:r>
+              <a:rPr lang="fr-FR" baseline="0" dirty="0" smtClean="0"/>
+              <a:t>’</a:t>
+            </a:r>
+            <a:r>
+              <a:rPr lang="en-US" baseline="0" dirty="0" smtClean="0"/>
+              <a:t>t cover more sky. </a:t>
+            </a:r>
+            <a:r>
+              <a:rPr lang="en-US" u="sng" baseline="0" dirty="0" smtClean="0"/>
+              <a:t>We can get higher redshifts </a:t>
+            </a:r>
           </a:p>
           <a:p>
             <a:endParaRPr lang="en-US" baseline="0" dirty="0" smtClean="0"/>
@@ -1709,6 +1535,14 @@
             <a:endParaRPr lang="en-US" dirty="0" smtClean="0"/>
           </a:p>
           <a:p>
+            <a:r>
+              <a:rPr lang="en-US" dirty="0" smtClean="0"/>
+              <a:t>^^this</a:t>
+            </a:r>
+            <a:r>
+              <a:rPr lang="en-US" baseline="0" dirty="0" smtClean="0"/>
+              <a:t> is a conservative flag that masks saturated stars in the center of galaxies and bright galaxies</a:t>
+            </a:r>
             <a:endParaRPr lang="en-US" dirty="0" smtClean="0"/>
           </a:p>
           <a:p>
@@ -1821,15 +1655,7 @@
             </a:pPr>
             <a:r>
               <a:rPr lang="en-US" baseline="0" dirty="0" smtClean="0"/>
-              <a:t>we </a:t>
-            </a:r>
-            <a:r>
-              <a:rPr lang="en-US" baseline="0" dirty="0" smtClean="0"/>
-              <a:t>separate them into two populations, </a:t>
-            </a:r>
-            <a:r>
-              <a:rPr lang="en-US" baseline="0" dirty="0" smtClean="0"/>
-              <a:t>Bright Objects and not bright objects.</a:t>
+              <a:t>we separate them into two populations, Bright Objects and not bright objects.</a:t>
             </a:r>
             <a:r>
               <a:rPr lang="en-US" dirty="0" smtClean="0"/>
@@ -1837,17 +1663,69 @@
             </a:r>
             <a:r>
               <a:rPr lang="en-US" baseline="0" dirty="0" smtClean="0"/>
-              <a:t> </a:t>
-            </a:r>
-            <a:r>
-              <a:rPr lang="en-US" baseline="0" dirty="0" smtClean="0"/>
-              <a:t>the luminosity profiles of the individual </a:t>
-            </a:r>
-            <a:r>
-              <a:rPr lang="en-US" baseline="0" dirty="0" smtClean="0"/>
-              <a:t>galaxies. Light pink is not bright, and light blue is bright</a:t>
-            </a:r>
-            <a:endParaRPr lang="en-US" baseline="0" dirty="0" smtClean="0"/>
+              <a:t> the luminosity profiles of the individual galaxies. Light pink is not bright, and light blue is bright</a:t>
+            </a:r>
+          </a:p>
+          <a:p>
+            <a:endParaRPr lang="en-US" dirty="0" smtClean="0"/>
+          </a:p>
+          <a:p>
+            <a:r>
+              <a:rPr lang="en-US" dirty="0" smtClean="0"/>
+              <a:t>Varying </a:t>
+            </a:r>
+            <a:r>
+              <a:rPr lang="en-US" dirty="0" smtClean="0"/>
+              <a:t>parts of the stacked profile use distinct galaxies at different redshifts. </a:t>
+            </a:r>
+            <a:endParaRPr lang="en-US" dirty="0" smtClean="0"/>
+          </a:p>
+          <a:p>
+            <a:endParaRPr lang="en-US" dirty="0" smtClean="0"/>
+          </a:p>
+          <a:p>
+            <a:r>
+              <a:rPr lang="en-US" dirty="0" smtClean="0"/>
+              <a:t>aren't </a:t>
+            </a:r>
+            <a:r>
+              <a:rPr lang="en-US" dirty="0" smtClean="0"/>
+              <a:t>normally distributed like the non-flagged </a:t>
+            </a:r>
+            <a:r>
+              <a:rPr lang="en-US" dirty="0" smtClean="0"/>
+              <a:t>galaxies. these </a:t>
+            </a:r>
+            <a:r>
+              <a:rPr lang="en-US" dirty="0" smtClean="0"/>
+              <a:t>galaxies were of lower redshift, they appear to be more luminous. </a:t>
+            </a:r>
+            <a:endParaRPr lang="en-US" dirty="0" smtClean="0"/>
+          </a:p>
+          <a:p>
+            <a:endParaRPr lang="en-US" dirty="0" smtClean="0"/>
+          </a:p>
+          <a:p>
+            <a:r>
+              <a:rPr lang="en-US" dirty="0" smtClean="0"/>
+              <a:t>evidence </a:t>
+            </a:r>
+            <a:r>
+              <a:rPr lang="en-US" dirty="0" smtClean="0"/>
+              <a:t>that those LRGs are flagged as Bright Objects because they offset our stacked profile. </a:t>
+            </a:r>
+            <a:r>
+              <a:rPr lang="en-US" dirty="0" smtClean="0"/>
+              <a:t>lower </a:t>
+            </a:r>
+            <a:r>
+              <a:rPr lang="en-US" dirty="0" smtClean="0"/>
+              <a:t>limit of 0.2 to our redshift </a:t>
+            </a:r>
+            <a:r>
+              <a:rPr lang="en-US" dirty="0" smtClean="0"/>
+              <a:t>distribution. </a:t>
+            </a:r>
           </a:p>
         </p:txBody>
       </p:sp>
@@ -1877,7 +1755,7 @@
     </p:spTree>
     <p:extLst>
       <p:ext uri="{BB962C8B-B14F-4D97-AF65-F5344CB8AC3E}">
-        <p14:creationId xmlns:p14="http://schemas.microsoft.com/office/powerpoint/2010/main" val="4189525734"/>
+        <p14:creationId xmlns:p14="http://schemas.microsoft.com/office/powerpoint/2010/main" val="1582717068"/>
       </p:ext>
     </p:extLst>
   </p:cSld>
@@ -1963,12 +1841,25 @@
             </a:r>
           </a:p>
           <a:p>
+            <a:endParaRPr lang="en-US" dirty="0" smtClean="0"/>
+          </a:p>
+          <a:p>
+            <a:r>
+              <a:rPr lang="en-US" dirty="0" smtClean="0"/>
+              <a:t>even</a:t>
+            </a:r>
+            <a:r>
+              <a:rPr lang="en-US" baseline="0" dirty="0" smtClean="0"/>
+              <a:t> numbers of bright galaxies and not bright galaxies in each bin. </a:t>
+            </a:r>
+          </a:p>
+          <a:p>
             <a:endParaRPr lang="en-US" baseline="0" dirty="0" smtClean="0"/>
           </a:p>
           <a:p>
             <a:r>
               <a:rPr lang="en-US" baseline="0" dirty="0" smtClean="0"/>
-              <a:t>more bright galaxies than not bright galaxies in first bin. While we would expect bright galaxies to be more luminous at the lower apertures, just to be sure I made distribution of the apparent magnitudes and redshifts for our sample.</a:t>
+              <a:t>increased the number of bins for our next step, when we calculate the logarithmic slope of the luminosity density profile.</a:t>
             </a:r>
             <a:endParaRPr lang="en-US" dirty="0"/>
           </a:p>
@@ -2000,7 +1891,7 @@
     </p:spTree>
     <p:extLst>
       <p:ext uri="{BB962C8B-B14F-4D97-AF65-F5344CB8AC3E}">
-        <p14:creationId xmlns:p14="http://schemas.microsoft.com/office/powerpoint/2010/main" val="2800756641"/>
+        <p14:creationId xmlns:p14="http://schemas.microsoft.com/office/powerpoint/2010/main" val="3028395736"/>
       </p:ext>
     </p:extLst>
   </p:cSld>
@@ -2054,58 +1945,148 @@
           <a:bodyPr/>
           <a:lstStyle/>
           <a:p>
+            <a:pPr marL="0" marR="0" indent="0" algn="l" defTabSz="457200" rtl="0" eaLnBrk="1" fontAlgn="auto" latinLnBrk="0" hangingPunct="1">
+              <a:lnSpc>
+                <a:spcPct val="100000"/>
+              </a:lnSpc>
+              <a:spcBef>
+                <a:spcPts val="0"/>
+              </a:spcBef>
+              <a:spcAft>
+                <a:spcPts val="0"/>
+              </a:spcAft>
+              <a:buClrTx/>
+              <a:buSzTx/>
+              <a:buFontTx/>
+              <a:buNone/>
+              <a:tabLst/>
+              <a:defRPr/>
+            </a:pPr>
+            <a:r>
+              <a:rPr lang="en-US" baseline="0" dirty="0" smtClean="0"/>
+              <a:t>we fit a line of best fit (using linear regression) to the stacked profile and the individual profiles. </a:t>
+            </a:r>
+          </a:p>
+          <a:p>
+            <a:pPr marL="0" marR="0" indent="0" algn="l" defTabSz="457200" rtl="0" eaLnBrk="1" fontAlgn="auto" latinLnBrk="0" hangingPunct="1">
+              <a:lnSpc>
+                <a:spcPct val="100000"/>
+              </a:lnSpc>
+              <a:spcBef>
+                <a:spcPts val="0"/>
+              </a:spcBef>
+              <a:spcAft>
+                <a:spcPts val="0"/>
+              </a:spcAft>
+              <a:buClrTx/>
+              <a:buSzTx/>
+              <a:buFontTx/>
+              <a:buNone/>
+              <a:tabLst/>
+              <a:defRPr/>
+            </a:pPr>
+            <a:endParaRPr lang="en-US" baseline="0" dirty="0" smtClean="0"/>
+          </a:p>
+          <a:p>
+            <a:pPr marL="0" marR="0" indent="0" algn="l" defTabSz="457200" rtl="0" eaLnBrk="1" fontAlgn="auto" latinLnBrk="0" hangingPunct="1">
+              <a:lnSpc>
+                <a:spcPct val="100000"/>
+              </a:lnSpc>
+              <a:spcBef>
+                <a:spcPts val="0"/>
+              </a:spcBef>
+              <a:spcAft>
+                <a:spcPts val="0"/>
+              </a:spcAft>
+              <a:buClrTx/>
+              <a:buSzTx/>
+              <a:buFontTx/>
+              <a:buNone/>
+              <a:tabLst/>
+              <a:defRPr/>
+            </a:pPr>
+            <a:r>
+              <a:rPr lang="en-US" baseline="0" dirty="0" smtClean="0"/>
+              <a:t>homogenize our results, all fit to the same physical boundary, r1/2 to r61/2. </a:t>
+            </a:r>
+          </a:p>
+          <a:p>
+            <a:pPr marL="0" marR="0" indent="0" algn="l" defTabSz="457200" rtl="0" eaLnBrk="1" fontAlgn="auto" latinLnBrk="0" hangingPunct="1">
+              <a:lnSpc>
+                <a:spcPct val="100000"/>
+              </a:lnSpc>
+              <a:spcBef>
+                <a:spcPts val="0"/>
+              </a:spcBef>
+              <a:spcAft>
+                <a:spcPts val="0"/>
+              </a:spcAft>
+              <a:buClrTx/>
+              <a:buSzTx/>
+              <a:buFontTx/>
+              <a:buNone/>
+              <a:tabLst/>
+              <a:defRPr/>
+            </a:pPr>
+            <a:endParaRPr lang="en-US" baseline="0" dirty="0" smtClean="0"/>
+          </a:p>
+          <a:p>
+            <a:pPr marL="0" marR="0" indent="0" algn="l" defTabSz="457200" rtl="0" eaLnBrk="1" fontAlgn="auto" latinLnBrk="0" hangingPunct="1">
+              <a:lnSpc>
+                <a:spcPct val="100000"/>
+              </a:lnSpc>
+              <a:spcBef>
+                <a:spcPts val="0"/>
+              </a:spcBef>
+              <a:spcAft>
+                <a:spcPts val="0"/>
+              </a:spcAft>
+              <a:buClrTx/>
+              <a:buSzTx/>
+              <a:buFontTx/>
+              <a:buNone/>
+              <a:tabLst/>
+              <a:defRPr/>
+            </a:pPr>
+            <a:r>
+              <a:rPr lang="en-US" baseline="0" dirty="0" smtClean="0"/>
+              <a:t>half radii </a:t>
+            </a:r>
+            <a:r>
+              <a:rPr lang="en-US" baseline="0" dirty="0" smtClean="0">
+                <a:sym typeface="Wingdings"/>
+              </a:rPr>
+              <a:t> marks </a:t>
+            </a:r>
+            <a:r>
+              <a:rPr lang="en-US" baseline="0" dirty="0" smtClean="0"/>
+              <a:t>inner boundary of the stellar envelope. </a:t>
+            </a:r>
+            <a:r>
+              <a:rPr lang="en-US" baseline="0" dirty="0" err="1" smtClean="0"/>
+              <a:t>Virial</a:t>
+            </a:r>
+            <a:r>
+              <a:rPr lang="en-US" baseline="0" dirty="0" smtClean="0"/>
+              <a:t> radius. Setting limit avoid contamination from un-blended sources at the edge of bright galaxies’ envelopes.</a:t>
+            </a:r>
+            <a:endParaRPr lang="en-US" dirty="0" smtClean="0"/>
+          </a:p>
+          <a:p>
+            <a:endParaRPr lang="en-US" dirty="0" smtClean="0"/>
+          </a:p>
+          <a:p>
             <a:r>
               <a:rPr lang="en-US" dirty="0" smtClean="0"/>
-              <a:t>Varying </a:t>
-            </a:r>
-            <a:r>
-              <a:rPr lang="en-US" dirty="0" smtClean="0"/>
-              <a:t>parts of the stacked profile use distinct galaxies at different redshifts. </a:t>
+              <a:t>Interestingly, we see that our stacked</a:t>
+            </a:r>
+            <a:r>
+              <a:rPr lang="en-US" baseline="0" dirty="0" smtClean="0"/>
+              <a:t> profiles for Bright Objects are in Agreement with our stacked profiles for Not Bright Objects</a:t>
             </a:r>
             <a:endParaRPr lang="en-US" dirty="0" smtClean="0"/>
           </a:p>
           <a:p>
-            <a:endParaRPr lang="en-US" dirty="0" smtClean="0"/>
-          </a:p>
-          <a:p>
-            <a:r>
-              <a:rPr lang="en-US" dirty="0" smtClean="0"/>
-              <a:t>aren't </a:t>
-            </a:r>
-            <a:r>
-              <a:rPr lang="en-US" dirty="0" smtClean="0"/>
-              <a:t>normally distributed like the non-flagged </a:t>
-            </a:r>
-            <a:r>
-              <a:rPr lang="en-US" dirty="0" smtClean="0"/>
-              <a:t>galaxies. these </a:t>
-            </a:r>
-            <a:r>
-              <a:rPr lang="en-US" dirty="0" smtClean="0"/>
-              <a:t>galaxies were of lower redshift, they appear to be more luminous. </a:t>
-            </a:r>
-            <a:endParaRPr lang="en-US" dirty="0" smtClean="0"/>
-          </a:p>
-          <a:p>
-            <a:endParaRPr lang="en-US" dirty="0" smtClean="0"/>
-          </a:p>
-          <a:p>
-            <a:r>
-              <a:rPr lang="en-US" dirty="0" smtClean="0"/>
-              <a:t>evidence </a:t>
-            </a:r>
-            <a:r>
-              <a:rPr lang="en-US" dirty="0" smtClean="0"/>
-              <a:t>that those LRGs are flagged as Bright Objects because they offset our stacked profile. </a:t>
-            </a:r>
-            <a:r>
-              <a:rPr lang="en-US" dirty="0" smtClean="0"/>
-              <a:t>lower </a:t>
-            </a:r>
-            <a:r>
-              <a:rPr lang="en-US" dirty="0" smtClean="0"/>
-              <a:t>limit of 0.2 to our redshift distribution. </a:t>
-            </a:r>
             <a:endParaRPr lang="en-US" dirty="0"/>
           </a:p>
         </p:txBody>
@@ -2136,7 +2117,7 @@
     </p:spTree>
     <p:extLst>
       <p:ext uri="{BB962C8B-B14F-4D97-AF65-F5344CB8AC3E}">
-        <p14:creationId xmlns:p14="http://schemas.microsoft.com/office/powerpoint/2010/main" val="1582717068"/>
+        <p14:creationId xmlns:p14="http://schemas.microsoft.com/office/powerpoint/2010/main" val="3613078520"/>
       </p:ext>
     </p:extLst>
   </p:cSld>
@@ -2191,12 +2172,87 @@
           <a:lstStyle/>
           <a:p>
             <a:r>
+              <a:rPr lang="en-US" baseline="0" dirty="0" smtClean="0"/>
+              <a:t>main focus of this project is to find the relationship between mass assembly history and the dark matter halo.</a:t>
+            </a:r>
+          </a:p>
+          <a:p>
+            <a:endParaRPr lang="en-US" baseline="0" dirty="0" smtClean="0"/>
+          </a:p>
+          <a:p>
+            <a:r>
+              <a:rPr lang="en-US" baseline="0" dirty="0" smtClean="0"/>
+              <a:t>Galaxy merger, accumulates more mass, </a:t>
+            </a:r>
+            <a:r>
+              <a:rPr lang="en-US" baseline="0" dirty="0" smtClean="0"/>
+              <a:t>visible aspects </a:t>
+            </a:r>
+            <a:r>
+              <a:rPr lang="en-US" baseline="0" dirty="0" smtClean="0"/>
+              <a:t>affected(distribution </a:t>
+            </a:r>
+            <a:r>
+              <a:rPr lang="en-US" baseline="0" dirty="0" smtClean="0"/>
+              <a:t>of stars in the stellar </a:t>
+            </a:r>
+            <a:r>
+              <a:rPr lang="en-US" baseline="0" dirty="0" smtClean="0"/>
+              <a:t>envelope). the </a:t>
+            </a:r>
+            <a:r>
+              <a:rPr lang="en-US" baseline="0" dirty="0" smtClean="0"/>
+              <a:t>Dark matter </a:t>
+            </a:r>
+            <a:r>
+              <a:rPr lang="en-US" baseline="0" dirty="0" smtClean="0"/>
+              <a:t>tidally </a:t>
+            </a:r>
+            <a:r>
+              <a:rPr lang="en-US" baseline="0" dirty="0" smtClean="0"/>
+              <a:t>disrupted. </a:t>
+            </a:r>
+            <a:r>
               <a:rPr lang="en-US" dirty="0" smtClean="0"/>
-              <a:t>even</a:t>
-            </a:r>
-            <a:r>
-              <a:rPr lang="en-US" baseline="0" dirty="0" smtClean="0"/>
-              <a:t> numbers of bright galaxies and not bright galaxies in each bin. </a:t>
+              <a:t>LRGs</a:t>
+            </a:r>
+            <a:r>
+              <a:rPr lang="en-US" baseline="0" dirty="0" smtClean="0"/>
+              <a:t> early</a:t>
+            </a:r>
+            <a:r>
+              <a:rPr lang="en-US" baseline="0" dirty="0" smtClean="0"/>
+              <a:t>-</a:t>
+            </a:r>
+            <a:r>
+              <a:rPr lang="en-US" baseline="0" dirty="0" smtClean="0"/>
+              <a:t>type </a:t>
+            </a:r>
+            <a:r>
+              <a:rPr lang="en-US" baseline="0" dirty="0" err="1" smtClean="0"/>
+              <a:t>galaxies</a:t>
+            </a:r>
+            <a:r>
+              <a:rPr lang="en-US" baseline="0" dirty="0" err="1" smtClean="0">
+                <a:sym typeface="Wingdings"/>
+              </a:rPr>
+              <a:t></a:t>
+            </a:r>
+            <a:r>
+              <a:rPr lang="en-US" baseline="0" dirty="0" err="1" smtClean="0"/>
+              <a:t>undergone</a:t>
+            </a:r>
+            <a:r>
+              <a:rPr lang="en-US" baseline="0" dirty="0" smtClean="0"/>
+              <a:t> </a:t>
+            </a:r>
+            <a:r>
+              <a:rPr lang="en-US" baseline="0" dirty="0" smtClean="0"/>
+              <a:t>mergers and </a:t>
+            </a:r>
+            <a:r>
+              <a:rPr lang="en-US" baseline="0" dirty="0" smtClean="0"/>
+              <a:t>accumulated most of their mass. </a:t>
             </a:r>
           </a:p>
           <a:p>
@@ -2205,9 +2261,73 @@
           <a:p>
             <a:r>
               <a:rPr lang="en-US" baseline="0" dirty="0" smtClean="0"/>
-              <a:t>increased the number of bins for our next step, when we calculate the logarithmic slope of the luminosity density profile.</a:t>
-            </a:r>
-            <a:endParaRPr lang="en-US" dirty="0"/>
+              <a:t>we first need to find if there is a correlation between mass assembly and star formation history.</a:t>
+            </a:r>
+          </a:p>
+          <a:p>
+            <a:endParaRPr lang="en-US" baseline="0" dirty="0" smtClean="0"/>
+          </a:p>
+          <a:p>
+            <a:r>
+              <a:rPr lang="en-US" baseline="0" dirty="0" smtClean="0"/>
+              <a:t>Using a code that fits the spectra of all LRGs, we match </a:t>
+            </a:r>
+            <a:r>
+              <a:rPr lang="en-US" baseline="0" dirty="0" smtClean="0"/>
+              <a:t>to </a:t>
+            </a:r>
+            <a:r>
+              <a:rPr lang="en-US" baseline="0" dirty="0" smtClean="0"/>
+              <a:t>get their total spectral </a:t>
+            </a:r>
+            <a:r>
+              <a:rPr lang="en-US" baseline="0" dirty="0" smtClean="0"/>
+              <a:t>data (</a:t>
+            </a:r>
+            <a:r>
+              <a:rPr lang="en-US" baseline="0" dirty="0" err="1" smtClean="0"/>
+              <a:t>metallicity</a:t>
+            </a:r>
+            <a:r>
+              <a:rPr lang="en-US" baseline="0" dirty="0" smtClean="0"/>
+              <a:t>, star formation histories)</a:t>
+            </a:r>
+            <a:endParaRPr lang="en-US" baseline="0" dirty="0" smtClean="0"/>
+          </a:p>
+          <a:p>
+            <a:endParaRPr lang="en-US" baseline="0" dirty="0" smtClean="0"/>
+          </a:p>
+          <a:p>
+            <a:r>
+              <a:rPr lang="en-US" baseline="0" dirty="0" smtClean="0"/>
+              <a:t>distinguish </a:t>
+            </a:r>
+            <a:r>
+              <a:rPr lang="en-US" baseline="0" dirty="0" smtClean="0"/>
+              <a:t>them by SFH based on when they accumulated the most mass. </a:t>
+            </a:r>
+            <a:r>
+              <a:rPr lang="en-US" baseline="0" dirty="0" smtClean="0"/>
+              <a:t>most </a:t>
+            </a:r>
+            <a:r>
+              <a:rPr lang="en-US" baseline="0" dirty="0" smtClean="0"/>
+              <a:t>of their mass formed in the oldest age </a:t>
+            </a:r>
+            <a:r>
+              <a:rPr lang="en-US" baseline="0" dirty="0" smtClean="0"/>
+              <a:t>bin.</a:t>
+            </a:r>
+          </a:p>
+          <a:p>
+            <a:endParaRPr lang="en-US" baseline="0" dirty="0" smtClean="0"/>
+          </a:p>
+          <a:p>
+            <a:r>
+              <a:rPr lang="en-US" baseline="0" dirty="0" smtClean="0"/>
+              <a:t>Since we are trying to connect when these mergers occur, it is necessary to separate into older and younger populations.</a:t>
+            </a:r>
+            <a:endParaRPr lang="en-US" baseline="0" dirty="0" smtClean="0"/>
           </a:p>
         </p:txBody>
       </p:sp>
@@ -2237,7 +2357,7 @@
     </p:spTree>
     <p:extLst>
       <p:ext uri="{BB962C8B-B14F-4D97-AF65-F5344CB8AC3E}">
-        <p14:creationId xmlns:p14="http://schemas.microsoft.com/office/powerpoint/2010/main" val="3028395736"/>
+        <p14:creationId xmlns:p14="http://schemas.microsoft.com/office/powerpoint/2010/main" val="617202494"/>
       </p:ext>
     </p:extLst>
   </p:cSld>
@@ -2291,148 +2411,61 @@
           <a:bodyPr/>
           <a:lstStyle/>
           <a:p>
-            <a:pPr marL="0" marR="0" indent="0" algn="l" defTabSz="457200" rtl="0" eaLnBrk="1" fontAlgn="auto" latinLnBrk="0" hangingPunct="1">
-              <a:lnSpc>
-                <a:spcPct val="100000"/>
-              </a:lnSpc>
-              <a:spcBef>
-                <a:spcPts val="0"/>
-              </a:spcBef>
-              <a:spcAft>
-                <a:spcPts val="0"/>
-              </a:spcAft>
-              <a:buClrTx/>
-              <a:buSzTx/>
-              <a:buFontTx/>
-              <a:buNone/>
-              <a:tabLst/>
-              <a:defRPr/>
-            </a:pPr>
-            <a:r>
-              <a:rPr lang="en-US" baseline="0" dirty="0" smtClean="0"/>
-              <a:t>we fit a line of best fit (using linear regression) to the log-log stacked profile and the individual profiles. </a:t>
-            </a:r>
-          </a:p>
-          <a:p>
-            <a:pPr marL="0" marR="0" indent="0" algn="l" defTabSz="457200" rtl="0" eaLnBrk="1" fontAlgn="auto" latinLnBrk="0" hangingPunct="1">
-              <a:lnSpc>
-                <a:spcPct val="100000"/>
-              </a:lnSpc>
-              <a:spcBef>
-                <a:spcPts val="0"/>
-              </a:spcBef>
-              <a:spcAft>
-                <a:spcPts val="0"/>
-              </a:spcAft>
-              <a:buClrTx/>
-              <a:buSzTx/>
-              <a:buFontTx/>
-              <a:buNone/>
-              <a:tabLst/>
-              <a:defRPr/>
-            </a:pPr>
+            <a:r>
+              <a:rPr lang="en-US" dirty="0" smtClean="0"/>
+              <a:t>Slopes</a:t>
+            </a:r>
+            <a:r>
+              <a:rPr lang="en-US" baseline="0" dirty="0" smtClean="0"/>
+              <a:t> </a:t>
+            </a:r>
+            <a:r>
+              <a:rPr lang="en-US" dirty="0" smtClean="0"/>
+              <a:t>of </a:t>
+            </a:r>
+            <a:r>
+              <a:rPr lang="en-US" dirty="0" smtClean="0"/>
+              <a:t>the older and younger </a:t>
+            </a:r>
+            <a:r>
+              <a:rPr lang="en-US" dirty="0" smtClean="0"/>
+              <a:t>galaxies</a:t>
+            </a:r>
+            <a:r>
+              <a:rPr lang="en-US" baseline="0" dirty="0" smtClean="0"/>
+              <a:t> appear </a:t>
+            </a:r>
+            <a:r>
+              <a:rPr lang="en-US" baseline="0" dirty="0" smtClean="0"/>
+              <a:t>to be in agreement</a:t>
+            </a:r>
+            <a:r>
+              <a:rPr lang="en-US" baseline="0" dirty="0" smtClean="0"/>
+              <a:t>. </a:t>
+            </a:r>
+          </a:p>
+          <a:p>
             <a:endParaRPr lang="en-US" baseline="0" dirty="0" smtClean="0"/>
           </a:p>
           <a:p>
-            <a:pPr marL="0" marR="0" indent="0" algn="l" defTabSz="457200" rtl="0" eaLnBrk="1" fontAlgn="auto" latinLnBrk="0" hangingPunct="1">
-              <a:lnSpc>
-                <a:spcPct val="100000"/>
-              </a:lnSpc>
-              <a:spcBef>
-                <a:spcPts val="0"/>
-              </a:spcBef>
-              <a:spcAft>
-                <a:spcPts val="0"/>
-              </a:spcAft>
-              <a:buClrTx/>
-              <a:buSzTx/>
-              <a:buFontTx/>
-              <a:buNone/>
-              <a:tabLst/>
-              <a:defRPr/>
-            </a:pPr>
-            <a:r>
-              <a:rPr lang="en-US" baseline="0" dirty="0" smtClean="0"/>
-              <a:t>homogenize our results, all fit to the same physical boundary, r1/2 to r61/2. </a:t>
-            </a:r>
-          </a:p>
-          <a:p>
-            <a:pPr marL="0" marR="0" indent="0" algn="l" defTabSz="457200" rtl="0" eaLnBrk="1" fontAlgn="auto" latinLnBrk="0" hangingPunct="1">
-              <a:lnSpc>
-                <a:spcPct val="100000"/>
-              </a:lnSpc>
-              <a:spcBef>
-                <a:spcPts val="0"/>
-              </a:spcBef>
-              <a:spcAft>
-                <a:spcPts val="0"/>
-              </a:spcAft>
-              <a:buClrTx/>
-              <a:buSzTx/>
-              <a:buFontTx/>
-              <a:buNone/>
-              <a:tabLst/>
-              <a:defRPr/>
-            </a:pPr>
+            <a:r>
+              <a:rPr lang="en-US" baseline="0" dirty="0" smtClean="0"/>
+              <a:t>It </a:t>
+            </a:r>
+            <a:r>
+              <a:rPr lang="en-US" baseline="0" dirty="0" smtClean="0"/>
+              <a:t>is important to note that about half of the galaxies in each older and younger population are flagged as Bright Objects. </a:t>
+            </a:r>
             <a:endParaRPr lang="en-US" baseline="0" dirty="0" smtClean="0"/>
           </a:p>
           <a:p>
-            <a:pPr marL="0" marR="0" indent="0" algn="l" defTabSz="457200" rtl="0" eaLnBrk="1" fontAlgn="auto" latinLnBrk="0" hangingPunct="1">
-              <a:lnSpc>
-                <a:spcPct val="100000"/>
-              </a:lnSpc>
-              <a:spcBef>
-                <a:spcPts val="0"/>
-              </a:spcBef>
-              <a:spcAft>
-                <a:spcPts val="0"/>
-              </a:spcAft>
-              <a:buClrTx/>
-              <a:buSzTx/>
-              <a:buFontTx/>
-              <a:buNone/>
-              <a:tabLst/>
-              <a:defRPr/>
-            </a:pPr>
-            <a:r>
-              <a:rPr lang="en-US" baseline="0" dirty="0" smtClean="0"/>
-              <a:t>half radii </a:t>
-            </a:r>
-            <a:r>
-              <a:rPr lang="en-US" baseline="0" dirty="0" smtClean="0">
-                <a:sym typeface="Wingdings"/>
-              </a:rPr>
-              <a:t> marks </a:t>
-            </a:r>
-            <a:r>
-              <a:rPr lang="en-US" baseline="0" dirty="0" smtClean="0"/>
-              <a:t>inner boundary of the stellar envelope. </a:t>
-            </a:r>
-            <a:r>
-              <a:rPr lang="en-US" baseline="0" dirty="0" err="1" smtClean="0"/>
-              <a:t>Virial</a:t>
-            </a:r>
-            <a:r>
-              <a:rPr lang="en-US" baseline="0" dirty="0" smtClean="0"/>
-              <a:t> radius. Setting limit avoid contamination from un-blended sources at the edge of bright galaxies’ envelopes.</a:t>
-            </a:r>
-            <a:endParaRPr lang="en-US" dirty="0" smtClean="0"/>
-          </a:p>
-          <a:p>
-            <a:endParaRPr lang="en-US" dirty="0" smtClean="0"/>
-          </a:p>
-          <a:p>
-            <a:r>
-              <a:rPr lang="en-US" dirty="0" smtClean="0"/>
-              <a:t>Interestingly, we see that our stacked</a:t>
-            </a:r>
-            <a:r>
-              <a:rPr lang="en-US" baseline="0" dirty="0" smtClean="0"/>
-              <a:t> profiles for Bright Objects are in Agreement with our stacked profiles for Not Bright Objects</a:t>
-            </a:r>
-            <a:endParaRPr lang="en-US" dirty="0" smtClean="0"/>
-          </a:p>
-          <a:p>
+            <a:endParaRPr lang="en-US" baseline="0" dirty="0" smtClean="0"/>
+          </a:p>
+          <a:p>
+            <a:r>
+              <a:rPr lang="en-US" baseline="0" dirty="0" smtClean="0"/>
+              <a:t>In the table that shows the Bright and not Bright stacked slopes for every subsample, we confirm that the flag has little effect on the overall luminosity profile.</a:t>
+            </a:r>
             <a:endParaRPr lang="en-US" dirty="0"/>
           </a:p>
         </p:txBody>
@@ -2463,7 +2496,7 @@
     </p:spTree>
     <p:extLst>
       <p:ext uri="{BB962C8B-B14F-4D97-AF65-F5344CB8AC3E}">
-        <p14:creationId xmlns:p14="http://schemas.microsoft.com/office/powerpoint/2010/main" val="3613078520"/>
+        <p14:creationId xmlns:p14="http://schemas.microsoft.com/office/powerpoint/2010/main" val="2826134056"/>
       </p:ext>
     </p:extLst>
   </p:cSld>
@@ -2518,162 +2551,46 @@
           <a:lstStyle/>
           <a:p>
             <a:r>
-              <a:rPr lang="en-US" baseline="0" dirty="0" smtClean="0"/>
-              <a:t>main focus of this project is to find the relationship between mass assembly history and the dark matter halo.</a:t>
+              <a:rPr lang="en-US" dirty="0" smtClean="0"/>
+              <a:t>Slope </a:t>
+            </a:r>
+            <a:r>
+              <a:rPr lang="en-US" baseline="0" dirty="0" smtClean="0"/>
+              <a:t>not dependent upon the formation time. (1/100</a:t>
+            </a:r>
+            <a:r>
+              <a:rPr lang="en-US" baseline="30000" dirty="0" smtClean="0"/>
+              <a:t>th</a:t>
+            </a:r>
+            <a:r>
+              <a:rPr lang="en-US" baseline="0" dirty="0" smtClean="0"/>
+              <a:t> of a difference).</a:t>
             </a:r>
           </a:p>
           <a:p>
             <a:endParaRPr lang="en-US" baseline="0" dirty="0" smtClean="0"/>
           </a:p>
           <a:p>
-            <a:r>
-              <a:rPr lang="en-US" baseline="0" dirty="0" smtClean="0"/>
-              <a:t>Galaxy merger, accumulates more mass, </a:t>
-            </a:r>
-            <a:r>
-              <a:rPr lang="en-US" baseline="0" dirty="0" smtClean="0"/>
-              <a:t>visible aspects </a:t>
-            </a:r>
-            <a:r>
-              <a:rPr lang="en-US" baseline="0" dirty="0" smtClean="0"/>
-              <a:t>affected(distribution </a:t>
-            </a:r>
-            <a:r>
-              <a:rPr lang="en-US" baseline="0" dirty="0" smtClean="0"/>
-              <a:t>of stars in the stellar </a:t>
-            </a:r>
-            <a:r>
-              <a:rPr lang="en-US" baseline="0" dirty="0" smtClean="0"/>
-              <a:t>envelope). the </a:t>
-            </a:r>
-            <a:r>
-              <a:rPr lang="en-US" baseline="0" dirty="0" smtClean="0"/>
-              <a:t>Dark matter </a:t>
-            </a:r>
-            <a:r>
-              <a:rPr lang="en-US" baseline="0" dirty="0" smtClean="0"/>
-              <a:t>tidally </a:t>
-            </a:r>
-            <a:r>
-              <a:rPr lang="en-US" baseline="0" dirty="0" smtClean="0"/>
-              <a:t>disrupted. </a:t>
-            </a:r>
+            <a:endParaRPr lang="en-US" dirty="0" smtClean="0"/>
+          </a:p>
+          <a:p>
             <a:r>
               <a:rPr lang="en-US" dirty="0" smtClean="0"/>
-              <a:t>LRGs</a:t>
-            </a:r>
-            <a:r>
-              <a:rPr lang="en-US" baseline="0" dirty="0" smtClean="0"/>
-              <a:t> early</a:t>
-            </a:r>
-            <a:r>
-              <a:rPr lang="en-US" baseline="0" dirty="0" smtClean="0"/>
-              <a:t>-</a:t>
-            </a:r>
-            <a:r>
-              <a:rPr lang="en-US" baseline="0" dirty="0" smtClean="0"/>
-              <a:t>type </a:t>
-            </a:r>
-            <a:r>
-              <a:rPr lang="en-US" baseline="0" dirty="0" err="1" smtClean="0"/>
-              <a:t>galaxies</a:t>
-            </a:r>
-            <a:r>
-              <a:rPr lang="en-US" baseline="0" dirty="0" err="1" smtClean="0">
-                <a:sym typeface="Wingdings"/>
-              </a:rPr>
-              <a:t></a:t>
-            </a:r>
-            <a:r>
-              <a:rPr lang="en-US" baseline="0" dirty="0" err="1" smtClean="0"/>
-              <a:t>undergone</a:t>
-            </a:r>
-            <a:r>
-              <a:rPr lang="en-US" baseline="0" dirty="0" smtClean="0"/>
-              <a:t> </a:t>
-            </a:r>
-            <a:r>
-              <a:rPr lang="en-US" baseline="0" dirty="0" smtClean="0"/>
-              <a:t>mergers and </a:t>
-            </a:r>
-            <a:r>
-              <a:rPr lang="en-US" baseline="0" dirty="0" smtClean="0"/>
-              <a:t>accumulated most of their mass. </a:t>
-            </a:r>
-          </a:p>
-          <a:p>
-            <a:endParaRPr lang="en-US" baseline="0" dirty="0" smtClean="0"/>
-          </a:p>
-          <a:p>
-            <a:r>
-              <a:rPr lang="en-US" baseline="0" dirty="0" smtClean="0"/>
-              <a:t>we first need to find if there is a correlation between mass assembly and star formation history.</a:t>
-            </a:r>
-          </a:p>
-          <a:p>
-            <a:endParaRPr lang="en-US" baseline="0" dirty="0" smtClean="0"/>
-          </a:p>
-          <a:p>
-            <a:r>
-              <a:rPr lang="en-US" baseline="0" dirty="0" smtClean="0"/>
-              <a:t>Using a code that fits the spectra of all LRGs, we match </a:t>
-            </a:r>
-            <a:r>
-              <a:rPr lang="en-US" baseline="0" dirty="0" smtClean="0"/>
-              <a:t>to </a:t>
-            </a:r>
-            <a:r>
-              <a:rPr lang="en-US" baseline="0" dirty="0" smtClean="0"/>
-              <a:t>get their total spectral </a:t>
-            </a:r>
-            <a:r>
-              <a:rPr lang="en-US" baseline="0" dirty="0" smtClean="0"/>
-              <a:t>data (</a:t>
-            </a:r>
-            <a:r>
-              <a:rPr lang="en-US" baseline="0" dirty="0" err="1" smtClean="0"/>
-              <a:t>metallicity</a:t>
-            </a:r>
-            <a:r>
-              <a:rPr lang="en-US" baseline="0" dirty="0" smtClean="0"/>
-              <a:t>, star formation histories)</a:t>
-            </a:r>
-            <a:endParaRPr lang="en-US" baseline="0" dirty="0" smtClean="0"/>
-          </a:p>
-          <a:p>
-            <a:endParaRPr lang="en-US" baseline="0" dirty="0" smtClean="0"/>
-          </a:p>
-          <a:p>
-            <a:r>
-              <a:rPr lang="en-US" baseline="0" dirty="0" smtClean="0"/>
-              <a:t>distinguish </a:t>
-            </a:r>
-            <a:r>
-              <a:rPr lang="en-US" baseline="0" dirty="0" smtClean="0"/>
-              <a:t>them by SFH based on when they accumulated the most mass. </a:t>
-            </a:r>
-            <a:r>
-              <a:rPr lang="en-US" baseline="0" dirty="0" smtClean="0"/>
-              <a:t>most </a:t>
-            </a:r>
-            <a:r>
-              <a:rPr lang="en-US" baseline="0" dirty="0" smtClean="0"/>
-              <a:t>of their mass formed in the oldest age </a:t>
-            </a:r>
-            <a:r>
-              <a:rPr lang="en-US" baseline="0" dirty="0" smtClean="0"/>
-              <a:t>bin.</a:t>
-            </a:r>
-          </a:p>
-          <a:p>
-            <a:endParaRPr lang="en-US" baseline="0" dirty="0" smtClean="0"/>
-          </a:p>
-          <a:p>
-            <a:r>
-              <a:rPr lang="en-US" baseline="0" dirty="0" smtClean="0"/>
-              <a:t>Since we are trying to connect when these mergers occur, it is necessary to separate into older and younger populations.</a:t>
-            </a:r>
-            <a:endParaRPr lang="en-US" baseline="0" dirty="0" smtClean="0"/>
+              <a:t>**add value we expect from simulations from </a:t>
+            </a:r>
+            <a:r>
+              <a:rPr lang="en-US" dirty="0" err="1" smtClean="0"/>
+              <a:t>Pillepich</a:t>
+            </a:r>
+            <a:r>
+              <a:rPr lang="en-US" dirty="0" smtClean="0"/>
+              <a:t> -2.6, try</a:t>
+            </a:r>
+            <a:r>
+              <a:rPr lang="en-US" baseline="0" dirty="0" smtClean="0"/>
+              <a:t> to measure by hand</a:t>
+            </a:r>
+            <a:endParaRPr lang="en-US" dirty="0"/>
           </a:p>
         </p:txBody>
       </p:sp>
@@ -2703,7 +2620,7 @@
     </p:spTree>
     <p:extLst>
       <p:ext uri="{BB962C8B-B14F-4D97-AF65-F5344CB8AC3E}">
-        <p14:creationId xmlns:p14="http://schemas.microsoft.com/office/powerpoint/2010/main" val="617202494"/>
+        <p14:creationId xmlns:p14="http://schemas.microsoft.com/office/powerpoint/2010/main" val="2134354071"/>
       </p:ext>
     </p:extLst>
   </p:cSld>
@@ -5812,7 +5729,32 @@
           <a:p>
             <a:r>
               <a:rPr lang="en-US" dirty="0" smtClean="0"/>
-              <a:t>Amanda Newmark</a:t>
+              <a:t>Amanda </a:t>
+            </a:r>
+            <a:r>
+              <a:rPr lang="en-US" dirty="0" smtClean="0"/>
+              <a:t>Newmark</a:t>
+            </a:r>
+          </a:p>
+          <a:p>
+            <a:endParaRPr lang="en-US" dirty="0" smtClean="0"/>
+          </a:p>
+          <a:p>
+            <a:r>
+              <a:rPr lang="en-US" dirty="0" smtClean="0"/>
+              <a:t>Mentor: </a:t>
+            </a:r>
+            <a:r>
+              <a:rPr lang="en-US" dirty="0" err="1" smtClean="0"/>
+              <a:t>Elinor</a:t>
+            </a:r>
+            <a:r>
+              <a:rPr lang="en-US" dirty="0" smtClean="0"/>
+              <a:t> </a:t>
+            </a:r>
+            <a:r>
+              <a:rPr lang="en-US" dirty="0" err="1"/>
+              <a:t>Medezinski</a:t>
             </a:r>
             <a:endParaRPr lang="en-US" dirty="0"/>
           </a:p>
@@ -5839,6 +5781,2487 @@
 </file>
 
 <file path=ppt/slides/slide10.xml><?xml version="1.0" encoding="utf-8"?>
+<p:sld xmlns:a="http://schemas.openxmlformats.org/drawingml/2006/main" xmlns:r="http://schemas.openxmlformats.org/officeDocument/2006/relationships" xmlns:p="http://schemas.openxmlformats.org/presentationml/2006/main">
+  <p:cSld>
+    <p:spTree>
+      <p:nvGrpSpPr>
+        <p:cNvPr id="1" name=""/>
+        <p:cNvGrpSpPr/>
+        <p:nvPr/>
+      </p:nvGrpSpPr>
+      <p:grpSpPr>
+        <a:xfrm>
+          <a:off x="0" y="0"/>
+          <a:ext cx="0" cy="0"/>
+          <a:chOff x="0" y="0"/>
+          <a:chExt cx="0" cy="0"/>
+        </a:xfrm>
+      </p:grpSpPr>
+      <p:sp>
+        <p:nvSpPr>
+          <p:cNvPr id="2" name="Title 1"/>
+          <p:cNvSpPr>
+            <a:spLocks noGrp="1"/>
+          </p:cNvSpPr>
+          <p:nvPr>
+            <p:ph type="title"/>
+          </p:nvPr>
+        </p:nvSpPr>
+        <p:spPr/>
+        <p:txBody>
+          <a:bodyPr/>
+          <a:lstStyle/>
+          <a:p>
+            <a:r>
+              <a:rPr lang="en-US" dirty="0" smtClean="0"/>
+              <a:t>Conclusion</a:t>
+            </a:r>
+            <a:endParaRPr lang="en-US" dirty="0"/>
+          </a:p>
+        </p:txBody>
+      </p:sp>
+      <p:sp>
+        <p:nvSpPr>
+          <p:cNvPr id="3" name="Content Placeholder 2"/>
+          <p:cNvSpPr>
+            <a:spLocks noGrp="1"/>
+          </p:cNvSpPr>
+          <p:nvPr>
+            <p:ph idx="1"/>
+          </p:nvPr>
+        </p:nvSpPr>
+        <p:spPr/>
+        <p:txBody>
+          <a:bodyPr/>
+          <a:lstStyle/>
+          <a:p>
+            <a:r>
+              <a:rPr lang="en-US" dirty="0" smtClean="0"/>
+              <a:t>Not necessary to remove </a:t>
+            </a:r>
+            <a:r>
+              <a:rPr lang="en-US" dirty="0" smtClean="0"/>
+              <a:t>bright objects</a:t>
+            </a:r>
+          </a:p>
+          <a:p>
+            <a:r>
+              <a:rPr lang="en-US" dirty="0" smtClean="0"/>
+              <a:t>No correlation between accretion history and SFH</a:t>
+            </a:r>
+            <a:endParaRPr lang="en-US" dirty="0" smtClean="0"/>
+          </a:p>
+        </p:txBody>
+      </p:sp>
+      <p:sp>
+        <p:nvSpPr>
+          <p:cNvPr id="4" name="Footer Placeholder 3"/>
+          <p:cNvSpPr>
+            <a:spLocks noGrp="1"/>
+          </p:cNvSpPr>
+          <p:nvPr>
+            <p:ph type="ftr" sz="quarter" idx="11"/>
+          </p:nvPr>
+        </p:nvSpPr>
+        <p:spPr/>
+        <p:txBody>
+          <a:bodyPr/>
+          <a:lstStyle/>
+          <a:p>
+            <a:r>
+              <a:rPr lang="en-US" smtClean="0"/>
+              <a:t>Amanda Newmark</a:t>
+            </a:r>
+            <a:endParaRPr lang="en-US"/>
+          </a:p>
+        </p:txBody>
+      </p:sp>
+    </p:spTree>
+    <p:extLst>
+      <p:ext uri="{BB962C8B-B14F-4D97-AF65-F5344CB8AC3E}">
+        <p14:creationId xmlns:p14="http://schemas.microsoft.com/office/powerpoint/2010/main" val="3311873324"/>
+      </p:ext>
+    </p:extLst>
+  </p:cSld>
+  <p:clrMapOvr>
+    <a:masterClrMapping/>
+  </p:clrMapOvr>
+  <p:timing>
+    <p:tnLst>
+      <p:par>
+        <p:cTn xmlns:p14="http://schemas.microsoft.com/office/powerpoint/2010/main" id="1" dur="indefinite" restart="never" nodeType="tmRoot"/>
+      </p:par>
+    </p:tnLst>
+  </p:timing>
+</p:sld>
+</file>
+
+<file path=ppt/slides/slide11.xml><?xml version="1.0" encoding="utf-8"?>
+<p:sld xmlns:a="http://schemas.openxmlformats.org/drawingml/2006/main" xmlns:r="http://schemas.openxmlformats.org/officeDocument/2006/relationships" xmlns:p="http://schemas.openxmlformats.org/presentationml/2006/main">
+  <p:cSld>
+    <p:spTree>
+      <p:nvGrpSpPr>
+        <p:cNvPr id="1" name=""/>
+        <p:cNvGrpSpPr/>
+        <p:nvPr/>
+      </p:nvGrpSpPr>
+      <p:grpSpPr>
+        <a:xfrm>
+          <a:off x="0" y="0"/>
+          <a:ext cx="0" cy="0"/>
+          <a:chOff x="0" y="0"/>
+          <a:chExt cx="0" cy="0"/>
+        </a:xfrm>
+      </p:grpSpPr>
+      <p:sp>
+        <p:nvSpPr>
+          <p:cNvPr id="2" name="Title 1"/>
+          <p:cNvSpPr>
+            <a:spLocks noGrp="1"/>
+          </p:cNvSpPr>
+          <p:nvPr>
+            <p:ph type="title"/>
+          </p:nvPr>
+        </p:nvSpPr>
+        <p:spPr/>
+        <p:txBody>
+          <a:bodyPr/>
+          <a:lstStyle/>
+          <a:p>
+            <a:r>
+              <a:rPr lang="en-US" dirty="0" smtClean="0"/>
+              <a:t>Future Tests</a:t>
+            </a:r>
+            <a:endParaRPr lang="en-US" dirty="0"/>
+          </a:p>
+        </p:txBody>
+      </p:sp>
+      <p:sp>
+        <p:nvSpPr>
+          <p:cNvPr id="3" name="Content Placeholder 2"/>
+          <p:cNvSpPr>
+            <a:spLocks noGrp="1"/>
+          </p:cNvSpPr>
+          <p:nvPr>
+            <p:ph idx="1"/>
+          </p:nvPr>
+        </p:nvSpPr>
+        <p:spPr/>
+        <p:txBody>
+          <a:bodyPr/>
+          <a:lstStyle/>
+          <a:p>
+            <a:r>
+              <a:rPr lang="en-US" dirty="0" smtClean="0"/>
+              <a:t>The next step: Weak </a:t>
+            </a:r>
+            <a:r>
+              <a:rPr lang="en-US" dirty="0" smtClean="0"/>
+              <a:t>Gravitational </a:t>
+            </a:r>
+            <a:r>
+              <a:rPr lang="en-US" dirty="0" smtClean="0"/>
+              <a:t>Lensing</a:t>
+            </a:r>
+          </a:p>
+          <a:p>
+            <a:r>
+              <a:rPr lang="en-US" dirty="0" smtClean="0"/>
+              <a:t>Expand to </a:t>
+            </a:r>
+            <a:r>
+              <a:rPr lang="en-US" dirty="0" smtClean="0"/>
+              <a:t>other HSC Wide Field</a:t>
+            </a:r>
+          </a:p>
+          <a:p>
+            <a:r>
+              <a:rPr lang="en-US" dirty="0" smtClean="0"/>
+              <a:t>Try different galaxy populations (e.g. CMASS)</a:t>
+            </a:r>
+          </a:p>
+        </p:txBody>
+      </p:sp>
+      <p:sp>
+        <p:nvSpPr>
+          <p:cNvPr id="4" name="Footer Placeholder 3"/>
+          <p:cNvSpPr>
+            <a:spLocks noGrp="1"/>
+          </p:cNvSpPr>
+          <p:nvPr>
+            <p:ph type="ftr" sz="quarter" idx="11"/>
+          </p:nvPr>
+        </p:nvSpPr>
+        <p:spPr/>
+        <p:txBody>
+          <a:bodyPr/>
+          <a:lstStyle/>
+          <a:p>
+            <a:r>
+              <a:rPr lang="en-US" smtClean="0"/>
+              <a:t>Amanda Newmark</a:t>
+            </a:r>
+            <a:endParaRPr lang="en-US"/>
+          </a:p>
+        </p:txBody>
+      </p:sp>
+      <p:pic>
+        <p:nvPicPr>
+          <p:cNvPr id="5" name="Picture 4" descr="Screen Shot 2016-07-27 at 4.25.01 PM.png"/>
+          <p:cNvPicPr>
+            <a:picLocks noChangeAspect="1"/>
+          </p:cNvPicPr>
+          <p:nvPr/>
+        </p:nvPicPr>
+        <p:blipFill rotWithShape="1">
+          <a:blip r:embed="rId3">
+            <a:extLst>
+              <a:ext uri="{28A0092B-C50C-407E-A947-70E740481C1C}">
+                <a14:useLocalDpi xmlns:a14="http://schemas.microsoft.com/office/drawing/2010/main" val="0"/>
+              </a:ext>
+            </a:extLst>
+          </a:blip>
+          <a:srcRect/>
+          <a:stretch/>
+        </p:blipFill>
+        <p:spPr>
+          <a:xfrm>
+            <a:off x="5774526" y="3560639"/>
+            <a:ext cx="3369473" cy="3160836"/>
+          </a:xfrm>
+          <a:prstGeom prst="rect">
+            <a:avLst/>
+          </a:prstGeom>
+        </p:spPr>
+      </p:pic>
+      <p:sp>
+        <p:nvSpPr>
+          <p:cNvPr id="6" name="TextBox 5"/>
+          <p:cNvSpPr txBox="1"/>
+          <p:nvPr/>
+        </p:nvSpPr>
+        <p:spPr>
+          <a:xfrm>
+            <a:off x="4264993" y="5298654"/>
+            <a:ext cx="1754807" cy="338554"/>
+          </a:xfrm>
+          <a:prstGeom prst="rect">
+            <a:avLst/>
+          </a:prstGeom>
+          <a:noFill/>
+          <a:ln>
+            <a:solidFill>
+              <a:schemeClr val="tx1"/>
+            </a:solidFill>
+          </a:ln>
+        </p:spPr>
+        <p:txBody>
+          <a:bodyPr wrap="none" rtlCol="0">
+            <a:spAutoFit/>
+          </a:bodyPr>
+          <a:lstStyle/>
+          <a:p>
+            <a:r>
+              <a:rPr lang="en-US" sz="1600" dirty="0" err="1" smtClean="0"/>
+              <a:t>Pillepich</a:t>
+            </a:r>
+            <a:r>
+              <a:rPr lang="en-US" sz="1600" dirty="0" smtClean="0"/>
+              <a:t> et al 2014</a:t>
+            </a:r>
+            <a:endParaRPr lang="en-US" sz="1600" dirty="0"/>
+          </a:p>
+        </p:txBody>
+      </p:sp>
+    </p:spTree>
+    <p:extLst>
+      <p:ext uri="{BB962C8B-B14F-4D97-AF65-F5344CB8AC3E}">
+        <p14:creationId xmlns:p14="http://schemas.microsoft.com/office/powerpoint/2010/main" val="2669350103"/>
+      </p:ext>
+    </p:extLst>
+  </p:cSld>
+  <p:clrMapOvr>
+    <a:masterClrMapping/>
+  </p:clrMapOvr>
+  <p:timing>
+    <p:tnLst>
+      <p:par>
+        <p:cTn xmlns:p14="http://schemas.microsoft.com/office/powerpoint/2010/main" id="1" dur="indefinite" restart="never" nodeType="tmRoot"/>
+      </p:par>
+    </p:tnLst>
+  </p:timing>
+</p:sld>
+</file>
+
+<file path=ppt/slides/slide12.xml><?xml version="1.0" encoding="utf-8"?>
+<p:sld xmlns:a="http://schemas.openxmlformats.org/drawingml/2006/main" xmlns:r="http://schemas.openxmlformats.org/officeDocument/2006/relationships" xmlns:p="http://schemas.openxmlformats.org/presentationml/2006/main">
+  <p:cSld>
+    <p:spTree>
+      <p:nvGrpSpPr>
+        <p:cNvPr id="1" name=""/>
+        <p:cNvGrpSpPr/>
+        <p:nvPr/>
+      </p:nvGrpSpPr>
+      <p:grpSpPr>
+        <a:xfrm>
+          <a:off x="0" y="0"/>
+          <a:ext cx="0" cy="0"/>
+          <a:chOff x="0" y="0"/>
+          <a:chExt cx="0" cy="0"/>
+        </a:xfrm>
+      </p:grpSpPr>
+      <p:sp>
+        <p:nvSpPr>
+          <p:cNvPr id="2" name="Title 1"/>
+          <p:cNvSpPr>
+            <a:spLocks noGrp="1"/>
+          </p:cNvSpPr>
+          <p:nvPr>
+            <p:ph type="ctrTitle"/>
+          </p:nvPr>
+        </p:nvSpPr>
+        <p:spPr>
+          <a:xfrm>
+            <a:off x="685800" y="1926167"/>
+            <a:ext cx="7772400" cy="1674283"/>
+          </a:xfrm>
+        </p:spPr>
+        <p:txBody>
+          <a:bodyPr>
+            <a:normAutofit/>
+          </a:bodyPr>
+          <a:lstStyle/>
+          <a:p>
+            <a:r>
+              <a:rPr lang="en-US" sz="5000" b="1" dirty="0" smtClean="0"/>
+              <a:t>Thank You!!</a:t>
+            </a:r>
+            <a:endParaRPr lang="en-US" sz="5000" b="1" dirty="0"/>
+          </a:p>
+        </p:txBody>
+      </p:sp>
+    </p:spTree>
+    <p:extLst>
+      <p:ext uri="{BB962C8B-B14F-4D97-AF65-F5344CB8AC3E}">
+        <p14:creationId xmlns:p14="http://schemas.microsoft.com/office/powerpoint/2010/main" val="1444262113"/>
+      </p:ext>
+    </p:extLst>
+  </p:cSld>
+  <p:clrMapOvr>
+    <a:masterClrMapping/>
+  </p:clrMapOvr>
+  <p:timing>
+    <p:tnLst>
+      <p:par>
+        <p:cTn xmlns:p14="http://schemas.microsoft.com/office/powerpoint/2010/main" id="1" dur="indefinite" restart="never" nodeType="tmRoot"/>
+      </p:par>
+    </p:tnLst>
+  </p:timing>
+</p:sld>
+</file>
+
+<file path=ppt/slides/slide13.xml><?xml version="1.0" encoding="utf-8"?>
+<p:sld xmlns:a="http://schemas.openxmlformats.org/drawingml/2006/main" xmlns:r="http://schemas.openxmlformats.org/officeDocument/2006/relationships" xmlns:p="http://schemas.openxmlformats.org/presentationml/2006/main">
+  <p:cSld>
+    <p:spTree>
+      <p:nvGrpSpPr>
+        <p:cNvPr id="1" name=""/>
+        <p:cNvGrpSpPr/>
+        <p:nvPr/>
+      </p:nvGrpSpPr>
+      <p:grpSpPr>
+        <a:xfrm>
+          <a:off x="0" y="0"/>
+          <a:ext cx="0" cy="0"/>
+          <a:chOff x="0" y="0"/>
+          <a:chExt cx="0" cy="0"/>
+        </a:xfrm>
+      </p:grpSpPr>
+      <p:sp>
+        <p:nvSpPr>
+          <p:cNvPr id="2" name="Title 1"/>
+          <p:cNvSpPr>
+            <a:spLocks noGrp="1"/>
+          </p:cNvSpPr>
+          <p:nvPr>
+            <p:ph type="title"/>
+          </p:nvPr>
+        </p:nvSpPr>
+        <p:spPr/>
+        <p:txBody>
+          <a:bodyPr/>
+          <a:lstStyle/>
+          <a:p>
+            <a:r>
+              <a:rPr lang="en-US" dirty="0" smtClean="0"/>
+              <a:t>Explanation of Flags</a:t>
+            </a:r>
+            <a:endParaRPr lang="en-US" dirty="0"/>
+          </a:p>
+        </p:txBody>
+      </p:sp>
+      <p:sp>
+        <p:nvSpPr>
+          <p:cNvPr id="4" name="Footer Placeholder 3"/>
+          <p:cNvSpPr>
+            <a:spLocks noGrp="1"/>
+          </p:cNvSpPr>
+          <p:nvPr>
+            <p:ph type="ftr" sz="quarter" idx="11"/>
+          </p:nvPr>
+        </p:nvSpPr>
+        <p:spPr/>
+        <p:txBody>
+          <a:bodyPr/>
+          <a:lstStyle/>
+          <a:p>
+            <a:r>
+              <a:rPr lang="en-US" smtClean="0"/>
+              <a:t>Amanda Newmark</a:t>
+            </a:r>
+            <a:endParaRPr lang="en-US"/>
+          </a:p>
+        </p:txBody>
+      </p:sp>
+      <p:graphicFrame>
+        <p:nvGraphicFramePr>
+          <p:cNvPr id="5" name="Table 4"/>
+          <p:cNvGraphicFramePr>
+            <a:graphicFrameLocks noGrp="1"/>
+          </p:cNvGraphicFramePr>
+          <p:nvPr>
+            <p:extLst>
+              <p:ext uri="{D42A27DB-BD31-4B8C-83A1-F6EECF244321}">
+                <p14:modId xmlns:p14="http://schemas.microsoft.com/office/powerpoint/2010/main" val="4233967430"/>
+              </p:ext>
+            </p:extLst>
+          </p:nvPr>
+        </p:nvGraphicFramePr>
+        <p:xfrm>
+          <a:off x="1524000" y="1397000"/>
+          <a:ext cx="6096000" cy="4043680"/>
+        </p:xfrm>
+        <a:graphic>
+          <a:graphicData uri="http://schemas.openxmlformats.org/drawingml/2006/table">
+            <a:tbl>
+              <a:tblPr firstRow="1" bandRow="1">
+                <a:tableStyleId>{073A0DAA-6AF3-43AB-8588-CEC1D06C72B9}</a:tableStyleId>
+              </a:tblPr>
+              <a:tblGrid>
+                <a:gridCol w="3048000"/>
+                <a:gridCol w="3048000"/>
+              </a:tblGrid>
+              <a:tr h="370840">
+                <a:tc>
+                  <a:txBody>
+                    <a:bodyPr/>
+                    <a:lstStyle/>
+                    <a:p>
+                      <a:r>
+                        <a:rPr lang="en-US" dirty="0" smtClean="0"/>
+                        <a:t>Flags</a:t>
+                      </a:r>
+                      <a:endParaRPr lang="en-US" dirty="0"/>
+                    </a:p>
+                  </a:txBody>
+                  <a:tcPr/>
+                </a:tc>
+                <a:tc>
+                  <a:txBody>
+                    <a:bodyPr/>
+                    <a:lstStyle/>
+                    <a:p>
+                      <a:r>
+                        <a:rPr lang="en-US" dirty="0" smtClean="0"/>
+                        <a:t>Explanation</a:t>
+                      </a:r>
+                      <a:endParaRPr lang="en-US" dirty="0"/>
+                    </a:p>
+                  </a:txBody>
+                  <a:tcPr/>
+                </a:tc>
+              </a:tr>
+              <a:tr h="370840">
+                <a:tc>
+                  <a:txBody>
+                    <a:bodyPr/>
+                    <a:lstStyle/>
+                    <a:p>
+                      <a:r>
+                        <a:rPr lang="en-US" dirty="0" smtClean="0"/>
+                        <a:t>Saturated Center</a:t>
+                      </a:r>
+                      <a:endParaRPr lang="en-US" dirty="0"/>
+                    </a:p>
+                  </a:txBody>
+                  <a:tcPr/>
+                </a:tc>
+                <a:tc>
+                  <a:txBody>
+                    <a:bodyPr/>
+                    <a:lstStyle/>
+                    <a:p>
+                      <a:r>
+                        <a:rPr lang="en-US" dirty="0" smtClean="0"/>
+                        <a:t>Source’s center is close to saturated pixels</a:t>
+                      </a:r>
+                      <a:endParaRPr lang="en-US" dirty="0"/>
+                    </a:p>
+                  </a:txBody>
+                  <a:tcPr/>
+                </a:tc>
+              </a:tr>
+              <a:tr h="370840">
+                <a:tc>
+                  <a:txBody>
+                    <a:bodyPr/>
+                    <a:lstStyle/>
+                    <a:p>
+                      <a:r>
+                        <a:rPr lang="en-US" dirty="0" smtClean="0"/>
+                        <a:t>Cosmic ray</a:t>
+                      </a:r>
+                      <a:endParaRPr lang="en-US" dirty="0"/>
+                    </a:p>
+                  </a:txBody>
+                  <a:tcPr/>
+                </a:tc>
+                <a:tc>
+                  <a:txBody>
+                    <a:bodyPr/>
+                    <a:lstStyle/>
+                    <a:p>
+                      <a:r>
+                        <a:rPr lang="en-US" dirty="0" smtClean="0"/>
+                        <a:t>Sources footprint includes </a:t>
+                      </a:r>
+                      <a:r>
+                        <a:rPr lang="en-US" dirty="0" err="1" smtClean="0"/>
+                        <a:t>supected</a:t>
+                      </a:r>
+                      <a:r>
+                        <a:rPr lang="en-US" dirty="0" smtClean="0"/>
+                        <a:t> cosmic</a:t>
+                      </a:r>
+                      <a:r>
+                        <a:rPr lang="en-US" baseline="0" dirty="0" smtClean="0"/>
+                        <a:t> ray pixels</a:t>
+                      </a:r>
+                      <a:endParaRPr lang="en-US" dirty="0"/>
+                    </a:p>
+                  </a:txBody>
+                  <a:tcPr/>
+                </a:tc>
+              </a:tr>
+              <a:tr h="370840">
+                <a:tc>
+                  <a:txBody>
+                    <a:bodyPr/>
+                    <a:lstStyle/>
+                    <a:p>
+                      <a:r>
+                        <a:rPr lang="en-US" dirty="0" smtClean="0"/>
+                        <a:t>Bad pixels</a:t>
+                      </a:r>
+                      <a:endParaRPr lang="en-US" dirty="0"/>
+                    </a:p>
+                  </a:txBody>
+                  <a:tcPr/>
+                </a:tc>
+                <a:tc>
+                  <a:txBody>
+                    <a:bodyPr/>
+                    <a:lstStyle/>
+                    <a:p>
+                      <a:r>
+                        <a:rPr lang="en-US" dirty="0" smtClean="0"/>
+                        <a:t>Source in region labeled BAD</a:t>
+                      </a:r>
+                      <a:endParaRPr lang="en-US" dirty="0"/>
+                    </a:p>
+                  </a:txBody>
+                  <a:tcPr/>
+                </a:tc>
+              </a:tr>
+              <a:tr h="370840">
+                <a:tc>
+                  <a:txBody>
+                    <a:bodyPr/>
+                    <a:lstStyle/>
+                    <a:p>
+                      <a:r>
+                        <a:rPr lang="en-US" dirty="0" smtClean="0"/>
+                        <a:t>Suspect</a:t>
+                      </a:r>
+                      <a:endParaRPr lang="en-US" dirty="0"/>
+                    </a:p>
+                  </a:txBody>
+                  <a:tcPr/>
+                </a:tc>
+                <a:tc>
+                  <a:txBody>
+                    <a:bodyPr/>
+                    <a:lstStyle/>
+                    <a:p>
+                      <a:r>
+                        <a:rPr lang="en-US" dirty="0" smtClean="0"/>
+                        <a:t>Close to suspect pixels</a:t>
+                      </a:r>
+                      <a:endParaRPr lang="en-US" dirty="0"/>
+                    </a:p>
+                  </a:txBody>
+                  <a:tcPr/>
+                </a:tc>
+              </a:tr>
+              <a:tr h="370840">
+                <a:tc>
+                  <a:txBody>
+                    <a:bodyPr/>
+                    <a:lstStyle/>
+                    <a:p>
+                      <a:r>
+                        <a:rPr lang="en-US" dirty="0" smtClean="0"/>
+                        <a:t>Clipped</a:t>
+                      </a:r>
+                      <a:endParaRPr lang="en-US" dirty="0"/>
+                    </a:p>
+                  </a:txBody>
+                  <a:tcPr/>
+                </a:tc>
+                <a:tc>
+                  <a:txBody>
+                    <a:bodyPr/>
+                    <a:lstStyle/>
+                    <a:p>
+                      <a:r>
+                        <a:rPr lang="en-US" dirty="0" smtClean="0"/>
+                        <a:t>Source includes clipped pixels</a:t>
+                      </a:r>
+                      <a:endParaRPr lang="en-US" dirty="0"/>
+                    </a:p>
+                  </a:txBody>
+                  <a:tcPr/>
+                </a:tc>
+              </a:tr>
+              <a:tr h="370840">
+                <a:tc>
+                  <a:txBody>
+                    <a:bodyPr/>
+                    <a:lstStyle/>
+                    <a:p>
+                      <a:r>
+                        <a:rPr lang="en-US" dirty="0" smtClean="0"/>
+                        <a:t>Edge</a:t>
+                      </a:r>
+                      <a:endParaRPr lang="en-US" dirty="0"/>
+                    </a:p>
+                  </a:txBody>
+                  <a:tcPr/>
+                </a:tc>
+                <a:tc>
+                  <a:txBody>
+                    <a:bodyPr/>
+                    <a:lstStyle/>
+                    <a:p>
+                      <a:r>
+                        <a:rPr lang="en-US" dirty="0" smtClean="0"/>
+                        <a:t>Source in region masked</a:t>
+                      </a:r>
+                      <a:r>
+                        <a:rPr lang="en-US" baseline="0" dirty="0" smtClean="0"/>
+                        <a:t> EDGE or NO_DATA</a:t>
+                      </a:r>
+                      <a:endParaRPr lang="en-US" dirty="0"/>
+                    </a:p>
+                  </a:txBody>
+                  <a:tcPr/>
+                </a:tc>
+              </a:tr>
+              <a:tr h="370840">
+                <a:tc>
+                  <a:txBody>
+                    <a:bodyPr/>
+                    <a:lstStyle/>
+                    <a:p>
+                      <a:r>
+                        <a:rPr lang="en-US" dirty="0" smtClean="0"/>
+                        <a:t>Interpolated</a:t>
+                      </a:r>
+                      <a:r>
+                        <a:rPr lang="en-US" baseline="0" dirty="0" smtClean="0"/>
+                        <a:t> Centers</a:t>
+                      </a:r>
+                      <a:endParaRPr lang="en-US" dirty="0"/>
+                    </a:p>
+                  </a:txBody>
+                  <a:tcPr/>
+                </a:tc>
+                <a:tc>
+                  <a:txBody>
+                    <a:bodyPr/>
+                    <a:lstStyle/>
+                    <a:p>
+                      <a:r>
+                        <a:rPr lang="en-US" dirty="0" smtClean="0"/>
+                        <a:t>Sources centers</a:t>
+                      </a:r>
+                      <a:r>
+                        <a:rPr lang="en-US" baseline="0" dirty="0" smtClean="0"/>
+                        <a:t> include interpolated pixels</a:t>
+                      </a:r>
+                      <a:endParaRPr lang="en-US" dirty="0"/>
+                    </a:p>
+                  </a:txBody>
+                  <a:tcPr/>
+                </a:tc>
+              </a:tr>
+            </a:tbl>
+          </a:graphicData>
+        </a:graphic>
+      </p:graphicFrame>
+    </p:spTree>
+    <p:extLst>
+      <p:ext uri="{BB962C8B-B14F-4D97-AF65-F5344CB8AC3E}">
+        <p14:creationId xmlns:p14="http://schemas.microsoft.com/office/powerpoint/2010/main" val="3311002496"/>
+      </p:ext>
+    </p:extLst>
+  </p:cSld>
+  <p:clrMapOvr>
+    <a:masterClrMapping/>
+  </p:clrMapOvr>
+  <p:timing>
+    <p:tnLst>
+      <p:par>
+        <p:cTn xmlns:p14="http://schemas.microsoft.com/office/powerpoint/2010/main" id="1" dur="indefinite" restart="never" nodeType="tmRoot"/>
+      </p:par>
+    </p:tnLst>
+  </p:timing>
+</p:sld>
+</file>
+
+<file path=ppt/slides/slide14.xml><?xml version="1.0" encoding="utf-8"?>
+<p:sld xmlns:a="http://schemas.openxmlformats.org/drawingml/2006/main" xmlns:r="http://schemas.openxmlformats.org/officeDocument/2006/relationships" xmlns:p="http://schemas.openxmlformats.org/presentationml/2006/main">
+  <p:cSld>
+    <p:spTree>
+      <p:nvGrpSpPr>
+        <p:cNvPr id="1" name=""/>
+        <p:cNvGrpSpPr/>
+        <p:nvPr/>
+      </p:nvGrpSpPr>
+      <p:grpSpPr>
+        <a:xfrm>
+          <a:off x="0" y="0"/>
+          <a:ext cx="0" cy="0"/>
+          <a:chOff x="0" y="0"/>
+          <a:chExt cx="0" cy="0"/>
+        </a:xfrm>
+      </p:grpSpPr>
+      <p:sp>
+        <p:nvSpPr>
+          <p:cNvPr id="2" name="Title 1"/>
+          <p:cNvSpPr>
+            <a:spLocks noGrp="1"/>
+          </p:cNvSpPr>
+          <p:nvPr>
+            <p:ph type="title"/>
+          </p:nvPr>
+        </p:nvSpPr>
+        <p:spPr/>
+        <p:txBody>
+          <a:bodyPr/>
+          <a:lstStyle/>
+          <a:p>
+            <a:r>
+              <a:rPr lang="en-US" dirty="0" smtClean="0"/>
+              <a:t>Relevant Equations</a:t>
+            </a:r>
+            <a:endParaRPr lang="en-US" dirty="0"/>
+          </a:p>
+        </p:txBody>
+      </p:sp>
+      <p:sp>
+        <p:nvSpPr>
+          <p:cNvPr id="3" name="Content Placeholder 2"/>
+          <p:cNvSpPr>
+            <a:spLocks noGrp="1"/>
+          </p:cNvSpPr>
+          <p:nvPr>
+            <p:ph idx="1"/>
+          </p:nvPr>
+        </p:nvSpPr>
+        <p:spPr/>
+        <p:txBody>
+          <a:bodyPr/>
+          <a:lstStyle/>
+          <a:p>
+            <a:r>
+              <a:rPr lang="en-US" dirty="0" smtClean="0"/>
+              <a:t>K correct</a:t>
+            </a:r>
+          </a:p>
+          <a:p>
+            <a:r>
+              <a:rPr lang="en-US" dirty="0" err="1" smtClean="0"/>
+              <a:t>Comoving</a:t>
+            </a:r>
+            <a:r>
+              <a:rPr lang="en-US" dirty="0" smtClean="0"/>
+              <a:t> Distance</a:t>
+            </a:r>
+          </a:p>
+          <a:p>
+            <a:r>
+              <a:rPr lang="en-US" dirty="0" smtClean="0"/>
+              <a:t>Deriving Luminosity Density</a:t>
+            </a:r>
+          </a:p>
+          <a:p>
+            <a:r>
+              <a:rPr lang="en-US" dirty="0" smtClean="0"/>
+              <a:t>Linear regression/standard error</a:t>
+            </a:r>
+            <a:endParaRPr lang="en-US" dirty="0"/>
+          </a:p>
+        </p:txBody>
+      </p:sp>
+      <p:sp>
+        <p:nvSpPr>
+          <p:cNvPr id="4" name="Footer Placeholder 3"/>
+          <p:cNvSpPr>
+            <a:spLocks noGrp="1"/>
+          </p:cNvSpPr>
+          <p:nvPr>
+            <p:ph type="ftr" sz="quarter" idx="11"/>
+          </p:nvPr>
+        </p:nvSpPr>
+        <p:spPr/>
+        <p:txBody>
+          <a:bodyPr/>
+          <a:lstStyle/>
+          <a:p>
+            <a:r>
+              <a:rPr lang="en-US" smtClean="0"/>
+              <a:t>Amanda Newmark</a:t>
+            </a:r>
+            <a:endParaRPr lang="en-US"/>
+          </a:p>
+        </p:txBody>
+      </p:sp>
+    </p:spTree>
+    <p:extLst>
+      <p:ext uri="{BB962C8B-B14F-4D97-AF65-F5344CB8AC3E}">
+        <p14:creationId xmlns:p14="http://schemas.microsoft.com/office/powerpoint/2010/main" val="2015551666"/>
+      </p:ext>
+    </p:extLst>
+  </p:cSld>
+  <p:clrMapOvr>
+    <a:masterClrMapping/>
+  </p:clrMapOvr>
+  <p:timing>
+    <p:tnLst>
+      <p:par>
+        <p:cTn xmlns:p14="http://schemas.microsoft.com/office/powerpoint/2010/main" id="1" dur="indefinite" restart="never" nodeType="tmRoot"/>
+      </p:par>
+    </p:tnLst>
+  </p:timing>
+</p:sld>
+</file>
+
+<file path=ppt/slides/slide15.xml><?xml version="1.0" encoding="utf-8"?>
+<p:sld xmlns:a="http://schemas.openxmlformats.org/drawingml/2006/main" xmlns:r="http://schemas.openxmlformats.org/officeDocument/2006/relationships" xmlns:p="http://schemas.openxmlformats.org/presentationml/2006/main">
+  <p:cSld>
+    <p:spTree>
+      <p:nvGrpSpPr>
+        <p:cNvPr id="1" name=""/>
+        <p:cNvGrpSpPr/>
+        <p:nvPr/>
+      </p:nvGrpSpPr>
+      <p:grpSpPr>
+        <a:xfrm>
+          <a:off x="0" y="0"/>
+          <a:ext cx="0" cy="0"/>
+          <a:chOff x="0" y="0"/>
+          <a:chExt cx="0" cy="0"/>
+        </a:xfrm>
+      </p:grpSpPr>
+      <p:sp>
+        <p:nvSpPr>
+          <p:cNvPr id="2" name="Title 1"/>
+          <p:cNvSpPr>
+            <a:spLocks noGrp="1"/>
+          </p:cNvSpPr>
+          <p:nvPr>
+            <p:ph type="title"/>
+          </p:nvPr>
+        </p:nvSpPr>
+        <p:spPr/>
+        <p:txBody>
+          <a:bodyPr>
+            <a:normAutofit fontScale="90000"/>
+          </a:bodyPr>
+          <a:lstStyle/>
+          <a:p>
+            <a:r>
+              <a:rPr lang="en-US" dirty="0" smtClean="0"/>
+              <a:t>Examples of other observational studies</a:t>
+            </a:r>
+            <a:endParaRPr lang="en-US" dirty="0"/>
+          </a:p>
+        </p:txBody>
+      </p:sp>
+      <p:sp>
+        <p:nvSpPr>
+          <p:cNvPr id="3" name="Content Placeholder 2"/>
+          <p:cNvSpPr>
+            <a:spLocks noGrp="1"/>
+          </p:cNvSpPr>
+          <p:nvPr>
+            <p:ph idx="1"/>
+          </p:nvPr>
+        </p:nvSpPr>
+        <p:spPr/>
+        <p:txBody>
+          <a:bodyPr/>
+          <a:lstStyle/>
+          <a:p>
+            <a:r>
+              <a:rPr lang="en-US" dirty="0" err="1" smtClean="0"/>
+              <a:t>Iodice</a:t>
+            </a:r>
+            <a:r>
+              <a:rPr lang="en-US" dirty="0" smtClean="0"/>
+              <a:t> et al 2016: </a:t>
+            </a:r>
+            <a:r>
+              <a:rPr lang="en-US" sz="2800" dirty="0" err="1" smtClean="0"/>
+              <a:t>Fornax</a:t>
+            </a:r>
+            <a:r>
+              <a:rPr lang="en-US" sz="2800" dirty="0" smtClean="0"/>
+              <a:t> Deep Survey of NGC 1399 out to 192 </a:t>
+            </a:r>
+            <a:r>
+              <a:rPr lang="en-US" sz="2800" dirty="0" err="1" smtClean="0"/>
+              <a:t>kpc</a:t>
+            </a:r>
+            <a:endParaRPr lang="en-US" sz="2800" dirty="0" smtClean="0"/>
+          </a:p>
+          <a:p>
+            <a:r>
+              <a:rPr lang="en-US" dirty="0" err="1" smtClean="0"/>
+              <a:t>Brinchmann</a:t>
+            </a:r>
+            <a:r>
+              <a:rPr lang="en-US" dirty="0" smtClean="0"/>
+              <a:t> and Ellis 2000: </a:t>
+            </a:r>
+            <a:r>
+              <a:rPr lang="en-US" sz="2800" dirty="0" smtClean="0"/>
+              <a:t>Mass assembly and star formation characteristics of field galaxies</a:t>
+            </a:r>
+          </a:p>
+          <a:p>
+            <a:r>
+              <a:rPr lang="en-US" dirty="0" smtClean="0"/>
+              <a:t>Bauer et al 2013: </a:t>
+            </a:r>
+            <a:r>
+              <a:rPr lang="en-US" sz="2800" dirty="0" smtClean="0"/>
+              <a:t>Links SFH and mass assembly for low-mass galaxies within Galaxy and Mass Assembly (GAMA) survey</a:t>
+            </a:r>
+            <a:endParaRPr lang="en-US" sz="2800" dirty="0"/>
+          </a:p>
+        </p:txBody>
+      </p:sp>
+      <p:sp>
+        <p:nvSpPr>
+          <p:cNvPr id="4" name="Footer Placeholder 3"/>
+          <p:cNvSpPr>
+            <a:spLocks noGrp="1"/>
+          </p:cNvSpPr>
+          <p:nvPr>
+            <p:ph type="ftr" sz="quarter" idx="11"/>
+          </p:nvPr>
+        </p:nvSpPr>
+        <p:spPr/>
+        <p:txBody>
+          <a:bodyPr/>
+          <a:lstStyle/>
+          <a:p>
+            <a:r>
+              <a:rPr lang="en-US" smtClean="0"/>
+              <a:t>Amanda Newmark</a:t>
+            </a:r>
+            <a:endParaRPr lang="en-US"/>
+          </a:p>
+        </p:txBody>
+      </p:sp>
+    </p:spTree>
+    <p:extLst>
+      <p:ext uri="{BB962C8B-B14F-4D97-AF65-F5344CB8AC3E}">
+        <p14:creationId xmlns:p14="http://schemas.microsoft.com/office/powerpoint/2010/main" val="1383626907"/>
+      </p:ext>
+    </p:extLst>
+  </p:cSld>
+  <p:clrMapOvr>
+    <a:masterClrMapping/>
+  </p:clrMapOvr>
+</p:sld>
+</file>
+
+<file path=ppt/slides/slide16.xml><?xml version="1.0" encoding="utf-8"?>
+<p:sld xmlns:a="http://schemas.openxmlformats.org/drawingml/2006/main" xmlns:r="http://schemas.openxmlformats.org/officeDocument/2006/relationships" xmlns:p="http://schemas.openxmlformats.org/presentationml/2006/main">
+  <p:cSld>
+    <p:spTree>
+      <p:nvGrpSpPr>
+        <p:cNvPr id="1" name=""/>
+        <p:cNvGrpSpPr/>
+        <p:nvPr/>
+      </p:nvGrpSpPr>
+      <p:grpSpPr>
+        <a:xfrm>
+          <a:off x="0" y="0"/>
+          <a:ext cx="0" cy="0"/>
+          <a:chOff x="0" y="0"/>
+          <a:chExt cx="0" cy="0"/>
+        </a:xfrm>
+      </p:grpSpPr>
+      <p:sp>
+        <p:nvSpPr>
+          <p:cNvPr id="2" name="Title 1"/>
+          <p:cNvSpPr>
+            <a:spLocks noGrp="1"/>
+          </p:cNvSpPr>
+          <p:nvPr>
+            <p:ph type="title"/>
+          </p:nvPr>
+        </p:nvSpPr>
+        <p:spPr/>
+        <p:txBody>
+          <a:bodyPr/>
+          <a:lstStyle/>
+          <a:p>
+            <a:r>
+              <a:rPr lang="en-US" dirty="0" smtClean="0"/>
+              <a:t>Bootstrapping for Errors</a:t>
+            </a:r>
+            <a:endParaRPr lang="en-US" dirty="0"/>
+          </a:p>
+        </p:txBody>
+      </p:sp>
+      <p:sp>
+        <p:nvSpPr>
+          <p:cNvPr id="3" name="Content Placeholder 2"/>
+          <p:cNvSpPr>
+            <a:spLocks noGrp="1"/>
+          </p:cNvSpPr>
+          <p:nvPr>
+            <p:ph idx="1"/>
+          </p:nvPr>
+        </p:nvSpPr>
+        <p:spPr/>
+        <p:txBody>
+          <a:bodyPr/>
+          <a:lstStyle/>
+          <a:p>
+            <a:endParaRPr lang="en-US" dirty="0"/>
+          </a:p>
+        </p:txBody>
+      </p:sp>
+      <p:sp>
+        <p:nvSpPr>
+          <p:cNvPr id="4" name="Footer Placeholder 3"/>
+          <p:cNvSpPr>
+            <a:spLocks noGrp="1"/>
+          </p:cNvSpPr>
+          <p:nvPr>
+            <p:ph type="ftr" sz="quarter" idx="11"/>
+          </p:nvPr>
+        </p:nvSpPr>
+        <p:spPr/>
+        <p:txBody>
+          <a:bodyPr/>
+          <a:lstStyle/>
+          <a:p>
+            <a:r>
+              <a:rPr lang="en-US" smtClean="0"/>
+              <a:t>Amanda Newmark</a:t>
+            </a:r>
+            <a:endParaRPr lang="en-US"/>
+          </a:p>
+        </p:txBody>
+      </p:sp>
+    </p:spTree>
+    <p:extLst>
+      <p:ext uri="{BB962C8B-B14F-4D97-AF65-F5344CB8AC3E}">
+        <p14:creationId xmlns:p14="http://schemas.microsoft.com/office/powerpoint/2010/main" val="2374339515"/>
+      </p:ext>
+    </p:extLst>
+  </p:cSld>
+  <p:clrMapOvr>
+    <a:masterClrMapping/>
+  </p:clrMapOvr>
+  <p:timing>
+    <p:tnLst>
+      <p:par>
+        <p:cTn xmlns:p14="http://schemas.microsoft.com/office/powerpoint/2010/main" id="1" dur="indefinite" restart="never" nodeType="tmRoot"/>
+      </p:par>
+    </p:tnLst>
+  </p:timing>
+</p:sld>
+</file>
+
+<file path=ppt/slides/slide2.xml><?xml version="1.0" encoding="utf-8"?>
+<p:sld xmlns:a="http://schemas.openxmlformats.org/drawingml/2006/main" xmlns:r="http://schemas.openxmlformats.org/officeDocument/2006/relationships" xmlns:p="http://schemas.openxmlformats.org/presentationml/2006/main">
+  <p:cSld>
+    <p:spTree>
+      <p:nvGrpSpPr>
+        <p:cNvPr id="1" name=""/>
+        <p:cNvGrpSpPr/>
+        <p:nvPr/>
+      </p:nvGrpSpPr>
+      <p:grpSpPr>
+        <a:xfrm>
+          <a:off x="0" y="0"/>
+          <a:ext cx="0" cy="0"/>
+          <a:chOff x="0" y="0"/>
+          <a:chExt cx="0" cy="0"/>
+        </a:xfrm>
+      </p:grpSpPr>
+      <p:sp>
+        <p:nvSpPr>
+          <p:cNvPr id="2" name="Title 1"/>
+          <p:cNvSpPr>
+            <a:spLocks noGrp="1"/>
+          </p:cNvSpPr>
+          <p:nvPr>
+            <p:ph type="title"/>
+          </p:nvPr>
+        </p:nvSpPr>
+        <p:spPr/>
+        <p:txBody>
+          <a:bodyPr/>
+          <a:lstStyle/>
+          <a:p>
+            <a:r>
+              <a:rPr lang="en-US" dirty="0" smtClean="0"/>
+              <a:t>Mass Assembly</a:t>
+            </a:r>
+            <a:endParaRPr lang="en-US" dirty="0"/>
+          </a:p>
+        </p:txBody>
+      </p:sp>
+      <p:sp>
+        <p:nvSpPr>
+          <p:cNvPr id="4" name="Footer Placeholder 3"/>
+          <p:cNvSpPr>
+            <a:spLocks noGrp="1"/>
+          </p:cNvSpPr>
+          <p:nvPr>
+            <p:ph type="ftr" sz="quarter" idx="11"/>
+          </p:nvPr>
+        </p:nvSpPr>
+        <p:spPr/>
+        <p:txBody>
+          <a:bodyPr/>
+          <a:lstStyle/>
+          <a:p>
+            <a:r>
+              <a:rPr lang="en-US" smtClean="0"/>
+              <a:t>Amanda Newmark</a:t>
+            </a:r>
+            <a:endParaRPr lang="en-US"/>
+          </a:p>
+        </p:txBody>
+      </p:sp>
+      <p:pic>
+        <p:nvPicPr>
+          <p:cNvPr id="13" name="Picture 12" descr="Screen Shot 2016-07-27 at 4.23.45 PM.png"/>
+          <p:cNvPicPr>
+            <a:picLocks noChangeAspect="1"/>
+          </p:cNvPicPr>
+          <p:nvPr/>
+        </p:nvPicPr>
+        <p:blipFill>
+          <a:blip r:embed="rId3">
+            <a:extLst>
+              <a:ext uri="{28A0092B-C50C-407E-A947-70E740481C1C}">
+                <a14:useLocalDpi xmlns:a14="http://schemas.microsoft.com/office/drawing/2010/main" val="0"/>
+              </a:ext>
+            </a:extLst>
+          </a:blip>
+          <a:stretch>
+            <a:fillRect/>
+          </a:stretch>
+        </p:blipFill>
+        <p:spPr>
+          <a:xfrm>
+            <a:off x="0" y="1417639"/>
+            <a:ext cx="4657690" cy="3238130"/>
+          </a:xfrm>
+          <a:prstGeom prst="rect">
+            <a:avLst/>
+          </a:prstGeom>
+        </p:spPr>
+      </p:pic>
+      <p:pic>
+        <p:nvPicPr>
+          <p:cNvPr id="14" name="Picture 13" descr="Screen Shot 2016-07-27 at 4.25.01 PM.png"/>
+          <p:cNvPicPr>
+            <a:picLocks noChangeAspect="1"/>
+          </p:cNvPicPr>
+          <p:nvPr/>
+        </p:nvPicPr>
+        <p:blipFill rotWithShape="1">
+          <a:blip r:embed="rId4">
+            <a:extLst>
+              <a:ext uri="{28A0092B-C50C-407E-A947-70E740481C1C}">
+                <a14:useLocalDpi xmlns:a14="http://schemas.microsoft.com/office/drawing/2010/main" val="0"/>
+              </a:ext>
+            </a:extLst>
+          </a:blip>
+          <a:srcRect/>
+          <a:stretch/>
+        </p:blipFill>
+        <p:spPr>
+          <a:xfrm>
+            <a:off x="5041900" y="1417638"/>
+            <a:ext cx="4102100" cy="3848099"/>
+          </a:xfrm>
+          <a:prstGeom prst="rect">
+            <a:avLst/>
+          </a:prstGeom>
+        </p:spPr>
+      </p:pic>
+      <p:sp>
+        <p:nvSpPr>
+          <p:cNvPr id="15" name="TextBox 14"/>
+          <p:cNvSpPr txBox="1"/>
+          <p:nvPr/>
+        </p:nvSpPr>
+        <p:spPr>
+          <a:xfrm>
+            <a:off x="3680499" y="4896406"/>
+            <a:ext cx="1954381" cy="369332"/>
+          </a:xfrm>
+          <a:prstGeom prst="rect">
+            <a:avLst/>
+          </a:prstGeom>
+          <a:noFill/>
+          <a:ln>
+            <a:solidFill>
+              <a:schemeClr val="tx1"/>
+            </a:solidFill>
+          </a:ln>
+        </p:spPr>
+        <p:txBody>
+          <a:bodyPr wrap="none" rtlCol="0">
+            <a:spAutoFit/>
+          </a:bodyPr>
+          <a:lstStyle/>
+          <a:p>
+            <a:r>
+              <a:rPr lang="en-US" dirty="0" err="1" smtClean="0"/>
+              <a:t>Pillepich</a:t>
+            </a:r>
+            <a:r>
+              <a:rPr lang="en-US" dirty="0" smtClean="0"/>
+              <a:t> et al 2014</a:t>
+            </a:r>
+            <a:endParaRPr lang="en-US" dirty="0"/>
+          </a:p>
+        </p:txBody>
+      </p:sp>
+      <p:sp>
+        <p:nvSpPr>
+          <p:cNvPr id="3" name="TextBox 2"/>
+          <p:cNvSpPr txBox="1"/>
+          <p:nvPr/>
+        </p:nvSpPr>
+        <p:spPr>
+          <a:xfrm>
+            <a:off x="457200" y="1263749"/>
+            <a:ext cx="793406" cy="307777"/>
+          </a:xfrm>
+          <a:prstGeom prst="rect">
+            <a:avLst/>
+          </a:prstGeom>
+          <a:noFill/>
+          <a:ln>
+            <a:solidFill>
+              <a:schemeClr val="tx1"/>
+            </a:solidFill>
+          </a:ln>
+        </p:spPr>
+        <p:txBody>
+          <a:bodyPr wrap="none" rtlCol="0">
+            <a:spAutoFit/>
+          </a:bodyPr>
+          <a:lstStyle/>
+          <a:p>
+            <a:r>
+              <a:rPr lang="en-US" sz="1400" dirty="0" smtClean="0"/>
+              <a:t>Elliptical</a:t>
+            </a:r>
+            <a:endParaRPr lang="en-US" sz="1400" dirty="0"/>
+          </a:p>
+        </p:txBody>
+      </p:sp>
+      <p:sp>
+        <p:nvSpPr>
+          <p:cNvPr id="5" name="TextBox 4"/>
+          <p:cNvSpPr txBox="1"/>
+          <p:nvPr/>
+        </p:nvSpPr>
+        <p:spPr>
+          <a:xfrm>
+            <a:off x="457200" y="4353252"/>
+            <a:ext cx="488159" cy="307777"/>
+          </a:xfrm>
+          <a:prstGeom prst="rect">
+            <a:avLst/>
+          </a:prstGeom>
+          <a:noFill/>
+          <a:ln>
+            <a:solidFill>
+              <a:schemeClr val="tx1"/>
+            </a:solidFill>
+          </a:ln>
+        </p:spPr>
+        <p:txBody>
+          <a:bodyPr wrap="none" rtlCol="0">
+            <a:spAutoFit/>
+          </a:bodyPr>
+          <a:lstStyle/>
+          <a:p>
+            <a:r>
+              <a:rPr lang="en-US" sz="1400" dirty="0" smtClean="0"/>
+              <a:t>Disk</a:t>
+            </a:r>
+            <a:endParaRPr lang="en-US" sz="1400" dirty="0"/>
+          </a:p>
+        </p:txBody>
+      </p:sp>
+    </p:spTree>
+    <p:extLst>
+      <p:ext uri="{BB962C8B-B14F-4D97-AF65-F5344CB8AC3E}">
+        <p14:creationId xmlns:p14="http://schemas.microsoft.com/office/powerpoint/2010/main" val="1292308793"/>
+      </p:ext>
+    </p:extLst>
+  </p:cSld>
+  <p:clrMapOvr>
+    <a:masterClrMapping/>
+  </p:clrMapOvr>
+  <p:timing>
+    <p:tnLst>
+      <p:par>
+        <p:cTn xmlns:p14="http://schemas.microsoft.com/office/powerpoint/2010/main" id="1" dur="indefinite" restart="never" nodeType="tmRoot"/>
+      </p:par>
+    </p:tnLst>
+  </p:timing>
+</p:sld>
+</file>
+
+<file path=ppt/slides/slide3.xml><?xml version="1.0" encoding="utf-8"?>
+<p:sld xmlns:a="http://schemas.openxmlformats.org/drawingml/2006/main" xmlns:r="http://schemas.openxmlformats.org/officeDocument/2006/relationships" xmlns:p="http://schemas.openxmlformats.org/presentationml/2006/main">
+  <p:cSld>
+    <p:spTree>
+      <p:nvGrpSpPr>
+        <p:cNvPr id="1" name=""/>
+        <p:cNvGrpSpPr/>
+        <p:nvPr/>
+      </p:nvGrpSpPr>
+      <p:grpSpPr>
+        <a:xfrm>
+          <a:off x="0" y="0"/>
+          <a:ext cx="0" cy="0"/>
+          <a:chOff x="0" y="0"/>
+          <a:chExt cx="0" cy="0"/>
+        </a:xfrm>
+      </p:grpSpPr>
+      <p:sp>
+        <p:nvSpPr>
+          <p:cNvPr id="2" name="Title 1"/>
+          <p:cNvSpPr>
+            <a:spLocks noGrp="1"/>
+          </p:cNvSpPr>
+          <p:nvPr>
+            <p:ph type="title"/>
+          </p:nvPr>
+        </p:nvSpPr>
+        <p:spPr/>
+        <p:txBody>
+          <a:bodyPr/>
+          <a:lstStyle/>
+          <a:p>
+            <a:r>
+              <a:rPr lang="en-US" dirty="0" smtClean="0"/>
+              <a:t>Hyper </a:t>
+            </a:r>
+            <a:r>
+              <a:rPr lang="en-US" dirty="0" err="1" smtClean="0"/>
+              <a:t>Suprime</a:t>
+            </a:r>
+            <a:r>
+              <a:rPr lang="en-US" dirty="0" smtClean="0"/>
+              <a:t>-Cam Survey</a:t>
+            </a:r>
+            <a:endParaRPr lang="en-US" dirty="0"/>
+          </a:p>
+        </p:txBody>
+      </p:sp>
+      <p:sp>
+        <p:nvSpPr>
+          <p:cNvPr id="4" name="Footer Placeholder 3"/>
+          <p:cNvSpPr>
+            <a:spLocks noGrp="1"/>
+          </p:cNvSpPr>
+          <p:nvPr>
+            <p:ph type="ftr" sz="quarter" idx="11"/>
+          </p:nvPr>
+        </p:nvSpPr>
+        <p:spPr/>
+        <p:txBody>
+          <a:bodyPr/>
+          <a:lstStyle/>
+          <a:p>
+            <a:r>
+              <a:rPr lang="en-US" smtClean="0"/>
+              <a:t>Amanda Newmark</a:t>
+            </a:r>
+            <a:endParaRPr lang="en-US"/>
+          </a:p>
+        </p:txBody>
+      </p:sp>
+      <p:graphicFrame>
+        <p:nvGraphicFramePr>
+          <p:cNvPr id="6" name="Table 5"/>
+          <p:cNvGraphicFramePr>
+            <a:graphicFrameLocks noGrp="1"/>
+          </p:cNvGraphicFramePr>
+          <p:nvPr>
+            <p:extLst>
+              <p:ext uri="{D42A27DB-BD31-4B8C-83A1-F6EECF244321}">
+                <p14:modId xmlns:p14="http://schemas.microsoft.com/office/powerpoint/2010/main" val="571874936"/>
+              </p:ext>
+            </p:extLst>
+          </p:nvPr>
+        </p:nvGraphicFramePr>
+        <p:xfrm>
+          <a:off x="5130176" y="1397000"/>
+          <a:ext cx="3795923" cy="3072712"/>
+        </p:xfrm>
+        <a:graphic>
+          <a:graphicData uri="http://schemas.openxmlformats.org/drawingml/2006/table">
+            <a:tbl>
+              <a:tblPr firstRow="1" bandRow="1">
+                <a:tableStyleId>{7E9639D4-E3E2-4D34-9284-5A2195B3D0D7}</a:tableStyleId>
+              </a:tblPr>
+              <a:tblGrid>
+                <a:gridCol w="3795923"/>
+              </a:tblGrid>
+              <a:tr h="508215">
+                <a:tc>
+                  <a:txBody>
+                    <a:bodyPr/>
+                    <a:lstStyle/>
+                    <a:p>
+                      <a:r>
+                        <a:rPr lang="en-US" dirty="0" smtClean="0"/>
+                        <a:t>Flags</a:t>
+                      </a:r>
+                      <a:endParaRPr lang="en-US" dirty="0"/>
+                    </a:p>
+                  </a:txBody>
+                  <a:tcPr anchorCtr="1"/>
+                </a:tc>
+              </a:tr>
+              <a:tr h="369937">
+                <a:tc>
+                  <a:txBody>
+                    <a:bodyPr/>
+                    <a:lstStyle/>
+                    <a:p>
+                      <a:r>
+                        <a:rPr lang="en-US" dirty="0" smtClean="0"/>
+                        <a:t>Interpolated Centers </a:t>
+                      </a:r>
+                      <a:endParaRPr lang="en-US" dirty="0"/>
+                    </a:p>
+                  </a:txBody>
+                  <a:tcPr anchorCtr="1"/>
+                </a:tc>
+              </a:tr>
+              <a:tr h="271976">
+                <a:tc>
+                  <a:txBody>
+                    <a:bodyPr/>
+                    <a:lstStyle/>
+                    <a:p>
+                      <a:r>
+                        <a:rPr lang="en-US" dirty="0" smtClean="0"/>
+                        <a:t>Edge Galaxies</a:t>
+                      </a:r>
+                      <a:endParaRPr lang="en-US" dirty="0"/>
+                    </a:p>
+                  </a:txBody>
+                  <a:tcPr anchorCtr="1"/>
+                </a:tc>
+              </a:tr>
+              <a:tr h="271976">
+                <a:tc>
+                  <a:txBody>
+                    <a:bodyPr/>
+                    <a:lstStyle/>
+                    <a:p>
+                      <a:r>
+                        <a:rPr lang="en-US" dirty="0" smtClean="0"/>
+                        <a:t>Saturated Centers</a:t>
+                      </a:r>
+                      <a:endParaRPr lang="en-US" dirty="0"/>
+                    </a:p>
+                  </a:txBody>
+                  <a:tcPr anchorCtr="1"/>
+                </a:tc>
+              </a:tr>
+              <a:tr h="271976">
+                <a:tc>
+                  <a:txBody>
+                    <a:bodyPr/>
+                    <a:lstStyle/>
+                    <a:p>
+                      <a:r>
+                        <a:rPr lang="en-US" dirty="0" smtClean="0"/>
+                        <a:t>Cosmic Ray Center</a:t>
+                      </a:r>
+                      <a:endParaRPr lang="en-US" dirty="0"/>
+                    </a:p>
+                  </a:txBody>
+                  <a:tcPr anchorCtr="1"/>
+                </a:tc>
+              </a:tr>
+              <a:tr h="271976">
+                <a:tc>
+                  <a:txBody>
+                    <a:bodyPr/>
+                    <a:lstStyle/>
+                    <a:p>
+                      <a:r>
+                        <a:rPr lang="en-US" dirty="0" smtClean="0"/>
+                        <a:t>Bad Pixels</a:t>
+                      </a:r>
+                      <a:endParaRPr lang="en-US" dirty="0"/>
+                    </a:p>
+                  </a:txBody>
+                  <a:tcPr anchorCtr="1"/>
+                </a:tc>
+              </a:tr>
+              <a:tr h="363595">
+                <a:tc>
+                  <a:txBody>
+                    <a:bodyPr/>
+                    <a:lstStyle/>
+                    <a:p>
+                      <a:r>
+                        <a:rPr lang="en-US" dirty="0" smtClean="0"/>
+                        <a:t>Suspect Centers</a:t>
+                      </a:r>
+                      <a:endParaRPr lang="en-US" dirty="0"/>
+                    </a:p>
+                  </a:txBody>
+                  <a:tcPr anchorCtr="1"/>
+                </a:tc>
+              </a:tr>
+              <a:tr h="271976">
+                <a:tc>
+                  <a:txBody>
+                    <a:bodyPr/>
+                    <a:lstStyle/>
+                    <a:p>
+                      <a:r>
+                        <a:rPr lang="en-US" dirty="0" smtClean="0"/>
+                        <a:t>Any</a:t>
+                      </a:r>
+                      <a:r>
+                        <a:rPr lang="en-US" baseline="0" dirty="0" smtClean="0"/>
+                        <a:t> Clipped Galaxies</a:t>
+                      </a:r>
+                      <a:endParaRPr lang="en-US" dirty="0"/>
+                    </a:p>
+                  </a:txBody>
+                  <a:tcPr anchorCtr="1"/>
+                </a:tc>
+              </a:tr>
+            </a:tbl>
+          </a:graphicData>
+        </a:graphic>
+      </p:graphicFrame>
+      <p:graphicFrame>
+        <p:nvGraphicFramePr>
+          <p:cNvPr id="7" name="Table 6"/>
+          <p:cNvGraphicFramePr>
+            <a:graphicFrameLocks noGrp="1"/>
+          </p:cNvGraphicFramePr>
+          <p:nvPr>
+            <p:extLst>
+              <p:ext uri="{D42A27DB-BD31-4B8C-83A1-F6EECF244321}">
+                <p14:modId xmlns:p14="http://schemas.microsoft.com/office/powerpoint/2010/main" val="2459339046"/>
+              </p:ext>
+            </p:extLst>
+          </p:nvPr>
+        </p:nvGraphicFramePr>
+        <p:xfrm>
+          <a:off x="133728" y="1397000"/>
+          <a:ext cx="4857052" cy="1630679"/>
+        </p:xfrm>
+        <a:graphic>
+          <a:graphicData uri="http://schemas.openxmlformats.org/drawingml/2006/table">
+            <a:tbl>
+              <a:tblPr firstRow="1" bandRow="1">
+                <a:tableStyleId>{7E9639D4-E3E2-4D34-9284-5A2195B3D0D7}</a:tableStyleId>
+              </a:tblPr>
+              <a:tblGrid>
+                <a:gridCol w="1009851"/>
+                <a:gridCol w="809937"/>
+                <a:gridCol w="1306943"/>
+                <a:gridCol w="1730321"/>
+              </a:tblGrid>
+              <a:tr h="370840">
+                <a:tc>
+                  <a:txBody>
+                    <a:bodyPr/>
+                    <a:lstStyle/>
+                    <a:p>
+                      <a:r>
+                        <a:rPr lang="en-US" sz="1400" dirty="0" smtClean="0"/>
+                        <a:t>Layer</a:t>
+                      </a:r>
+                      <a:endParaRPr lang="en-US" sz="1400" dirty="0"/>
+                    </a:p>
+                  </a:txBody>
+                  <a:tcPr anchorCtr="1"/>
+                </a:tc>
+                <a:tc>
+                  <a:txBody>
+                    <a:bodyPr/>
+                    <a:lstStyle/>
+                    <a:p>
+                      <a:r>
+                        <a:rPr lang="en-US" sz="1400" dirty="0" smtClean="0"/>
+                        <a:t>Area (deg</a:t>
+                      </a:r>
+                      <a:r>
+                        <a:rPr lang="en-US" sz="1400" baseline="30000" dirty="0" smtClean="0"/>
+                        <a:t>2</a:t>
+                      </a:r>
+                      <a:r>
+                        <a:rPr lang="en-US" sz="1400" baseline="0" dirty="0" smtClean="0"/>
+                        <a:t>)</a:t>
+                      </a:r>
+                      <a:endParaRPr lang="en-US" sz="1400" dirty="0"/>
+                    </a:p>
+                  </a:txBody>
+                  <a:tcPr anchorCtr="1"/>
+                </a:tc>
+                <a:tc>
+                  <a:txBody>
+                    <a:bodyPr/>
+                    <a:lstStyle/>
+                    <a:p>
+                      <a:r>
+                        <a:rPr lang="en-US" sz="1400" dirty="0" smtClean="0"/>
+                        <a:t># of 1.8 deg</a:t>
+                      </a:r>
+                      <a:r>
+                        <a:rPr lang="en-US" sz="1400" baseline="30000" dirty="0" smtClean="0"/>
+                        <a:t>2</a:t>
+                      </a:r>
+                      <a:r>
+                        <a:rPr lang="en-US" sz="1400" baseline="0" dirty="0" smtClean="0"/>
+                        <a:t> HSC fields</a:t>
+                      </a:r>
+                      <a:endParaRPr lang="en-US" sz="1400" dirty="0"/>
+                    </a:p>
+                  </a:txBody>
+                  <a:tcPr anchorCtr="1"/>
+                </a:tc>
+                <a:tc>
+                  <a:txBody>
+                    <a:bodyPr/>
+                    <a:lstStyle/>
+                    <a:p>
+                      <a:r>
+                        <a:rPr lang="en-US" sz="1400" dirty="0" smtClean="0"/>
+                        <a:t>Filters&amp; Depths</a:t>
+                      </a:r>
+                      <a:endParaRPr lang="en-US" sz="1400" dirty="0"/>
+                    </a:p>
+                  </a:txBody>
+                  <a:tcPr anchorCtr="1"/>
+                </a:tc>
+              </a:tr>
+              <a:tr h="370840">
+                <a:tc>
+                  <a:txBody>
+                    <a:bodyPr/>
+                    <a:lstStyle/>
+                    <a:p>
+                      <a:r>
+                        <a:rPr lang="en-US" sz="1400" dirty="0" smtClean="0"/>
+                        <a:t>Wide</a:t>
+                      </a:r>
+                      <a:endParaRPr lang="en-US" sz="1400" dirty="0"/>
+                    </a:p>
+                  </a:txBody>
+                  <a:tcPr anchorCtr="1"/>
+                </a:tc>
+                <a:tc>
+                  <a:txBody>
+                    <a:bodyPr/>
+                    <a:lstStyle/>
+                    <a:p>
+                      <a:r>
+                        <a:rPr lang="en-US" sz="1400" dirty="0" smtClean="0"/>
+                        <a:t>1400</a:t>
+                      </a:r>
+                      <a:endParaRPr lang="en-US" sz="1400" dirty="0"/>
+                    </a:p>
+                  </a:txBody>
+                  <a:tcPr anchorCtr="1"/>
+                </a:tc>
+                <a:tc>
+                  <a:txBody>
+                    <a:bodyPr/>
+                    <a:lstStyle/>
+                    <a:p>
+                      <a:r>
+                        <a:rPr lang="en-US" sz="1400" dirty="0" smtClean="0"/>
+                        <a:t>916</a:t>
+                      </a:r>
+                      <a:endParaRPr lang="en-US" sz="1400" dirty="0"/>
+                    </a:p>
+                  </a:txBody>
+                  <a:tcPr anchorCtr="1"/>
+                </a:tc>
+                <a:tc>
+                  <a:txBody>
+                    <a:bodyPr/>
+                    <a:lstStyle/>
+                    <a:p>
+                      <a:r>
+                        <a:rPr lang="en-US" sz="1400" dirty="0" err="1" smtClean="0"/>
+                        <a:t>grizy</a:t>
+                      </a:r>
+                      <a:r>
+                        <a:rPr lang="en-US" sz="1400" dirty="0" smtClean="0"/>
+                        <a:t>(r~26)</a:t>
+                      </a:r>
+                      <a:endParaRPr lang="en-US" sz="1400" dirty="0"/>
+                    </a:p>
+                  </a:txBody>
+                  <a:tcPr anchorCtr="1"/>
+                </a:tc>
+              </a:tr>
+              <a:tr h="370840">
+                <a:tc>
+                  <a:txBody>
+                    <a:bodyPr/>
+                    <a:lstStyle/>
+                    <a:p>
+                      <a:r>
+                        <a:rPr lang="en-US" sz="1400" dirty="0" smtClean="0"/>
+                        <a:t>Deep</a:t>
+                      </a:r>
+                      <a:endParaRPr lang="en-US" sz="1400" dirty="0"/>
+                    </a:p>
+                  </a:txBody>
+                  <a:tcPr anchorCtr="1"/>
+                </a:tc>
+                <a:tc>
+                  <a:txBody>
+                    <a:bodyPr/>
+                    <a:lstStyle/>
+                    <a:p>
+                      <a:r>
+                        <a:rPr lang="en-US" sz="1400" dirty="0" smtClean="0"/>
+                        <a:t>27</a:t>
+                      </a:r>
+                      <a:endParaRPr lang="en-US" sz="1400" dirty="0"/>
+                    </a:p>
+                  </a:txBody>
+                  <a:tcPr anchorCtr="1"/>
+                </a:tc>
+                <a:tc>
+                  <a:txBody>
+                    <a:bodyPr/>
+                    <a:lstStyle/>
+                    <a:p>
+                      <a:r>
+                        <a:rPr lang="en-US" sz="1400" dirty="0" smtClean="0"/>
+                        <a:t>15</a:t>
+                      </a:r>
+                      <a:endParaRPr lang="en-US" sz="1400" dirty="0"/>
+                    </a:p>
+                  </a:txBody>
+                  <a:tcPr anchorCtr="1"/>
+                </a:tc>
+                <a:tc>
+                  <a:txBody>
+                    <a:bodyPr/>
+                    <a:lstStyle/>
+                    <a:p>
+                      <a:r>
+                        <a:rPr lang="en-US" sz="1400" dirty="0" smtClean="0"/>
+                        <a:t>grizy+4NBs(r~27)</a:t>
+                      </a:r>
+                      <a:endParaRPr lang="en-US" sz="1400" dirty="0"/>
+                    </a:p>
+                  </a:txBody>
+                  <a:tcPr anchorCtr="1"/>
+                </a:tc>
+              </a:tr>
+              <a:tr h="370840">
+                <a:tc>
+                  <a:txBody>
+                    <a:bodyPr/>
+                    <a:lstStyle/>
+                    <a:p>
+                      <a:r>
+                        <a:rPr lang="en-US" sz="1400" dirty="0" err="1" smtClean="0"/>
+                        <a:t>Ultradeep</a:t>
+                      </a:r>
+                      <a:endParaRPr lang="en-US" sz="1400" dirty="0"/>
+                    </a:p>
+                  </a:txBody>
+                  <a:tcPr anchorCtr="1"/>
+                </a:tc>
+                <a:tc>
+                  <a:txBody>
+                    <a:bodyPr/>
+                    <a:lstStyle/>
+                    <a:p>
+                      <a:r>
+                        <a:rPr lang="en-US" sz="1400" dirty="0" smtClean="0"/>
+                        <a:t>3.5</a:t>
+                      </a:r>
+                      <a:endParaRPr lang="en-US" sz="1400" dirty="0"/>
+                    </a:p>
+                  </a:txBody>
+                  <a:tcPr anchorCtr="1"/>
+                </a:tc>
+                <a:tc>
+                  <a:txBody>
+                    <a:bodyPr/>
+                    <a:lstStyle/>
+                    <a:p>
+                      <a:r>
+                        <a:rPr lang="en-US" sz="1400" dirty="0" smtClean="0"/>
+                        <a:t>2</a:t>
+                      </a:r>
+                      <a:endParaRPr lang="en-US" sz="1400" dirty="0"/>
+                    </a:p>
+                  </a:txBody>
+                  <a:tcPr anchorCtr="1"/>
+                </a:tc>
+                <a:tc>
+                  <a:txBody>
+                    <a:bodyPr/>
+                    <a:lstStyle/>
+                    <a:p>
+                      <a:pPr marL="0" marR="0" indent="0" algn="l" defTabSz="457200" rtl="0" eaLnBrk="1" fontAlgn="auto" latinLnBrk="0" hangingPunct="1">
+                        <a:lnSpc>
+                          <a:spcPct val="100000"/>
+                        </a:lnSpc>
+                        <a:spcBef>
+                          <a:spcPts val="0"/>
+                        </a:spcBef>
+                        <a:spcAft>
+                          <a:spcPts val="0"/>
+                        </a:spcAft>
+                        <a:buClrTx/>
+                        <a:buSzTx/>
+                        <a:buFontTx/>
+                        <a:buNone/>
+                        <a:tabLst/>
+                        <a:defRPr/>
+                      </a:pPr>
+                      <a:r>
+                        <a:rPr lang="en-US" sz="1400" dirty="0" smtClean="0"/>
+                        <a:t>grizy+4NBs(r~28)</a:t>
+                      </a:r>
+                    </a:p>
+                  </a:txBody>
+                  <a:tcPr anchorCtr="1"/>
+                </a:tc>
+              </a:tr>
+            </a:tbl>
+          </a:graphicData>
+        </a:graphic>
+      </p:graphicFrame>
+      <p:sp>
+        <p:nvSpPr>
+          <p:cNvPr id="13" name="TextBox 12"/>
+          <p:cNvSpPr txBox="1"/>
+          <p:nvPr/>
+        </p:nvSpPr>
+        <p:spPr>
+          <a:xfrm>
+            <a:off x="5130176" y="4668117"/>
+            <a:ext cx="3795923" cy="892552"/>
+          </a:xfrm>
+          <a:prstGeom prst="rect">
+            <a:avLst/>
+          </a:prstGeom>
+          <a:noFill/>
+        </p:spPr>
+        <p:txBody>
+          <a:bodyPr wrap="square" rtlCol="0">
+            <a:spAutoFit/>
+          </a:bodyPr>
+          <a:lstStyle/>
+          <a:p>
+            <a:pPr algn="ctr"/>
+            <a:r>
+              <a:rPr lang="en-US" sz="2600" b="1" dirty="0" smtClean="0">
+                <a:solidFill>
+                  <a:srgbClr val="FF0000"/>
+                </a:solidFill>
+              </a:rPr>
+              <a:t>Bright Objects? </a:t>
+            </a:r>
+            <a:endParaRPr lang="en-US" sz="2600" b="1" dirty="0" smtClean="0">
+              <a:solidFill>
+                <a:srgbClr val="FF0000"/>
+              </a:solidFill>
+            </a:endParaRPr>
+          </a:p>
+          <a:p>
+            <a:endParaRPr lang="en-US" sz="2600" b="1" dirty="0">
+              <a:solidFill>
+                <a:srgbClr val="FF0000"/>
+              </a:solidFill>
+            </a:endParaRPr>
+          </a:p>
+        </p:txBody>
+      </p:sp>
+    </p:spTree>
+    <p:extLst>
+      <p:ext uri="{BB962C8B-B14F-4D97-AF65-F5344CB8AC3E}">
+        <p14:creationId xmlns:p14="http://schemas.microsoft.com/office/powerpoint/2010/main" val="3237531117"/>
+      </p:ext>
+    </p:extLst>
+  </p:cSld>
+  <p:clrMapOvr>
+    <a:masterClrMapping/>
+  </p:clrMapOvr>
+  <p:timing>
+    <p:tnLst>
+      <p:par>
+        <p:cTn xmlns:p14="http://schemas.microsoft.com/office/powerpoint/2010/main" id="1" dur="indefinite" restart="never" nodeType="tmRoot"/>
+      </p:par>
+    </p:tnLst>
+  </p:timing>
+</p:sld>
+</file>
+
+<file path=ppt/slides/slide4.xml><?xml version="1.0" encoding="utf-8"?>
+<p:sld xmlns:a="http://schemas.openxmlformats.org/drawingml/2006/main" xmlns:r="http://schemas.openxmlformats.org/officeDocument/2006/relationships" xmlns:p="http://schemas.openxmlformats.org/presentationml/2006/main">
+  <p:cSld>
+    <p:spTree>
+      <p:nvGrpSpPr>
+        <p:cNvPr id="1" name=""/>
+        <p:cNvGrpSpPr/>
+        <p:nvPr/>
+      </p:nvGrpSpPr>
+      <p:grpSpPr>
+        <a:xfrm>
+          <a:off x="0" y="0"/>
+          <a:ext cx="0" cy="0"/>
+          <a:chOff x="0" y="0"/>
+          <a:chExt cx="0" cy="0"/>
+        </a:xfrm>
+      </p:grpSpPr>
+      <p:sp>
+        <p:nvSpPr>
+          <p:cNvPr id="2" name="Title 1"/>
+          <p:cNvSpPr>
+            <a:spLocks noGrp="1"/>
+          </p:cNvSpPr>
+          <p:nvPr>
+            <p:ph type="title"/>
+          </p:nvPr>
+        </p:nvSpPr>
+        <p:spPr/>
+        <p:txBody>
+          <a:bodyPr/>
+          <a:lstStyle/>
+          <a:p>
+            <a:r>
+              <a:rPr lang="en-US" dirty="0" smtClean="0"/>
+              <a:t>Making the Luminosity Profiles</a:t>
+            </a:r>
+            <a:endParaRPr lang="en-US" dirty="0"/>
+          </a:p>
+        </p:txBody>
+      </p:sp>
+      <p:sp>
+        <p:nvSpPr>
+          <p:cNvPr id="4" name="Footer Placeholder 3"/>
+          <p:cNvSpPr>
+            <a:spLocks noGrp="1"/>
+          </p:cNvSpPr>
+          <p:nvPr>
+            <p:ph type="ftr" sz="quarter" idx="11"/>
+          </p:nvPr>
+        </p:nvSpPr>
+        <p:spPr/>
+        <p:txBody>
+          <a:bodyPr/>
+          <a:lstStyle/>
+          <a:p>
+            <a:r>
+              <a:rPr lang="en-US" smtClean="0"/>
+              <a:t>Amanda Newmark</a:t>
+            </a:r>
+            <a:endParaRPr lang="en-US"/>
+          </a:p>
+        </p:txBody>
+      </p:sp>
+      <p:pic>
+        <p:nvPicPr>
+          <p:cNvPr id="6" name="Content Placeholder 5" descr="Screen Shot 2016-07-27 at 5.24.12 PM.png"/>
+          <p:cNvPicPr>
+            <a:picLocks noGrp="1" noChangeAspect="1"/>
+          </p:cNvPicPr>
+          <p:nvPr>
+            <p:ph idx="1"/>
+          </p:nvPr>
+        </p:nvPicPr>
+        <p:blipFill rotWithShape="1">
+          <a:blip r:embed="rId3">
+            <a:extLst>
+              <a:ext uri="{28A0092B-C50C-407E-A947-70E740481C1C}">
+                <a14:useLocalDpi xmlns:a14="http://schemas.microsoft.com/office/drawing/2010/main" val="0"/>
+              </a:ext>
+            </a:extLst>
+          </a:blip>
+          <a:srcRect t="-1789" b="6043"/>
+          <a:stretch/>
+        </p:blipFill>
+        <p:spPr>
+          <a:xfrm>
+            <a:off x="457200" y="2180167"/>
+            <a:ext cx="8229600" cy="3111500"/>
+          </a:xfrm>
+        </p:spPr>
+      </p:pic>
+    </p:spTree>
+    <p:extLst>
+      <p:ext uri="{BB962C8B-B14F-4D97-AF65-F5344CB8AC3E}">
+        <p14:creationId xmlns:p14="http://schemas.microsoft.com/office/powerpoint/2010/main" val="2063487560"/>
+      </p:ext>
+    </p:extLst>
+  </p:cSld>
+  <p:clrMapOvr>
+    <a:masterClrMapping/>
+  </p:clrMapOvr>
+  <p:timing>
+    <p:tnLst>
+      <p:par>
+        <p:cTn xmlns:p14="http://schemas.microsoft.com/office/powerpoint/2010/main" id="1" dur="indefinite" restart="never" nodeType="tmRoot"/>
+      </p:par>
+    </p:tnLst>
+  </p:timing>
+</p:sld>
+</file>
+
+<file path=ppt/slides/slide5.xml><?xml version="1.0" encoding="utf-8"?>
+<p:sld xmlns:a="http://schemas.openxmlformats.org/drawingml/2006/main" xmlns:r="http://schemas.openxmlformats.org/officeDocument/2006/relationships" xmlns:p="http://schemas.openxmlformats.org/presentationml/2006/main">
+  <p:cSld>
+    <p:spTree>
+      <p:nvGrpSpPr>
+        <p:cNvPr id="1" name=""/>
+        <p:cNvGrpSpPr/>
+        <p:nvPr/>
+      </p:nvGrpSpPr>
+      <p:grpSpPr>
+        <a:xfrm>
+          <a:off x="0" y="0"/>
+          <a:ext cx="0" cy="0"/>
+          <a:chOff x="0" y="0"/>
+          <a:chExt cx="0" cy="0"/>
+        </a:xfrm>
+      </p:grpSpPr>
+      <p:sp>
+        <p:nvSpPr>
+          <p:cNvPr id="2" name="Title 1"/>
+          <p:cNvSpPr>
+            <a:spLocks noGrp="1"/>
+          </p:cNvSpPr>
+          <p:nvPr>
+            <p:ph type="title"/>
+          </p:nvPr>
+        </p:nvSpPr>
+        <p:spPr/>
+        <p:txBody>
+          <a:bodyPr/>
+          <a:lstStyle/>
+          <a:p>
+            <a:r>
+              <a:rPr lang="en-US" dirty="0" smtClean="0"/>
+              <a:t>Now with Redshift Cut</a:t>
+            </a:r>
+            <a:endParaRPr lang="en-US" dirty="0"/>
+          </a:p>
+        </p:txBody>
+      </p:sp>
+      <p:sp>
+        <p:nvSpPr>
+          <p:cNvPr id="4" name="Footer Placeholder 3"/>
+          <p:cNvSpPr>
+            <a:spLocks noGrp="1"/>
+          </p:cNvSpPr>
+          <p:nvPr>
+            <p:ph type="ftr" sz="quarter" idx="11"/>
+          </p:nvPr>
+        </p:nvSpPr>
+        <p:spPr/>
+        <p:txBody>
+          <a:bodyPr/>
+          <a:lstStyle/>
+          <a:p>
+            <a:r>
+              <a:rPr lang="en-US" smtClean="0"/>
+              <a:t>Amanda Newmark</a:t>
+            </a:r>
+            <a:endParaRPr lang="en-US"/>
+          </a:p>
+        </p:txBody>
+      </p:sp>
+      <p:pic>
+        <p:nvPicPr>
+          <p:cNvPr id="7" name="Content Placeholder 6" descr="Screen Shot 2016-07-27 at 8.20.43 PM.png"/>
+          <p:cNvPicPr>
+            <a:picLocks noGrp="1" noChangeAspect="1"/>
+          </p:cNvPicPr>
+          <p:nvPr>
+            <p:ph idx="1"/>
+          </p:nvPr>
+        </p:nvPicPr>
+        <p:blipFill>
+          <a:blip r:embed="rId3">
+            <a:extLst>
+              <a:ext uri="{28A0092B-C50C-407E-A947-70E740481C1C}">
+                <a14:useLocalDpi xmlns:a14="http://schemas.microsoft.com/office/drawing/2010/main" val="0"/>
+              </a:ext>
+            </a:extLst>
+          </a:blip>
+          <a:srcRect l="-19240" r="-19240"/>
+          <a:stretch>
+            <a:fillRect/>
+          </a:stretch>
+        </p:blipFill>
+        <p:spPr/>
+      </p:pic>
+    </p:spTree>
+    <p:extLst>
+      <p:ext uri="{BB962C8B-B14F-4D97-AF65-F5344CB8AC3E}">
+        <p14:creationId xmlns:p14="http://schemas.microsoft.com/office/powerpoint/2010/main" val="3780171474"/>
+      </p:ext>
+    </p:extLst>
+  </p:cSld>
+  <p:clrMapOvr>
+    <a:masterClrMapping/>
+  </p:clrMapOvr>
+  <p:timing>
+    <p:tnLst>
+      <p:par>
+        <p:cTn xmlns:p14="http://schemas.microsoft.com/office/powerpoint/2010/main" id="1" dur="indefinite" restart="never" nodeType="tmRoot"/>
+      </p:par>
+    </p:tnLst>
+  </p:timing>
+</p:sld>
+</file>
+
+<file path=ppt/slides/slide6.xml><?xml version="1.0" encoding="utf-8"?>
+<p:sld xmlns:a="http://schemas.openxmlformats.org/drawingml/2006/main" xmlns:r="http://schemas.openxmlformats.org/officeDocument/2006/relationships" xmlns:p="http://schemas.openxmlformats.org/presentationml/2006/main">
+  <p:cSld>
+    <p:spTree>
+      <p:nvGrpSpPr>
+        <p:cNvPr id="1" name=""/>
+        <p:cNvGrpSpPr/>
+        <p:nvPr/>
+      </p:nvGrpSpPr>
+      <p:grpSpPr>
+        <a:xfrm>
+          <a:off x="0" y="0"/>
+          <a:ext cx="0" cy="0"/>
+          <a:chOff x="0" y="0"/>
+          <a:chExt cx="0" cy="0"/>
+        </a:xfrm>
+      </p:grpSpPr>
+      <p:sp>
+        <p:nvSpPr>
+          <p:cNvPr id="2" name="Title 1"/>
+          <p:cNvSpPr>
+            <a:spLocks noGrp="1"/>
+          </p:cNvSpPr>
+          <p:nvPr>
+            <p:ph type="title"/>
+          </p:nvPr>
+        </p:nvSpPr>
+        <p:spPr/>
+        <p:txBody>
+          <a:bodyPr/>
+          <a:lstStyle/>
+          <a:p>
+            <a:r>
+              <a:rPr lang="en-US" dirty="0"/>
+              <a:t>Flagged vs. Not Flagged</a:t>
+            </a:r>
+          </a:p>
+        </p:txBody>
+      </p:sp>
+      <p:sp>
+        <p:nvSpPr>
+          <p:cNvPr id="4" name="Footer Placeholder 3"/>
+          <p:cNvSpPr>
+            <a:spLocks noGrp="1"/>
+          </p:cNvSpPr>
+          <p:nvPr>
+            <p:ph type="ftr" sz="quarter" idx="11"/>
+          </p:nvPr>
+        </p:nvSpPr>
+        <p:spPr/>
+        <p:txBody>
+          <a:bodyPr/>
+          <a:lstStyle/>
+          <a:p>
+            <a:r>
+              <a:rPr lang="en-US" smtClean="0"/>
+              <a:t>Amanda Newmark</a:t>
+            </a:r>
+            <a:endParaRPr lang="en-US"/>
+          </a:p>
+        </p:txBody>
+      </p:sp>
+      <p:sp>
+        <p:nvSpPr>
+          <p:cNvPr id="6" name="Content Placeholder 5"/>
+          <p:cNvSpPr>
+            <a:spLocks noGrp="1"/>
+          </p:cNvSpPr>
+          <p:nvPr>
+            <p:ph idx="1"/>
+          </p:nvPr>
+        </p:nvSpPr>
+        <p:spPr/>
+        <p:txBody>
+          <a:bodyPr/>
+          <a:lstStyle/>
+          <a:p>
+            <a:endParaRPr lang="en-US"/>
+          </a:p>
+        </p:txBody>
+      </p:sp>
+    </p:spTree>
+    <p:extLst>
+      <p:ext uri="{BB962C8B-B14F-4D97-AF65-F5344CB8AC3E}">
+        <p14:creationId xmlns:p14="http://schemas.microsoft.com/office/powerpoint/2010/main" val="2426057379"/>
+      </p:ext>
+    </p:extLst>
+  </p:cSld>
+  <p:clrMapOvr>
+    <a:masterClrMapping/>
+  </p:clrMapOvr>
+  <p:timing>
+    <p:tnLst>
+      <p:par>
+        <p:cTn xmlns:p14="http://schemas.microsoft.com/office/powerpoint/2010/main" id="1" dur="indefinite" restart="never" nodeType="tmRoot"/>
+      </p:par>
+    </p:tnLst>
+  </p:timing>
+</p:sld>
+</file>
+
+<file path=ppt/slides/slide7.xml><?xml version="1.0" encoding="utf-8"?>
+<p:sld xmlns:a="http://schemas.openxmlformats.org/drawingml/2006/main" xmlns:r="http://schemas.openxmlformats.org/officeDocument/2006/relationships" xmlns:p="http://schemas.openxmlformats.org/presentationml/2006/main">
+  <p:cSld>
+    <p:spTree>
+      <p:nvGrpSpPr>
+        <p:cNvPr id="1" name=""/>
+        <p:cNvGrpSpPr/>
+        <p:nvPr/>
+      </p:nvGrpSpPr>
+      <p:grpSpPr>
+        <a:xfrm>
+          <a:off x="0" y="0"/>
+          <a:ext cx="0" cy="0"/>
+          <a:chOff x="0" y="0"/>
+          <a:chExt cx="0" cy="0"/>
+        </a:xfrm>
+      </p:grpSpPr>
+      <p:sp>
+        <p:nvSpPr>
+          <p:cNvPr id="2" name="Title 1"/>
+          <p:cNvSpPr>
+            <a:spLocks noGrp="1"/>
+          </p:cNvSpPr>
+          <p:nvPr>
+            <p:ph type="title"/>
+          </p:nvPr>
+        </p:nvSpPr>
+        <p:spPr/>
+        <p:txBody>
+          <a:bodyPr/>
+          <a:lstStyle/>
+          <a:p>
+            <a:r>
+              <a:rPr lang="en-US" dirty="0" smtClean="0"/>
+              <a:t>Applying to Star Formation History</a:t>
+            </a:r>
+            <a:endParaRPr lang="en-US" dirty="0"/>
+          </a:p>
+        </p:txBody>
+      </p:sp>
+      <p:sp>
+        <p:nvSpPr>
+          <p:cNvPr id="3" name="Content Placeholder 2"/>
+          <p:cNvSpPr>
+            <a:spLocks noGrp="1"/>
+          </p:cNvSpPr>
+          <p:nvPr>
+            <p:ph idx="1"/>
+          </p:nvPr>
+        </p:nvSpPr>
+        <p:spPr/>
+        <p:txBody>
+          <a:bodyPr/>
+          <a:lstStyle/>
+          <a:p>
+            <a:endParaRPr lang="en-US" dirty="0" smtClean="0"/>
+          </a:p>
+          <a:p>
+            <a:endParaRPr lang="en-US" dirty="0"/>
+          </a:p>
+        </p:txBody>
+      </p:sp>
+      <p:sp>
+        <p:nvSpPr>
+          <p:cNvPr id="4" name="Footer Placeholder 3"/>
+          <p:cNvSpPr>
+            <a:spLocks noGrp="1"/>
+          </p:cNvSpPr>
+          <p:nvPr>
+            <p:ph type="ftr" sz="quarter" idx="11"/>
+          </p:nvPr>
+        </p:nvSpPr>
+        <p:spPr/>
+        <p:txBody>
+          <a:bodyPr/>
+          <a:lstStyle/>
+          <a:p>
+            <a:r>
+              <a:rPr lang="en-US" smtClean="0"/>
+              <a:t>Amanda Newmark</a:t>
+            </a:r>
+            <a:endParaRPr lang="en-US"/>
+          </a:p>
+        </p:txBody>
+      </p:sp>
+      <p:sp>
+        <p:nvSpPr>
+          <p:cNvPr id="9" name="TextBox 8"/>
+          <p:cNvSpPr txBox="1"/>
+          <p:nvPr/>
+        </p:nvSpPr>
+        <p:spPr>
+          <a:xfrm>
+            <a:off x="1745572" y="5007239"/>
+            <a:ext cx="1642196" cy="338554"/>
+          </a:xfrm>
+          <a:prstGeom prst="rect">
+            <a:avLst/>
+          </a:prstGeom>
+          <a:noFill/>
+          <a:ln>
+            <a:solidFill>
+              <a:schemeClr val="tx1"/>
+            </a:solidFill>
+          </a:ln>
+        </p:spPr>
+        <p:txBody>
+          <a:bodyPr wrap="none" rtlCol="0">
+            <a:spAutoFit/>
+          </a:bodyPr>
+          <a:lstStyle/>
+          <a:p>
+            <a:r>
+              <a:rPr lang="en-US" sz="1600" dirty="0" err="1" smtClean="0"/>
+              <a:t>Tojeiro</a:t>
+            </a:r>
+            <a:r>
+              <a:rPr lang="en-US" sz="1600" dirty="0"/>
+              <a:t> </a:t>
+            </a:r>
+            <a:r>
+              <a:rPr lang="en-US" sz="1600" dirty="0" smtClean="0"/>
+              <a:t>et al 2009</a:t>
+            </a:r>
+          </a:p>
+        </p:txBody>
+      </p:sp>
+      <p:pic>
+        <p:nvPicPr>
+          <p:cNvPr id="12" name="Picture 11" descr="oy_agebin.pdf"/>
+          <p:cNvPicPr>
+            <a:picLocks noChangeAspect="1"/>
+          </p:cNvPicPr>
+          <p:nvPr/>
+        </p:nvPicPr>
+        <p:blipFill>
+          <a:blip r:embed="rId3">
+            <a:extLst>
+              <a:ext uri="{28A0092B-C50C-407E-A947-70E740481C1C}">
+                <a14:useLocalDpi xmlns:a14="http://schemas.microsoft.com/office/drawing/2010/main" val="0"/>
+              </a:ext>
+            </a:extLst>
+          </a:blip>
+          <a:stretch>
+            <a:fillRect/>
+          </a:stretch>
+        </p:blipFill>
+        <p:spPr>
+          <a:xfrm>
+            <a:off x="4687312" y="1417638"/>
+            <a:ext cx="4456690" cy="3342518"/>
+          </a:xfrm>
+          <a:prstGeom prst="rect">
+            <a:avLst/>
+          </a:prstGeom>
+        </p:spPr>
+      </p:pic>
+    </p:spTree>
+    <p:extLst>
+      <p:ext uri="{BB962C8B-B14F-4D97-AF65-F5344CB8AC3E}">
+        <p14:creationId xmlns:p14="http://schemas.microsoft.com/office/powerpoint/2010/main" val="1888732109"/>
+      </p:ext>
+    </p:extLst>
+  </p:cSld>
+  <p:clrMapOvr>
+    <a:masterClrMapping/>
+  </p:clrMapOvr>
+  <p:timing>
+    <p:tnLst>
+      <p:par>
+        <p:cTn xmlns:p14="http://schemas.microsoft.com/office/powerpoint/2010/main" id="1" dur="indefinite" restart="never" nodeType="tmRoot"/>
+      </p:par>
+    </p:tnLst>
+  </p:timing>
+</p:sld>
+</file>
+
+<file path=ppt/slides/slide8.xml><?xml version="1.0" encoding="utf-8"?>
 <p:sld xmlns:a="http://schemas.openxmlformats.org/drawingml/2006/main" xmlns:r="http://schemas.openxmlformats.org/officeDocument/2006/relationships" xmlns:p="http://schemas.openxmlformats.org/presentationml/2006/main">
   <p:cSld>
     <p:spTree>
@@ -6369,2225 +8792,6 @@
 </p:sld>
 </file>
 
-<file path=ppt/slides/slide11.xml><?xml version="1.0" encoding="utf-8"?>
-<p:sld xmlns:a="http://schemas.openxmlformats.org/drawingml/2006/main" xmlns:r="http://schemas.openxmlformats.org/officeDocument/2006/relationships" xmlns:p="http://schemas.openxmlformats.org/presentationml/2006/main">
-  <p:cSld>
-    <p:spTree>
-      <p:nvGrpSpPr>
-        <p:cNvPr id="1" name=""/>
-        <p:cNvGrpSpPr/>
-        <p:nvPr/>
-      </p:nvGrpSpPr>
-      <p:grpSpPr>
-        <a:xfrm>
-          <a:off x="0" y="0"/>
-          <a:ext cx="0" cy="0"/>
-          <a:chOff x="0" y="0"/>
-          <a:chExt cx="0" cy="0"/>
-        </a:xfrm>
-      </p:grpSpPr>
-      <p:sp>
-        <p:nvSpPr>
-          <p:cNvPr id="2" name="Title 1"/>
-          <p:cNvSpPr>
-            <a:spLocks noGrp="1"/>
-          </p:cNvSpPr>
-          <p:nvPr>
-            <p:ph type="title"/>
-          </p:nvPr>
-        </p:nvSpPr>
-        <p:spPr/>
-        <p:txBody>
-          <a:bodyPr/>
-          <a:lstStyle/>
-          <a:p>
-            <a:r>
-              <a:rPr lang="en-US" dirty="0" smtClean="0"/>
-              <a:t>Slopes v Median Age</a:t>
-            </a:r>
-            <a:endParaRPr lang="en-US" dirty="0"/>
-          </a:p>
-        </p:txBody>
-      </p:sp>
-      <p:sp>
-        <p:nvSpPr>
-          <p:cNvPr id="4" name="Footer Placeholder 3"/>
-          <p:cNvSpPr>
-            <a:spLocks noGrp="1"/>
-          </p:cNvSpPr>
-          <p:nvPr>
-            <p:ph type="ftr" sz="quarter" idx="11"/>
-          </p:nvPr>
-        </p:nvSpPr>
-        <p:spPr/>
-        <p:txBody>
-          <a:bodyPr/>
-          <a:lstStyle/>
-          <a:p>
-            <a:r>
-              <a:rPr lang="en-US" smtClean="0"/>
-              <a:t>Amanda Newmark</a:t>
-            </a:r>
-            <a:endParaRPr lang="en-US"/>
-          </a:p>
-        </p:txBody>
-      </p:sp>
-      <p:pic>
-        <p:nvPicPr>
-          <p:cNvPr id="7" name="Content Placeholder 6" descr="slopevmed.pdf"/>
-          <p:cNvPicPr>
-            <a:picLocks noGrp="1" noChangeAspect="1"/>
-          </p:cNvPicPr>
-          <p:nvPr>
-            <p:ph idx="1"/>
-          </p:nvPr>
-        </p:nvPicPr>
-        <p:blipFill>
-          <a:blip r:embed="rId3">
-            <a:extLst>
-              <a:ext uri="{28A0092B-C50C-407E-A947-70E740481C1C}">
-                <a14:useLocalDpi xmlns:a14="http://schemas.microsoft.com/office/drawing/2010/main" val="0"/>
-              </a:ext>
-            </a:extLst>
-          </a:blip>
-          <a:srcRect l="-10874" r="-10874"/>
-          <a:stretch>
-            <a:fillRect/>
-          </a:stretch>
-        </p:blipFill>
-        <p:spPr/>
-      </p:pic>
-    </p:spTree>
-    <p:extLst>
-      <p:ext uri="{BB962C8B-B14F-4D97-AF65-F5344CB8AC3E}">
-        <p14:creationId xmlns:p14="http://schemas.microsoft.com/office/powerpoint/2010/main" val="2071698164"/>
-      </p:ext>
-    </p:extLst>
-  </p:cSld>
-  <p:clrMapOvr>
-    <a:masterClrMapping/>
-  </p:clrMapOvr>
-  <p:timing>
-    <p:tnLst>
-      <p:par>
-        <p:cTn xmlns:p14="http://schemas.microsoft.com/office/powerpoint/2010/main" id="1" dur="indefinite" restart="never" nodeType="tmRoot"/>
-      </p:par>
-    </p:tnLst>
-  </p:timing>
-</p:sld>
-</file>
-
-<file path=ppt/slides/slide12.xml><?xml version="1.0" encoding="utf-8"?>
-<p:sld xmlns:a="http://schemas.openxmlformats.org/drawingml/2006/main" xmlns:r="http://schemas.openxmlformats.org/officeDocument/2006/relationships" xmlns:p="http://schemas.openxmlformats.org/presentationml/2006/main">
-  <p:cSld>
-    <p:spTree>
-      <p:nvGrpSpPr>
-        <p:cNvPr id="1" name=""/>
-        <p:cNvGrpSpPr/>
-        <p:nvPr/>
-      </p:nvGrpSpPr>
-      <p:grpSpPr>
-        <a:xfrm>
-          <a:off x="0" y="0"/>
-          <a:ext cx="0" cy="0"/>
-          <a:chOff x="0" y="0"/>
-          <a:chExt cx="0" cy="0"/>
-        </a:xfrm>
-      </p:grpSpPr>
-      <p:sp>
-        <p:nvSpPr>
-          <p:cNvPr id="2" name="Title 1"/>
-          <p:cNvSpPr>
-            <a:spLocks noGrp="1"/>
-          </p:cNvSpPr>
-          <p:nvPr>
-            <p:ph type="title"/>
-          </p:nvPr>
-        </p:nvSpPr>
-        <p:spPr/>
-        <p:txBody>
-          <a:bodyPr/>
-          <a:lstStyle/>
-          <a:p>
-            <a:r>
-              <a:rPr lang="en-US" dirty="0" smtClean="0"/>
-              <a:t>Conclusion</a:t>
-            </a:r>
-            <a:endParaRPr lang="en-US" dirty="0"/>
-          </a:p>
-        </p:txBody>
-      </p:sp>
-      <p:sp>
-        <p:nvSpPr>
-          <p:cNvPr id="3" name="Content Placeholder 2"/>
-          <p:cNvSpPr>
-            <a:spLocks noGrp="1"/>
-          </p:cNvSpPr>
-          <p:nvPr>
-            <p:ph idx="1"/>
-          </p:nvPr>
-        </p:nvSpPr>
-        <p:spPr/>
-        <p:txBody>
-          <a:bodyPr/>
-          <a:lstStyle/>
-          <a:p>
-            <a:r>
-              <a:rPr lang="en-US" dirty="0" smtClean="0"/>
-              <a:t>Not necessary to remove </a:t>
-            </a:r>
-            <a:r>
-              <a:rPr lang="en-US" dirty="0" smtClean="0"/>
-              <a:t>bright objects</a:t>
-            </a:r>
-          </a:p>
-          <a:p>
-            <a:r>
-              <a:rPr lang="en-US" dirty="0" smtClean="0"/>
-              <a:t>No correlation between accretion history and SFH</a:t>
-            </a:r>
-            <a:endParaRPr lang="en-US" dirty="0" smtClean="0"/>
-          </a:p>
-        </p:txBody>
-      </p:sp>
-      <p:sp>
-        <p:nvSpPr>
-          <p:cNvPr id="4" name="Footer Placeholder 3"/>
-          <p:cNvSpPr>
-            <a:spLocks noGrp="1"/>
-          </p:cNvSpPr>
-          <p:nvPr>
-            <p:ph type="ftr" sz="quarter" idx="11"/>
-          </p:nvPr>
-        </p:nvSpPr>
-        <p:spPr/>
-        <p:txBody>
-          <a:bodyPr/>
-          <a:lstStyle/>
-          <a:p>
-            <a:r>
-              <a:rPr lang="en-US" smtClean="0"/>
-              <a:t>Amanda Newmark</a:t>
-            </a:r>
-            <a:endParaRPr lang="en-US"/>
-          </a:p>
-        </p:txBody>
-      </p:sp>
-    </p:spTree>
-    <p:extLst>
-      <p:ext uri="{BB962C8B-B14F-4D97-AF65-F5344CB8AC3E}">
-        <p14:creationId xmlns:p14="http://schemas.microsoft.com/office/powerpoint/2010/main" val="3311873324"/>
-      </p:ext>
-    </p:extLst>
-  </p:cSld>
-  <p:clrMapOvr>
-    <a:masterClrMapping/>
-  </p:clrMapOvr>
-  <p:timing>
-    <p:tnLst>
-      <p:par>
-        <p:cTn xmlns:p14="http://schemas.microsoft.com/office/powerpoint/2010/main" id="1" dur="indefinite" restart="never" nodeType="tmRoot"/>
-      </p:par>
-    </p:tnLst>
-  </p:timing>
-</p:sld>
-</file>
-
-<file path=ppt/slides/slide13.xml><?xml version="1.0" encoding="utf-8"?>
-<p:sld xmlns:a="http://schemas.openxmlformats.org/drawingml/2006/main" xmlns:r="http://schemas.openxmlformats.org/officeDocument/2006/relationships" xmlns:p="http://schemas.openxmlformats.org/presentationml/2006/main">
-  <p:cSld>
-    <p:spTree>
-      <p:nvGrpSpPr>
-        <p:cNvPr id="1" name=""/>
-        <p:cNvGrpSpPr/>
-        <p:nvPr/>
-      </p:nvGrpSpPr>
-      <p:grpSpPr>
-        <a:xfrm>
-          <a:off x="0" y="0"/>
-          <a:ext cx="0" cy="0"/>
-          <a:chOff x="0" y="0"/>
-          <a:chExt cx="0" cy="0"/>
-        </a:xfrm>
-      </p:grpSpPr>
-      <p:sp>
-        <p:nvSpPr>
-          <p:cNvPr id="2" name="Title 1"/>
-          <p:cNvSpPr>
-            <a:spLocks noGrp="1"/>
-          </p:cNvSpPr>
-          <p:nvPr>
-            <p:ph type="title"/>
-          </p:nvPr>
-        </p:nvSpPr>
-        <p:spPr/>
-        <p:txBody>
-          <a:bodyPr/>
-          <a:lstStyle/>
-          <a:p>
-            <a:r>
-              <a:rPr lang="en-US" dirty="0" smtClean="0"/>
-              <a:t>Future Tests</a:t>
-            </a:r>
-            <a:endParaRPr lang="en-US" dirty="0"/>
-          </a:p>
-        </p:txBody>
-      </p:sp>
-      <p:sp>
-        <p:nvSpPr>
-          <p:cNvPr id="3" name="Content Placeholder 2"/>
-          <p:cNvSpPr>
-            <a:spLocks noGrp="1"/>
-          </p:cNvSpPr>
-          <p:nvPr>
-            <p:ph idx="1"/>
-          </p:nvPr>
-        </p:nvSpPr>
-        <p:spPr/>
-        <p:txBody>
-          <a:bodyPr/>
-          <a:lstStyle/>
-          <a:p>
-            <a:r>
-              <a:rPr lang="en-US" dirty="0" smtClean="0"/>
-              <a:t>The next step: Weak </a:t>
-            </a:r>
-            <a:r>
-              <a:rPr lang="en-US" dirty="0" smtClean="0"/>
-              <a:t>Gravitational </a:t>
-            </a:r>
-            <a:r>
-              <a:rPr lang="en-US" dirty="0" smtClean="0"/>
-              <a:t>Lensing</a:t>
-            </a:r>
-          </a:p>
-          <a:p>
-            <a:r>
-              <a:rPr lang="en-US" dirty="0" smtClean="0"/>
-              <a:t>Use another HSC Wide Field</a:t>
-            </a:r>
-          </a:p>
-          <a:p>
-            <a:r>
-              <a:rPr lang="en-US" dirty="0" smtClean="0"/>
-              <a:t>Use another galaxy population</a:t>
-            </a:r>
-          </a:p>
-          <a:p>
-            <a:r>
-              <a:rPr lang="en-US" dirty="0" smtClean="0"/>
-              <a:t>Try </a:t>
-            </a:r>
-            <a:r>
-              <a:rPr lang="en-US" smtClean="0"/>
-              <a:t>another band</a:t>
-            </a:r>
-            <a:endParaRPr lang="en-US" dirty="0" smtClean="0"/>
-          </a:p>
-        </p:txBody>
-      </p:sp>
-      <p:sp>
-        <p:nvSpPr>
-          <p:cNvPr id="4" name="Footer Placeholder 3"/>
-          <p:cNvSpPr>
-            <a:spLocks noGrp="1"/>
-          </p:cNvSpPr>
-          <p:nvPr>
-            <p:ph type="ftr" sz="quarter" idx="11"/>
-          </p:nvPr>
-        </p:nvSpPr>
-        <p:spPr/>
-        <p:txBody>
-          <a:bodyPr/>
-          <a:lstStyle/>
-          <a:p>
-            <a:r>
-              <a:rPr lang="en-US" smtClean="0"/>
-              <a:t>Amanda Newmark</a:t>
-            </a:r>
-            <a:endParaRPr lang="en-US"/>
-          </a:p>
-        </p:txBody>
-      </p:sp>
-      <p:pic>
-        <p:nvPicPr>
-          <p:cNvPr id="5" name="Picture 4" descr="Screen Shot 2016-07-27 at 4.25.01 PM.png"/>
-          <p:cNvPicPr>
-            <a:picLocks noChangeAspect="1"/>
-          </p:cNvPicPr>
-          <p:nvPr/>
-        </p:nvPicPr>
-        <p:blipFill rotWithShape="1">
-          <a:blip r:embed="rId3">
-            <a:extLst>
-              <a:ext uri="{28A0092B-C50C-407E-A947-70E740481C1C}">
-                <a14:useLocalDpi xmlns:a14="http://schemas.microsoft.com/office/drawing/2010/main" val="0"/>
-              </a:ext>
-            </a:extLst>
-          </a:blip>
-          <a:srcRect/>
-          <a:stretch/>
-        </p:blipFill>
-        <p:spPr>
-          <a:xfrm>
-            <a:off x="5774526" y="3195514"/>
-            <a:ext cx="3369473" cy="3160836"/>
-          </a:xfrm>
-          <a:prstGeom prst="rect">
-            <a:avLst/>
-          </a:prstGeom>
-        </p:spPr>
-      </p:pic>
-      <p:sp>
-        <p:nvSpPr>
-          <p:cNvPr id="6" name="TextBox 5"/>
-          <p:cNvSpPr txBox="1"/>
-          <p:nvPr/>
-        </p:nvSpPr>
-        <p:spPr>
-          <a:xfrm>
-            <a:off x="4264993" y="5298654"/>
-            <a:ext cx="1754807" cy="338554"/>
-          </a:xfrm>
-          <a:prstGeom prst="rect">
-            <a:avLst/>
-          </a:prstGeom>
-          <a:noFill/>
-          <a:ln>
-            <a:solidFill>
-              <a:schemeClr val="tx1"/>
-            </a:solidFill>
-          </a:ln>
-        </p:spPr>
-        <p:txBody>
-          <a:bodyPr wrap="none" rtlCol="0">
-            <a:spAutoFit/>
-          </a:bodyPr>
-          <a:lstStyle/>
-          <a:p>
-            <a:r>
-              <a:rPr lang="en-US" sz="1600" dirty="0" err="1" smtClean="0"/>
-              <a:t>Pillepich</a:t>
-            </a:r>
-            <a:r>
-              <a:rPr lang="en-US" sz="1600" dirty="0" smtClean="0"/>
-              <a:t> et al 2014</a:t>
-            </a:r>
-            <a:endParaRPr lang="en-US" sz="1600" dirty="0"/>
-          </a:p>
-        </p:txBody>
-      </p:sp>
-    </p:spTree>
-    <p:extLst>
-      <p:ext uri="{BB962C8B-B14F-4D97-AF65-F5344CB8AC3E}">
-        <p14:creationId xmlns:p14="http://schemas.microsoft.com/office/powerpoint/2010/main" val="2669350103"/>
-      </p:ext>
-    </p:extLst>
-  </p:cSld>
-  <p:clrMapOvr>
-    <a:masterClrMapping/>
-  </p:clrMapOvr>
-  <p:timing>
-    <p:tnLst>
-      <p:par>
-        <p:cTn xmlns:p14="http://schemas.microsoft.com/office/powerpoint/2010/main" id="1" dur="indefinite" restart="never" nodeType="tmRoot"/>
-      </p:par>
-    </p:tnLst>
-  </p:timing>
-</p:sld>
-</file>
-
-<file path=ppt/slides/slide14.xml><?xml version="1.0" encoding="utf-8"?>
-<p:sld xmlns:a="http://schemas.openxmlformats.org/drawingml/2006/main" xmlns:r="http://schemas.openxmlformats.org/officeDocument/2006/relationships" xmlns:p="http://schemas.openxmlformats.org/presentationml/2006/main">
-  <p:cSld>
-    <p:spTree>
-      <p:nvGrpSpPr>
-        <p:cNvPr id="1" name=""/>
-        <p:cNvGrpSpPr/>
-        <p:nvPr/>
-      </p:nvGrpSpPr>
-      <p:grpSpPr>
-        <a:xfrm>
-          <a:off x="0" y="0"/>
-          <a:ext cx="0" cy="0"/>
-          <a:chOff x="0" y="0"/>
-          <a:chExt cx="0" cy="0"/>
-        </a:xfrm>
-      </p:grpSpPr>
-      <p:sp>
-        <p:nvSpPr>
-          <p:cNvPr id="2" name="Title 1"/>
-          <p:cNvSpPr>
-            <a:spLocks noGrp="1"/>
-          </p:cNvSpPr>
-          <p:nvPr>
-            <p:ph type="ctrTitle"/>
-          </p:nvPr>
-        </p:nvSpPr>
-        <p:spPr>
-          <a:xfrm>
-            <a:off x="685800" y="1926167"/>
-            <a:ext cx="7772400" cy="1674283"/>
-          </a:xfrm>
-        </p:spPr>
-        <p:txBody>
-          <a:bodyPr>
-            <a:normAutofit/>
-          </a:bodyPr>
-          <a:lstStyle/>
-          <a:p>
-            <a:r>
-              <a:rPr lang="en-US" sz="5000" b="1" dirty="0" smtClean="0"/>
-              <a:t>Thank You!!</a:t>
-            </a:r>
-            <a:endParaRPr lang="en-US" sz="5000" b="1" dirty="0"/>
-          </a:p>
-        </p:txBody>
-      </p:sp>
-    </p:spTree>
-    <p:extLst>
-      <p:ext uri="{BB962C8B-B14F-4D97-AF65-F5344CB8AC3E}">
-        <p14:creationId xmlns:p14="http://schemas.microsoft.com/office/powerpoint/2010/main" val="1444262113"/>
-      </p:ext>
-    </p:extLst>
-  </p:cSld>
-  <p:clrMapOvr>
-    <a:masterClrMapping/>
-  </p:clrMapOvr>
-  <p:timing>
-    <p:tnLst>
-      <p:par>
-        <p:cTn xmlns:p14="http://schemas.microsoft.com/office/powerpoint/2010/main" id="1" dur="indefinite" restart="never" nodeType="tmRoot"/>
-      </p:par>
-    </p:tnLst>
-  </p:timing>
-</p:sld>
-</file>
-
-<file path=ppt/slides/slide15.xml><?xml version="1.0" encoding="utf-8"?>
-<p:sld xmlns:a="http://schemas.openxmlformats.org/drawingml/2006/main" xmlns:r="http://schemas.openxmlformats.org/officeDocument/2006/relationships" xmlns:p="http://schemas.openxmlformats.org/presentationml/2006/main">
-  <p:cSld>
-    <p:spTree>
-      <p:nvGrpSpPr>
-        <p:cNvPr id="1" name=""/>
-        <p:cNvGrpSpPr/>
-        <p:nvPr/>
-      </p:nvGrpSpPr>
-      <p:grpSpPr>
-        <a:xfrm>
-          <a:off x="0" y="0"/>
-          <a:ext cx="0" cy="0"/>
-          <a:chOff x="0" y="0"/>
-          <a:chExt cx="0" cy="0"/>
-        </a:xfrm>
-      </p:grpSpPr>
-      <p:sp>
-        <p:nvSpPr>
-          <p:cNvPr id="2" name="Title 1"/>
-          <p:cNvSpPr>
-            <a:spLocks noGrp="1"/>
-          </p:cNvSpPr>
-          <p:nvPr>
-            <p:ph type="title"/>
-          </p:nvPr>
-        </p:nvSpPr>
-        <p:spPr/>
-        <p:txBody>
-          <a:bodyPr/>
-          <a:lstStyle/>
-          <a:p>
-            <a:endParaRPr lang="en-US" dirty="0"/>
-          </a:p>
-        </p:txBody>
-      </p:sp>
-      <p:sp>
-        <p:nvSpPr>
-          <p:cNvPr id="3" name="Content Placeholder 2"/>
-          <p:cNvSpPr>
-            <a:spLocks noGrp="1"/>
-          </p:cNvSpPr>
-          <p:nvPr>
-            <p:ph idx="1"/>
-          </p:nvPr>
-        </p:nvSpPr>
-        <p:spPr/>
-        <p:txBody>
-          <a:bodyPr/>
-          <a:lstStyle/>
-          <a:p>
-            <a:pPr marL="0" indent="0">
-              <a:buNone/>
-            </a:pPr>
-            <a:endParaRPr lang="en-US" dirty="0"/>
-          </a:p>
-        </p:txBody>
-      </p:sp>
-      <p:sp>
-        <p:nvSpPr>
-          <p:cNvPr id="4" name="Footer Placeholder 3"/>
-          <p:cNvSpPr>
-            <a:spLocks noGrp="1"/>
-          </p:cNvSpPr>
-          <p:nvPr>
-            <p:ph type="ftr" sz="quarter" idx="11"/>
-          </p:nvPr>
-        </p:nvSpPr>
-        <p:spPr/>
-        <p:txBody>
-          <a:bodyPr/>
-          <a:lstStyle/>
-          <a:p>
-            <a:r>
-              <a:rPr lang="en-US" smtClean="0"/>
-              <a:t>Amanda Newmark</a:t>
-            </a:r>
-            <a:endParaRPr lang="en-US"/>
-          </a:p>
-        </p:txBody>
-      </p:sp>
-    </p:spTree>
-    <p:extLst>
-      <p:ext uri="{BB962C8B-B14F-4D97-AF65-F5344CB8AC3E}">
-        <p14:creationId xmlns:p14="http://schemas.microsoft.com/office/powerpoint/2010/main" val="3311002496"/>
-      </p:ext>
-    </p:extLst>
-  </p:cSld>
-  <p:clrMapOvr>
-    <a:masterClrMapping/>
-  </p:clrMapOvr>
-  <p:timing>
-    <p:tnLst>
-      <p:par>
-        <p:cTn xmlns:p14="http://schemas.microsoft.com/office/powerpoint/2010/main" id="1" dur="indefinite" restart="never" nodeType="tmRoot"/>
-      </p:par>
-    </p:tnLst>
-  </p:timing>
-</p:sld>
-</file>
-
-<file path=ppt/slides/slide16.xml><?xml version="1.0" encoding="utf-8"?>
-<p:sld xmlns:a="http://schemas.openxmlformats.org/drawingml/2006/main" xmlns:r="http://schemas.openxmlformats.org/officeDocument/2006/relationships" xmlns:p="http://schemas.openxmlformats.org/presentationml/2006/main">
-  <p:cSld>
-    <p:spTree>
-      <p:nvGrpSpPr>
-        <p:cNvPr id="1" name=""/>
-        <p:cNvGrpSpPr/>
-        <p:nvPr/>
-      </p:nvGrpSpPr>
-      <p:grpSpPr>
-        <a:xfrm>
-          <a:off x="0" y="0"/>
-          <a:ext cx="0" cy="0"/>
-          <a:chOff x="0" y="0"/>
-          <a:chExt cx="0" cy="0"/>
-        </a:xfrm>
-      </p:grpSpPr>
-      <p:sp>
-        <p:nvSpPr>
-          <p:cNvPr id="2" name="Title 1"/>
-          <p:cNvSpPr>
-            <a:spLocks noGrp="1"/>
-          </p:cNvSpPr>
-          <p:nvPr>
-            <p:ph type="title"/>
-          </p:nvPr>
-        </p:nvSpPr>
-        <p:spPr/>
-        <p:txBody>
-          <a:bodyPr/>
-          <a:lstStyle/>
-          <a:p>
-            <a:r>
-              <a:rPr lang="en-US" dirty="0" smtClean="0"/>
-              <a:t>Relevant Equations</a:t>
-            </a:r>
-            <a:endParaRPr lang="en-US" dirty="0"/>
-          </a:p>
-        </p:txBody>
-      </p:sp>
-      <p:sp>
-        <p:nvSpPr>
-          <p:cNvPr id="3" name="Content Placeholder 2"/>
-          <p:cNvSpPr>
-            <a:spLocks noGrp="1"/>
-          </p:cNvSpPr>
-          <p:nvPr>
-            <p:ph idx="1"/>
-          </p:nvPr>
-        </p:nvSpPr>
-        <p:spPr/>
-        <p:txBody>
-          <a:bodyPr/>
-          <a:lstStyle/>
-          <a:p>
-            <a:r>
-              <a:rPr lang="en-US" dirty="0" smtClean="0"/>
-              <a:t>K correct</a:t>
-            </a:r>
-          </a:p>
-          <a:p>
-            <a:r>
-              <a:rPr lang="en-US" dirty="0" err="1" smtClean="0"/>
-              <a:t>Comoving</a:t>
-            </a:r>
-            <a:r>
-              <a:rPr lang="en-US" dirty="0" smtClean="0"/>
-              <a:t> Distance</a:t>
-            </a:r>
-          </a:p>
-          <a:p>
-            <a:r>
-              <a:rPr lang="en-US" dirty="0" smtClean="0"/>
-              <a:t>Deriving Luminosity Density</a:t>
-            </a:r>
-          </a:p>
-          <a:p>
-            <a:r>
-              <a:rPr lang="en-US" dirty="0" smtClean="0"/>
-              <a:t>Linear regression/standard error</a:t>
-            </a:r>
-            <a:endParaRPr lang="en-US" dirty="0"/>
-          </a:p>
-        </p:txBody>
-      </p:sp>
-      <p:sp>
-        <p:nvSpPr>
-          <p:cNvPr id="4" name="Footer Placeholder 3"/>
-          <p:cNvSpPr>
-            <a:spLocks noGrp="1"/>
-          </p:cNvSpPr>
-          <p:nvPr>
-            <p:ph type="ftr" sz="quarter" idx="11"/>
-          </p:nvPr>
-        </p:nvSpPr>
-        <p:spPr/>
-        <p:txBody>
-          <a:bodyPr/>
-          <a:lstStyle/>
-          <a:p>
-            <a:r>
-              <a:rPr lang="en-US" smtClean="0"/>
-              <a:t>Amanda Newmark</a:t>
-            </a:r>
-            <a:endParaRPr lang="en-US"/>
-          </a:p>
-        </p:txBody>
-      </p:sp>
-    </p:spTree>
-    <p:extLst>
-      <p:ext uri="{BB962C8B-B14F-4D97-AF65-F5344CB8AC3E}">
-        <p14:creationId xmlns:p14="http://schemas.microsoft.com/office/powerpoint/2010/main" val="2015551666"/>
-      </p:ext>
-    </p:extLst>
-  </p:cSld>
-  <p:clrMapOvr>
-    <a:masterClrMapping/>
-  </p:clrMapOvr>
-  <p:timing>
-    <p:tnLst>
-      <p:par>
-        <p:cTn xmlns:p14="http://schemas.microsoft.com/office/powerpoint/2010/main" id="1" dur="indefinite" restart="never" nodeType="tmRoot"/>
-      </p:par>
-    </p:tnLst>
-  </p:timing>
-</p:sld>
-</file>
-
-<file path=ppt/slides/slide17.xml><?xml version="1.0" encoding="utf-8"?>
-<p:sld xmlns:a="http://schemas.openxmlformats.org/drawingml/2006/main" xmlns:r="http://schemas.openxmlformats.org/officeDocument/2006/relationships" xmlns:p="http://schemas.openxmlformats.org/presentationml/2006/main">
-  <p:cSld>
-    <p:spTree>
-      <p:nvGrpSpPr>
-        <p:cNvPr id="1" name=""/>
-        <p:cNvGrpSpPr/>
-        <p:nvPr/>
-      </p:nvGrpSpPr>
-      <p:grpSpPr>
-        <a:xfrm>
-          <a:off x="0" y="0"/>
-          <a:ext cx="0" cy="0"/>
-          <a:chOff x="0" y="0"/>
-          <a:chExt cx="0" cy="0"/>
-        </a:xfrm>
-      </p:grpSpPr>
-      <p:sp>
-        <p:nvSpPr>
-          <p:cNvPr id="2" name="Title 1"/>
-          <p:cNvSpPr>
-            <a:spLocks noGrp="1"/>
-          </p:cNvSpPr>
-          <p:nvPr>
-            <p:ph type="title"/>
-          </p:nvPr>
-        </p:nvSpPr>
-        <p:spPr/>
-        <p:txBody>
-          <a:bodyPr/>
-          <a:lstStyle/>
-          <a:p>
-            <a:r>
-              <a:rPr lang="en-US" dirty="0" smtClean="0"/>
-              <a:t>Bootstrapping for Errors</a:t>
-            </a:r>
-            <a:endParaRPr lang="en-US" dirty="0"/>
-          </a:p>
-        </p:txBody>
-      </p:sp>
-      <p:sp>
-        <p:nvSpPr>
-          <p:cNvPr id="3" name="Content Placeholder 2"/>
-          <p:cNvSpPr>
-            <a:spLocks noGrp="1"/>
-          </p:cNvSpPr>
-          <p:nvPr>
-            <p:ph idx="1"/>
-          </p:nvPr>
-        </p:nvSpPr>
-        <p:spPr/>
-        <p:txBody>
-          <a:bodyPr/>
-          <a:lstStyle/>
-          <a:p>
-            <a:endParaRPr lang="en-US" dirty="0"/>
-          </a:p>
-        </p:txBody>
-      </p:sp>
-      <p:sp>
-        <p:nvSpPr>
-          <p:cNvPr id="4" name="Footer Placeholder 3"/>
-          <p:cNvSpPr>
-            <a:spLocks noGrp="1"/>
-          </p:cNvSpPr>
-          <p:nvPr>
-            <p:ph type="ftr" sz="quarter" idx="11"/>
-          </p:nvPr>
-        </p:nvSpPr>
-        <p:spPr/>
-        <p:txBody>
-          <a:bodyPr/>
-          <a:lstStyle/>
-          <a:p>
-            <a:r>
-              <a:rPr lang="en-US" smtClean="0"/>
-              <a:t>Amanda Newmark</a:t>
-            </a:r>
-            <a:endParaRPr lang="en-US"/>
-          </a:p>
-        </p:txBody>
-      </p:sp>
-    </p:spTree>
-    <p:extLst>
-      <p:ext uri="{BB962C8B-B14F-4D97-AF65-F5344CB8AC3E}">
-        <p14:creationId xmlns:p14="http://schemas.microsoft.com/office/powerpoint/2010/main" val="2374339515"/>
-      </p:ext>
-    </p:extLst>
-  </p:cSld>
-  <p:clrMapOvr>
-    <a:masterClrMapping/>
-  </p:clrMapOvr>
-  <p:timing>
-    <p:tnLst>
-      <p:par>
-        <p:cTn xmlns:p14="http://schemas.microsoft.com/office/powerpoint/2010/main" id="1" dur="indefinite" restart="never" nodeType="tmRoot"/>
-      </p:par>
-    </p:tnLst>
-  </p:timing>
-</p:sld>
-</file>
-
-<file path=ppt/slides/slide2.xml><?xml version="1.0" encoding="utf-8"?>
-<p:sld xmlns:a="http://schemas.openxmlformats.org/drawingml/2006/main" xmlns:r="http://schemas.openxmlformats.org/officeDocument/2006/relationships" xmlns:p="http://schemas.openxmlformats.org/presentationml/2006/main">
-  <p:cSld>
-    <p:spTree>
-      <p:nvGrpSpPr>
-        <p:cNvPr id="1" name=""/>
-        <p:cNvGrpSpPr/>
-        <p:nvPr/>
-      </p:nvGrpSpPr>
-      <p:grpSpPr>
-        <a:xfrm>
-          <a:off x="0" y="0"/>
-          <a:ext cx="0" cy="0"/>
-          <a:chOff x="0" y="0"/>
-          <a:chExt cx="0" cy="0"/>
-        </a:xfrm>
-      </p:grpSpPr>
-      <p:sp>
-        <p:nvSpPr>
-          <p:cNvPr id="2" name="Title 1"/>
-          <p:cNvSpPr>
-            <a:spLocks noGrp="1"/>
-          </p:cNvSpPr>
-          <p:nvPr>
-            <p:ph type="title"/>
-          </p:nvPr>
-        </p:nvSpPr>
-        <p:spPr/>
-        <p:txBody>
-          <a:bodyPr/>
-          <a:lstStyle/>
-          <a:p>
-            <a:r>
-              <a:rPr lang="en-US" dirty="0" smtClean="0"/>
-              <a:t>Mass Assembly</a:t>
-            </a:r>
-            <a:endParaRPr lang="en-US" dirty="0"/>
-          </a:p>
-        </p:txBody>
-      </p:sp>
-      <p:sp>
-        <p:nvSpPr>
-          <p:cNvPr id="4" name="Footer Placeholder 3"/>
-          <p:cNvSpPr>
-            <a:spLocks noGrp="1"/>
-          </p:cNvSpPr>
-          <p:nvPr>
-            <p:ph type="ftr" sz="quarter" idx="11"/>
-          </p:nvPr>
-        </p:nvSpPr>
-        <p:spPr/>
-        <p:txBody>
-          <a:bodyPr/>
-          <a:lstStyle/>
-          <a:p>
-            <a:r>
-              <a:rPr lang="en-US" smtClean="0"/>
-              <a:t>Amanda Newmark</a:t>
-            </a:r>
-            <a:endParaRPr lang="en-US"/>
-          </a:p>
-        </p:txBody>
-      </p:sp>
-      <p:pic>
-        <p:nvPicPr>
-          <p:cNvPr id="13" name="Picture 12" descr="Screen Shot 2016-07-27 at 4.23.45 PM.png"/>
-          <p:cNvPicPr>
-            <a:picLocks noChangeAspect="1"/>
-          </p:cNvPicPr>
-          <p:nvPr/>
-        </p:nvPicPr>
-        <p:blipFill>
-          <a:blip r:embed="rId3">
-            <a:extLst>
-              <a:ext uri="{28A0092B-C50C-407E-A947-70E740481C1C}">
-                <a14:useLocalDpi xmlns:a14="http://schemas.microsoft.com/office/drawing/2010/main" val="0"/>
-              </a:ext>
-            </a:extLst>
-          </a:blip>
-          <a:stretch>
-            <a:fillRect/>
-          </a:stretch>
-        </p:blipFill>
-        <p:spPr>
-          <a:xfrm>
-            <a:off x="0" y="1417639"/>
-            <a:ext cx="4657690" cy="3238130"/>
-          </a:xfrm>
-          <a:prstGeom prst="rect">
-            <a:avLst/>
-          </a:prstGeom>
-        </p:spPr>
-      </p:pic>
-      <p:pic>
-        <p:nvPicPr>
-          <p:cNvPr id="14" name="Picture 13" descr="Screen Shot 2016-07-27 at 4.25.01 PM.png"/>
-          <p:cNvPicPr>
-            <a:picLocks noChangeAspect="1"/>
-          </p:cNvPicPr>
-          <p:nvPr/>
-        </p:nvPicPr>
-        <p:blipFill rotWithShape="1">
-          <a:blip r:embed="rId4">
-            <a:extLst>
-              <a:ext uri="{28A0092B-C50C-407E-A947-70E740481C1C}">
-                <a14:useLocalDpi xmlns:a14="http://schemas.microsoft.com/office/drawing/2010/main" val="0"/>
-              </a:ext>
-            </a:extLst>
-          </a:blip>
-          <a:srcRect/>
-          <a:stretch/>
-        </p:blipFill>
-        <p:spPr>
-          <a:xfrm>
-            <a:off x="5041900" y="1417638"/>
-            <a:ext cx="4102100" cy="3848099"/>
-          </a:xfrm>
-          <a:prstGeom prst="rect">
-            <a:avLst/>
-          </a:prstGeom>
-        </p:spPr>
-      </p:pic>
-      <p:sp>
-        <p:nvSpPr>
-          <p:cNvPr id="15" name="TextBox 14"/>
-          <p:cNvSpPr txBox="1"/>
-          <p:nvPr/>
-        </p:nvSpPr>
-        <p:spPr>
-          <a:xfrm>
-            <a:off x="3680499" y="4896406"/>
-            <a:ext cx="1954381" cy="369332"/>
-          </a:xfrm>
-          <a:prstGeom prst="rect">
-            <a:avLst/>
-          </a:prstGeom>
-          <a:noFill/>
-          <a:ln>
-            <a:solidFill>
-              <a:schemeClr val="tx1"/>
-            </a:solidFill>
-          </a:ln>
-        </p:spPr>
-        <p:txBody>
-          <a:bodyPr wrap="none" rtlCol="0">
-            <a:spAutoFit/>
-          </a:bodyPr>
-          <a:lstStyle/>
-          <a:p>
-            <a:r>
-              <a:rPr lang="en-US" dirty="0" err="1" smtClean="0"/>
-              <a:t>Pillepich</a:t>
-            </a:r>
-            <a:r>
-              <a:rPr lang="en-US" dirty="0" smtClean="0"/>
-              <a:t> et al 2014</a:t>
-            </a:r>
-            <a:endParaRPr lang="en-US" dirty="0"/>
-          </a:p>
-        </p:txBody>
-      </p:sp>
-      <p:sp>
-        <p:nvSpPr>
-          <p:cNvPr id="3" name="TextBox 2"/>
-          <p:cNvSpPr txBox="1"/>
-          <p:nvPr/>
-        </p:nvSpPr>
-        <p:spPr>
-          <a:xfrm>
-            <a:off x="457200" y="1263749"/>
-            <a:ext cx="793406" cy="307777"/>
-          </a:xfrm>
-          <a:prstGeom prst="rect">
-            <a:avLst/>
-          </a:prstGeom>
-          <a:noFill/>
-          <a:ln>
-            <a:solidFill>
-              <a:schemeClr val="tx1"/>
-            </a:solidFill>
-          </a:ln>
-        </p:spPr>
-        <p:txBody>
-          <a:bodyPr wrap="none" rtlCol="0">
-            <a:spAutoFit/>
-          </a:bodyPr>
-          <a:lstStyle/>
-          <a:p>
-            <a:r>
-              <a:rPr lang="en-US" sz="1400" dirty="0" smtClean="0"/>
-              <a:t>Elliptical</a:t>
-            </a:r>
-            <a:endParaRPr lang="en-US" sz="1400" dirty="0"/>
-          </a:p>
-        </p:txBody>
-      </p:sp>
-      <p:sp>
-        <p:nvSpPr>
-          <p:cNvPr id="5" name="TextBox 4"/>
-          <p:cNvSpPr txBox="1"/>
-          <p:nvPr/>
-        </p:nvSpPr>
-        <p:spPr>
-          <a:xfrm>
-            <a:off x="457200" y="4353252"/>
-            <a:ext cx="488159" cy="307777"/>
-          </a:xfrm>
-          <a:prstGeom prst="rect">
-            <a:avLst/>
-          </a:prstGeom>
-          <a:noFill/>
-          <a:ln>
-            <a:solidFill>
-              <a:schemeClr val="tx1"/>
-            </a:solidFill>
-          </a:ln>
-        </p:spPr>
-        <p:txBody>
-          <a:bodyPr wrap="none" rtlCol="0">
-            <a:spAutoFit/>
-          </a:bodyPr>
-          <a:lstStyle/>
-          <a:p>
-            <a:r>
-              <a:rPr lang="en-US" sz="1400" dirty="0" smtClean="0"/>
-              <a:t>Disk</a:t>
-            </a:r>
-            <a:endParaRPr lang="en-US" sz="1400" dirty="0"/>
-          </a:p>
-        </p:txBody>
-      </p:sp>
-    </p:spTree>
-    <p:extLst>
-      <p:ext uri="{BB962C8B-B14F-4D97-AF65-F5344CB8AC3E}">
-        <p14:creationId xmlns:p14="http://schemas.microsoft.com/office/powerpoint/2010/main" val="1292308793"/>
-      </p:ext>
-    </p:extLst>
-  </p:cSld>
-  <p:clrMapOvr>
-    <a:masterClrMapping/>
-  </p:clrMapOvr>
-  <p:timing>
-    <p:tnLst>
-      <p:par>
-        <p:cTn xmlns:p14="http://schemas.microsoft.com/office/powerpoint/2010/main" id="1" dur="indefinite" restart="never" nodeType="tmRoot"/>
-      </p:par>
-    </p:tnLst>
-  </p:timing>
-</p:sld>
-</file>
-
-<file path=ppt/slides/slide3.xml><?xml version="1.0" encoding="utf-8"?>
-<p:sld xmlns:a="http://schemas.openxmlformats.org/drawingml/2006/main" xmlns:r="http://schemas.openxmlformats.org/officeDocument/2006/relationships" xmlns:p="http://schemas.openxmlformats.org/presentationml/2006/main">
-  <p:cSld>
-    <p:spTree>
-      <p:nvGrpSpPr>
-        <p:cNvPr id="1" name=""/>
-        <p:cNvGrpSpPr/>
-        <p:nvPr/>
-      </p:nvGrpSpPr>
-      <p:grpSpPr>
-        <a:xfrm>
-          <a:off x="0" y="0"/>
-          <a:ext cx="0" cy="0"/>
-          <a:chOff x="0" y="0"/>
-          <a:chExt cx="0" cy="0"/>
-        </a:xfrm>
-      </p:grpSpPr>
-      <p:sp>
-        <p:nvSpPr>
-          <p:cNvPr id="2" name="Title 1"/>
-          <p:cNvSpPr>
-            <a:spLocks noGrp="1"/>
-          </p:cNvSpPr>
-          <p:nvPr>
-            <p:ph type="title"/>
-          </p:nvPr>
-        </p:nvSpPr>
-        <p:spPr/>
-        <p:txBody>
-          <a:bodyPr/>
-          <a:lstStyle/>
-          <a:p>
-            <a:r>
-              <a:rPr lang="en-US" dirty="0" smtClean="0"/>
-              <a:t>Hyper Supreme-Cam Survey</a:t>
-            </a:r>
-            <a:endParaRPr lang="en-US" dirty="0"/>
-          </a:p>
-        </p:txBody>
-      </p:sp>
-      <p:sp>
-        <p:nvSpPr>
-          <p:cNvPr id="4" name="Footer Placeholder 3"/>
-          <p:cNvSpPr>
-            <a:spLocks noGrp="1"/>
-          </p:cNvSpPr>
-          <p:nvPr>
-            <p:ph type="ftr" sz="quarter" idx="11"/>
-          </p:nvPr>
-        </p:nvSpPr>
-        <p:spPr/>
-        <p:txBody>
-          <a:bodyPr/>
-          <a:lstStyle/>
-          <a:p>
-            <a:r>
-              <a:rPr lang="en-US" smtClean="0"/>
-              <a:t>Amanda Newmark</a:t>
-            </a:r>
-            <a:endParaRPr lang="en-US"/>
-          </a:p>
-        </p:txBody>
-      </p:sp>
-      <p:graphicFrame>
-        <p:nvGraphicFramePr>
-          <p:cNvPr id="6" name="Table 5"/>
-          <p:cNvGraphicFramePr>
-            <a:graphicFrameLocks noGrp="1"/>
-          </p:cNvGraphicFramePr>
-          <p:nvPr>
-            <p:extLst>
-              <p:ext uri="{D42A27DB-BD31-4B8C-83A1-F6EECF244321}">
-                <p14:modId xmlns:p14="http://schemas.microsoft.com/office/powerpoint/2010/main" val="571874936"/>
-              </p:ext>
-            </p:extLst>
-          </p:nvPr>
-        </p:nvGraphicFramePr>
-        <p:xfrm>
-          <a:off x="5130176" y="1397000"/>
-          <a:ext cx="3795923" cy="3072712"/>
-        </p:xfrm>
-        <a:graphic>
-          <a:graphicData uri="http://schemas.openxmlformats.org/drawingml/2006/table">
-            <a:tbl>
-              <a:tblPr firstRow="1" bandRow="1">
-                <a:tableStyleId>{7E9639D4-E3E2-4D34-9284-5A2195B3D0D7}</a:tableStyleId>
-              </a:tblPr>
-              <a:tblGrid>
-                <a:gridCol w="3795923"/>
-              </a:tblGrid>
-              <a:tr h="508215">
-                <a:tc>
-                  <a:txBody>
-                    <a:bodyPr/>
-                    <a:lstStyle/>
-                    <a:p>
-                      <a:r>
-                        <a:rPr lang="en-US" dirty="0" smtClean="0"/>
-                        <a:t>Flags</a:t>
-                      </a:r>
-                      <a:endParaRPr lang="en-US" dirty="0"/>
-                    </a:p>
-                  </a:txBody>
-                  <a:tcPr anchorCtr="1"/>
-                </a:tc>
-              </a:tr>
-              <a:tr h="369937">
-                <a:tc>
-                  <a:txBody>
-                    <a:bodyPr/>
-                    <a:lstStyle/>
-                    <a:p>
-                      <a:r>
-                        <a:rPr lang="en-US" dirty="0" smtClean="0"/>
-                        <a:t>Interpolated Centers </a:t>
-                      </a:r>
-                      <a:endParaRPr lang="en-US" dirty="0"/>
-                    </a:p>
-                  </a:txBody>
-                  <a:tcPr anchorCtr="1"/>
-                </a:tc>
-              </a:tr>
-              <a:tr h="271976">
-                <a:tc>
-                  <a:txBody>
-                    <a:bodyPr/>
-                    <a:lstStyle/>
-                    <a:p>
-                      <a:r>
-                        <a:rPr lang="en-US" dirty="0" smtClean="0"/>
-                        <a:t>Edge Galaxies</a:t>
-                      </a:r>
-                      <a:endParaRPr lang="en-US" dirty="0"/>
-                    </a:p>
-                  </a:txBody>
-                  <a:tcPr anchorCtr="1"/>
-                </a:tc>
-              </a:tr>
-              <a:tr h="271976">
-                <a:tc>
-                  <a:txBody>
-                    <a:bodyPr/>
-                    <a:lstStyle/>
-                    <a:p>
-                      <a:r>
-                        <a:rPr lang="en-US" dirty="0" smtClean="0"/>
-                        <a:t>Saturated Centers</a:t>
-                      </a:r>
-                      <a:endParaRPr lang="en-US" dirty="0"/>
-                    </a:p>
-                  </a:txBody>
-                  <a:tcPr anchorCtr="1"/>
-                </a:tc>
-              </a:tr>
-              <a:tr h="271976">
-                <a:tc>
-                  <a:txBody>
-                    <a:bodyPr/>
-                    <a:lstStyle/>
-                    <a:p>
-                      <a:r>
-                        <a:rPr lang="en-US" dirty="0" smtClean="0"/>
-                        <a:t>Cosmic Ray Center</a:t>
-                      </a:r>
-                      <a:endParaRPr lang="en-US" dirty="0"/>
-                    </a:p>
-                  </a:txBody>
-                  <a:tcPr anchorCtr="1"/>
-                </a:tc>
-              </a:tr>
-              <a:tr h="271976">
-                <a:tc>
-                  <a:txBody>
-                    <a:bodyPr/>
-                    <a:lstStyle/>
-                    <a:p>
-                      <a:r>
-                        <a:rPr lang="en-US" dirty="0" smtClean="0"/>
-                        <a:t>Bad Pixels</a:t>
-                      </a:r>
-                      <a:endParaRPr lang="en-US" dirty="0"/>
-                    </a:p>
-                  </a:txBody>
-                  <a:tcPr anchorCtr="1"/>
-                </a:tc>
-              </a:tr>
-              <a:tr h="363595">
-                <a:tc>
-                  <a:txBody>
-                    <a:bodyPr/>
-                    <a:lstStyle/>
-                    <a:p>
-                      <a:r>
-                        <a:rPr lang="en-US" dirty="0" smtClean="0"/>
-                        <a:t>Suspect Centers</a:t>
-                      </a:r>
-                      <a:endParaRPr lang="en-US" dirty="0"/>
-                    </a:p>
-                  </a:txBody>
-                  <a:tcPr anchorCtr="1"/>
-                </a:tc>
-              </a:tr>
-              <a:tr h="271976">
-                <a:tc>
-                  <a:txBody>
-                    <a:bodyPr/>
-                    <a:lstStyle/>
-                    <a:p>
-                      <a:r>
-                        <a:rPr lang="en-US" dirty="0" smtClean="0"/>
-                        <a:t>Any</a:t>
-                      </a:r>
-                      <a:r>
-                        <a:rPr lang="en-US" baseline="0" dirty="0" smtClean="0"/>
-                        <a:t> Clipped Galaxies</a:t>
-                      </a:r>
-                      <a:endParaRPr lang="en-US" dirty="0"/>
-                    </a:p>
-                  </a:txBody>
-                  <a:tcPr anchorCtr="1"/>
-                </a:tc>
-              </a:tr>
-            </a:tbl>
-          </a:graphicData>
-        </a:graphic>
-      </p:graphicFrame>
-      <p:graphicFrame>
-        <p:nvGraphicFramePr>
-          <p:cNvPr id="7" name="Table 6"/>
-          <p:cNvGraphicFramePr>
-            <a:graphicFrameLocks noGrp="1"/>
-          </p:cNvGraphicFramePr>
-          <p:nvPr>
-            <p:extLst>
-              <p:ext uri="{D42A27DB-BD31-4B8C-83A1-F6EECF244321}">
-                <p14:modId xmlns:p14="http://schemas.microsoft.com/office/powerpoint/2010/main" val="2459339046"/>
-              </p:ext>
-            </p:extLst>
-          </p:nvPr>
-        </p:nvGraphicFramePr>
-        <p:xfrm>
-          <a:off x="133728" y="1397000"/>
-          <a:ext cx="4857052" cy="1630679"/>
-        </p:xfrm>
-        <a:graphic>
-          <a:graphicData uri="http://schemas.openxmlformats.org/drawingml/2006/table">
-            <a:tbl>
-              <a:tblPr firstRow="1" bandRow="1">
-                <a:tableStyleId>{7E9639D4-E3E2-4D34-9284-5A2195B3D0D7}</a:tableStyleId>
-              </a:tblPr>
-              <a:tblGrid>
-                <a:gridCol w="1009851"/>
-                <a:gridCol w="809937"/>
-                <a:gridCol w="1306943"/>
-                <a:gridCol w="1730321"/>
-              </a:tblGrid>
-              <a:tr h="370840">
-                <a:tc>
-                  <a:txBody>
-                    <a:bodyPr/>
-                    <a:lstStyle/>
-                    <a:p>
-                      <a:r>
-                        <a:rPr lang="en-US" sz="1400" dirty="0" smtClean="0"/>
-                        <a:t>Layer</a:t>
-                      </a:r>
-                      <a:endParaRPr lang="en-US" sz="1400" dirty="0"/>
-                    </a:p>
-                  </a:txBody>
-                  <a:tcPr anchorCtr="1"/>
-                </a:tc>
-                <a:tc>
-                  <a:txBody>
-                    <a:bodyPr/>
-                    <a:lstStyle/>
-                    <a:p>
-                      <a:r>
-                        <a:rPr lang="en-US" sz="1400" dirty="0" smtClean="0"/>
-                        <a:t>Area (deg</a:t>
-                      </a:r>
-                      <a:r>
-                        <a:rPr lang="en-US" sz="1400" baseline="30000" dirty="0" smtClean="0"/>
-                        <a:t>2</a:t>
-                      </a:r>
-                      <a:r>
-                        <a:rPr lang="en-US" sz="1400" baseline="0" dirty="0" smtClean="0"/>
-                        <a:t>)</a:t>
-                      </a:r>
-                      <a:endParaRPr lang="en-US" sz="1400" dirty="0"/>
-                    </a:p>
-                  </a:txBody>
-                  <a:tcPr anchorCtr="1"/>
-                </a:tc>
-                <a:tc>
-                  <a:txBody>
-                    <a:bodyPr/>
-                    <a:lstStyle/>
-                    <a:p>
-                      <a:r>
-                        <a:rPr lang="en-US" sz="1400" dirty="0" smtClean="0"/>
-                        <a:t># of 1.8 deg</a:t>
-                      </a:r>
-                      <a:r>
-                        <a:rPr lang="en-US" sz="1400" baseline="30000" dirty="0" smtClean="0"/>
-                        <a:t>2</a:t>
-                      </a:r>
-                      <a:r>
-                        <a:rPr lang="en-US" sz="1400" baseline="0" dirty="0" smtClean="0"/>
-                        <a:t> HSC fields</a:t>
-                      </a:r>
-                      <a:endParaRPr lang="en-US" sz="1400" dirty="0"/>
-                    </a:p>
-                  </a:txBody>
-                  <a:tcPr anchorCtr="1"/>
-                </a:tc>
-                <a:tc>
-                  <a:txBody>
-                    <a:bodyPr/>
-                    <a:lstStyle/>
-                    <a:p>
-                      <a:r>
-                        <a:rPr lang="en-US" sz="1400" dirty="0" smtClean="0"/>
-                        <a:t>Filters&amp; Depths</a:t>
-                      </a:r>
-                      <a:endParaRPr lang="en-US" sz="1400" dirty="0"/>
-                    </a:p>
-                  </a:txBody>
-                  <a:tcPr anchorCtr="1"/>
-                </a:tc>
-              </a:tr>
-              <a:tr h="370840">
-                <a:tc>
-                  <a:txBody>
-                    <a:bodyPr/>
-                    <a:lstStyle/>
-                    <a:p>
-                      <a:r>
-                        <a:rPr lang="en-US" sz="1400" dirty="0" smtClean="0"/>
-                        <a:t>Wide</a:t>
-                      </a:r>
-                      <a:endParaRPr lang="en-US" sz="1400" dirty="0"/>
-                    </a:p>
-                  </a:txBody>
-                  <a:tcPr anchorCtr="1"/>
-                </a:tc>
-                <a:tc>
-                  <a:txBody>
-                    <a:bodyPr/>
-                    <a:lstStyle/>
-                    <a:p>
-                      <a:r>
-                        <a:rPr lang="en-US" sz="1400" dirty="0" smtClean="0"/>
-                        <a:t>1400</a:t>
-                      </a:r>
-                      <a:endParaRPr lang="en-US" sz="1400" dirty="0"/>
-                    </a:p>
-                  </a:txBody>
-                  <a:tcPr anchorCtr="1"/>
-                </a:tc>
-                <a:tc>
-                  <a:txBody>
-                    <a:bodyPr/>
-                    <a:lstStyle/>
-                    <a:p>
-                      <a:r>
-                        <a:rPr lang="en-US" sz="1400" dirty="0" smtClean="0"/>
-                        <a:t>916</a:t>
-                      </a:r>
-                      <a:endParaRPr lang="en-US" sz="1400" dirty="0"/>
-                    </a:p>
-                  </a:txBody>
-                  <a:tcPr anchorCtr="1"/>
-                </a:tc>
-                <a:tc>
-                  <a:txBody>
-                    <a:bodyPr/>
-                    <a:lstStyle/>
-                    <a:p>
-                      <a:r>
-                        <a:rPr lang="en-US" sz="1400" dirty="0" err="1" smtClean="0"/>
-                        <a:t>grizy</a:t>
-                      </a:r>
-                      <a:r>
-                        <a:rPr lang="en-US" sz="1400" dirty="0" smtClean="0"/>
-                        <a:t>(r~26)</a:t>
-                      </a:r>
-                      <a:endParaRPr lang="en-US" sz="1400" dirty="0"/>
-                    </a:p>
-                  </a:txBody>
-                  <a:tcPr anchorCtr="1"/>
-                </a:tc>
-              </a:tr>
-              <a:tr h="370840">
-                <a:tc>
-                  <a:txBody>
-                    <a:bodyPr/>
-                    <a:lstStyle/>
-                    <a:p>
-                      <a:r>
-                        <a:rPr lang="en-US" sz="1400" dirty="0" smtClean="0"/>
-                        <a:t>Deep</a:t>
-                      </a:r>
-                      <a:endParaRPr lang="en-US" sz="1400" dirty="0"/>
-                    </a:p>
-                  </a:txBody>
-                  <a:tcPr anchorCtr="1"/>
-                </a:tc>
-                <a:tc>
-                  <a:txBody>
-                    <a:bodyPr/>
-                    <a:lstStyle/>
-                    <a:p>
-                      <a:r>
-                        <a:rPr lang="en-US" sz="1400" dirty="0" smtClean="0"/>
-                        <a:t>27</a:t>
-                      </a:r>
-                      <a:endParaRPr lang="en-US" sz="1400" dirty="0"/>
-                    </a:p>
-                  </a:txBody>
-                  <a:tcPr anchorCtr="1"/>
-                </a:tc>
-                <a:tc>
-                  <a:txBody>
-                    <a:bodyPr/>
-                    <a:lstStyle/>
-                    <a:p>
-                      <a:r>
-                        <a:rPr lang="en-US" sz="1400" dirty="0" smtClean="0"/>
-                        <a:t>15</a:t>
-                      </a:r>
-                      <a:endParaRPr lang="en-US" sz="1400" dirty="0"/>
-                    </a:p>
-                  </a:txBody>
-                  <a:tcPr anchorCtr="1"/>
-                </a:tc>
-                <a:tc>
-                  <a:txBody>
-                    <a:bodyPr/>
-                    <a:lstStyle/>
-                    <a:p>
-                      <a:r>
-                        <a:rPr lang="en-US" sz="1400" dirty="0" smtClean="0"/>
-                        <a:t>grizy+4NBs(r~27)</a:t>
-                      </a:r>
-                      <a:endParaRPr lang="en-US" sz="1400" dirty="0"/>
-                    </a:p>
-                  </a:txBody>
-                  <a:tcPr anchorCtr="1"/>
-                </a:tc>
-              </a:tr>
-              <a:tr h="370840">
-                <a:tc>
-                  <a:txBody>
-                    <a:bodyPr/>
-                    <a:lstStyle/>
-                    <a:p>
-                      <a:r>
-                        <a:rPr lang="en-US" sz="1400" dirty="0" err="1" smtClean="0"/>
-                        <a:t>Ultradeep</a:t>
-                      </a:r>
-                      <a:endParaRPr lang="en-US" sz="1400" dirty="0"/>
-                    </a:p>
-                  </a:txBody>
-                  <a:tcPr anchorCtr="1"/>
-                </a:tc>
-                <a:tc>
-                  <a:txBody>
-                    <a:bodyPr/>
-                    <a:lstStyle/>
-                    <a:p>
-                      <a:r>
-                        <a:rPr lang="en-US" sz="1400" dirty="0" smtClean="0"/>
-                        <a:t>3.5</a:t>
-                      </a:r>
-                      <a:endParaRPr lang="en-US" sz="1400" dirty="0"/>
-                    </a:p>
-                  </a:txBody>
-                  <a:tcPr anchorCtr="1"/>
-                </a:tc>
-                <a:tc>
-                  <a:txBody>
-                    <a:bodyPr/>
-                    <a:lstStyle/>
-                    <a:p>
-                      <a:r>
-                        <a:rPr lang="en-US" sz="1400" dirty="0" smtClean="0"/>
-                        <a:t>2</a:t>
-                      </a:r>
-                      <a:endParaRPr lang="en-US" sz="1400" dirty="0"/>
-                    </a:p>
-                  </a:txBody>
-                  <a:tcPr anchorCtr="1"/>
-                </a:tc>
-                <a:tc>
-                  <a:txBody>
-                    <a:bodyPr/>
-                    <a:lstStyle/>
-                    <a:p>
-                      <a:pPr marL="0" marR="0" indent="0" algn="l" defTabSz="457200" rtl="0" eaLnBrk="1" fontAlgn="auto" latinLnBrk="0" hangingPunct="1">
-                        <a:lnSpc>
-                          <a:spcPct val="100000"/>
-                        </a:lnSpc>
-                        <a:spcBef>
-                          <a:spcPts val="0"/>
-                        </a:spcBef>
-                        <a:spcAft>
-                          <a:spcPts val="0"/>
-                        </a:spcAft>
-                        <a:buClrTx/>
-                        <a:buSzTx/>
-                        <a:buFontTx/>
-                        <a:buNone/>
-                        <a:tabLst/>
-                        <a:defRPr/>
-                      </a:pPr>
-                      <a:r>
-                        <a:rPr lang="en-US" sz="1400" dirty="0" smtClean="0"/>
-                        <a:t>grizy+4NBs(r~28)</a:t>
-                      </a:r>
-                    </a:p>
-                  </a:txBody>
-                  <a:tcPr anchorCtr="1"/>
-                </a:tc>
-              </a:tr>
-            </a:tbl>
-          </a:graphicData>
-        </a:graphic>
-      </p:graphicFrame>
-      <p:sp>
-        <p:nvSpPr>
-          <p:cNvPr id="13" name="TextBox 12"/>
-          <p:cNvSpPr txBox="1"/>
-          <p:nvPr/>
-        </p:nvSpPr>
-        <p:spPr>
-          <a:xfrm>
-            <a:off x="5130176" y="4668117"/>
-            <a:ext cx="3795923" cy="892552"/>
-          </a:xfrm>
-          <a:prstGeom prst="rect">
-            <a:avLst/>
-          </a:prstGeom>
-          <a:noFill/>
-        </p:spPr>
-        <p:txBody>
-          <a:bodyPr wrap="square" rtlCol="0">
-            <a:spAutoFit/>
-          </a:bodyPr>
-          <a:lstStyle/>
-          <a:p>
-            <a:pPr algn="ctr"/>
-            <a:r>
-              <a:rPr lang="en-US" sz="2600" b="1" dirty="0" smtClean="0">
-                <a:solidFill>
-                  <a:srgbClr val="FF0000"/>
-                </a:solidFill>
-              </a:rPr>
-              <a:t>Bright Objects? </a:t>
-            </a:r>
-            <a:endParaRPr lang="en-US" sz="2600" b="1" dirty="0" smtClean="0">
-              <a:solidFill>
-                <a:srgbClr val="FF0000"/>
-              </a:solidFill>
-            </a:endParaRPr>
-          </a:p>
-          <a:p>
-            <a:endParaRPr lang="en-US" sz="2600" b="1" dirty="0">
-              <a:solidFill>
-                <a:srgbClr val="FF0000"/>
-              </a:solidFill>
-            </a:endParaRPr>
-          </a:p>
-        </p:txBody>
-      </p:sp>
-    </p:spTree>
-    <p:extLst>
-      <p:ext uri="{BB962C8B-B14F-4D97-AF65-F5344CB8AC3E}">
-        <p14:creationId xmlns:p14="http://schemas.microsoft.com/office/powerpoint/2010/main" val="3237531117"/>
-      </p:ext>
-    </p:extLst>
-  </p:cSld>
-  <p:clrMapOvr>
-    <a:masterClrMapping/>
-  </p:clrMapOvr>
-  <p:timing>
-    <p:tnLst>
-      <p:par>
-        <p:cTn xmlns:p14="http://schemas.microsoft.com/office/powerpoint/2010/main" id="1" dur="indefinite" restart="never" nodeType="tmRoot"/>
-      </p:par>
-    </p:tnLst>
-  </p:timing>
-</p:sld>
-</file>
-
-<file path=ppt/slides/slide4.xml><?xml version="1.0" encoding="utf-8"?>
-<p:sld xmlns:a="http://schemas.openxmlformats.org/drawingml/2006/main" xmlns:r="http://schemas.openxmlformats.org/officeDocument/2006/relationships" xmlns:p="http://schemas.openxmlformats.org/presentationml/2006/main">
-  <p:cSld>
-    <p:spTree>
-      <p:nvGrpSpPr>
-        <p:cNvPr id="1" name=""/>
-        <p:cNvGrpSpPr/>
-        <p:nvPr/>
-      </p:nvGrpSpPr>
-      <p:grpSpPr>
-        <a:xfrm>
-          <a:off x="0" y="0"/>
-          <a:ext cx="0" cy="0"/>
-          <a:chOff x="0" y="0"/>
-          <a:chExt cx="0" cy="0"/>
-        </a:xfrm>
-      </p:grpSpPr>
-      <p:sp>
-        <p:nvSpPr>
-          <p:cNvPr id="2" name="Title 1"/>
-          <p:cNvSpPr>
-            <a:spLocks noGrp="1"/>
-          </p:cNvSpPr>
-          <p:nvPr>
-            <p:ph type="title"/>
-          </p:nvPr>
-        </p:nvSpPr>
-        <p:spPr/>
-        <p:txBody>
-          <a:bodyPr>
-            <a:normAutofit/>
-          </a:bodyPr>
-          <a:lstStyle/>
-          <a:p>
-            <a:r>
-              <a:rPr lang="en-US" dirty="0" smtClean="0"/>
-              <a:t>Making Luminosity Profiles</a:t>
-            </a:r>
-            <a:endParaRPr lang="en-US" dirty="0"/>
-          </a:p>
-        </p:txBody>
-      </p:sp>
-      <p:sp>
-        <p:nvSpPr>
-          <p:cNvPr id="4" name="Footer Placeholder 3"/>
-          <p:cNvSpPr>
-            <a:spLocks noGrp="1"/>
-          </p:cNvSpPr>
-          <p:nvPr>
-            <p:ph type="ftr" sz="quarter" idx="11"/>
-          </p:nvPr>
-        </p:nvSpPr>
-        <p:spPr/>
-        <p:txBody>
-          <a:bodyPr/>
-          <a:lstStyle/>
-          <a:p>
-            <a:r>
-              <a:rPr lang="en-US" smtClean="0"/>
-              <a:t>Amanda Newmark</a:t>
-            </a:r>
-            <a:endParaRPr lang="en-US"/>
-          </a:p>
-        </p:txBody>
-      </p:sp>
-      <p:pic>
-        <p:nvPicPr>
-          <p:cNvPr id="9" name="Content Placeholder 8" descr="Screen Shot 2016-07-27 at 8.19.58 PM.png"/>
-          <p:cNvPicPr>
-            <a:picLocks noGrp="1" noChangeAspect="1"/>
-          </p:cNvPicPr>
-          <p:nvPr>
-            <p:ph idx="1"/>
-          </p:nvPr>
-        </p:nvPicPr>
-        <p:blipFill>
-          <a:blip r:embed="rId3">
-            <a:extLst>
-              <a:ext uri="{28A0092B-C50C-407E-A947-70E740481C1C}">
-                <a14:useLocalDpi xmlns:a14="http://schemas.microsoft.com/office/drawing/2010/main" val="0"/>
-              </a:ext>
-            </a:extLst>
-          </a:blip>
-          <a:srcRect l="-18624" r="-18624"/>
-          <a:stretch>
-            <a:fillRect/>
-          </a:stretch>
-        </p:blipFill>
-        <p:spPr/>
-      </p:pic>
-    </p:spTree>
-    <p:extLst>
-      <p:ext uri="{BB962C8B-B14F-4D97-AF65-F5344CB8AC3E}">
-        <p14:creationId xmlns:p14="http://schemas.microsoft.com/office/powerpoint/2010/main" val="1678254658"/>
-      </p:ext>
-    </p:extLst>
-  </p:cSld>
-  <p:clrMapOvr>
-    <a:masterClrMapping/>
-  </p:clrMapOvr>
-  <p:timing>
-    <p:tnLst>
-      <p:par>
-        <p:cTn xmlns:p14="http://schemas.microsoft.com/office/powerpoint/2010/main" id="1" dur="indefinite" restart="never" nodeType="tmRoot"/>
-      </p:par>
-    </p:tnLst>
-  </p:timing>
-</p:sld>
-</file>
-
-<file path=ppt/slides/slide5.xml><?xml version="1.0" encoding="utf-8"?>
-<p:sld xmlns:a="http://schemas.openxmlformats.org/drawingml/2006/main" xmlns:r="http://schemas.openxmlformats.org/officeDocument/2006/relationships" xmlns:p="http://schemas.openxmlformats.org/presentationml/2006/main">
-  <p:cSld>
-    <p:spTree>
-      <p:nvGrpSpPr>
-        <p:cNvPr id="1" name=""/>
-        <p:cNvGrpSpPr/>
-        <p:nvPr/>
-      </p:nvGrpSpPr>
-      <p:grpSpPr>
-        <a:xfrm>
-          <a:off x="0" y="0"/>
-          <a:ext cx="0" cy="0"/>
-          <a:chOff x="0" y="0"/>
-          <a:chExt cx="0" cy="0"/>
-        </a:xfrm>
-      </p:grpSpPr>
-      <p:sp>
-        <p:nvSpPr>
-          <p:cNvPr id="2" name="Title 1"/>
-          <p:cNvSpPr>
-            <a:spLocks noGrp="1"/>
-          </p:cNvSpPr>
-          <p:nvPr>
-            <p:ph type="title"/>
-          </p:nvPr>
-        </p:nvSpPr>
-        <p:spPr/>
-        <p:txBody>
-          <a:bodyPr/>
-          <a:lstStyle/>
-          <a:p>
-            <a:r>
-              <a:rPr lang="en-US" dirty="0"/>
-              <a:t>Making Luminosity Profiles</a:t>
-            </a:r>
-          </a:p>
-        </p:txBody>
-      </p:sp>
-      <p:pic>
-        <p:nvPicPr>
-          <p:cNvPr id="5" name="Content Placeholder 4" descr="Screen Shot 2016-07-27 at 8.07.06 PM.png"/>
-          <p:cNvPicPr>
-            <a:picLocks noGrp="1" noChangeAspect="1"/>
-          </p:cNvPicPr>
-          <p:nvPr>
-            <p:ph idx="1"/>
-          </p:nvPr>
-        </p:nvPicPr>
-        <p:blipFill>
-          <a:blip r:embed="rId3">
-            <a:extLst>
-              <a:ext uri="{28A0092B-C50C-407E-A947-70E740481C1C}">
-                <a14:useLocalDpi xmlns:a14="http://schemas.microsoft.com/office/drawing/2010/main" val="0"/>
-              </a:ext>
-            </a:extLst>
-          </a:blip>
-          <a:srcRect l="-18597" r="-18597"/>
-          <a:stretch>
-            <a:fillRect/>
-          </a:stretch>
-        </p:blipFill>
-        <p:spPr/>
-      </p:pic>
-      <p:sp>
-        <p:nvSpPr>
-          <p:cNvPr id="4" name="Footer Placeholder 3"/>
-          <p:cNvSpPr>
-            <a:spLocks noGrp="1"/>
-          </p:cNvSpPr>
-          <p:nvPr>
-            <p:ph type="ftr" sz="quarter" idx="11"/>
-          </p:nvPr>
-        </p:nvSpPr>
-        <p:spPr/>
-        <p:txBody>
-          <a:bodyPr/>
-          <a:lstStyle/>
-          <a:p>
-            <a:r>
-              <a:rPr lang="en-US" smtClean="0"/>
-              <a:t>Amanda Newmark</a:t>
-            </a:r>
-            <a:endParaRPr lang="en-US"/>
-          </a:p>
-        </p:txBody>
-      </p:sp>
-    </p:spTree>
-    <p:extLst>
-      <p:ext uri="{BB962C8B-B14F-4D97-AF65-F5344CB8AC3E}">
-        <p14:creationId xmlns:p14="http://schemas.microsoft.com/office/powerpoint/2010/main" val="425573909"/>
-      </p:ext>
-    </p:extLst>
-  </p:cSld>
-  <p:clrMapOvr>
-    <a:masterClrMapping/>
-  </p:clrMapOvr>
-  <p:timing>
-    <p:tnLst>
-      <p:par>
-        <p:cTn xmlns:p14="http://schemas.microsoft.com/office/powerpoint/2010/main" id="1" dur="indefinite" restart="never" nodeType="tmRoot"/>
-      </p:par>
-    </p:tnLst>
-  </p:timing>
-</p:sld>
-</file>
-
-<file path=ppt/slides/slide6.xml><?xml version="1.0" encoding="utf-8"?>
-<p:sld xmlns:a="http://schemas.openxmlformats.org/drawingml/2006/main" xmlns:r="http://schemas.openxmlformats.org/officeDocument/2006/relationships" xmlns:p="http://schemas.openxmlformats.org/presentationml/2006/main">
-  <p:cSld>
-    <p:spTree>
-      <p:nvGrpSpPr>
-        <p:cNvPr id="1" name=""/>
-        <p:cNvGrpSpPr/>
-        <p:nvPr/>
-      </p:nvGrpSpPr>
-      <p:grpSpPr>
-        <a:xfrm>
-          <a:off x="0" y="0"/>
-          <a:ext cx="0" cy="0"/>
-          <a:chOff x="0" y="0"/>
-          <a:chExt cx="0" cy="0"/>
-        </a:xfrm>
-      </p:grpSpPr>
-      <p:sp>
-        <p:nvSpPr>
-          <p:cNvPr id="2" name="Title 1"/>
-          <p:cNvSpPr>
-            <a:spLocks noGrp="1"/>
-          </p:cNvSpPr>
-          <p:nvPr>
-            <p:ph type="title"/>
-          </p:nvPr>
-        </p:nvSpPr>
-        <p:spPr/>
-        <p:txBody>
-          <a:bodyPr/>
-          <a:lstStyle/>
-          <a:p>
-            <a:r>
-              <a:rPr lang="en-US" dirty="0" smtClean="0"/>
-              <a:t>Making the Luminosity Profiles</a:t>
-            </a:r>
-            <a:endParaRPr lang="en-US" dirty="0"/>
-          </a:p>
-        </p:txBody>
-      </p:sp>
-      <p:sp>
-        <p:nvSpPr>
-          <p:cNvPr id="4" name="Footer Placeholder 3"/>
-          <p:cNvSpPr>
-            <a:spLocks noGrp="1"/>
-          </p:cNvSpPr>
-          <p:nvPr>
-            <p:ph type="ftr" sz="quarter" idx="11"/>
-          </p:nvPr>
-        </p:nvSpPr>
-        <p:spPr/>
-        <p:txBody>
-          <a:bodyPr/>
-          <a:lstStyle/>
-          <a:p>
-            <a:r>
-              <a:rPr lang="en-US" smtClean="0"/>
-              <a:t>Amanda Newmark</a:t>
-            </a:r>
-            <a:endParaRPr lang="en-US"/>
-          </a:p>
-        </p:txBody>
-      </p:sp>
-      <p:pic>
-        <p:nvPicPr>
-          <p:cNvPr id="6" name="Content Placeholder 5" descr="Screen Shot 2016-07-27 at 5.24.12 PM.png"/>
-          <p:cNvPicPr>
-            <a:picLocks noGrp="1" noChangeAspect="1"/>
-          </p:cNvPicPr>
-          <p:nvPr>
-            <p:ph idx="1"/>
-          </p:nvPr>
-        </p:nvPicPr>
-        <p:blipFill rotWithShape="1">
-          <a:blip r:embed="rId3">
-            <a:extLst>
-              <a:ext uri="{28A0092B-C50C-407E-A947-70E740481C1C}">
-                <a14:useLocalDpi xmlns:a14="http://schemas.microsoft.com/office/drawing/2010/main" val="0"/>
-              </a:ext>
-            </a:extLst>
-          </a:blip>
-          <a:srcRect t="-1789" b="6043"/>
-          <a:stretch/>
-        </p:blipFill>
-        <p:spPr>
-          <a:xfrm>
-            <a:off x="457200" y="2180167"/>
-            <a:ext cx="8229600" cy="3111500"/>
-          </a:xfrm>
-        </p:spPr>
-      </p:pic>
-    </p:spTree>
-    <p:extLst>
-      <p:ext uri="{BB962C8B-B14F-4D97-AF65-F5344CB8AC3E}">
-        <p14:creationId xmlns:p14="http://schemas.microsoft.com/office/powerpoint/2010/main" val="2063487560"/>
-      </p:ext>
-    </p:extLst>
-  </p:cSld>
-  <p:clrMapOvr>
-    <a:masterClrMapping/>
-  </p:clrMapOvr>
-  <p:timing>
-    <p:tnLst>
-      <p:par>
-        <p:cTn xmlns:p14="http://schemas.microsoft.com/office/powerpoint/2010/main" id="1" dur="indefinite" restart="never" nodeType="tmRoot"/>
-      </p:par>
-    </p:tnLst>
-  </p:timing>
-</p:sld>
-</file>
-
-<file path=ppt/slides/slide7.xml><?xml version="1.0" encoding="utf-8"?>
-<p:sld xmlns:a="http://schemas.openxmlformats.org/drawingml/2006/main" xmlns:r="http://schemas.openxmlformats.org/officeDocument/2006/relationships" xmlns:p="http://schemas.openxmlformats.org/presentationml/2006/main">
-  <p:cSld>
-    <p:spTree>
-      <p:nvGrpSpPr>
-        <p:cNvPr id="1" name=""/>
-        <p:cNvGrpSpPr/>
-        <p:nvPr/>
-      </p:nvGrpSpPr>
-      <p:grpSpPr>
-        <a:xfrm>
-          <a:off x="0" y="0"/>
-          <a:ext cx="0" cy="0"/>
-          <a:chOff x="0" y="0"/>
-          <a:chExt cx="0" cy="0"/>
-        </a:xfrm>
-      </p:grpSpPr>
-      <p:sp>
-        <p:nvSpPr>
-          <p:cNvPr id="2" name="Title 1"/>
-          <p:cNvSpPr>
-            <a:spLocks noGrp="1"/>
-          </p:cNvSpPr>
-          <p:nvPr>
-            <p:ph type="title"/>
-          </p:nvPr>
-        </p:nvSpPr>
-        <p:spPr/>
-        <p:txBody>
-          <a:bodyPr/>
-          <a:lstStyle/>
-          <a:p>
-            <a:r>
-              <a:rPr lang="en-US" dirty="0" smtClean="0"/>
-              <a:t>Now with Redshift Cut</a:t>
-            </a:r>
-            <a:endParaRPr lang="en-US" dirty="0"/>
-          </a:p>
-        </p:txBody>
-      </p:sp>
-      <p:sp>
-        <p:nvSpPr>
-          <p:cNvPr id="4" name="Footer Placeholder 3"/>
-          <p:cNvSpPr>
-            <a:spLocks noGrp="1"/>
-          </p:cNvSpPr>
-          <p:nvPr>
-            <p:ph type="ftr" sz="quarter" idx="11"/>
-          </p:nvPr>
-        </p:nvSpPr>
-        <p:spPr/>
-        <p:txBody>
-          <a:bodyPr/>
-          <a:lstStyle/>
-          <a:p>
-            <a:r>
-              <a:rPr lang="en-US" smtClean="0"/>
-              <a:t>Amanda Newmark</a:t>
-            </a:r>
-            <a:endParaRPr lang="en-US"/>
-          </a:p>
-        </p:txBody>
-      </p:sp>
-      <p:pic>
-        <p:nvPicPr>
-          <p:cNvPr id="7" name="Content Placeholder 6" descr="Screen Shot 2016-07-27 at 8.20.43 PM.png"/>
-          <p:cNvPicPr>
-            <a:picLocks noGrp="1" noChangeAspect="1"/>
-          </p:cNvPicPr>
-          <p:nvPr>
-            <p:ph idx="1"/>
-          </p:nvPr>
-        </p:nvPicPr>
-        <p:blipFill>
-          <a:blip r:embed="rId3">
-            <a:extLst>
-              <a:ext uri="{28A0092B-C50C-407E-A947-70E740481C1C}">
-                <a14:useLocalDpi xmlns:a14="http://schemas.microsoft.com/office/drawing/2010/main" val="0"/>
-              </a:ext>
-            </a:extLst>
-          </a:blip>
-          <a:srcRect l="-19240" r="-19240"/>
-          <a:stretch>
-            <a:fillRect/>
-          </a:stretch>
-        </p:blipFill>
-        <p:spPr/>
-      </p:pic>
-    </p:spTree>
-    <p:extLst>
-      <p:ext uri="{BB962C8B-B14F-4D97-AF65-F5344CB8AC3E}">
-        <p14:creationId xmlns:p14="http://schemas.microsoft.com/office/powerpoint/2010/main" val="3780171474"/>
-      </p:ext>
-    </p:extLst>
-  </p:cSld>
-  <p:clrMapOvr>
-    <a:masterClrMapping/>
-  </p:clrMapOvr>
-  <p:timing>
-    <p:tnLst>
-      <p:par>
-        <p:cTn xmlns:p14="http://schemas.microsoft.com/office/powerpoint/2010/main" id="1" dur="indefinite" restart="never" nodeType="tmRoot"/>
-      </p:par>
-    </p:tnLst>
-  </p:timing>
-</p:sld>
-</file>
-
-<file path=ppt/slides/slide8.xml><?xml version="1.0" encoding="utf-8"?>
-<p:sld xmlns:a="http://schemas.openxmlformats.org/drawingml/2006/main" xmlns:r="http://schemas.openxmlformats.org/officeDocument/2006/relationships" xmlns:p="http://schemas.openxmlformats.org/presentationml/2006/main">
-  <p:cSld>
-    <p:spTree>
-      <p:nvGrpSpPr>
-        <p:cNvPr id="1" name=""/>
-        <p:cNvGrpSpPr/>
-        <p:nvPr/>
-      </p:nvGrpSpPr>
-      <p:grpSpPr>
-        <a:xfrm>
-          <a:off x="0" y="0"/>
-          <a:ext cx="0" cy="0"/>
-          <a:chOff x="0" y="0"/>
-          <a:chExt cx="0" cy="0"/>
-        </a:xfrm>
-      </p:grpSpPr>
-      <p:sp>
-        <p:nvSpPr>
-          <p:cNvPr id="2" name="Title 1"/>
-          <p:cNvSpPr>
-            <a:spLocks noGrp="1"/>
-          </p:cNvSpPr>
-          <p:nvPr>
-            <p:ph type="title"/>
-          </p:nvPr>
-        </p:nvSpPr>
-        <p:spPr/>
-        <p:txBody>
-          <a:bodyPr/>
-          <a:lstStyle/>
-          <a:p>
-            <a:r>
-              <a:rPr lang="en-US" dirty="0"/>
-              <a:t>Flagged vs. Not Flagged</a:t>
-            </a:r>
-          </a:p>
-        </p:txBody>
-      </p:sp>
-      <p:pic>
-        <p:nvPicPr>
-          <p:cNvPr id="5" name="Content Placeholder 4" descr="Screen Shot 2016-07-27 at 8.21.30 PM.png"/>
-          <p:cNvPicPr>
-            <a:picLocks noGrp="1" noChangeAspect="1"/>
-          </p:cNvPicPr>
-          <p:nvPr>
-            <p:ph idx="1"/>
-          </p:nvPr>
-        </p:nvPicPr>
-        <p:blipFill>
-          <a:blip r:embed="rId3">
-            <a:extLst>
-              <a:ext uri="{28A0092B-C50C-407E-A947-70E740481C1C}">
-                <a14:useLocalDpi xmlns:a14="http://schemas.microsoft.com/office/drawing/2010/main" val="0"/>
-              </a:ext>
-            </a:extLst>
-          </a:blip>
-          <a:srcRect t="-26276" b="-26276"/>
-          <a:stretch>
-            <a:fillRect/>
-          </a:stretch>
-        </p:blipFill>
-        <p:spPr>
-          <a:xfrm>
-            <a:off x="0" y="1097316"/>
-            <a:ext cx="9144000" cy="5028847"/>
-          </a:xfrm>
-        </p:spPr>
-      </p:pic>
-      <p:sp>
-        <p:nvSpPr>
-          <p:cNvPr id="4" name="Footer Placeholder 3"/>
-          <p:cNvSpPr>
-            <a:spLocks noGrp="1"/>
-          </p:cNvSpPr>
-          <p:nvPr>
-            <p:ph type="ftr" sz="quarter" idx="11"/>
-          </p:nvPr>
-        </p:nvSpPr>
-        <p:spPr/>
-        <p:txBody>
-          <a:bodyPr/>
-          <a:lstStyle/>
-          <a:p>
-            <a:r>
-              <a:rPr lang="en-US" smtClean="0"/>
-              <a:t>Amanda Newmark</a:t>
-            </a:r>
-            <a:endParaRPr lang="en-US"/>
-          </a:p>
-        </p:txBody>
-      </p:sp>
-    </p:spTree>
-    <p:extLst>
-      <p:ext uri="{BB962C8B-B14F-4D97-AF65-F5344CB8AC3E}">
-        <p14:creationId xmlns:p14="http://schemas.microsoft.com/office/powerpoint/2010/main" val="2426057379"/>
-      </p:ext>
-    </p:extLst>
-  </p:cSld>
-  <p:clrMapOvr>
-    <a:masterClrMapping/>
-  </p:clrMapOvr>
-  <p:timing>
-    <p:tnLst>
-      <p:par>
-        <p:cTn xmlns:p14="http://schemas.microsoft.com/office/powerpoint/2010/main" id="1" dur="indefinite" restart="never" nodeType="tmRoot"/>
-      </p:par>
-    </p:tnLst>
-  </p:timing>
-</p:sld>
-</file>
-
 <file path=ppt/slides/slide9.xml><?xml version="1.0" encoding="utf-8"?>
 <p:sld xmlns:a="http://schemas.openxmlformats.org/drawingml/2006/main" xmlns:r="http://schemas.openxmlformats.org/officeDocument/2006/relationships" xmlns:p="http://schemas.openxmlformats.org/presentationml/2006/main">
   <p:cSld>
@@ -8622,7 +8826,7 @@
           <a:p>
             <a:r>
               <a:rPr lang="en-US" dirty="0" smtClean="0"/>
-              <a:t>Applying to Star Formation History</a:t>
+              <a:t>Slopes v Median Age</a:t>
             </a:r>
             <a:endParaRPr lang="en-US" dirty="0"/>
           </a:p>
@@ -8630,7 +8834,30 @@
       </p:sp>
       <p:sp>
         <p:nvSpPr>
-          <p:cNvPr id="3" name="Content Placeholder 2"/>
+          <p:cNvPr id="4" name="Footer Placeholder 3"/>
+          <p:cNvSpPr>
+            <a:spLocks noGrp="1"/>
+          </p:cNvSpPr>
+          <p:nvPr>
+            <p:ph type="ftr" sz="quarter" idx="11"/>
+          </p:nvPr>
+        </p:nvSpPr>
+        <p:spPr/>
+        <p:txBody>
+          <a:bodyPr/>
+          <a:lstStyle/>
+          <a:p>
+            <a:r>
+              <a:rPr lang="en-US" smtClean="0"/>
+              <a:t>Amanda Newmark</a:t>
+            </a:r>
+            <a:endParaRPr lang="en-US"/>
+          </a:p>
+        </p:txBody>
+      </p:sp>
+      <p:sp>
+        <p:nvSpPr>
+          <p:cNvPr id="8" name="Content Placeholder 7"/>
           <p:cNvSpPr>
             <a:spLocks noGrp="1"/>
           </p:cNvSpPr>
@@ -8643,142 +8870,14 @@
           <a:bodyPr/>
           <a:lstStyle/>
           <a:p>
-            <a:endParaRPr lang="en-US" dirty="0" smtClean="0"/>
-          </a:p>
-          <a:p>
-            <a:endParaRPr lang="en-US" dirty="0"/>
-          </a:p>
-        </p:txBody>
-      </p:sp>
-      <p:sp>
-        <p:nvSpPr>
-          <p:cNvPr id="4" name="Footer Placeholder 3"/>
-          <p:cNvSpPr>
-            <a:spLocks noGrp="1"/>
-          </p:cNvSpPr>
-          <p:nvPr>
-            <p:ph type="ftr" sz="quarter" idx="11"/>
-          </p:nvPr>
-        </p:nvSpPr>
-        <p:spPr/>
-        <p:txBody>
-          <a:bodyPr/>
-          <a:lstStyle/>
-          <a:p>
-            <a:r>
-              <a:rPr lang="en-US" smtClean="0"/>
-              <a:t>Amanda Newmark</a:t>
-            </a:r>
             <a:endParaRPr lang="en-US"/>
           </a:p>
         </p:txBody>
       </p:sp>
-      <p:pic>
-        <p:nvPicPr>
-          <p:cNvPr id="5" name="Picture 4" descr="Screen Shot 2016-07-27 at 8.23.29 PM.png"/>
-          <p:cNvPicPr>
-            <a:picLocks noChangeAspect="1"/>
-          </p:cNvPicPr>
-          <p:nvPr/>
-        </p:nvPicPr>
-        <p:blipFill>
-          <a:blip r:embed="rId3">
-            <a:extLst>
-              <a:ext uri="{28A0092B-C50C-407E-A947-70E740481C1C}">
-                <a14:useLocalDpi xmlns:a14="http://schemas.microsoft.com/office/drawing/2010/main" val="0"/>
-              </a:ext>
-            </a:extLst>
-          </a:blip>
-          <a:stretch>
-            <a:fillRect/>
-          </a:stretch>
-        </p:blipFill>
-        <p:spPr>
-          <a:xfrm>
-            <a:off x="314130" y="1417639"/>
-            <a:ext cx="4407898" cy="3589600"/>
-          </a:xfrm>
-          <a:prstGeom prst="rect">
-            <a:avLst/>
-          </a:prstGeom>
-        </p:spPr>
-      </p:pic>
-      <p:sp>
-        <p:nvSpPr>
-          <p:cNvPr id="9" name="TextBox 8"/>
-          <p:cNvSpPr txBox="1"/>
-          <p:nvPr/>
-        </p:nvSpPr>
-        <p:spPr>
-          <a:xfrm>
-            <a:off x="1745572" y="5007239"/>
-            <a:ext cx="1642196" cy="338554"/>
-          </a:xfrm>
-          <a:prstGeom prst="rect">
-            <a:avLst/>
-          </a:prstGeom>
-          <a:noFill/>
-          <a:ln>
-            <a:solidFill>
-              <a:schemeClr val="tx1"/>
-            </a:solidFill>
-          </a:ln>
-        </p:spPr>
-        <p:txBody>
-          <a:bodyPr wrap="none" rtlCol="0">
-            <a:spAutoFit/>
-          </a:bodyPr>
-          <a:lstStyle/>
-          <a:p>
-            <a:r>
-              <a:rPr lang="en-US" sz="1600" dirty="0" err="1" smtClean="0"/>
-              <a:t>Tojeiro</a:t>
-            </a:r>
-            <a:r>
-              <a:rPr lang="en-US" sz="1600" dirty="0"/>
-              <a:t> </a:t>
-            </a:r>
-            <a:r>
-              <a:rPr lang="en-US" sz="1600" dirty="0" smtClean="0"/>
-              <a:t>et al 2009</a:t>
-            </a:r>
-          </a:p>
-        </p:txBody>
-      </p:sp>
-      <p:pic>
-        <p:nvPicPr>
-          <p:cNvPr id="12" name="Picture 11" descr="oy_agebin.pdf"/>
-          <p:cNvPicPr>
-            <a:picLocks noChangeAspect="1"/>
-          </p:cNvPicPr>
-          <p:nvPr/>
-        </p:nvPicPr>
-        <p:blipFill>
-          <a:blip r:embed="rId4">
-            <a:extLst>
-              <a:ext uri="{28A0092B-C50C-407E-A947-70E740481C1C}">
-                <a14:useLocalDpi xmlns:a14="http://schemas.microsoft.com/office/drawing/2010/main" val="0"/>
-              </a:ext>
-            </a:extLst>
-          </a:blip>
-          <a:stretch>
-            <a:fillRect/>
-          </a:stretch>
-        </p:blipFill>
-        <p:spPr>
-          <a:xfrm>
-            <a:off x="4687312" y="1417638"/>
-            <a:ext cx="4456690" cy="3342518"/>
-          </a:xfrm>
-          <a:prstGeom prst="rect">
-            <a:avLst/>
-          </a:prstGeom>
-        </p:spPr>
-      </p:pic>
     </p:spTree>
     <p:extLst>
       <p:ext uri="{BB962C8B-B14F-4D97-AF65-F5344CB8AC3E}">
-        <p14:creationId xmlns:p14="http://schemas.microsoft.com/office/powerpoint/2010/main" val="1888732109"/>
+        <p14:creationId xmlns:p14="http://schemas.microsoft.com/office/powerpoint/2010/main" val="2071698164"/>
       </p:ext>
     </p:extLst>
   </p:cSld>
